--- a/Data etc/Log.pptx
+++ b/Data etc/Log.pptx
@@ -15,8 +15,13 @@
     <p:sldId id="265" r:id="rId9"/>
     <p:sldId id="266" r:id="rId10"/>
     <p:sldId id="267" r:id="rId11"/>
-    <p:sldId id="264" r:id="rId12"/>
-    <p:sldId id="268" r:id="rId13"/>
+    <p:sldId id="268" r:id="rId12"/>
+    <p:sldId id="273" r:id="rId13"/>
+    <p:sldId id="274" r:id="rId14"/>
+    <p:sldId id="269" r:id="rId15"/>
+    <p:sldId id="272" r:id="rId16"/>
+    <p:sldId id="271" r:id="rId17"/>
+    <p:sldId id="275" r:id="rId18"/>
   </p:sldIdLst>
   <p:sldSz cx="12192000" cy="6858000"/>
   <p:notesSz cx="6858000" cy="9144000"/>
@@ -272,7 +277,7 @@
           <a:p>
             <a:fld id="{AE182ABF-C602-4EB8-A052-2B7C8A1BDF7F}" type="datetimeFigureOut">
               <a:rPr lang="en-GB" smtClean="0"/>
-              <a:t>26/11/2019</a:t>
+              <a:t>02/12/2019</a:t>
             </a:fld>
             <a:endParaRPr lang="en-GB"/>
           </a:p>
@@ -472,7 +477,7 @@
           <a:p>
             <a:fld id="{AE182ABF-C602-4EB8-A052-2B7C8A1BDF7F}" type="datetimeFigureOut">
               <a:rPr lang="en-GB" smtClean="0"/>
-              <a:t>26/11/2019</a:t>
+              <a:t>02/12/2019</a:t>
             </a:fld>
             <a:endParaRPr lang="en-GB"/>
           </a:p>
@@ -682,7 +687,7 @@
           <a:p>
             <a:fld id="{AE182ABF-C602-4EB8-A052-2B7C8A1BDF7F}" type="datetimeFigureOut">
               <a:rPr lang="en-GB" smtClean="0"/>
-              <a:t>26/11/2019</a:t>
+              <a:t>02/12/2019</a:t>
             </a:fld>
             <a:endParaRPr lang="en-GB"/>
           </a:p>
@@ -882,7 +887,7 @@
           <a:p>
             <a:fld id="{AE182ABF-C602-4EB8-A052-2B7C8A1BDF7F}" type="datetimeFigureOut">
               <a:rPr lang="en-GB" smtClean="0"/>
-              <a:t>26/11/2019</a:t>
+              <a:t>02/12/2019</a:t>
             </a:fld>
             <a:endParaRPr lang="en-GB"/>
           </a:p>
@@ -1158,7 +1163,7 @@
           <a:p>
             <a:fld id="{AE182ABF-C602-4EB8-A052-2B7C8A1BDF7F}" type="datetimeFigureOut">
               <a:rPr lang="en-GB" smtClean="0"/>
-              <a:t>26/11/2019</a:t>
+              <a:t>02/12/2019</a:t>
             </a:fld>
             <a:endParaRPr lang="en-GB"/>
           </a:p>
@@ -1426,7 +1431,7 @@
           <a:p>
             <a:fld id="{AE182ABF-C602-4EB8-A052-2B7C8A1BDF7F}" type="datetimeFigureOut">
               <a:rPr lang="en-GB" smtClean="0"/>
-              <a:t>26/11/2019</a:t>
+              <a:t>02/12/2019</a:t>
             </a:fld>
             <a:endParaRPr lang="en-GB"/>
           </a:p>
@@ -1841,7 +1846,7 @@
           <a:p>
             <a:fld id="{AE182ABF-C602-4EB8-A052-2B7C8A1BDF7F}" type="datetimeFigureOut">
               <a:rPr lang="en-GB" smtClean="0"/>
-              <a:t>26/11/2019</a:t>
+              <a:t>02/12/2019</a:t>
             </a:fld>
             <a:endParaRPr lang="en-GB"/>
           </a:p>
@@ -1983,7 +1988,7 @@
           <a:p>
             <a:fld id="{AE182ABF-C602-4EB8-A052-2B7C8A1BDF7F}" type="datetimeFigureOut">
               <a:rPr lang="en-GB" smtClean="0"/>
-              <a:t>26/11/2019</a:t>
+              <a:t>02/12/2019</a:t>
             </a:fld>
             <a:endParaRPr lang="en-GB"/>
           </a:p>
@@ -2096,7 +2101,7 @@
           <a:p>
             <a:fld id="{AE182ABF-C602-4EB8-A052-2B7C8A1BDF7F}" type="datetimeFigureOut">
               <a:rPr lang="en-GB" smtClean="0"/>
-              <a:t>26/11/2019</a:t>
+              <a:t>02/12/2019</a:t>
             </a:fld>
             <a:endParaRPr lang="en-GB"/>
           </a:p>
@@ -2409,7 +2414,7 @@
           <a:p>
             <a:fld id="{AE182ABF-C602-4EB8-A052-2B7C8A1BDF7F}" type="datetimeFigureOut">
               <a:rPr lang="en-GB" smtClean="0"/>
-              <a:t>26/11/2019</a:t>
+              <a:t>02/12/2019</a:t>
             </a:fld>
             <a:endParaRPr lang="en-GB"/>
           </a:p>
@@ -2698,7 +2703,7 @@
           <a:p>
             <a:fld id="{AE182ABF-C602-4EB8-A052-2B7C8A1BDF7F}" type="datetimeFigureOut">
               <a:rPr lang="en-GB" smtClean="0"/>
-              <a:t>26/11/2019</a:t>
+              <a:t>02/12/2019</a:t>
             </a:fld>
             <a:endParaRPr lang="en-GB"/>
           </a:p>
@@ -2941,7 +2946,7 @@
           <a:p>
             <a:fld id="{AE182ABF-C602-4EB8-A052-2B7C8A1BDF7F}" type="datetimeFigureOut">
               <a:rPr lang="en-GB" smtClean="0"/>
-              <a:t>26/11/2019</a:t>
+              <a:t>02/12/2019</a:t>
             </a:fld>
             <a:endParaRPr lang="en-GB"/>
           </a:p>
@@ -4064,15 +4069,29 @@
             <p:ph type="title"/>
           </p:nvPr>
         </p:nvSpPr>
-        <p:spPr/>
+        <p:spPr>
+          <a:xfrm>
+            <a:off x="533400" y="85207"/>
+            <a:ext cx="10515600" cy="1325563"/>
+          </a:xfrm>
+        </p:spPr>
         <p:txBody>
           <a:bodyPr/>
           <a:lstStyle/>
           <a:p>
             <a:r>
+              <a:rPr lang="en-GB" baseline="30000" dirty="0"/>
+              <a:t>test</a:t>
+            </a:r>
+            <a:r>
               <a:rPr lang="en-GB" dirty="0"/>
-              <a:t>Notes 2</a:t>
-            </a:r>
+              <a:t> KNN in EDA </a:t>
+            </a:r>
+            <a:r>
+              <a:rPr lang="en-GB" dirty="0" err="1"/>
+              <a:t>fase</a:t>
+            </a:r>
+            <a:endParaRPr lang="en-GB" dirty="0"/>
           </a:p>
         </p:txBody>
       </p:sp>
@@ -4090,8 +4109,8 @@
         </p:nvSpPr>
         <p:spPr>
           <a:xfrm>
-            <a:off x="838200" y="2106706"/>
-            <a:ext cx="10515600" cy="3139321"/>
+            <a:off x="1597089" y="1129919"/>
+            <a:ext cx="7061719" cy="5355312"/>
           </a:xfrm>
           <a:prstGeom prst="rect">
             <a:avLst/>
@@ -4105,155 +4124,108 @@
           <a:lstStyle/>
           <a:p>
             <a:r>
-              <a:rPr lang="en-GB" dirty="0"/>
-              <a:t>Sample 10% of data</a:t>
-            </a:r>
-          </a:p>
-          <a:p>
-            <a:r>
-              <a:rPr lang="en-GB" dirty="0"/>
-              <a:t>Create new test / train</a:t>
-            </a:r>
-          </a:p>
-          <a:p>
-            <a:r>
-              <a:rPr lang="en-GB" dirty="0" err="1"/>
-              <a:t>Houdt</a:t>
-            </a:r>
-            <a:r>
-              <a:rPr lang="en-GB" dirty="0"/>
-              <a:t> Validation </a:t>
-            </a:r>
-            <a:r>
-              <a:rPr lang="en-GB" dirty="0" err="1"/>
-              <a:t>geisoleerd</a:t>
-            </a:r>
-            <a:endParaRPr lang="en-GB" dirty="0"/>
-          </a:p>
-          <a:p>
-            <a:r>
-              <a:rPr lang="en-GB" dirty="0"/>
-              <a:t>Pre-process apart en </a:t>
-            </a:r>
-            <a:r>
-              <a:rPr lang="en-GB" dirty="0" err="1"/>
-              <a:t>veel</a:t>
-            </a:r>
-            <a:r>
-              <a:rPr lang="en-GB" dirty="0"/>
-              <a:t> scripts voor de </a:t>
-            </a:r>
-            <a:r>
-              <a:rPr lang="en-GB" dirty="0" err="1"/>
-              <a:t>verschillende</a:t>
-            </a:r>
-            <a:r>
-              <a:rPr lang="en-GB" dirty="0"/>
-              <a:t> </a:t>
-            </a:r>
-            <a:r>
-              <a:rPr lang="en-GB" dirty="0" err="1"/>
-              <a:t>modellen</a:t>
-            </a:r>
-            <a:endParaRPr lang="en-GB" dirty="0"/>
-          </a:p>
-          <a:p>
-            <a:r>
-              <a:rPr lang="en-GB" dirty="0" err="1"/>
-              <a:t>Voorspel</a:t>
-            </a:r>
-            <a:r>
-              <a:rPr lang="en-GB" dirty="0"/>
-              <a:t> building /space </a:t>
-            </a:r>
-            <a:r>
-              <a:rPr lang="en-GB" dirty="0" err="1"/>
-              <a:t>obv</a:t>
-            </a:r>
-            <a:r>
-              <a:rPr lang="en-GB" dirty="0"/>
-              <a:t> longitude / latitude</a:t>
-            </a:r>
-          </a:p>
-          <a:p>
-            <a:r>
-              <a:rPr lang="en-GB" dirty="0" err="1"/>
-              <a:t>Isoleer</a:t>
-            </a:r>
-            <a:r>
-              <a:rPr lang="en-GB" dirty="0"/>
-              <a:t> </a:t>
-            </a:r>
-            <a:r>
-              <a:rPr lang="en-GB" dirty="0" err="1"/>
-              <a:t>eventueel</a:t>
-            </a:r>
-            <a:r>
-              <a:rPr lang="en-GB" dirty="0"/>
-              <a:t> </a:t>
-            </a:r>
-            <a:r>
-              <a:rPr lang="en-GB" dirty="0" err="1"/>
-              <a:t>alleen</a:t>
-            </a:r>
-            <a:r>
-              <a:rPr lang="en-GB" dirty="0"/>
-              <a:t> 1 </a:t>
-            </a:r>
-            <a:r>
-              <a:rPr lang="en-GB" dirty="0" err="1"/>
-              <a:t>gebouw</a:t>
-            </a:r>
-            <a:r>
-              <a:rPr lang="en-GB" dirty="0"/>
-              <a:t> en </a:t>
-            </a:r>
-            <a:r>
-              <a:rPr lang="en-GB" dirty="0" err="1"/>
-              <a:t>locatie</a:t>
-            </a:r>
-            <a:endParaRPr lang="en-GB" dirty="0"/>
-          </a:p>
-          <a:p>
-            <a:r>
-              <a:rPr lang="en-GB" dirty="0" err="1"/>
-              <a:t>Knn</a:t>
-            </a:r>
-            <a:r>
-              <a:rPr lang="en-GB" dirty="0"/>
-              <a:t> </a:t>
-            </a:r>
-            <a:r>
-              <a:rPr lang="en-GB" dirty="0" err="1"/>
-              <a:t>classificatie</a:t>
-            </a:r>
-            <a:r>
-              <a:rPr lang="en-GB" dirty="0"/>
-              <a:t> en </a:t>
-            </a:r>
-            <a:r>
-              <a:rPr lang="en-GB" dirty="0" err="1"/>
-              <a:t>regressie</a:t>
-            </a:r>
-            <a:r>
-              <a:rPr lang="en-GB" dirty="0"/>
-              <a:t> analyses</a:t>
-            </a:r>
+              <a:rPr lang="en-US" dirty="0" err="1"/>
+              <a:t>Fit_long</a:t>
+            </a:r>
+            <a:endParaRPr lang="en-US" dirty="0"/>
           </a:p>
           <a:p>
             <a:r>
               <a:rPr lang="en-US" dirty="0"/>
-              <a:t> (Phone Id: 13, 14) are used to implement SRL-KNN algorithm</a:t>
-            </a:r>
+              <a:t>k-Nearest Neighbors </a:t>
+            </a:r>
+          </a:p>
+          <a:p>
+            <a:endParaRPr lang="en-US" dirty="0"/>
           </a:p>
           <a:p>
             <a:r>
               <a:rPr lang="en-US" dirty="0"/>
-              <a:t>Building to factor</a:t>
-            </a:r>
-            <a:endParaRPr lang="en-GB" dirty="0"/>
-          </a:p>
-          <a:p>
+              <a:t>1502 samples</a:t>
+            </a:r>
+          </a:p>
+          <a:p>
+            <a:r>
+              <a:rPr lang="en-US" dirty="0"/>
+              <a:t> 529 predictor</a:t>
+            </a:r>
+          </a:p>
+          <a:p>
+            <a:endParaRPr lang="en-US" dirty="0"/>
+          </a:p>
+          <a:p>
+            <a:r>
+              <a:rPr lang="en-US" dirty="0"/>
+              <a:t>Pre-processing: median imputation (525), remove (122) </a:t>
+            </a:r>
+          </a:p>
+          <a:p>
+            <a:r>
+              <a:rPr lang="en-US" dirty="0"/>
+              <a:t>Resampling: Cross-Validated (10 fold, repeated 1 times) </a:t>
+            </a:r>
+          </a:p>
+          <a:p>
+            <a:r>
+              <a:rPr lang="en-US" dirty="0"/>
+              <a:t>Summary of sample sizes: 1352, 1353, 1352, 1351, 1351, 1352, ... </a:t>
+            </a:r>
+          </a:p>
+          <a:p>
+            <a:r>
+              <a:rPr lang="en-US" dirty="0"/>
+              <a:t>Resampling results across tuning parameters:</a:t>
+            </a:r>
+          </a:p>
+          <a:p>
+            <a:endParaRPr lang="en-US" dirty="0"/>
+          </a:p>
+          <a:p>
+            <a:r>
+              <a:rPr lang="en-US" dirty="0"/>
+              <a:t>  k  RMSE      </a:t>
+            </a:r>
+            <a:r>
+              <a:rPr lang="en-US" dirty="0" err="1"/>
+              <a:t>Rsquared</a:t>
+            </a:r>
+            <a:r>
+              <a:rPr lang="en-US" dirty="0"/>
+              <a:t>   MAE     </a:t>
+            </a:r>
+          </a:p>
+          <a:p>
+            <a:r>
+              <a:rPr lang="en-US" dirty="0"/>
+              <a:t>  5  13.25943  0.9885509  7.446795</a:t>
+            </a:r>
+          </a:p>
+          <a:p>
+            <a:r>
+              <a:rPr lang="en-US" dirty="0"/>
+              <a:t>  7  15.20129  0.9849412  8.750156</a:t>
+            </a:r>
+          </a:p>
+          <a:p>
+            <a:r>
+              <a:rPr lang="en-US" dirty="0"/>
+              <a:t>  9  16.84683  0.9814590  9.967150</a:t>
+            </a:r>
+          </a:p>
+          <a:p>
+            <a:endParaRPr lang="en-US" dirty="0"/>
+          </a:p>
+          <a:p>
+            <a:r>
+              <a:rPr lang="en-US" dirty="0"/>
+              <a:t>RMSE was used to select the optimal model using the smallest value.</a:t>
+            </a:r>
+          </a:p>
+          <a:p>
+            <a:r>
+              <a:rPr lang="en-US" dirty="0"/>
+              <a:t>The final value used for the model was k = 5.</a:t>
+            </a:r>
             <a:endParaRPr lang="en-GB" dirty="0"/>
           </a:p>
           <a:p>
@@ -4264,7 +4236,7 @@
     </p:spTree>
     <p:extLst>
       <p:ext uri="{BB962C8B-B14F-4D97-AF65-F5344CB8AC3E}">
-        <p14:creationId xmlns:p14="http://schemas.microsoft.com/office/powerpoint/2010/main" val="461736339"/>
+        <p14:creationId xmlns:p14="http://schemas.microsoft.com/office/powerpoint/2010/main" val="280690453"/>
       </p:ext>
     </p:extLst>
   </p:cSld>
@@ -4307,9 +4279,16 @@
             <p:ph type="title"/>
           </p:nvPr>
         </p:nvSpPr>
-        <p:spPr/>
+        <p:spPr>
+          <a:xfrm>
+            <a:off x="74645" y="83975"/>
+            <a:ext cx="4318518" cy="427977"/>
+          </a:xfrm>
+        </p:spPr>
         <p:txBody>
-          <a:bodyPr/>
+          <a:bodyPr>
+            <a:normAutofit fontScale="90000"/>
+          </a:bodyPr>
           <a:lstStyle/>
           <a:p>
             <a:r>
@@ -4322,17 +4301,1734 @@
             </a:r>
             <a:r>
               <a:rPr lang="en-GB" dirty="0"/>
-              <a:t> KNN</a:t>
+              <a:t> KNN-model </a:t>
             </a:r>
           </a:p>
         </p:txBody>
       </p:sp>
       <p:sp>
         <p:nvSpPr>
-          <p:cNvPr id="3" name="Tekstvak 2">
-            <a:extLst>
-              <a:ext uri="{FF2B5EF4-FFF2-40B4-BE49-F238E27FC236}">
-                <a16:creationId xmlns:a16="http://schemas.microsoft.com/office/drawing/2014/main" id="{11E0C5EC-47EB-4B18-92EC-00A8B8A79889}"/>
+          <p:cNvPr id="4" name="Rechthoek 3">
+            <a:extLst>
+              <a:ext uri="{FF2B5EF4-FFF2-40B4-BE49-F238E27FC236}">
+                <a16:creationId xmlns:a16="http://schemas.microsoft.com/office/drawing/2014/main" id="{0A75E72C-784D-4300-A09B-D45CBBBAB74A}"/>
+              </a:ext>
+            </a:extLst>
+          </p:cNvPr>
+          <p:cNvSpPr/>
+          <p:nvPr/>
+        </p:nvSpPr>
+        <p:spPr>
+          <a:xfrm>
+            <a:off x="944722" y="819176"/>
+            <a:ext cx="3306146" cy="2862322"/>
+          </a:xfrm>
+          <a:prstGeom prst="rect">
+            <a:avLst/>
+          </a:prstGeom>
+        </p:spPr>
+        <p:txBody>
+          <a:bodyPr wrap="square">
+            <a:spAutoFit/>
+          </a:bodyPr>
+          <a:lstStyle/>
+          <a:p>
+            <a:r>
+              <a:rPr lang="en-GB" sz="1000" noProof="1"/>
+              <a:t>Fit_lat_B0 &lt;- train(LATITUDE ~., </a:t>
+            </a:r>
+          </a:p>
+          <a:p>
+            <a:r>
+              <a:rPr lang="en-GB" sz="1000" noProof="1"/>
+              <a:t>                  data = training_B0_lat, </a:t>
+            </a:r>
+          </a:p>
+          <a:p>
+            <a:r>
+              <a:rPr lang="en-GB" sz="1000" noProof="1"/>
+              <a:t>                  method = "kknn", </a:t>
+            </a:r>
+          </a:p>
+          <a:p>
+            <a:r>
+              <a:rPr lang="en-GB" sz="1000" noProof="1"/>
+              <a:t>                  trControl=fitControl, </a:t>
+            </a:r>
+          </a:p>
+          <a:p>
+            <a:r>
+              <a:rPr lang="en-GB" sz="1000" noProof="1"/>
+              <a:t>                  tuneLength = 5,</a:t>
+            </a:r>
+          </a:p>
+          <a:p>
+            <a:r>
+              <a:rPr lang="en-GB" sz="1000" noProof="1"/>
+              <a:t>                  verboseIter = TRUE,</a:t>
+            </a:r>
+          </a:p>
+          <a:p>
+            <a:r>
+              <a:rPr lang="en-GB" sz="1000" noProof="1"/>
+              <a:t>                  preProcess = c("zv", "medianImpute"))</a:t>
+            </a:r>
+          </a:p>
+          <a:p>
+            <a:r>
+              <a:rPr lang="en-GB" sz="1000" noProof="1"/>
+              <a:t>Fit_lat_B0</a:t>
+            </a:r>
+          </a:p>
+          <a:p>
+            <a:r>
+              <a:rPr lang="en-GB" sz="1000" noProof="1"/>
+              <a:t>saveRDS(Fit_lat_B0, file = "KNN_Fit_lat_B0.rds")</a:t>
+            </a:r>
+          </a:p>
+          <a:p>
+            <a:r>
+              <a:rPr lang="en-GB" sz="1000" noProof="1"/>
+              <a:t>#k   RMSE       Rsquared   MAE      </a:t>
+            </a:r>
+          </a:p>
+          <a:p>
+            <a:r>
+              <a:rPr lang="en-GB" sz="1000" noProof="1"/>
+              <a:t>#5   6.460450  0.9588620  3.660657</a:t>
+            </a:r>
+          </a:p>
+          <a:p>
+            <a:endParaRPr lang="en-GB" sz="1000" noProof="1"/>
+          </a:p>
+          <a:p>
+            <a:r>
+              <a:rPr lang="en-GB" sz="1000" noProof="1"/>
+              <a:t>#Fit_lat_B0 postresample----</a:t>
+            </a:r>
+          </a:p>
+          <a:p>
+            <a:r>
+              <a:rPr lang="en-GB" sz="1000" noProof="1"/>
+              <a:t>postResample(pred = predict(object = Fit_lat_B0, </a:t>
+            </a:r>
+          </a:p>
+          <a:p>
+            <a:r>
+              <a:rPr lang="en-GB" sz="1000" noProof="1"/>
+              <a:t>                            newdata = testing_B0_lat), </a:t>
+            </a:r>
+          </a:p>
+          <a:p>
+            <a:r>
+              <a:rPr lang="en-GB" sz="1000" noProof="1"/>
+              <a:t>                            obs = testing_B0_lat$LATITUDE)</a:t>
+            </a:r>
+          </a:p>
+          <a:p>
+            <a:r>
+              <a:rPr lang="en-GB" sz="1000" noProof="1"/>
+              <a:t>#   RMSE     Rsquared MAE </a:t>
+            </a:r>
+          </a:p>
+          <a:p>
+            <a:r>
+              <a:rPr lang="en-GB" sz="1000" noProof="1"/>
+              <a:t>#   6.7003103 0.9609583 4.0250448</a:t>
+            </a:r>
+          </a:p>
+        </p:txBody>
+      </p:sp>
+      <p:sp>
+        <p:nvSpPr>
+          <p:cNvPr id="5" name="Rechthoek 4">
+            <a:extLst>
+              <a:ext uri="{FF2B5EF4-FFF2-40B4-BE49-F238E27FC236}">
+                <a16:creationId xmlns:a16="http://schemas.microsoft.com/office/drawing/2014/main" id="{5F8E857D-AA8D-4463-A5D7-0A99FC98D02D}"/>
+              </a:ext>
+            </a:extLst>
+          </p:cNvPr>
+          <p:cNvSpPr/>
+          <p:nvPr/>
+        </p:nvSpPr>
+        <p:spPr>
+          <a:xfrm>
+            <a:off x="4675414" y="819176"/>
+            <a:ext cx="3023119" cy="2862322"/>
+          </a:xfrm>
+          <a:prstGeom prst="rect">
+            <a:avLst/>
+          </a:prstGeom>
+        </p:spPr>
+        <p:txBody>
+          <a:bodyPr wrap="square">
+            <a:spAutoFit/>
+          </a:bodyPr>
+          <a:lstStyle/>
+          <a:p>
+            <a:r>
+              <a:rPr lang="en-GB" sz="1000" noProof="1"/>
+              <a:t>Fit_lat_B1 &lt;- train(LATITUDE~., </a:t>
+            </a:r>
+          </a:p>
+          <a:p>
+            <a:r>
+              <a:rPr lang="en-GB" sz="1000" noProof="1"/>
+              <a:t>                    data = training_B1_lat, </a:t>
+            </a:r>
+          </a:p>
+          <a:p>
+            <a:r>
+              <a:rPr lang="en-GB" sz="1000" noProof="1"/>
+              <a:t>                    method = "kknn", </a:t>
+            </a:r>
+          </a:p>
+          <a:p>
+            <a:r>
+              <a:rPr lang="en-GB" sz="1000" noProof="1"/>
+              <a:t>                    trControl=fitControl, </a:t>
+            </a:r>
+          </a:p>
+          <a:p>
+            <a:r>
+              <a:rPr lang="en-GB" sz="1000" noProof="1"/>
+              <a:t>                    tuneLength = 5,</a:t>
+            </a:r>
+          </a:p>
+          <a:p>
+            <a:r>
+              <a:rPr lang="en-GB" sz="1000" noProof="1"/>
+              <a:t>                    verboseIter = TRUE,</a:t>
+            </a:r>
+          </a:p>
+          <a:p>
+            <a:r>
+              <a:rPr lang="en-GB" sz="1000" noProof="1"/>
+              <a:t>                    preProcess = c("zv", "medianImpute"))</a:t>
+            </a:r>
+          </a:p>
+          <a:p>
+            <a:r>
+              <a:rPr lang="en-GB" sz="1000" noProof="1"/>
+              <a:t>Fit_lat_B1</a:t>
+            </a:r>
+          </a:p>
+          <a:p>
+            <a:r>
+              <a:rPr lang="en-GB" sz="1000" noProof="1"/>
+              <a:t>saveRDS(Fit_lat_B1, file = "KNN_Fit_lat_B1.rds")</a:t>
+            </a:r>
+          </a:p>
+          <a:p>
+            <a:r>
+              <a:rPr lang="en-GB" sz="1000" noProof="1"/>
+              <a:t>#k   RMSE       Rsquared   MAE      </a:t>
+            </a:r>
+          </a:p>
+          <a:p>
+            <a:r>
+              <a:rPr lang="en-GB" sz="1000" noProof="1"/>
+              <a:t>#5   8.241445  0.9482391  4.979434</a:t>
+            </a:r>
+          </a:p>
+          <a:p>
+            <a:endParaRPr lang="en-GB" sz="1000" noProof="1"/>
+          </a:p>
+          <a:p>
+            <a:r>
+              <a:rPr lang="en-GB" sz="1000" noProof="1"/>
+              <a:t>#Fit_lat_B1 postresample----</a:t>
+            </a:r>
+          </a:p>
+          <a:p>
+            <a:r>
+              <a:rPr lang="en-GB" sz="1000" noProof="1"/>
+              <a:t>postResample(pred = predict(object = Fit_lat_B1, </a:t>
+            </a:r>
+          </a:p>
+          <a:p>
+            <a:r>
+              <a:rPr lang="en-GB" sz="1000" noProof="1"/>
+              <a:t>                            newdata = testing_B1_lat), </a:t>
+            </a:r>
+          </a:p>
+          <a:p>
+            <a:r>
+              <a:rPr lang="en-GB" sz="1000" noProof="1"/>
+              <a:t>             obs = testing_B1_lat$LATITUDE)</a:t>
+            </a:r>
+          </a:p>
+          <a:p>
+            <a:r>
+              <a:rPr lang="en-GB" sz="1000" noProof="1"/>
+              <a:t>#   RMSE     Rsquared MAE </a:t>
+            </a:r>
+          </a:p>
+          <a:p>
+            <a:r>
+              <a:rPr lang="en-GB" sz="1000" noProof="1"/>
+              <a:t>#   6.7663285 0.9645302 4.4480253</a:t>
+            </a:r>
+          </a:p>
+        </p:txBody>
+      </p:sp>
+      <p:sp>
+        <p:nvSpPr>
+          <p:cNvPr id="6" name="Rechthoek 5">
+            <a:extLst>
+              <a:ext uri="{FF2B5EF4-FFF2-40B4-BE49-F238E27FC236}">
+                <a16:creationId xmlns:a16="http://schemas.microsoft.com/office/drawing/2014/main" id="{64DC00B1-F460-4B45-9002-AD9FCA4FF483}"/>
+              </a:ext>
+            </a:extLst>
+          </p:cNvPr>
+          <p:cNvSpPr/>
+          <p:nvPr/>
+        </p:nvSpPr>
+        <p:spPr>
+          <a:xfrm>
+            <a:off x="8298805" y="819176"/>
+            <a:ext cx="3217506" cy="2862322"/>
+          </a:xfrm>
+          <a:prstGeom prst="rect">
+            <a:avLst/>
+          </a:prstGeom>
+        </p:spPr>
+        <p:txBody>
+          <a:bodyPr wrap="square">
+            <a:spAutoFit/>
+          </a:bodyPr>
+          <a:lstStyle/>
+          <a:p>
+            <a:r>
+              <a:rPr lang="en-GB" sz="1000" noProof="1"/>
+              <a:t>Fit_lat_B2 &lt;- train(LATITUDE~., </a:t>
+            </a:r>
+          </a:p>
+          <a:p>
+            <a:r>
+              <a:rPr lang="en-GB" sz="1000" noProof="1"/>
+              <a:t>                    data = training_B2_lat, </a:t>
+            </a:r>
+          </a:p>
+          <a:p>
+            <a:r>
+              <a:rPr lang="en-GB" sz="1000" noProof="1"/>
+              <a:t>                    method = "kknn", </a:t>
+            </a:r>
+          </a:p>
+          <a:p>
+            <a:r>
+              <a:rPr lang="en-GB" sz="1000" noProof="1"/>
+              <a:t>                    trControl=fitControl, </a:t>
+            </a:r>
+          </a:p>
+          <a:p>
+            <a:r>
+              <a:rPr lang="en-GB" sz="1000" noProof="1"/>
+              <a:t>                    tuneLength = 5,</a:t>
+            </a:r>
+          </a:p>
+          <a:p>
+            <a:r>
+              <a:rPr lang="en-GB" sz="1000" noProof="1"/>
+              <a:t>                    verboseIter = TRUE,</a:t>
+            </a:r>
+          </a:p>
+          <a:p>
+            <a:r>
+              <a:rPr lang="en-GB" sz="1000" noProof="1"/>
+              <a:t>                    preProcess = c("zv", "medianImpute"))</a:t>
+            </a:r>
+          </a:p>
+          <a:p>
+            <a:r>
+              <a:rPr lang="en-GB" sz="1000" noProof="1"/>
+              <a:t>Fit_lat_B2</a:t>
+            </a:r>
+          </a:p>
+          <a:p>
+            <a:r>
+              <a:rPr lang="en-GB" sz="1000" noProof="1"/>
+              <a:t>saveRDS(Fit_lat_B2, file = "KNN_Fit_lat_B2.rds")</a:t>
+            </a:r>
+          </a:p>
+          <a:p>
+            <a:r>
+              <a:rPr lang="en-GB" sz="1000" noProof="1"/>
+              <a:t>#k   RMSE       Rsquared   MAE      </a:t>
+            </a:r>
+          </a:p>
+          <a:p>
+            <a:r>
+              <a:rPr lang="en-GB" sz="1000" noProof="1"/>
+              <a:t>#5   7.088801  0.9365169  3.989857</a:t>
+            </a:r>
+          </a:p>
+          <a:p>
+            <a:endParaRPr lang="en-GB" sz="1000" noProof="1"/>
+          </a:p>
+          <a:p>
+            <a:r>
+              <a:rPr lang="en-GB" sz="1000" noProof="1"/>
+              <a:t>#Fit_lat_B2 postresample----</a:t>
+            </a:r>
+          </a:p>
+          <a:p>
+            <a:r>
+              <a:rPr lang="en-GB" sz="1000" noProof="1"/>
+              <a:t>postResample(pred = predict(object = Fit_lat_B2, </a:t>
+            </a:r>
+          </a:p>
+          <a:p>
+            <a:r>
+              <a:rPr lang="en-GB" sz="1000" noProof="1"/>
+              <a:t>                            newdata = testing_B2_lat), </a:t>
+            </a:r>
+          </a:p>
+          <a:p>
+            <a:r>
+              <a:rPr lang="en-GB" sz="1000" noProof="1"/>
+              <a:t>             obs = testing_B2_lat$LATITUDE)</a:t>
+            </a:r>
+          </a:p>
+          <a:p>
+            <a:r>
+              <a:rPr lang="en-GB" sz="1000" noProof="1"/>
+              <a:t>#   RMSE      Rsquared  MAE </a:t>
+            </a:r>
+          </a:p>
+          <a:p>
+            <a:r>
+              <a:rPr lang="en-GB" sz="1000" noProof="1"/>
+              <a:t>#   6.0978035 0.9547484 3.4121850 </a:t>
+            </a:r>
+          </a:p>
+        </p:txBody>
+      </p:sp>
+      <p:sp>
+        <p:nvSpPr>
+          <p:cNvPr id="7" name="Rechthoek 6">
+            <a:extLst>
+              <a:ext uri="{FF2B5EF4-FFF2-40B4-BE49-F238E27FC236}">
+                <a16:creationId xmlns:a16="http://schemas.microsoft.com/office/drawing/2014/main" id="{F7472CC3-788A-41C7-8EFE-EFE69CCFAA05}"/>
+              </a:ext>
+            </a:extLst>
+          </p:cNvPr>
+          <p:cNvSpPr/>
+          <p:nvPr/>
+        </p:nvSpPr>
+        <p:spPr>
+          <a:xfrm>
+            <a:off x="751112" y="3839750"/>
+            <a:ext cx="3205068" cy="2862322"/>
+          </a:xfrm>
+          <a:prstGeom prst="rect">
+            <a:avLst/>
+          </a:prstGeom>
+        </p:spPr>
+        <p:txBody>
+          <a:bodyPr wrap="square">
+            <a:spAutoFit/>
+          </a:bodyPr>
+          <a:lstStyle/>
+          <a:p>
+            <a:r>
+              <a:rPr lang="en-GB" sz="1000" noProof="1"/>
+              <a:t>Fit_long_B0 &lt;- train(LONGITUDE~., </a:t>
+            </a:r>
+          </a:p>
+          <a:p>
+            <a:r>
+              <a:rPr lang="en-GB" sz="1000" noProof="1"/>
+              <a:t>                    data = training_B0_long, </a:t>
+            </a:r>
+          </a:p>
+          <a:p>
+            <a:r>
+              <a:rPr lang="en-GB" sz="1000" noProof="1"/>
+              <a:t>                    method = "kknn", </a:t>
+            </a:r>
+          </a:p>
+          <a:p>
+            <a:r>
+              <a:rPr lang="en-GB" sz="1000" noProof="1"/>
+              <a:t>                    trControl=fitControl, </a:t>
+            </a:r>
+          </a:p>
+          <a:p>
+            <a:r>
+              <a:rPr lang="en-GB" sz="1000" noProof="1"/>
+              <a:t>                    tuneLength = 5,</a:t>
+            </a:r>
+          </a:p>
+          <a:p>
+            <a:r>
+              <a:rPr lang="en-GB" sz="1000" noProof="1"/>
+              <a:t>                    verboseIter = TRUE,</a:t>
+            </a:r>
+          </a:p>
+          <a:p>
+            <a:r>
+              <a:rPr lang="en-GB" sz="1000" noProof="1"/>
+              <a:t>                    preProcess = c("zv", "medianImpute"))</a:t>
+            </a:r>
+          </a:p>
+          <a:p>
+            <a:r>
+              <a:rPr lang="en-GB" sz="1000" noProof="1"/>
+              <a:t>Fit_long_B0</a:t>
+            </a:r>
+          </a:p>
+          <a:p>
+            <a:r>
+              <a:rPr lang="en-GB" sz="1000" noProof="1"/>
+              <a:t>saveRDS(Fit_long_B0, file = "KNN_Fit_long_B0.rds")</a:t>
+            </a:r>
+          </a:p>
+          <a:p>
+            <a:r>
+              <a:rPr lang="en-GB" sz="1000" noProof="1"/>
+              <a:t>#k   RMSE       Rsquared   MAE      </a:t>
+            </a:r>
+          </a:p>
+          <a:p>
+            <a:r>
+              <a:rPr lang="en-GB" sz="1000" noProof="1"/>
+              <a:t>#5   7.311088  0.9158382  4.482322</a:t>
+            </a:r>
+          </a:p>
+          <a:p>
+            <a:endParaRPr lang="en-GB" sz="1000" noProof="1"/>
+          </a:p>
+          <a:p>
+            <a:r>
+              <a:rPr lang="en-GB" sz="1000" noProof="1"/>
+              <a:t>#Fit_long_B0 postresample----</a:t>
+            </a:r>
+          </a:p>
+          <a:p>
+            <a:r>
+              <a:rPr lang="en-GB" sz="1000" noProof="1"/>
+              <a:t>postResample(pred = predict(object = Fit_long_B0, </a:t>
+            </a:r>
+          </a:p>
+          <a:p>
+            <a:r>
+              <a:rPr lang="en-GB" sz="1000" noProof="1"/>
+              <a:t>                            newdata = testing_B0_long), </a:t>
+            </a:r>
+          </a:p>
+          <a:p>
+            <a:r>
+              <a:rPr lang="en-GB" sz="1000" noProof="1"/>
+              <a:t>             obs = testing_B0_long$LONGITUDE)</a:t>
+            </a:r>
+          </a:p>
+          <a:p>
+            <a:r>
+              <a:rPr lang="en-GB" sz="1000" noProof="1"/>
+              <a:t>#   RMSE      Rsquared  MAE </a:t>
+            </a:r>
+          </a:p>
+          <a:p>
+            <a:r>
+              <a:rPr lang="en-GB" sz="1000" noProof="1"/>
+              <a:t>#   6.5256682 0.9337054 4.1474910 </a:t>
+            </a:r>
+          </a:p>
+        </p:txBody>
+      </p:sp>
+      <p:sp>
+        <p:nvSpPr>
+          <p:cNvPr id="8" name="Rechthoek 7">
+            <a:extLst>
+              <a:ext uri="{FF2B5EF4-FFF2-40B4-BE49-F238E27FC236}">
+                <a16:creationId xmlns:a16="http://schemas.microsoft.com/office/drawing/2014/main" id="{71A0F26E-8544-4347-9757-6E7ABC5701EC}"/>
+              </a:ext>
+            </a:extLst>
+          </p:cNvPr>
+          <p:cNvSpPr/>
+          <p:nvPr/>
+        </p:nvSpPr>
+        <p:spPr>
+          <a:xfrm>
+            <a:off x="4493465" y="3839750"/>
+            <a:ext cx="3205068" cy="2862322"/>
+          </a:xfrm>
+          <a:prstGeom prst="rect">
+            <a:avLst/>
+          </a:prstGeom>
+        </p:spPr>
+        <p:txBody>
+          <a:bodyPr wrap="square">
+            <a:spAutoFit/>
+          </a:bodyPr>
+          <a:lstStyle/>
+          <a:p>
+            <a:r>
+              <a:rPr lang="en-GB" sz="1000" noProof="1"/>
+              <a:t>Fit_long_B1 &lt;- train(LONGITUDE~., </a:t>
+            </a:r>
+          </a:p>
+          <a:p>
+            <a:r>
+              <a:rPr lang="en-GB" sz="1000" noProof="1"/>
+              <a:t>                    data = training_B1_long, </a:t>
+            </a:r>
+          </a:p>
+          <a:p>
+            <a:r>
+              <a:rPr lang="en-GB" sz="1000" noProof="1"/>
+              <a:t>                    method = "kknn", </a:t>
+            </a:r>
+          </a:p>
+          <a:p>
+            <a:r>
+              <a:rPr lang="en-GB" sz="1000" noProof="1"/>
+              <a:t>                    trControl=fitControl, </a:t>
+            </a:r>
+          </a:p>
+          <a:p>
+            <a:r>
+              <a:rPr lang="en-GB" sz="1000" noProof="1"/>
+              <a:t>                    tuneLength = 5,</a:t>
+            </a:r>
+          </a:p>
+          <a:p>
+            <a:r>
+              <a:rPr lang="en-GB" sz="1000" noProof="1"/>
+              <a:t>                    verboseIter = TRUE,</a:t>
+            </a:r>
+          </a:p>
+          <a:p>
+            <a:r>
+              <a:rPr lang="en-GB" sz="1000" noProof="1"/>
+              <a:t>                    preProcess = c("zv", "medianImpute"))</a:t>
+            </a:r>
+          </a:p>
+          <a:p>
+            <a:r>
+              <a:rPr lang="en-GB" sz="1000" noProof="1"/>
+              <a:t>Fit_long_B1</a:t>
+            </a:r>
+          </a:p>
+          <a:p>
+            <a:r>
+              <a:rPr lang="en-GB" sz="1000" noProof="1"/>
+              <a:t>saveRDS(Fit_long_B1, file = "KNN_Fit_long_B1.rds")</a:t>
+            </a:r>
+          </a:p>
+          <a:p>
+            <a:r>
+              <a:rPr lang="en-GB" sz="1000" noProof="1"/>
+              <a:t>#k  RMSE       Rsquared   MAE      </a:t>
+            </a:r>
+          </a:p>
+          <a:p>
+            <a:r>
+              <a:rPr lang="en-GB" sz="1000" noProof="1"/>
+              <a:t>#5  8.538631  0.9698672  5.201769</a:t>
+            </a:r>
+          </a:p>
+          <a:p>
+            <a:endParaRPr lang="en-GB" sz="1000" noProof="1"/>
+          </a:p>
+          <a:p>
+            <a:r>
+              <a:rPr lang="en-GB" sz="1000" noProof="1"/>
+              <a:t>#Fit_long_B1 postresample----</a:t>
+            </a:r>
+          </a:p>
+          <a:p>
+            <a:r>
+              <a:rPr lang="en-GB" sz="1000" noProof="1"/>
+              <a:t>postResample(pred = predict(object = Fit_long_B1, </a:t>
+            </a:r>
+          </a:p>
+          <a:p>
+            <a:r>
+              <a:rPr lang="en-GB" sz="1000" noProof="1"/>
+              <a:t>                            newdata = testing_B1_long), </a:t>
+            </a:r>
+          </a:p>
+          <a:p>
+            <a:r>
+              <a:rPr lang="en-GB" sz="1000" noProof="1"/>
+              <a:t>             obs = testing_B1_long$LONGITUDE)</a:t>
+            </a:r>
+          </a:p>
+          <a:p>
+            <a:r>
+              <a:rPr lang="en-GB" sz="1000" noProof="1"/>
+              <a:t>#   RMSE      Rsquared  MAE </a:t>
+            </a:r>
+          </a:p>
+          <a:p>
+            <a:r>
+              <a:rPr lang="en-GB" sz="1000" noProof="1"/>
+              <a:t>#   7.890551 0.974103 5.055423</a:t>
+            </a:r>
+          </a:p>
+        </p:txBody>
+      </p:sp>
+      <p:sp>
+        <p:nvSpPr>
+          <p:cNvPr id="9" name="Rechthoek 8">
+            <a:extLst>
+              <a:ext uri="{FF2B5EF4-FFF2-40B4-BE49-F238E27FC236}">
+                <a16:creationId xmlns:a16="http://schemas.microsoft.com/office/drawing/2014/main" id="{300A61DF-1C10-4FDB-821B-290468FF20E6}"/>
+              </a:ext>
+            </a:extLst>
+          </p:cNvPr>
+          <p:cNvSpPr/>
+          <p:nvPr/>
+        </p:nvSpPr>
+        <p:spPr>
+          <a:xfrm>
+            <a:off x="8204722" y="3734248"/>
+            <a:ext cx="3635049" cy="2862322"/>
+          </a:xfrm>
+          <a:prstGeom prst="rect">
+            <a:avLst/>
+          </a:prstGeom>
+        </p:spPr>
+        <p:txBody>
+          <a:bodyPr wrap="square">
+            <a:spAutoFit/>
+          </a:bodyPr>
+          <a:lstStyle/>
+          <a:p>
+            <a:r>
+              <a:rPr lang="en-GB" sz="1000" noProof="1"/>
+              <a:t>Fit_long_B2 &lt;- train(LONGITUDE~., </a:t>
+            </a:r>
+          </a:p>
+          <a:p>
+            <a:r>
+              <a:rPr lang="en-GB" sz="1000" noProof="1"/>
+              <a:t>                    data = training_B2_long, </a:t>
+            </a:r>
+          </a:p>
+          <a:p>
+            <a:r>
+              <a:rPr lang="en-GB" sz="1000" noProof="1"/>
+              <a:t>                    method = "kknn", </a:t>
+            </a:r>
+          </a:p>
+          <a:p>
+            <a:r>
+              <a:rPr lang="en-GB" sz="1000" noProof="1"/>
+              <a:t>                    trControl=fitControl, </a:t>
+            </a:r>
+          </a:p>
+          <a:p>
+            <a:r>
+              <a:rPr lang="en-GB" sz="1000" noProof="1"/>
+              <a:t>                    tuneLength = 5,</a:t>
+            </a:r>
+          </a:p>
+          <a:p>
+            <a:r>
+              <a:rPr lang="en-GB" sz="1000" noProof="1"/>
+              <a:t>                    verboseIter = TRUE,</a:t>
+            </a:r>
+          </a:p>
+          <a:p>
+            <a:r>
+              <a:rPr lang="en-GB" sz="1000" noProof="1"/>
+              <a:t>                    preProcess = c("zv", "medianImpute"))</a:t>
+            </a:r>
+          </a:p>
+          <a:p>
+            <a:r>
+              <a:rPr lang="en-GB" sz="1000" noProof="1"/>
+              <a:t>Fit_long_B2</a:t>
+            </a:r>
+          </a:p>
+          <a:p>
+            <a:r>
+              <a:rPr lang="en-GB" sz="1000" noProof="1"/>
+              <a:t>saveRDS(Fit_long_B2, file = "KNN_Fit_long_B2.rds")</a:t>
+            </a:r>
+          </a:p>
+          <a:p>
+            <a:r>
+              <a:rPr lang="en-GB" sz="1000" noProof="1"/>
+              <a:t>#k   RMSE       Rsquared   MAE      </a:t>
+            </a:r>
+          </a:p>
+          <a:p>
+            <a:r>
+              <a:rPr lang="en-GB" sz="1000" noProof="1"/>
+              <a:t>#5   9.455415  0.8973102  5.114687</a:t>
+            </a:r>
+          </a:p>
+          <a:p>
+            <a:endParaRPr lang="en-GB" sz="1000" noProof="1"/>
+          </a:p>
+          <a:p>
+            <a:r>
+              <a:rPr lang="en-GB" sz="1000" noProof="1"/>
+              <a:t>#Fit_long_B2 postresample----</a:t>
+            </a:r>
+          </a:p>
+          <a:p>
+            <a:r>
+              <a:rPr lang="en-GB" sz="1000" noProof="1"/>
+              <a:t>postResample(pred = predict(object = Fit_long_B2, </a:t>
+            </a:r>
+          </a:p>
+          <a:p>
+            <a:r>
+              <a:rPr lang="en-GB" sz="1000" noProof="1"/>
+              <a:t>                            newdata = testing_B2_long), </a:t>
+            </a:r>
+          </a:p>
+          <a:p>
+            <a:r>
+              <a:rPr lang="en-GB" sz="1000" noProof="1"/>
+              <a:t>             obs = testing_B2_long$LONGITUDE)</a:t>
+            </a:r>
+          </a:p>
+          <a:p>
+            <a:r>
+              <a:rPr lang="en-GB" sz="1000" noProof="1"/>
+              <a:t>#   RMSE      Rsquared  MAE </a:t>
+            </a:r>
+          </a:p>
+          <a:p>
+            <a:r>
+              <a:rPr lang="en-GB" sz="1000" noProof="1"/>
+              <a:t>#   9.2788440 0.9006733 4.9395021</a:t>
+            </a:r>
+          </a:p>
+        </p:txBody>
+      </p:sp>
+      <p:cxnSp>
+        <p:nvCxnSpPr>
+          <p:cNvPr id="11" name="Rechte verbindingslijn 10">
+            <a:extLst>
+              <a:ext uri="{FF2B5EF4-FFF2-40B4-BE49-F238E27FC236}">
+                <a16:creationId xmlns:a16="http://schemas.microsoft.com/office/drawing/2014/main" id="{FD9CACFF-B165-49BB-BB3E-813F8CBF74DE}"/>
+              </a:ext>
+            </a:extLst>
+          </p:cNvPr>
+          <p:cNvCxnSpPr/>
+          <p:nvPr/>
+        </p:nvCxnSpPr>
+        <p:spPr>
+          <a:xfrm>
+            <a:off x="205273" y="3734248"/>
+            <a:ext cx="11634498" cy="0"/>
+          </a:xfrm>
+          <a:prstGeom prst="line">
+            <a:avLst/>
+          </a:prstGeom>
+        </p:spPr>
+        <p:style>
+          <a:lnRef idx="1">
+            <a:schemeClr val="accent1"/>
+          </a:lnRef>
+          <a:fillRef idx="0">
+            <a:schemeClr val="accent1"/>
+          </a:fillRef>
+          <a:effectRef idx="0">
+            <a:schemeClr val="accent1"/>
+          </a:effectRef>
+          <a:fontRef idx="minor">
+            <a:schemeClr val="tx1"/>
+          </a:fontRef>
+        </p:style>
+      </p:cxnSp>
+      <p:cxnSp>
+        <p:nvCxnSpPr>
+          <p:cNvPr id="13" name="Rechte verbindingslijn 12">
+            <a:extLst>
+              <a:ext uri="{FF2B5EF4-FFF2-40B4-BE49-F238E27FC236}">
+                <a16:creationId xmlns:a16="http://schemas.microsoft.com/office/drawing/2014/main" id="{DC7BECF7-49D2-487B-BEA4-9286713797E9}"/>
+              </a:ext>
+            </a:extLst>
+          </p:cNvPr>
+          <p:cNvCxnSpPr/>
+          <p:nvPr/>
+        </p:nvCxnSpPr>
+        <p:spPr>
+          <a:xfrm>
+            <a:off x="3956180" y="643812"/>
+            <a:ext cx="0" cy="6058260"/>
+          </a:xfrm>
+          <a:prstGeom prst="line">
+            <a:avLst/>
+          </a:prstGeom>
+        </p:spPr>
+        <p:style>
+          <a:lnRef idx="1">
+            <a:schemeClr val="accent1"/>
+          </a:lnRef>
+          <a:fillRef idx="0">
+            <a:schemeClr val="accent1"/>
+          </a:fillRef>
+          <a:effectRef idx="0">
+            <a:schemeClr val="accent1"/>
+          </a:effectRef>
+          <a:fontRef idx="minor">
+            <a:schemeClr val="tx1"/>
+          </a:fontRef>
+        </p:style>
+      </p:cxnSp>
+      <p:cxnSp>
+        <p:nvCxnSpPr>
+          <p:cNvPr id="14" name="Rechte verbindingslijn 13">
+            <a:extLst>
+              <a:ext uri="{FF2B5EF4-FFF2-40B4-BE49-F238E27FC236}">
+                <a16:creationId xmlns:a16="http://schemas.microsoft.com/office/drawing/2014/main" id="{C276B4A1-2C3A-4649-B9F8-A1E6EA6FF48E}"/>
+              </a:ext>
+            </a:extLst>
+          </p:cNvPr>
+          <p:cNvCxnSpPr/>
+          <p:nvPr/>
+        </p:nvCxnSpPr>
+        <p:spPr>
+          <a:xfrm>
+            <a:off x="7850155" y="643812"/>
+            <a:ext cx="0" cy="6058260"/>
+          </a:xfrm>
+          <a:prstGeom prst="line">
+            <a:avLst/>
+          </a:prstGeom>
+        </p:spPr>
+        <p:style>
+          <a:lnRef idx="1">
+            <a:schemeClr val="accent1"/>
+          </a:lnRef>
+          <a:fillRef idx="0">
+            <a:schemeClr val="accent1"/>
+          </a:fillRef>
+          <a:effectRef idx="0">
+            <a:schemeClr val="accent1"/>
+          </a:effectRef>
+          <a:fontRef idx="minor">
+            <a:schemeClr val="tx1"/>
+          </a:fontRef>
+        </p:style>
+      </p:cxnSp>
+      <p:sp>
+        <p:nvSpPr>
+          <p:cNvPr id="15" name="Rechthoek 14">
+            <a:extLst>
+              <a:ext uri="{FF2B5EF4-FFF2-40B4-BE49-F238E27FC236}">
+                <a16:creationId xmlns:a16="http://schemas.microsoft.com/office/drawing/2014/main" id="{09D174BA-7E28-47C9-BC46-C4EF4E7391FE}"/>
+              </a:ext>
+            </a:extLst>
+          </p:cNvPr>
+          <p:cNvSpPr/>
+          <p:nvPr/>
+        </p:nvSpPr>
+        <p:spPr>
+          <a:xfrm>
+            <a:off x="9725609" y="37322"/>
+            <a:ext cx="2578359" cy="923330"/>
+          </a:xfrm>
+          <a:prstGeom prst="rect">
+            <a:avLst/>
+          </a:prstGeom>
+        </p:spPr>
+        <p:txBody>
+          <a:bodyPr wrap="square">
+            <a:spAutoFit/>
+          </a:bodyPr>
+          <a:lstStyle/>
+          <a:p>
+            <a:r>
+              <a:rPr lang="en-GB" sz="900" b="1" dirty="0">
+                <a:solidFill>
+                  <a:schemeClr val="accent1"/>
+                </a:solidFill>
+              </a:rPr>
+              <a:t>Sample: 7500, </a:t>
+            </a:r>
+            <a:r>
+              <a:rPr lang="en-GB" sz="900" b="1" dirty="0" err="1">
+                <a:solidFill>
+                  <a:schemeClr val="accent1"/>
+                </a:solidFill>
+              </a:rPr>
+              <a:t>DataPartition</a:t>
+            </a:r>
+            <a:r>
+              <a:rPr lang="en-GB" sz="900" b="1" dirty="0">
+                <a:solidFill>
+                  <a:schemeClr val="accent1"/>
+                </a:solidFill>
+              </a:rPr>
+              <a:t>: .75</a:t>
+            </a:r>
+          </a:p>
+          <a:p>
+            <a:r>
+              <a:rPr lang="en-GB" sz="900" b="1" dirty="0">
+                <a:solidFill>
+                  <a:schemeClr val="accent1"/>
+                </a:solidFill>
+              </a:rPr>
+              <a:t>method = "</a:t>
+            </a:r>
+            <a:r>
+              <a:rPr lang="en-GB" sz="900" b="1" dirty="0" err="1">
+                <a:solidFill>
+                  <a:schemeClr val="accent1"/>
+                </a:solidFill>
+              </a:rPr>
+              <a:t>kknn</a:t>
+            </a:r>
+            <a:r>
+              <a:rPr lang="en-GB" sz="900" b="1" dirty="0">
+                <a:solidFill>
+                  <a:schemeClr val="accent1"/>
+                </a:solidFill>
+              </a:rPr>
+              <a:t>", </a:t>
+            </a:r>
+          </a:p>
+          <a:p>
+            <a:r>
+              <a:rPr lang="en-GB" sz="900" b="1" dirty="0">
+                <a:solidFill>
+                  <a:schemeClr val="accent1"/>
+                </a:solidFill>
+              </a:rPr>
+              <a:t>                  </a:t>
+            </a:r>
+            <a:r>
+              <a:rPr lang="en-GB" sz="900" b="1" dirty="0" err="1">
+                <a:solidFill>
+                  <a:schemeClr val="accent1"/>
+                </a:solidFill>
+              </a:rPr>
+              <a:t>trControl</a:t>
+            </a:r>
+            <a:r>
+              <a:rPr lang="en-GB" sz="900" b="1" dirty="0">
+                <a:solidFill>
+                  <a:schemeClr val="accent1"/>
+                </a:solidFill>
+              </a:rPr>
+              <a:t>=</a:t>
+            </a:r>
+            <a:r>
+              <a:rPr lang="en-GB" sz="900" b="1" dirty="0" err="1">
+                <a:solidFill>
+                  <a:schemeClr val="accent1"/>
+                </a:solidFill>
+              </a:rPr>
+              <a:t>fitControl</a:t>
+            </a:r>
+            <a:r>
+              <a:rPr lang="en-GB" sz="900" b="1" dirty="0">
+                <a:solidFill>
+                  <a:schemeClr val="accent1"/>
+                </a:solidFill>
+              </a:rPr>
+              <a:t>, </a:t>
+            </a:r>
+          </a:p>
+          <a:p>
+            <a:r>
+              <a:rPr lang="en-GB" sz="900" b="1" dirty="0">
+                <a:solidFill>
+                  <a:schemeClr val="accent1"/>
+                </a:solidFill>
+              </a:rPr>
+              <a:t>                  </a:t>
+            </a:r>
+            <a:r>
+              <a:rPr lang="en-GB" sz="900" b="1" dirty="0" err="1">
+                <a:solidFill>
+                  <a:schemeClr val="accent1"/>
+                </a:solidFill>
+              </a:rPr>
+              <a:t>tuneLength</a:t>
+            </a:r>
+            <a:r>
+              <a:rPr lang="en-GB" sz="900" b="1" dirty="0">
+                <a:solidFill>
+                  <a:schemeClr val="accent1"/>
+                </a:solidFill>
+              </a:rPr>
+              <a:t> = 5,</a:t>
+            </a:r>
+          </a:p>
+          <a:p>
+            <a:r>
+              <a:rPr lang="en-GB" sz="900" b="1" dirty="0">
+                <a:solidFill>
+                  <a:schemeClr val="accent1"/>
+                </a:solidFill>
+              </a:rPr>
+              <a:t>                  </a:t>
+            </a:r>
+            <a:r>
+              <a:rPr lang="en-GB" sz="900" b="1" dirty="0" err="1">
+                <a:solidFill>
+                  <a:schemeClr val="accent1"/>
+                </a:solidFill>
+              </a:rPr>
+              <a:t>verboseIter</a:t>
+            </a:r>
+            <a:r>
+              <a:rPr lang="en-GB" sz="900" b="1" dirty="0">
+                <a:solidFill>
+                  <a:schemeClr val="accent1"/>
+                </a:solidFill>
+              </a:rPr>
+              <a:t> = TRUE,</a:t>
+            </a:r>
+          </a:p>
+          <a:p>
+            <a:r>
+              <a:rPr lang="en-GB" sz="900" b="1" dirty="0">
+                <a:solidFill>
+                  <a:schemeClr val="accent1"/>
+                </a:solidFill>
+              </a:rPr>
+              <a:t>                  </a:t>
+            </a:r>
+            <a:r>
+              <a:rPr lang="en-GB" sz="900" b="1" dirty="0" err="1">
+                <a:solidFill>
+                  <a:schemeClr val="accent1"/>
+                </a:solidFill>
+              </a:rPr>
+              <a:t>preProcess</a:t>
+            </a:r>
+            <a:r>
+              <a:rPr lang="en-GB" sz="900" b="1" dirty="0">
+                <a:solidFill>
+                  <a:schemeClr val="accent1"/>
+                </a:solidFill>
+              </a:rPr>
+              <a:t> = c("</a:t>
+            </a:r>
+            <a:r>
+              <a:rPr lang="en-GB" sz="900" b="1" dirty="0" err="1">
+                <a:solidFill>
+                  <a:schemeClr val="accent1"/>
+                </a:solidFill>
+              </a:rPr>
+              <a:t>zv</a:t>
+            </a:r>
+            <a:r>
+              <a:rPr lang="en-GB" sz="900" b="1" dirty="0">
+                <a:solidFill>
+                  <a:schemeClr val="accent1"/>
+                </a:solidFill>
+              </a:rPr>
+              <a:t>", "</a:t>
+            </a:r>
+            <a:r>
+              <a:rPr lang="en-GB" sz="900" b="1" dirty="0" err="1">
+                <a:solidFill>
+                  <a:schemeClr val="accent1"/>
+                </a:solidFill>
+              </a:rPr>
+              <a:t>medianImpute</a:t>
+            </a:r>
+            <a:r>
+              <a:rPr lang="en-GB" sz="900" b="1" dirty="0">
+                <a:solidFill>
+                  <a:schemeClr val="accent1"/>
+                </a:solidFill>
+              </a:rPr>
+              <a:t>"))</a:t>
+            </a:r>
+          </a:p>
+        </p:txBody>
+      </p:sp>
+    </p:spTree>
+    <p:extLst>
+      <p:ext uri="{BB962C8B-B14F-4D97-AF65-F5344CB8AC3E}">
+        <p14:creationId xmlns:p14="http://schemas.microsoft.com/office/powerpoint/2010/main" val="4182314619"/>
+      </p:ext>
+    </p:extLst>
+  </p:cSld>
+  <p:clrMapOvr>
+    <a:masterClrMapping/>
+  </p:clrMapOvr>
+</p:sld>
+</file>
+
+<file path=ppt/slides/slide13.xml><?xml version="1.0" encoding="utf-8"?>
+<p:sld xmlns:a="http://schemas.openxmlformats.org/drawingml/2006/main" xmlns:r="http://schemas.openxmlformats.org/officeDocument/2006/relationships" xmlns:p="http://schemas.openxmlformats.org/presentationml/2006/main">
+  <p:cSld>
+    <p:spTree>
+      <p:nvGrpSpPr>
+        <p:cNvPr id="1" name=""/>
+        <p:cNvGrpSpPr/>
+        <p:nvPr/>
+      </p:nvGrpSpPr>
+      <p:grpSpPr>
+        <a:xfrm>
+          <a:off x="0" y="0"/>
+          <a:ext cx="0" cy="0"/>
+          <a:chOff x="0" y="0"/>
+          <a:chExt cx="0" cy="0"/>
+        </a:xfrm>
+      </p:grpSpPr>
+      <p:sp>
+        <p:nvSpPr>
+          <p:cNvPr id="2" name="Titel 1">
+            <a:extLst>
+              <a:ext uri="{FF2B5EF4-FFF2-40B4-BE49-F238E27FC236}">
+                <a16:creationId xmlns:a16="http://schemas.microsoft.com/office/drawing/2014/main" id="{ECE4FA4E-54FC-4D95-B397-36B00736E710}"/>
+              </a:ext>
+            </a:extLst>
+          </p:cNvPr>
+          <p:cNvSpPr>
+            <a:spLocks noGrp="1"/>
+          </p:cNvSpPr>
+          <p:nvPr>
+            <p:ph type="title"/>
+          </p:nvPr>
+        </p:nvSpPr>
+        <p:spPr>
+          <a:xfrm>
+            <a:off x="74645" y="83975"/>
+            <a:ext cx="4318518" cy="427977"/>
+          </a:xfrm>
+        </p:spPr>
+        <p:txBody>
+          <a:bodyPr>
+            <a:normAutofit fontScale="90000"/>
+          </a:bodyPr>
+          <a:lstStyle/>
+          <a:p>
+            <a:r>
+              <a:rPr lang="en-GB" dirty="0"/>
+              <a:t>1</a:t>
+            </a:r>
+            <a:r>
+              <a:rPr lang="en-GB" baseline="30000" dirty="0"/>
+              <a:t>st</a:t>
+            </a:r>
+            <a:r>
+              <a:rPr lang="en-GB" dirty="0"/>
+              <a:t> KNN-model </a:t>
+            </a:r>
+          </a:p>
+        </p:txBody>
+      </p:sp>
+      <p:cxnSp>
+        <p:nvCxnSpPr>
+          <p:cNvPr id="13" name="Rechte verbindingslijn 12">
+            <a:extLst>
+              <a:ext uri="{FF2B5EF4-FFF2-40B4-BE49-F238E27FC236}">
+                <a16:creationId xmlns:a16="http://schemas.microsoft.com/office/drawing/2014/main" id="{DC7BECF7-49D2-487B-BEA4-9286713797E9}"/>
+              </a:ext>
+            </a:extLst>
+          </p:cNvPr>
+          <p:cNvCxnSpPr/>
+          <p:nvPr/>
+        </p:nvCxnSpPr>
+        <p:spPr>
+          <a:xfrm>
+            <a:off x="6018246" y="511952"/>
+            <a:ext cx="0" cy="6058260"/>
+          </a:xfrm>
+          <a:prstGeom prst="line">
+            <a:avLst/>
+          </a:prstGeom>
+        </p:spPr>
+        <p:style>
+          <a:lnRef idx="1">
+            <a:schemeClr val="accent1"/>
+          </a:lnRef>
+          <a:fillRef idx="0">
+            <a:schemeClr val="accent1"/>
+          </a:fillRef>
+          <a:effectRef idx="0">
+            <a:schemeClr val="accent1"/>
+          </a:effectRef>
+          <a:fontRef idx="minor">
+            <a:schemeClr val="tx1"/>
+          </a:fontRef>
+        </p:style>
+      </p:cxnSp>
+      <p:sp>
+        <p:nvSpPr>
+          <p:cNvPr id="3" name="Rechthoek 2">
+            <a:extLst>
+              <a:ext uri="{FF2B5EF4-FFF2-40B4-BE49-F238E27FC236}">
+                <a16:creationId xmlns:a16="http://schemas.microsoft.com/office/drawing/2014/main" id="{932839B7-4A2B-4995-9D1B-3CA974B9A17F}"/>
+              </a:ext>
+            </a:extLst>
+          </p:cNvPr>
+          <p:cNvSpPr/>
+          <p:nvPr/>
+        </p:nvSpPr>
+        <p:spPr>
+          <a:xfrm>
+            <a:off x="74650" y="878392"/>
+            <a:ext cx="6021350" cy="1754326"/>
+          </a:xfrm>
+          <a:prstGeom prst="rect">
+            <a:avLst/>
+          </a:prstGeom>
+        </p:spPr>
+        <p:txBody>
+          <a:bodyPr wrap="square">
+            <a:spAutoFit/>
+          </a:bodyPr>
+          <a:lstStyle/>
+          <a:p>
+            <a:r>
+              <a:rPr lang="en-GB" dirty="0" err="1"/>
+              <a:t>Combi_StatSum_Lat</a:t>
+            </a:r>
+            <a:endParaRPr lang="en-GB" dirty="0"/>
+          </a:p>
+          <a:p>
+            <a:r>
+              <a:rPr lang="en-GB" dirty="0"/>
+              <a:t>#	RMSE         	RSQ      		MAE</a:t>
+            </a:r>
+          </a:p>
+          <a:p>
+            <a:r>
+              <a:rPr lang="en-GB" dirty="0"/>
+              <a:t>#B0 	6.700310  	</a:t>
+            </a:r>
+            <a:r>
+              <a:rPr lang="en-GB" dirty="0">
+                <a:solidFill>
+                  <a:schemeClr val="accent6"/>
+                </a:solidFill>
+              </a:rPr>
+              <a:t>96.02481 </a:t>
+            </a:r>
+            <a:r>
+              <a:rPr lang="en-GB" dirty="0"/>
+              <a:t>	</a:t>
+            </a:r>
+            <a:r>
+              <a:rPr lang="en-GB" dirty="0">
+                <a:solidFill>
+                  <a:srgbClr val="C00000"/>
+                </a:solidFill>
+              </a:rPr>
+              <a:t>4.025045</a:t>
+            </a:r>
+          </a:p>
+          <a:p>
+            <a:r>
+              <a:rPr lang="en-GB" dirty="0"/>
+              <a:t>#B1 	6.700310  	</a:t>
+            </a:r>
+            <a:r>
+              <a:rPr lang="en-GB" dirty="0">
+                <a:solidFill>
+                  <a:schemeClr val="accent6"/>
+                </a:solidFill>
+              </a:rPr>
+              <a:t>96.47526</a:t>
+            </a:r>
+            <a:r>
+              <a:rPr lang="en-GB" dirty="0"/>
+              <a:t> 	</a:t>
+            </a:r>
+            <a:r>
+              <a:rPr lang="en-GB" dirty="0">
+                <a:solidFill>
+                  <a:srgbClr val="C00000"/>
+                </a:solidFill>
+              </a:rPr>
+              <a:t>4.448025</a:t>
+            </a:r>
+          </a:p>
+          <a:p>
+            <a:r>
+              <a:rPr lang="en-GB" dirty="0"/>
+              <a:t>#B2 	6.097803  	</a:t>
+            </a:r>
+            <a:r>
+              <a:rPr lang="en-GB" dirty="0">
+                <a:solidFill>
+                  <a:schemeClr val="accent6"/>
+                </a:solidFill>
+              </a:rPr>
+              <a:t>95.41785</a:t>
+            </a:r>
+            <a:r>
+              <a:rPr lang="en-GB" dirty="0"/>
+              <a:t> 	</a:t>
+            </a:r>
+            <a:r>
+              <a:rPr lang="en-GB" dirty="0">
+                <a:solidFill>
+                  <a:schemeClr val="accent2"/>
+                </a:solidFill>
+              </a:rPr>
+              <a:t>3.412185</a:t>
+            </a:r>
+          </a:p>
+          <a:p>
+            <a:endParaRPr lang="en-GB" dirty="0"/>
+          </a:p>
+        </p:txBody>
+      </p:sp>
+      <p:sp>
+        <p:nvSpPr>
+          <p:cNvPr id="10" name="Rechthoek 9">
+            <a:extLst>
+              <a:ext uri="{FF2B5EF4-FFF2-40B4-BE49-F238E27FC236}">
+                <a16:creationId xmlns:a16="http://schemas.microsoft.com/office/drawing/2014/main" id="{194A4916-831E-4E52-A1FD-D923DB7228D8}"/>
+              </a:ext>
+            </a:extLst>
+          </p:cNvPr>
+          <p:cNvSpPr/>
+          <p:nvPr/>
+        </p:nvSpPr>
+        <p:spPr>
+          <a:xfrm>
+            <a:off x="6173755" y="878392"/>
+            <a:ext cx="5654348" cy="1477328"/>
+          </a:xfrm>
+          <a:prstGeom prst="rect">
+            <a:avLst/>
+          </a:prstGeom>
+        </p:spPr>
+        <p:txBody>
+          <a:bodyPr wrap="square">
+            <a:spAutoFit/>
+          </a:bodyPr>
+          <a:lstStyle/>
+          <a:p>
+            <a:r>
+              <a:rPr lang="en-GB" dirty="0" err="1"/>
+              <a:t>Combi_StatSum_Long</a:t>
+            </a:r>
+            <a:endParaRPr lang="en-GB" dirty="0"/>
+          </a:p>
+          <a:p>
+            <a:r>
+              <a:rPr lang="en-GB" dirty="0"/>
+              <a:t>#	RMSE         	RSQ      		MAE</a:t>
+            </a:r>
+          </a:p>
+          <a:p>
+            <a:r>
+              <a:rPr lang="en-GB" dirty="0"/>
+              <a:t>#B0 	6.525668 	</a:t>
+            </a:r>
+            <a:r>
+              <a:rPr lang="en-GB" dirty="0">
+                <a:solidFill>
+                  <a:schemeClr val="accent2"/>
+                </a:solidFill>
+              </a:rPr>
+              <a:t>93.29991</a:t>
+            </a:r>
+            <a:r>
+              <a:rPr lang="en-GB" dirty="0"/>
+              <a:t> 	</a:t>
+            </a:r>
+            <a:r>
+              <a:rPr lang="en-GB" dirty="0">
+                <a:solidFill>
+                  <a:srgbClr val="C00000"/>
+                </a:solidFill>
+              </a:rPr>
+              <a:t>4.147491</a:t>
+            </a:r>
+          </a:p>
+          <a:p>
+            <a:r>
+              <a:rPr lang="en-GB" dirty="0"/>
+              <a:t>#B1 	7.890551 	</a:t>
+            </a:r>
+            <a:r>
+              <a:rPr lang="en-GB" dirty="0">
+                <a:solidFill>
+                  <a:schemeClr val="accent6"/>
+                </a:solidFill>
+              </a:rPr>
+              <a:t>97.40207</a:t>
+            </a:r>
+            <a:r>
+              <a:rPr lang="en-GB" dirty="0"/>
+              <a:t> 	</a:t>
+            </a:r>
+            <a:r>
+              <a:rPr lang="en-GB" dirty="0">
+                <a:solidFill>
+                  <a:srgbClr val="C00000"/>
+                </a:solidFill>
+              </a:rPr>
+              <a:t>5.055423</a:t>
+            </a:r>
+          </a:p>
+          <a:p>
+            <a:r>
+              <a:rPr lang="en-GB" dirty="0"/>
+              <a:t>#B2 	9.278844 	</a:t>
+            </a:r>
+            <a:r>
+              <a:rPr lang="en-GB" dirty="0">
+                <a:solidFill>
+                  <a:schemeClr val="accent2"/>
+                </a:solidFill>
+              </a:rPr>
+              <a:t>90.12502 </a:t>
+            </a:r>
+            <a:r>
+              <a:rPr lang="en-GB" dirty="0"/>
+              <a:t>	</a:t>
+            </a:r>
+            <a:r>
+              <a:rPr lang="en-GB" dirty="0">
+                <a:solidFill>
+                  <a:srgbClr val="C00000"/>
+                </a:solidFill>
+              </a:rPr>
+              <a:t>4.939502</a:t>
+            </a:r>
+          </a:p>
+        </p:txBody>
+      </p:sp>
+    </p:spTree>
+    <p:extLst>
+      <p:ext uri="{BB962C8B-B14F-4D97-AF65-F5344CB8AC3E}">
+        <p14:creationId xmlns:p14="http://schemas.microsoft.com/office/powerpoint/2010/main" val="4033287358"/>
+      </p:ext>
+    </p:extLst>
+  </p:cSld>
+  <p:clrMapOvr>
+    <a:masterClrMapping/>
+  </p:clrMapOvr>
+</p:sld>
+</file>
+
+<file path=ppt/slides/slide14.xml><?xml version="1.0" encoding="utf-8"?>
+<p:sld xmlns:a="http://schemas.openxmlformats.org/drawingml/2006/main" xmlns:r="http://schemas.openxmlformats.org/officeDocument/2006/relationships" xmlns:p="http://schemas.openxmlformats.org/presentationml/2006/main">
+  <p:cSld>
+    <p:spTree>
+      <p:nvGrpSpPr>
+        <p:cNvPr id="1" name=""/>
+        <p:cNvGrpSpPr/>
+        <p:nvPr/>
+      </p:nvGrpSpPr>
+      <p:grpSpPr>
+        <a:xfrm>
+          <a:off x="0" y="0"/>
+          <a:ext cx="0" cy="0"/>
+          <a:chOff x="0" y="0"/>
+          <a:chExt cx="0" cy="0"/>
+        </a:xfrm>
+      </p:grpSpPr>
+      <p:sp>
+        <p:nvSpPr>
+          <p:cNvPr id="2" name="Titel 1">
+            <a:extLst>
+              <a:ext uri="{FF2B5EF4-FFF2-40B4-BE49-F238E27FC236}">
+                <a16:creationId xmlns:a16="http://schemas.microsoft.com/office/drawing/2014/main" id="{ECE4FA4E-54FC-4D95-B397-36B00736E710}"/>
+              </a:ext>
+            </a:extLst>
+          </p:cNvPr>
+          <p:cNvSpPr>
+            <a:spLocks noGrp="1"/>
+          </p:cNvSpPr>
+          <p:nvPr>
+            <p:ph type="title"/>
+          </p:nvPr>
+        </p:nvSpPr>
+        <p:spPr>
+          <a:xfrm>
+            <a:off x="914400" y="146050"/>
+            <a:ext cx="10515600" cy="1325563"/>
+          </a:xfrm>
+        </p:spPr>
+        <p:txBody>
+          <a:bodyPr/>
+          <a:lstStyle/>
+          <a:p>
+            <a:r>
+              <a:rPr lang="en-GB" dirty="0"/>
+              <a:t>1</a:t>
+            </a:r>
+            <a:r>
+              <a:rPr lang="en-GB" baseline="30000" dirty="0"/>
+              <a:t>st</a:t>
+            </a:r>
+            <a:r>
+              <a:rPr lang="en-GB" dirty="0"/>
+              <a:t> KNN Floor </a:t>
+            </a:r>
+            <a:r>
+              <a:rPr lang="en-GB" b="1" dirty="0">
+                <a:solidFill>
+                  <a:schemeClr val="accent5"/>
+                </a:solidFill>
+              </a:rPr>
+              <a:t>B0</a:t>
+            </a:r>
+            <a:r>
+              <a:rPr lang="en-GB" dirty="0"/>
+              <a:t> Confusion Matrix</a:t>
+            </a:r>
+          </a:p>
+        </p:txBody>
+      </p:sp>
+      <p:pic>
+        <p:nvPicPr>
+          <p:cNvPr id="6" name="Afbeelding 5">
+            <a:extLst>
+              <a:ext uri="{FF2B5EF4-FFF2-40B4-BE49-F238E27FC236}">
+                <a16:creationId xmlns:a16="http://schemas.microsoft.com/office/drawing/2014/main" id="{1AF75DA5-349E-4CD5-AC1D-5E7731CDE715}"/>
+              </a:ext>
+            </a:extLst>
+          </p:cNvPr>
+          <p:cNvPicPr>
+            <a:picLocks noChangeAspect="1"/>
+          </p:cNvPicPr>
+          <p:nvPr/>
+        </p:nvPicPr>
+        <p:blipFill>
+          <a:blip r:embed="rId2"/>
+          <a:stretch>
+            <a:fillRect/>
+          </a:stretch>
+        </p:blipFill>
+        <p:spPr>
+          <a:xfrm>
+            <a:off x="10063162" y="437356"/>
+            <a:ext cx="1114425" cy="742950"/>
+          </a:xfrm>
+          <a:prstGeom prst="rect">
+            <a:avLst/>
+          </a:prstGeom>
+        </p:spPr>
+      </p:pic>
+      <p:pic>
+        <p:nvPicPr>
+          <p:cNvPr id="8" name="Afbeelding 7">
+            <a:extLst>
+              <a:ext uri="{FF2B5EF4-FFF2-40B4-BE49-F238E27FC236}">
+                <a16:creationId xmlns:a16="http://schemas.microsoft.com/office/drawing/2014/main" id="{67DFF743-D37C-4E22-9616-0FCA6CD79495}"/>
+              </a:ext>
+            </a:extLst>
+          </p:cNvPr>
+          <p:cNvPicPr>
+            <a:picLocks noChangeAspect="1"/>
+          </p:cNvPicPr>
+          <p:nvPr/>
+        </p:nvPicPr>
+        <p:blipFill>
+          <a:blip r:embed="rId3"/>
+          <a:stretch>
+            <a:fillRect/>
+          </a:stretch>
+        </p:blipFill>
+        <p:spPr>
+          <a:xfrm>
+            <a:off x="0" y="1646398"/>
+            <a:ext cx="6619875" cy="4981575"/>
+          </a:xfrm>
+          <a:prstGeom prst="rect">
+            <a:avLst/>
+          </a:prstGeom>
+        </p:spPr>
+      </p:pic>
+      <p:cxnSp>
+        <p:nvCxnSpPr>
+          <p:cNvPr id="12" name="Rechte verbindingslijn 11">
+            <a:extLst>
+              <a:ext uri="{FF2B5EF4-FFF2-40B4-BE49-F238E27FC236}">
+                <a16:creationId xmlns:a16="http://schemas.microsoft.com/office/drawing/2014/main" id="{6C97441E-2D41-490D-85F6-2FC8D758C33A}"/>
+              </a:ext>
+            </a:extLst>
+          </p:cNvPr>
+          <p:cNvCxnSpPr/>
+          <p:nvPr/>
+        </p:nvCxnSpPr>
+        <p:spPr>
+          <a:xfrm>
+            <a:off x="2033685" y="2549784"/>
+            <a:ext cx="4385387" cy="3620278"/>
+          </a:xfrm>
+          <a:prstGeom prst="line">
+            <a:avLst/>
+          </a:prstGeom>
+          <a:ln w="15875">
+            <a:solidFill>
+              <a:schemeClr val="accent6"/>
+            </a:solidFill>
+            <a:prstDash val="lgDashDot"/>
+          </a:ln>
+        </p:spPr>
+        <p:style>
+          <a:lnRef idx="1">
+            <a:schemeClr val="accent1"/>
+          </a:lnRef>
+          <a:fillRef idx="0">
+            <a:schemeClr val="accent1"/>
+          </a:fillRef>
+          <a:effectRef idx="0">
+            <a:schemeClr val="accent1"/>
+          </a:effectRef>
+          <a:fontRef idx="minor">
+            <a:schemeClr val="tx1"/>
+          </a:fontRef>
+        </p:style>
+      </p:cxnSp>
+      <p:cxnSp>
+        <p:nvCxnSpPr>
+          <p:cNvPr id="13" name="Rechte verbindingslijn 12">
+            <a:extLst>
+              <a:ext uri="{FF2B5EF4-FFF2-40B4-BE49-F238E27FC236}">
+                <a16:creationId xmlns:a16="http://schemas.microsoft.com/office/drawing/2014/main" id="{24AB4145-2F5A-471C-9D2E-D2C49EE5C36F}"/>
+              </a:ext>
+            </a:extLst>
+          </p:cNvPr>
+          <p:cNvCxnSpPr>
+            <a:cxnSpLocks/>
+          </p:cNvCxnSpPr>
+          <p:nvPr/>
+        </p:nvCxnSpPr>
+        <p:spPr>
+          <a:xfrm flipV="1">
+            <a:off x="1818204" y="2714625"/>
+            <a:ext cx="3819525" cy="3114676"/>
+          </a:xfrm>
+          <a:prstGeom prst="line">
+            <a:avLst/>
+          </a:prstGeom>
+          <a:ln w="15875">
+            <a:solidFill>
+              <a:srgbClr val="FF0000"/>
+            </a:solidFill>
+            <a:prstDash val="lgDashDot"/>
+          </a:ln>
+        </p:spPr>
+        <p:style>
+          <a:lnRef idx="1">
+            <a:schemeClr val="accent1"/>
+          </a:lnRef>
+          <a:fillRef idx="0">
+            <a:schemeClr val="accent1"/>
+          </a:fillRef>
+          <a:effectRef idx="0">
+            <a:schemeClr val="accent1"/>
+          </a:effectRef>
+          <a:fontRef idx="minor">
+            <a:schemeClr val="tx1"/>
+          </a:fontRef>
+        </p:style>
+      </p:cxnSp>
+      <p:sp>
+        <p:nvSpPr>
+          <p:cNvPr id="22" name="Tekstvak 21">
+            <a:extLst>
+              <a:ext uri="{FF2B5EF4-FFF2-40B4-BE49-F238E27FC236}">
+                <a16:creationId xmlns:a16="http://schemas.microsoft.com/office/drawing/2014/main" id="{10E0DBD8-85A8-4541-B344-F58906144035}"/>
               </a:ext>
             </a:extLst>
           </p:cNvPr>
@@ -4341,8 +6037,8 @@
         </p:nvSpPr>
         <p:spPr>
           <a:xfrm>
-            <a:off x="533400" y="1577788"/>
-            <a:ext cx="10515600" cy="5355312"/>
+            <a:off x="6288834" y="2265395"/>
+            <a:ext cx="5822301" cy="1785104"/>
           </a:xfrm>
           <a:prstGeom prst="rect">
             <a:avLst/>
@@ -4356,119 +6052,1275 @@
           <a:lstStyle/>
           <a:p>
             <a:r>
-              <a:rPr lang="en-US" dirty="0" err="1"/>
-              <a:t>Fit_long</a:t>
-            </a:r>
-            <a:endParaRPr lang="en-US" dirty="0"/>
-          </a:p>
-          <a:p>
-            <a:r>
-              <a:rPr lang="en-US" dirty="0"/>
-              <a:t>k-Nearest Neighbors </a:t>
-            </a:r>
-          </a:p>
-          <a:p>
-            <a:endParaRPr lang="en-US" dirty="0"/>
-          </a:p>
-          <a:p>
-            <a:r>
-              <a:rPr lang="en-US" dirty="0"/>
-              <a:t>1502 samples</a:t>
-            </a:r>
-          </a:p>
-          <a:p>
-            <a:r>
-              <a:rPr lang="en-US" dirty="0"/>
-              <a:t> 529 predictor</a:t>
-            </a:r>
-          </a:p>
-          <a:p>
-            <a:endParaRPr lang="en-US" dirty="0"/>
-          </a:p>
-          <a:p>
-            <a:r>
-              <a:rPr lang="en-US" dirty="0"/>
-              <a:t>Pre-processing: median imputation (525), remove (122) </a:t>
-            </a:r>
-          </a:p>
-          <a:p>
-            <a:r>
-              <a:rPr lang="en-US" dirty="0"/>
-              <a:t>Resampling: Cross-Validated (10 fold, repeated 1 times) </a:t>
-            </a:r>
-          </a:p>
-          <a:p>
-            <a:r>
-              <a:rPr lang="en-US" dirty="0"/>
-              <a:t>Summary of sample sizes: 1352, 1353, 1352, 1351, 1351, 1352, ... </a:t>
-            </a:r>
-          </a:p>
-          <a:p>
-            <a:r>
-              <a:rPr lang="en-US" dirty="0"/>
-              <a:t>Resampling results across tuning parameters:</a:t>
-            </a:r>
-          </a:p>
-          <a:p>
-            <a:endParaRPr lang="en-US" dirty="0"/>
-          </a:p>
-          <a:p>
-            <a:r>
-              <a:rPr lang="en-US" dirty="0"/>
-              <a:t>  k  RMSE      </a:t>
-            </a:r>
-            <a:r>
-              <a:rPr lang="en-US" dirty="0" err="1"/>
-              <a:t>Rsquared</a:t>
-            </a:r>
-            <a:r>
-              <a:rPr lang="en-US" dirty="0"/>
-              <a:t>   MAE     </a:t>
-            </a:r>
-          </a:p>
-          <a:p>
-            <a:r>
-              <a:rPr lang="en-US" dirty="0"/>
-              <a:t>  5  13.25943  0.9885509  7.446795</a:t>
-            </a:r>
-          </a:p>
-          <a:p>
-            <a:r>
-              <a:rPr lang="en-US" dirty="0"/>
-              <a:t>  7  15.20129  0.9849412  8.750156</a:t>
-            </a:r>
-          </a:p>
-          <a:p>
-            <a:r>
-              <a:rPr lang="en-US" dirty="0"/>
-              <a:t>  9  16.84683  0.9814590  9.967150</a:t>
-            </a:r>
-          </a:p>
-          <a:p>
-            <a:endParaRPr lang="en-US" dirty="0"/>
-          </a:p>
-          <a:p>
-            <a:r>
-              <a:rPr lang="en-US" dirty="0"/>
-              <a:t>RMSE was used to select the optimal model using the smallest value.</a:t>
-            </a:r>
-          </a:p>
-          <a:p>
-            <a:r>
-              <a:rPr lang="en-US" dirty="0"/>
-              <a:t>The final value used for the model was k = 5.</a:t>
-            </a:r>
-            <a:endParaRPr lang="en-GB" dirty="0"/>
-          </a:p>
-          <a:p>
-            <a:endParaRPr lang="en-GB" dirty="0"/>
+              <a:rPr lang="en-GB" sz="1100" b="1" dirty="0">
+                <a:solidFill>
+                  <a:schemeClr val="accent1"/>
+                </a:solidFill>
+              </a:rPr>
+              <a:t>In Building 0</a:t>
+            </a:r>
+          </a:p>
+          <a:p>
+            <a:r>
+              <a:rPr lang="en-GB" sz="1100" b="1" dirty="0">
+                <a:solidFill>
+                  <a:schemeClr val="accent6"/>
+                </a:solidFill>
+              </a:rPr>
+              <a:t>	79 </a:t>
+            </a:r>
+            <a:r>
+              <a:rPr lang="en-GB" sz="1100" dirty="0">
+                <a:solidFill>
+                  <a:schemeClr val="accent6"/>
+                </a:solidFill>
+              </a:rPr>
+              <a:t>predictions for floor 0 were True Positives</a:t>
+            </a:r>
+          </a:p>
+          <a:p>
+            <a:r>
+              <a:rPr lang="en-GB" sz="1100" b="1" dirty="0">
+                <a:solidFill>
+                  <a:schemeClr val="accent6"/>
+                </a:solidFill>
+              </a:rPr>
+              <a:t>	120</a:t>
+            </a:r>
+            <a:r>
+              <a:rPr lang="en-GB" sz="1100" dirty="0">
+                <a:solidFill>
+                  <a:schemeClr val="accent6"/>
+                </a:solidFill>
+              </a:rPr>
+              <a:t> predictions for floor 1 were True Positives</a:t>
+            </a:r>
+          </a:p>
+          <a:p>
+            <a:r>
+              <a:rPr lang="en-GB" sz="1100" b="1" dirty="0">
+                <a:solidFill>
+                  <a:schemeClr val="accent6"/>
+                </a:solidFill>
+              </a:rPr>
+              <a:t>	116</a:t>
+            </a:r>
+            <a:r>
+              <a:rPr lang="en-GB" sz="1100" dirty="0">
+                <a:solidFill>
+                  <a:schemeClr val="accent6"/>
+                </a:solidFill>
+              </a:rPr>
+              <a:t> predictions for floor 2 were True Positives</a:t>
+            </a:r>
+          </a:p>
+          <a:p>
+            <a:r>
+              <a:rPr lang="en-GB" sz="1100" b="1" dirty="0">
+                <a:solidFill>
+                  <a:schemeClr val="accent6"/>
+                </a:solidFill>
+              </a:rPr>
+              <a:t>	119 </a:t>
+            </a:r>
+            <a:r>
+              <a:rPr lang="en-GB" sz="1100" dirty="0">
+                <a:solidFill>
+                  <a:schemeClr val="accent6"/>
+                </a:solidFill>
+              </a:rPr>
+              <a:t>predictions for floor 3 were True Positives</a:t>
+            </a:r>
+          </a:p>
+          <a:p>
+            <a:endParaRPr lang="en-GB" sz="1100" dirty="0">
+              <a:solidFill>
+                <a:schemeClr val="accent6"/>
+              </a:solidFill>
+            </a:endParaRPr>
+          </a:p>
+          <a:p>
+            <a:r>
+              <a:rPr lang="en-GB" sz="1100" dirty="0">
+                <a:solidFill>
+                  <a:schemeClr val="accent2"/>
+                </a:solidFill>
+              </a:rPr>
+              <a:t>In </a:t>
+            </a:r>
+            <a:r>
+              <a:rPr lang="en-GB" sz="1100" b="1" u="sng" dirty="0">
+                <a:solidFill>
+                  <a:srgbClr val="FF0000"/>
+                </a:solidFill>
+              </a:rPr>
+              <a:t>12 cases floor 1 was misidentified as 0 </a:t>
+            </a:r>
+            <a:r>
+              <a:rPr lang="en-GB" sz="1100" dirty="0">
+                <a:solidFill>
+                  <a:schemeClr val="accent2"/>
+                </a:solidFill>
+              </a:rPr>
+              <a:t>&amp; 1 times floor 2 was misidentified as 0</a:t>
+            </a:r>
+          </a:p>
+          <a:p>
+            <a:r>
+              <a:rPr lang="en-GB" sz="1100" dirty="0">
+                <a:solidFill>
+                  <a:schemeClr val="accent2"/>
+                </a:solidFill>
+              </a:rPr>
+              <a:t>In 5 cases floor 0 was misidentified as being floor 1 &amp; in 4 cases floor 2 was misidentified as 1</a:t>
+            </a:r>
+          </a:p>
+          <a:p>
+            <a:r>
+              <a:rPr lang="en-GB" sz="1100" dirty="0">
+                <a:solidFill>
+                  <a:schemeClr val="accent2"/>
+                </a:solidFill>
+              </a:rPr>
+              <a:t>In 8 cases floor 1 was misidentified as being floor 2 &amp; in </a:t>
+            </a:r>
+            <a:r>
+              <a:rPr lang="en-GB" sz="1100" b="1" u="sng" dirty="0">
+                <a:solidFill>
+                  <a:srgbClr val="FF0000"/>
+                </a:solidFill>
+              </a:rPr>
+              <a:t>13 cases floor 3 was misidentified as 2</a:t>
+            </a:r>
+          </a:p>
+          <a:p>
+            <a:r>
+              <a:rPr lang="en-GB" sz="1100" dirty="0">
+                <a:solidFill>
+                  <a:schemeClr val="accent2"/>
+                </a:solidFill>
+              </a:rPr>
+              <a:t>In 1 case floor 1 was misidentified as being floor 3 &amp; in </a:t>
+            </a:r>
+            <a:r>
+              <a:rPr lang="en-GB" sz="1100" b="1" u="sng" dirty="0">
+                <a:solidFill>
+                  <a:srgbClr val="FF0000"/>
+                </a:solidFill>
+              </a:rPr>
+              <a:t>15 cases floor 2 was misidentified as 3</a:t>
+            </a:r>
+          </a:p>
+        </p:txBody>
+      </p:sp>
+      <p:sp>
+        <p:nvSpPr>
+          <p:cNvPr id="24" name="Tekstvak 23">
+            <a:extLst>
+              <a:ext uri="{FF2B5EF4-FFF2-40B4-BE49-F238E27FC236}">
+                <a16:creationId xmlns:a16="http://schemas.microsoft.com/office/drawing/2014/main" id="{F577DA5A-702E-4033-8425-6CF68E6FAFA5}"/>
+              </a:ext>
+            </a:extLst>
+          </p:cNvPr>
+          <p:cNvSpPr txBox="1"/>
+          <p:nvPr/>
+        </p:nvSpPr>
+        <p:spPr>
+          <a:xfrm>
+            <a:off x="6288834" y="1438152"/>
+            <a:ext cx="5915609" cy="369332"/>
+          </a:xfrm>
+          <a:prstGeom prst="rect">
+            <a:avLst/>
+          </a:prstGeom>
+          <a:noFill/>
+        </p:spPr>
+        <p:txBody>
+          <a:bodyPr wrap="square" rtlCol="0">
+            <a:spAutoFit/>
+          </a:bodyPr>
+          <a:lstStyle/>
+          <a:p>
+            <a:r>
+              <a:rPr lang="en-GB" dirty="0">
+                <a:solidFill>
+                  <a:schemeClr val="accent2"/>
+                </a:solidFill>
+              </a:rPr>
+              <a:t>Kknn-5 can be optimized for floor Building 0 esp. floor 1, 2, 3 </a:t>
+            </a:r>
           </a:p>
         </p:txBody>
       </p:sp>
     </p:spTree>
     <p:extLst>
       <p:ext uri="{BB962C8B-B14F-4D97-AF65-F5344CB8AC3E}">
-        <p14:creationId xmlns:p14="http://schemas.microsoft.com/office/powerpoint/2010/main" val="280690453"/>
+        <p14:creationId xmlns:p14="http://schemas.microsoft.com/office/powerpoint/2010/main" val="641481595"/>
+      </p:ext>
+    </p:extLst>
+  </p:cSld>
+  <p:clrMapOvr>
+    <a:masterClrMapping/>
+  </p:clrMapOvr>
+</p:sld>
+</file>
+
+<file path=ppt/slides/slide15.xml><?xml version="1.0" encoding="utf-8"?>
+<p:sld xmlns:a="http://schemas.openxmlformats.org/drawingml/2006/main" xmlns:r="http://schemas.openxmlformats.org/officeDocument/2006/relationships" xmlns:p="http://schemas.openxmlformats.org/presentationml/2006/main">
+  <p:cSld>
+    <p:spTree>
+      <p:nvGrpSpPr>
+        <p:cNvPr id="1" name=""/>
+        <p:cNvGrpSpPr/>
+        <p:nvPr/>
+      </p:nvGrpSpPr>
+      <p:grpSpPr>
+        <a:xfrm>
+          <a:off x="0" y="0"/>
+          <a:ext cx="0" cy="0"/>
+          <a:chOff x="0" y="0"/>
+          <a:chExt cx="0" cy="0"/>
+        </a:xfrm>
+      </p:grpSpPr>
+      <p:sp>
+        <p:nvSpPr>
+          <p:cNvPr id="2" name="Titel 1">
+            <a:extLst>
+              <a:ext uri="{FF2B5EF4-FFF2-40B4-BE49-F238E27FC236}">
+                <a16:creationId xmlns:a16="http://schemas.microsoft.com/office/drawing/2014/main" id="{ECE4FA4E-54FC-4D95-B397-36B00736E710}"/>
+              </a:ext>
+            </a:extLst>
+          </p:cNvPr>
+          <p:cNvSpPr>
+            <a:spLocks noGrp="1"/>
+          </p:cNvSpPr>
+          <p:nvPr>
+            <p:ph type="title"/>
+          </p:nvPr>
+        </p:nvSpPr>
+        <p:spPr>
+          <a:xfrm>
+            <a:off x="914400" y="146050"/>
+            <a:ext cx="10515600" cy="1325563"/>
+          </a:xfrm>
+        </p:spPr>
+        <p:txBody>
+          <a:bodyPr/>
+          <a:lstStyle/>
+          <a:p>
+            <a:r>
+              <a:rPr lang="en-GB" dirty="0"/>
+              <a:t>1</a:t>
+            </a:r>
+            <a:r>
+              <a:rPr lang="en-GB" baseline="30000" dirty="0"/>
+              <a:t>st</a:t>
+            </a:r>
+            <a:r>
+              <a:rPr lang="en-GB" dirty="0"/>
+              <a:t> KNN Floor </a:t>
+            </a:r>
+            <a:r>
+              <a:rPr lang="en-GB" b="1" dirty="0">
+                <a:solidFill>
+                  <a:schemeClr val="accent5"/>
+                </a:solidFill>
+              </a:rPr>
+              <a:t>B1</a:t>
+            </a:r>
+            <a:r>
+              <a:rPr lang="en-GB" dirty="0"/>
+              <a:t> Confusion Matrix</a:t>
+            </a:r>
+          </a:p>
+        </p:txBody>
+      </p:sp>
+      <p:pic>
+        <p:nvPicPr>
+          <p:cNvPr id="3" name="Afbeelding 2">
+            <a:extLst>
+              <a:ext uri="{FF2B5EF4-FFF2-40B4-BE49-F238E27FC236}">
+                <a16:creationId xmlns:a16="http://schemas.microsoft.com/office/drawing/2014/main" id="{6AC093FC-6E7D-47F1-A809-1609FF2E24AF}"/>
+              </a:ext>
+            </a:extLst>
+          </p:cNvPr>
+          <p:cNvPicPr>
+            <a:picLocks noChangeAspect="1"/>
+          </p:cNvPicPr>
+          <p:nvPr/>
+        </p:nvPicPr>
+        <p:blipFill>
+          <a:blip r:embed="rId2"/>
+          <a:stretch>
+            <a:fillRect/>
+          </a:stretch>
+        </p:blipFill>
+        <p:spPr>
+          <a:xfrm>
+            <a:off x="10063162" y="437356"/>
+            <a:ext cx="1114425" cy="742950"/>
+          </a:xfrm>
+          <a:prstGeom prst="rect">
+            <a:avLst/>
+          </a:prstGeom>
+        </p:spPr>
+      </p:pic>
+      <p:pic>
+        <p:nvPicPr>
+          <p:cNvPr id="8" name="Afbeelding 7">
+            <a:extLst>
+              <a:ext uri="{FF2B5EF4-FFF2-40B4-BE49-F238E27FC236}">
+                <a16:creationId xmlns:a16="http://schemas.microsoft.com/office/drawing/2014/main" id="{60F19F32-33F9-4D2A-A547-44D3F10237BD}"/>
+              </a:ext>
+            </a:extLst>
+          </p:cNvPr>
+          <p:cNvPicPr>
+            <a:picLocks noChangeAspect="1"/>
+          </p:cNvPicPr>
+          <p:nvPr/>
+        </p:nvPicPr>
+        <p:blipFill>
+          <a:blip r:embed="rId3"/>
+          <a:stretch>
+            <a:fillRect/>
+          </a:stretch>
+        </p:blipFill>
+        <p:spPr>
+          <a:xfrm>
+            <a:off x="103997" y="1790352"/>
+            <a:ext cx="6315075" cy="4781550"/>
+          </a:xfrm>
+          <a:prstGeom prst="rect">
+            <a:avLst/>
+          </a:prstGeom>
+        </p:spPr>
+      </p:pic>
+      <p:cxnSp>
+        <p:nvCxnSpPr>
+          <p:cNvPr id="9" name="Rechte verbindingslijn 8">
+            <a:extLst>
+              <a:ext uri="{FF2B5EF4-FFF2-40B4-BE49-F238E27FC236}">
+                <a16:creationId xmlns:a16="http://schemas.microsoft.com/office/drawing/2014/main" id="{AE3D9B3B-2375-4CA1-B809-F7F578C9DF6C}"/>
+              </a:ext>
+            </a:extLst>
+          </p:cNvPr>
+          <p:cNvCxnSpPr/>
+          <p:nvPr/>
+        </p:nvCxnSpPr>
+        <p:spPr>
+          <a:xfrm>
+            <a:off x="1623138" y="2629775"/>
+            <a:ext cx="4385387" cy="3620278"/>
+          </a:xfrm>
+          <a:prstGeom prst="line">
+            <a:avLst/>
+          </a:prstGeom>
+          <a:ln w="15875">
+            <a:solidFill>
+              <a:schemeClr val="accent6"/>
+            </a:solidFill>
+            <a:prstDash val="lgDashDot"/>
+          </a:ln>
+        </p:spPr>
+        <p:style>
+          <a:lnRef idx="1">
+            <a:schemeClr val="accent1"/>
+          </a:lnRef>
+          <a:fillRef idx="0">
+            <a:schemeClr val="accent1"/>
+          </a:fillRef>
+          <a:effectRef idx="0">
+            <a:schemeClr val="accent1"/>
+          </a:effectRef>
+          <a:fontRef idx="minor">
+            <a:schemeClr val="tx1"/>
+          </a:fontRef>
+        </p:style>
+      </p:cxnSp>
+      <p:cxnSp>
+        <p:nvCxnSpPr>
+          <p:cNvPr id="10" name="Rechte verbindingslijn 9">
+            <a:extLst>
+              <a:ext uri="{FF2B5EF4-FFF2-40B4-BE49-F238E27FC236}">
+                <a16:creationId xmlns:a16="http://schemas.microsoft.com/office/drawing/2014/main" id="{1838DD00-2020-46BD-86D8-88DFACA81A06}"/>
+              </a:ext>
+            </a:extLst>
+          </p:cNvPr>
+          <p:cNvCxnSpPr>
+            <a:cxnSpLocks/>
+          </p:cNvCxnSpPr>
+          <p:nvPr/>
+        </p:nvCxnSpPr>
+        <p:spPr>
+          <a:xfrm flipV="1">
+            <a:off x="1426318" y="2882576"/>
+            <a:ext cx="3819525" cy="3114676"/>
+          </a:xfrm>
+          <a:prstGeom prst="line">
+            <a:avLst/>
+          </a:prstGeom>
+          <a:ln w="15875">
+            <a:solidFill>
+              <a:srgbClr val="FF0000"/>
+            </a:solidFill>
+            <a:prstDash val="lgDashDot"/>
+          </a:ln>
+        </p:spPr>
+        <p:style>
+          <a:lnRef idx="1">
+            <a:schemeClr val="accent1"/>
+          </a:lnRef>
+          <a:fillRef idx="0">
+            <a:schemeClr val="accent1"/>
+          </a:fillRef>
+          <a:effectRef idx="0">
+            <a:schemeClr val="accent1"/>
+          </a:effectRef>
+          <a:fontRef idx="minor">
+            <a:schemeClr val="tx1"/>
+          </a:fontRef>
+        </p:style>
+      </p:cxnSp>
+      <p:sp>
+        <p:nvSpPr>
+          <p:cNvPr id="11" name="Tekstvak 10">
+            <a:extLst>
+              <a:ext uri="{FF2B5EF4-FFF2-40B4-BE49-F238E27FC236}">
+                <a16:creationId xmlns:a16="http://schemas.microsoft.com/office/drawing/2014/main" id="{09874539-7E6C-4CCD-AE61-B8C522A83224}"/>
+              </a:ext>
+            </a:extLst>
+          </p:cNvPr>
+          <p:cNvSpPr txBox="1"/>
+          <p:nvPr/>
+        </p:nvSpPr>
+        <p:spPr>
+          <a:xfrm>
+            <a:off x="6279503" y="2330710"/>
+            <a:ext cx="5912498" cy="1785104"/>
+          </a:xfrm>
+          <a:prstGeom prst="rect">
+            <a:avLst/>
+          </a:prstGeom>
+          <a:noFill/>
+        </p:spPr>
+        <p:txBody>
+          <a:bodyPr wrap="square" rtlCol="0">
+            <a:spAutoFit/>
+          </a:bodyPr>
+          <a:lstStyle/>
+          <a:p>
+            <a:r>
+              <a:rPr lang="en-GB" sz="1100" b="1" dirty="0">
+                <a:solidFill>
+                  <a:schemeClr val="accent1"/>
+                </a:solidFill>
+              </a:rPr>
+              <a:t>In Building 1</a:t>
+            </a:r>
+          </a:p>
+          <a:p>
+            <a:r>
+              <a:rPr lang="en-GB" sz="1100" b="1" dirty="0">
+                <a:solidFill>
+                  <a:schemeClr val="accent6"/>
+                </a:solidFill>
+              </a:rPr>
+              <a:t>	114 </a:t>
+            </a:r>
+            <a:r>
+              <a:rPr lang="en-GB" sz="1100" dirty="0">
+                <a:solidFill>
+                  <a:schemeClr val="accent6"/>
+                </a:solidFill>
+              </a:rPr>
+              <a:t>predictions for floor 0 were True Positives</a:t>
+            </a:r>
+          </a:p>
+          <a:p>
+            <a:r>
+              <a:rPr lang="en-GB" sz="1100" b="1" dirty="0">
+                <a:solidFill>
+                  <a:schemeClr val="accent6"/>
+                </a:solidFill>
+              </a:rPr>
+              <a:t>	38</a:t>
+            </a:r>
+            <a:r>
+              <a:rPr lang="en-GB" sz="1100" dirty="0">
+                <a:solidFill>
+                  <a:schemeClr val="accent6"/>
+                </a:solidFill>
+              </a:rPr>
+              <a:t> predictions for floor 1 were True Positives</a:t>
+            </a:r>
+          </a:p>
+          <a:p>
+            <a:r>
+              <a:rPr lang="en-GB" sz="1100" b="1" dirty="0">
+                <a:solidFill>
+                  <a:schemeClr val="accent6"/>
+                </a:solidFill>
+              </a:rPr>
+              <a:t>	25</a:t>
+            </a:r>
+            <a:r>
+              <a:rPr lang="en-GB" sz="1100" dirty="0">
+                <a:solidFill>
+                  <a:schemeClr val="accent6"/>
+                </a:solidFill>
+              </a:rPr>
+              <a:t> predictions for floor 2 were True Positives</a:t>
+            </a:r>
+          </a:p>
+          <a:p>
+            <a:r>
+              <a:rPr lang="en-GB" sz="1100" b="1" dirty="0">
+                <a:solidFill>
+                  <a:schemeClr val="accent6"/>
+                </a:solidFill>
+              </a:rPr>
+              <a:t>	12 </a:t>
+            </a:r>
+            <a:r>
+              <a:rPr lang="en-GB" sz="1100" dirty="0">
+                <a:solidFill>
+                  <a:schemeClr val="accent6"/>
+                </a:solidFill>
+              </a:rPr>
+              <a:t>predictions for floor 3 were True Positives</a:t>
+            </a:r>
+          </a:p>
+          <a:p>
+            <a:endParaRPr lang="en-GB" sz="1100" dirty="0">
+              <a:solidFill>
+                <a:schemeClr val="accent6"/>
+              </a:solidFill>
+            </a:endParaRPr>
+          </a:p>
+          <a:p>
+            <a:r>
+              <a:rPr lang="en-GB" sz="1100" b="1" u="sng" dirty="0">
+                <a:solidFill>
+                  <a:schemeClr val="accent2"/>
+                </a:solidFill>
+              </a:rPr>
+              <a:t>In </a:t>
+            </a:r>
+            <a:r>
+              <a:rPr lang="en-GB" sz="1100" b="1" u="sng" dirty="0">
+                <a:solidFill>
+                  <a:srgbClr val="FF0000"/>
+                </a:solidFill>
+              </a:rPr>
+              <a:t>77 cases floor 1 was misidentified as 0, 95 were </a:t>
+            </a:r>
+            <a:r>
+              <a:rPr lang="en-GB" sz="1100" b="1" u="sng" dirty="0" err="1">
+                <a:solidFill>
+                  <a:srgbClr val="FF0000"/>
+                </a:solidFill>
+              </a:rPr>
+              <a:t>identied</a:t>
+            </a:r>
+            <a:r>
+              <a:rPr lang="en-GB" sz="1100" b="1" u="sng" dirty="0">
+                <a:solidFill>
+                  <a:srgbClr val="FF0000"/>
+                </a:solidFill>
+              </a:rPr>
+              <a:t> as floor 2 and 55 as floor 3 instead of 0</a:t>
+            </a:r>
+            <a:endParaRPr lang="en-GB" sz="1100" dirty="0">
+              <a:solidFill>
+                <a:schemeClr val="accent2"/>
+              </a:solidFill>
+            </a:endParaRPr>
+          </a:p>
+          <a:p>
+            <a:r>
+              <a:rPr lang="en-GB" sz="1100" dirty="0">
+                <a:solidFill>
+                  <a:schemeClr val="accent2"/>
+                </a:solidFill>
+              </a:rPr>
+              <a:t>In 14 cases floor 0 was misidentified as being floor 1 &amp; in 6 cases floor 2 was misidentified as 1</a:t>
+            </a:r>
+          </a:p>
+          <a:p>
+            <a:r>
+              <a:rPr lang="en-GB" sz="1100" dirty="0">
+                <a:solidFill>
+                  <a:schemeClr val="accent2"/>
+                </a:solidFill>
+              </a:rPr>
+              <a:t>In </a:t>
+            </a:r>
+            <a:r>
+              <a:rPr lang="en-GB" sz="1100" u="sng" dirty="0">
+                <a:solidFill>
+                  <a:srgbClr val="FF0000"/>
+                </a:solidFill>
+              </a:rPr>
+              <a:t>20 cases </a:t>
+            </a:r>
+            <a:r>
+              <a:rPr lang="en-GB" sz="1100" dirty="0">
+                <a:solidFill>
+                  <a:schemeClr val="accent2"/>
+                </a:solidFill>
+              </a:rPr>
+              <a:t>floor 1 was misidentified as being floor 2 &amp; in </a:t>
+            </a:r>
+            <a:r>
+              <a:rPr lang="en-GB" sz="1100" b="1" u="sng" dirty="0">
+                <a:solidFill>
+                  <a:srgbClr val="FF0000"/>
+                </a:solidFill>
+              </a:rPr>
+              <a:t>19 cases floor 3 was misidentified as 2</a:t>
+            </a:r>
+          </a:p>
+          <a:p>
+            <a:r>
+              <a:rPr lang="en-GB" sz="1100" dirty="0">
+                <a:solidFill>
+                  <a:schemeClr val="accent2"/>
+                </a:solidFill>
+              </a:rPr>
+              <a:t>In 3 case floor 1 was misidentified as being floor 3 &amp; in </a:t>
+            </a:r>
+            <a:r>
+              <a:rPr lang="en-GB" sz="1100" b="1" u="sng" dirty="0">
+                <a:solidFill>
+                  <a:srgbClr val="FF0000"/>
+                </a:solidFill>
+              </a:rPr>
+              <a:t>9 cases floor 2 was misidentified as floor 3</a:t>
+            </a:r>
+          </a:p>
+        </p:txBody>
+      </p:sp>
+      <p:sp>
+        <p:nvSpPr>
+          <p:cNvPr id="12" name="Tekstvak 11">
+            <a:extLst>
+              <a:ext uri="{FF2B5EF4-FFF2-40B4-BE49-F238E27FC236}">
+                <a16:creationId xmlns:a16="http://schemas.microsoft.com/office/drawing/2014/main" id="{4B4D5192-7D00-4266-8A96-C6119F4240CC}"/>
+              </a:ext>
+            </a:extLst>
+          </p:cNvPr>
+          <p:cNvSpPr txBox="1"/>
+          <p:nvPr/>
+        </p:nvSpPr>
+        <p:spPr>
+          <a:xfrm>
+            <a:off x="6279503" y="1314379"/>
+            <a:ext cx="5402424" cy="646331"/>
+          </a:xfrm>
+          <a:prstGeom prst="rect">
+            <a:avLst/>
+          </a:prstGeom>
+          <a:noFill/>
+        </p:spPr>
+        <p:txBody>
+          <a:bodyPr wrap="square" rtlCol="0">
+            <a:spAutoFit/>
+          </a:bodyPr>
+          <a:lstStyle/>
+          <a:p>
+            <a:r>
+              <a:rPr lang="en-GB" dirty="0">
+                <a:solidFill>
+                  <a:srgbClr val="FF0000"/>
+                </a:solidFill>
+              </a:rPr>
+              <a:t>B1 predictions for floor has an accuracy of 38.8% &amp; esp. floor 1,2,3 is not predicted well</a:t>
+            </a:r>
+          </a:p>
+        </p:txBody>
+      </p:sp>
+    </p:spTree>
+    <p:extLst>
+      <p:ext uri="{BB962C8B-B14F-4D97-AF65-F5344CB8AC3E}">
+        <p14:creationId xmlns:p14="http://schemas.microsoft.com/office/powerpoint/2010/main" val="2965516738"/>
+      </p:ext>
+    </p:extLst>
+  </p:cSld>
+  <p:clrMapOvr>
+    <a:masterClrMapping/>
+  </p:clrMapOvr>
+</p:sld>
+</file>
+
+<file path=ppt/slides/slide16.xml><?xml version="1.0" encoding="utf-8"?>
+<p:sld xmlns:a="http://schemas.openxmlformats.org/drawingml/2006/main" xmlns:r="http://schemas.openxmlformats.org/officeDocument/2006/relationships" xmlns:p="http://schemas.openxmlformats.org/presentationml/2006/main">
+  <p:cSld>
+    <p:spTree>
+      <p:nvGrpSpPr>
+        <p:cNvPr id="1" name=""/>
+        <p:cNvGrpSpPr/>
+        <p:nvPr/>
+      </p:nvGrpSpPr>
+      <p:grpSpPr>
+        <a:xfrm>
+          <a:off x="0" y="0"/>
+          <a:ext cx="0" cy="0"/>
+          <a:chOff x="0" y="0"/>
+          <a:chExt cx="0" cy="0"/>
+        </a:xfrm>
+      </p:grpSpPr>
+      <p:sp>
+        <p:nvSpPr>
+          <p:cNvPr id="2" name="Titel 1">
+            <a:extLst>
+              <a:ext uri="{FF2B5EF4-FFF2-40B4-BE49-F238E27FC236}">
+                <a16:creationId xmlns:a16="http://schemas.microsoft.com/office/drawing/2014/main" id="{ECE4FA4E-54FC-4D95-B397-36B00736E710}"/>
+              </a:ext>
+            </a:extLst>
+          </p:cNvPr>
+          <p:cNvSpPr>
+            <a:spLocks noGrp="1"/>
+          </p:cNvSpPr>
+          <p:nvPr>
+            <p:ph type="title"/>
+          </p:nvPr>
+        </p:nvSpPr>
+        <p:spPr>
+          <a:xfrm>
+            <a:off x="914400" y="146050"/>
+            <a:ext cx="10515600" cy="1325563"/>
+          </a:xfrm>
+        </p:spPr>
+        <p:txBody>
+          <a:bodyPr/>
+          <a:lstStyle/>
+          <a:p>
+            <a:r>
+              <a:rPr lang="en-GB" dirty="0"/>
+              <a:t>1</a:t>
+            </a:r>
+            <a:r>
+              <a:rPr lang="en-GB" baseline="30000" dirty="0"/>
+              <a:t>st</a:t>
+            </a:r>
+            <a:r>
+              <a:rPr lang="en-GB" dirty="0"/>
+              <a:t> KNN Floor </a:t>
+            </a:r>
+            <a:r>
+              <a:rPr lang="en-GB" b="1" dirty="0">
+                <a:solidFill>
+                  <a:schemeClr val="accent5"/>
+                </a:solidFill>
+              </a:rPr>
+              <a:t>B2 </a:t>
+            </a:r>
+            <a:r>
+              <a:rPr lang="en-GB" dirty="0"/>
+              <a:t>Confusion Matrix</a:t>
+            </a:r>
+          </a:p>
+        </p:txBody>
+      </p:sp>
+      <p:pic>
+        <p:nvPicPr>
+          <p:cNvPr id="3" name="Afbeelding 2">
+            <a:extLst>
+              <a:ext uri="{FF2B5EF4-FFF2-40B4-BE49-F238E27FC236}">
+                <a16:creationId xmlns:a16="http://schemas.microsoft.com/office/drawing/2014/main" id="{FFA4FA0F-A961-44C5-AE2F-E9486452D866}"/>
+              </a:ext>
+            </a:extLst>
+          </p:cNvPr>
+          <p:cNvPicPr>
+            <a:picLocks noChangeAspect="1"/>
+          </p:cNvPicPr>
+          <p:nvPr/>
+        </p:nvPicPr>
+        <p:blipFill>
+          <a:blip r:embed="rId2"/>
+          <a:stretch>
+            <a:fillRect/>
+          </a:stretch>
+        </p:blipFill>
+        <p:spPr>
+          <a:xfrm>
+            <a:off x="10720387" y="581025"/>
+            <a:ext cx="1114425" cy="742950"/>
+          </a:xfrm>
+          <a:prstGeom prst="rect">
+            <a:avLst/>
+          </a:prstGeom>
+        </p:spPr>
+      </p:pic>
+      <p:pic>
+        <p:nvPicPr>
+          <p:cNvPr id="8" name="Afbeelding 7">
+            <a:extLst>
+              <a:ext uri="{FF2B5EF4-FFF2-40B4-BE49-F238E27FC236}">
+                <a16:creationId xmlns:a16="http://schemas.microsoft.com/office/drawing/2014/main" id="{BDB74218-009F-4058-8825-7A792CDDD203}"/>
+              </a:ext>
+            </a:extLst>
+          </p:cNvPr>
+          <p:cNvPicPr>
+            <a:picLocks noChangeAspect="1"/>
+          </p:cNvPicPr>
+          <p:nvPr/>
+        </p:nvPicPr>
+        <p:blipFill>
+          <a:blip r:embed="rId3"/>
+          <a:stretch>
+            <a:fillRect/>
+          </a:stretch>
+        </p:blipFill>
+        <p:spPr>
+          <a:xfrm>
+            <a:off x="118093" y="1819065"/>
+            <a:ext cx="5934558" cy="4462074"/>
+          </a:xfrm>
+          <a:prstGeom prst="rect">
+            <a:avLst/>
+          </a:prstGeom>
+        </p:spPr>
+      </p:pic>
+      <p:sp>
+        <p:nvSpPr>
+          <p:cNvPr id="9" name="Tekstvak 8">
+            <a:extLst>
+              <a:ext uri="{FF2B5EF4-FFF2-40B4-BE49-F238E27FC236}">
+                <a16:creationId xmlns:a16="http://schemas.microsoft.com/office/drawing/2014/main" id="{8058F086-7F99-4404-B1E2-D743485BDCE0}"/>
+              </a:ext>
+            </a:extLst>
+          </p:cNvPr>
+          <p:cNvSpPr txBox="1"/>
+          <p:nvPr/>
+        </p:nvSpPr>
+        <p:spPr>
+          <a:xfrm>
+            <a:off x="6096000" y="2367171"/>
+            <a:ext cx="5912498" cy="2123658"/>
+          </a:xfrm>
+          <a:prstGeom prst="rect">
+            <a:avLst/>
+          </a:prstGeom>
+          <a:noFill/>
+        </p:spPr>
+        <p:txBody>
+          <a:bodyPr wrap="square" rtlCol="0">
+            <a:spAutoFit/>
+          </a:bodyPr>
+          <a:lstStyle/>
+          <a:p>
+            <a:r>
+              <a:rPr lang="en-GB" sz="1100" b="1" dirty="0">
+                <a:solidFill>
+                  <a:schemeClr val="accent1"/>
+                </a:solidFill>
+              </a:rPr>
+              <a:t>In Building 2</a:t>
+            </a:r>
+          </a:p>
+          <a:p>
+            <a:r>
+              <a:rPr lang="en-GB" sz="1100" b="1" dirty="0">
+                <a:solidFill>
+                  <a:schemeClr val="accent6"/>
+                </a:solidFill>
+              </a:rPr>
+              <a:t>	180 </a:t>
+            </a:r>
+            <a:r>
+              <a:rPr lang="en-GB" sz="1100" dirty="0">
+                <a:solidFill>
+                  <a:schemeClr val="accent6"/>
+                </a:solidFill>
+              </a:rPr>
+              <a:t>predictions for floor 0 were True Positives</a:t>
+            </a:r>
+          </a:p>
+          <a:p>
+            <a:r>
+              <a:rPr lang="en-GB" sz="1100" b="1" dirty="0">
+                <a:solidFill>
+                  <a:schemeClr val="accent6"/>
+                </a:solidFill>
+              </a:rPr>
+              <a:t>	179</a:t>
+            </a:r>
+            <a:r>
+              <a:rPr lang="en-GB" sz="1100" dirty="0">
+                <a:solidFill>
+                  <a:schemeClr val="accent6"/>
+                </a:solidFill>
+              </a:rPr>
+              <a:t> predictions for floor 1 were True Positives</a:t>
+            </a:r>
+          </a:p>
+          <a:p>
+            <a:r>
+              <a:rPr lang="en-GB" sz="1100" b="1" dirty="0">
+                <a:solidFill>
+                  <a:schemeClr val="accent6"/>
+                </a:solidFill>
+              </a:rPr>
+              <a:t>	127</a:t>
+            </a:r>
+            <a:r>
+              <a:rPr lang="en-GB" sz="1100" dirty="0">
+                <a:solidFill>
+                  <a:schemeClr val="accent6"/>
+                </a:solidFill>
+              </a:rPr>
+              <a:t> predictions for floor 2 were True Positives</a:t>
+            </a:r>
+          </a:p>
+          <a:p>
+            <a:r>
+              <a:rPr lang="en-GB" sz="1100" b="1" dirty="0">
+                <a:solidFill>
+                  <a:schemeClr val="accent6"/>
+                </a:solidFill>
+              </a:rPr>
+              <a:t>	251 </a:t>
+            </a:r>
+            <a:r>
+              <a:rPr lang="en-GB" sz="1100" dirty="0">
+                <a:solidFill>
+                  <a:schemeClr val="accent6"/>
+                </a:solidFill>
+              </a:rPr>
+              <a:t>predictions for floor 3 were True Positives</a:t>
+            </a:r>
+          </a:p>
+          <a:p>
+            <a:r>
+              <a:rPr lang="en-GB" sz="1100" dirty="0">
+                <a:solidFill>
+                  <a:schemeClr val="accent6"/>
+                </a:solidFill>
+              </a:rPr>
+              <a:t>	</a:t>
+            </a:r>
+            <a:r>
+              <a:rPr lang="en-GB" sz="1100" b="1" dirty="0">
+                <a:solidFill>
+                  <a:schemeClr val="accent6"/>
+                </a:solidFill>
+              </a:rPr>
+              <a:t>93</a:t>
+            </a:r>
+            <a:r>
+              <a:rPr lang="en-GB" sz="1100" dirty="0">
+                <a:solidFill>
+                  <a:schemeClr val="accent6"/>
+                </a:solidFill>
+              </a:rPr>
+              <a:t> predictions for floor 4 were True Positives</a:t>
+            </a:r>
+          </a:p>
+          <a:p>
+            <a:endParaRPr lang="en-GB" sz="1100" dirty="0">
+              <a:solidFill>
+                <a:schemeClr val="accent6"/>
+              </a:solidFill>
+            </a:endParaRPr>
+          </a:p>
+          <a:p>
+            <a:r>
+              <a:rPr lang="en-GB" sz="1100" dirty="0">
+                <a:solidFill>
+                  <a:schemeClr val="accent2"/>
+                </a:solidFill>
+              </a:rPr>
+              <a:t>In 10 cases floor 1 was misidentified as 0, 1 was identified as floor 2 and 3 as floor 3 instead of 0</a:t>
+            </a:r>
+          </a:p>
+          <a:p>
+            <a:r>
+              <a:rPr lang="en-GB" sz="1100" dirty="0">
+                <a:solidFill>
+                  <a:schemeClr val="accent2"/>
+                </a:solidFill>
+              </a:rPr>
+              <a:t>In 3 cases floor 0 was misidentified as being floor 1 &amp; in 8 cases floor 2 was misidentified as 1</a:t>
+            </a:r>
+          </a:p>
+          <a:p>
+            <a:r>
+              <a:rPr lang="en-GB" sz="1100" dirty="0">
+                <a:solidFill>
+                  <a:schemeClr val="accent2"/>
+                </a:solidFill>
+              </a:rPr>
+              <a:t>In 1 case floor 1 was misidentified as being floor 2 &amp; in 3 cases floor 3 as 2 &amp; 2 cases floor 4 as 2 </a:t>
+            </a:r>
+          </a:p>
+          <a:p>
+            <a:r>
+              <a:rPr lang="en-GB" sz="1100" dirty="0">
+                <a:solidFill>
+                  <a:schemeClr val="accent2"/>
+                </a:solidFill>
+              </a:rPr>
+              <a:t>In 4 cases floor 1 was misidentified as being floor 3 &amp; in 6 cases floor 4 was misidentified as floor 3</a:t>
+            </a:r>
+          </a:p>
+          <a:p>
+            <a:r>
+              <a:rPr lang="en-GB" sz="1100" dirty="0">
+                <a:solidFill>
+                  <a:schemeClr val="accent2"/>
+                </a:solidFill>
+              </a:rPr>
+              <a:t>In 3 cases floor 3 was misidentified as being floor 4 .</a:t>
+            </a:r>
+          </a:p>
+        </p:txBody>
+      </p:sp>
+      <p:cxnSp>
+        <p:nvCxnSpPr>
+          <p:cNvPr id="10" name="Rechte verbindingslijn 9">
+            <a:extLst>
+              <a:ext uri="{FF2B5EF4-FFF2-40B4-BE49-F238E27FC236}">
+                <a16:creationId xmlns:a16="http://schemas.microsoft.com/office/drawing/2014/main" id="{6D690E93-4C5B-481C-B5AC-AF19E288E1FA}"/>
+              </a:ext>
+            </a:extLst>
+          </p:cNvPr>
+          <p:cNvCxnSpPr/>
+          <p:nvPr/>
+        </p:nvCxnSpPr>
+        <p:spPr>
+          <a:xfrm>
+            <a:off x="1111220" y="2368518"/>
+            <a:ext cx="4385387" cy="3620278"/>
+          </a:xfrm>
+          <a:prstGeom prst="line">
+            <a:avLst/>
+          </a:prstGeom>
+          <a:ln w="15875">
+            <a:solidFill>
+              <a:schemeClr val="accent6"/>
+            </a:solidFill>
+            <a:prstDash val="lgDashDot"/>
+          </a:ln>
+        </p:spPr>
+        <p:style>
+          <a:lnRef idx="1">
+            <a:schemeClr val="accent1"/>
+          </a:lnRef>
+          <a:fillRef idx="0">
+            <a:schemeClr val="accent1"/>
+          </a:fillRef>
+          <a:effectRef idx="0">
+            <a:schemeClr val="accent1"/>
+          </a:effectRef>
+          <a:fontRef idx="minor">
+            <a:schemeClr val="tx1"/>
+          </a:fontRef>
+        </p:style>
+      </p:cxnSp>
+      <p:cxnSp>
+        <p:nvCxnSpPr>
+          <p:cNvPr id="11" name="Rechte verbindingslijn 10">
+            <a:extLst>
+              <a:ext uri="{FF2B5EF4-FFF2-40B4-BE49-F238E27FC236}">
+                <a16:creationId xmlns:a16="http://schemas.microsoft.com/office/drawing/2014/main" id="{2FA7D3EB-6F5E-4DE9-8742-8D7A2E0E775B}"/>
+              </a:ext>
+            </a:extLst>
+          </p:cNvPr>
+          <p:cNvCxnSpPr>
+            <a:cxnSpLocks/>
+          </p:cNvCxnSpPr>
+          <p:nvPr/>
+        </p:nvCxnSpPr>
+        <p:spPr>
+          <a:xfrm flipV="1">
+            <a:off x="1110441" y="2658641"/>
+            <a:ext cx="3819525" cy="3114676"/>
+          </a:xfrm>
+          <a:prstGeom prst="line">
+            <a:avLst/>
+          </a:prstGeom>
+          <a:ln w="15875">
+            <a:solidFill>
+              <a:srgbClr val="FF0000"/>
+            </a:solidFill>
+            <a:prstDash val="lgDashDot"/>
+          </a:ln>
+        </p:spPr>
+        <p:style>
+          <a:lnRef idx="1">
+            <a:schemeClr val="accent1"/>
+          </a:lnRef>
+          <a:fillRef idx="0">
+            <a:schemeClr val="accent1"/>
+          </a:fillRef>
+          <a:effectRef idx="0">
+            <a:schemeClr val="accent1"/>
+          </a:effectRef>
+          <a:fontRef idx="minor">
+            <a:schemeClr val="tx1"/>
+          </a:fontRef>
+        </p:style>
+      </p:cxnSp>
+      <p:sp>
+        <p:nvSpPr>
+          <p:cNvPr id="12" name="Tekstvak 11">
+            <a:extLst>
+              <a:ext uri="{FF2B5EF4-FFF2-40B4-BE49-F238E27FC236}">
+                <a16:creationId xmlns:a16="http://schemas.microsoft.com/office/drawing/2014/main" id="{E036B72F-77CF-41FD-AEF8-2BD10B35FB4B}"/>
+              </a:ext>
+            </a:extLst>
+          </p:cNvPr>
+          <p:cNvSpPr txBox="1"/>
+          <p:nvPr/>
+        </p:nvSpPr>
+        <p:spPr>
+          <a:xfrm>
+            <a:off x="6052651" y="1574284"/>
+            <a:ext cx="5402424" cy="369332"/>
+          </a:xfrm>
+          <a:prstGeom prst="rect">
+            <a:avLst/>
+          </a:prstGeom>
+          <a:noFill/>
+        </p:spPr>
+        <p:txBody>
+          <a:bodyPr wrap="square" rtlCol="0">
+            <a:spAutoFit/>
+          </a:bodyPr>
+          <a:lstStyle/>
+          <a:p>
+            <a:r>
+              <a:rPr lang="en-GB" dirty="0">
+                <a:solidFill>
+                  <a:schemeClr val="accent2"/>
+                </a:solidFill>
+              </a:rPr>
+              <a:t>Kknn-5 was working fine for predictions in Building 2</a:t>
+            </a:r>
+          </a:p>
+        </p:txBody>
+      </p:sp>
+    </p:spTree>
+    <p:extLst>
+      <p:ext uri="{BB962C8B-B14F-4D97-AF65-F5344CB8AC3E}">
+        <p14:creationId xmlns:p14="http://schemas.microsoft.com/office/powerpoint/2010/main" val="4172853593"/>
+      </p:ext>
+    </p:extLst>
+  </p:cSld>
+  <p:clrMapOvr>
+    <a:masterClrMapping/>
+  </p:clrMapOvr>
+</p:sld>
+</file>
+
+<file path=ppt/slides/slide17.xml><?xml version="1.0" encoding="utf-8"?>
+<p:sld xmlns:a="http://schemas.openxmlformats.org/drawingml/2006/main" xmlns:r="http://schemas.openxmlformats.org/officeDocument/2006/relationships" xmlns:p="http://schemas.openxmlformats.org/presentationml/2006/main">
+  <p:cSld>
+    <p:spTree>
+      <p:nvGrpSpPr>
+        <p:cNvPr id="1" name=""/>
+        <p:cNvGrpSpPr/>
+        <p:nvPr/>
+      </p:nvGrpSpPr>
+      <p:grpSpPr>
+        <a:xfrm>
+          <a:off x="0" y="0"/>
+          <a:ext cx="0" cy="0"/>
+          <a:chOff x="0" y="0"/>
+          <a:chExt cx="0" cy="0"/>
+        </a:xfrm>
+      </p:grpSpPr>
+      <p:sp>
+        <p:nvSpPr>
+          <p:cNvPr id="2" name="Titel 1">
+            <a:extLst>
+              <a:ext uri="{FF2B5EF4-FFF2-40B4-BE49-F238E27FC236}">
+                <a16:creationId xmlns:a16="http://schemas.microsoft.com/office/drawing/2014/main" id="{249BB2D2-3DCB-42B9-B892-12D70F9F8BC1}"/>
+              </a:ext>
+            </a:extLst>
+          </p:cNvPr>
+          <p:cNvSpPr>
+            <a:spLocks noGrp="1"/>
+          </p:cNvSpPr>
+          <p:nvPr>
+            <p:ph type="title"/>
+          </p:nvPr>
+        </p:nvSpPr>
+        <p:spPr/>
+        <p:txBody>
+          <a:bodyPr/>
+          <a:lstStyle/>
+          <a:p>
+            <a:r>
+              <a:rPr lang="en-GB" dirty="0"/>
+              <a:t>Conclusions of 1</a:t>
+            </a:r>
+            <a:r>
+              <a:rPr lang="en-GB" baseline="30000" dirty="0"/>
+              <a:t>st</a:t>
+            </a:r>
+            <a:r>
+              <a:rPr lang="en-GB" dirty="0"/>
+              <a:t> KNN predictions</a:t>
+            </a:r>
+          </a:p>
+        </p:txBody>
+      </p:sp>
+      <p:sp>
+        <p:nvSpPr>
+          <p:cNvPr id="3" name="Tekstvak 2">
+            <a:extLst>
+              <a:ext uri="{FF2B5EF4-FFF2-40B4-BE49-F238E27FC236}">
+                <a16:creationId xmlns:a16="http://schemas.microsoft.com/office/drawing/2014/main" id="{541AA667-CD78-4294-8AD5-C84727B17DBD}"/>
+              </a:ext>
+            </a:extLst>
+          </p:cNvPr>
+          <p:cNvSpPr txBox="1"/>
+          <p:nvPr/>
+        </p:nvSpPr>
+        <p:spPr>
+          <a:xfrm>
+            <a:off x="942392" y="2043404"/>
+            <a:ext cx="10730204" cy="1477328"/>
+          </a:xfrm>
+          <a:prstGeom prst="rect">
+            <a:avLst/>
+          </a:prstGeom>
+          <a:noFill/>
+        </p:spPr>
+        <p:txBody>
+          <a:bodyPr wrap="square" rtlCol="0">
+            <a:spAutoFit/>
+          </a:bodyPr>
+          <a:lstStyle/>
+          <a:p>
+            <a:r>
+              <a:rPr lang="en-GB" dirty="0"/>
+              <a:t>First focus is to improve the predictions for Building 1 and have a higher accuracy without downsizing the KPI’s for other Buildings.</a:t>
+            </a:r>
+          </a:p>
+          <a:p>
+            <a:endParaRPr lang="en-GB" dirty="0"/>
+          </a:p>
+          <a:p>
+            <a:r>
+              <a:rPr lang="en-GB" dirty="0"/>
+              <a:t>Plan of attack:</a:t>
+            </a:r>
+          </a:p>
+          <a:p>
+            <a:r>
+              <a:rPr lang="en-GB" dirty="0"/>
+              <a:t> </a:t>
+            </a:r>
+          </a:p>
+        </p:txBody>
+      </p:sp>
+    </p:spTree>
+    <p:extLst>
+      <p:ext uri="{BB962C8B-B14F-4D97-AF65-F5344CB8AC3E}">
+        <p14:creationId xmlns:p14="http://schemas.microsoft.com/office/powerpoint/2010/main" val="4172570090"/>
       </p:ext>
     </p:extLst>
   </p:cSld>

--- a/Data etc/Log.pptx
+++ b/Data etc/Log.pptx
@@ -33,6 +33,10 @@
     <p:sldId id="285" r:id="rId27"/>
     <p:sldId id="282" r:id="rId28"/>
     <p:sldId id="275" r:id="rId29"/>
+    <p:sldId id="287" r:id="rId30"/>
+    <p:sldId id="288" r:id="rId31"/>
+    <p:sldId id="289" r:id="rId32"/>
+    <p:sldId id="290" r:id="rId33"/>
   </p:sldIdLst>
   <p:sldSz cx="12192000" cy="6858000"/>
   <p:notesSz cx="6858000" cy="9144000"/>
@@ -288,7 +292,7 @@
           <a:p>
             <a:fld id="{AE182ABF-C602-4EB8-A052-2B7C8A1BDF7F}" type="datetimeFigureOut">
               <a:rPr lang="en-GB" smtClean="0"/>
-              <a:t>03/12/2019</a:t>
+              <a:t>04/12/2019</a:t>
             </a:fld>
             <a:endParaRPr lang="en-GB"/>
           </a:p>
@@ -488,7 +492,7 @@
           <a:p>
             <a:fld id="{AE182ABF-C602-4EB8-A052-2B7C8A1BDF7F}" type="datetimeFigureOut">
               <a:rPr lang="en-GB" smtClean="0"/>
-              <a:t>03/12/2019</a:t>
+              <a:t>04/12/2019</a:t>
             </a:fld>
             <a:endParaRPr lang="en-GB"/>
           </a:p>
@@ -698,7 +702,7 @@
           <a:p>
             <a:fld id="{AE182ABF-C602-4EB8-A052-2B7C8A1BDF7F}" type="datetimeFigureOut">
               <a:rPr lang="en-GB" smtClean="0"/>
-              <a:t>03/12/2019</a:t>
+              <a:t>04/12/2019</a:t>
             </a:fld>
             <a:endParaRPr lang="en-GB"/>
           </a:p>
@@ -898,7 +902,7 @@
           <a:p>
             <a:fld id="{AE182ABF-C602-4EB8-A052-2B7C8A1BDF7F}" type="datetimeFigureOut">
               <a:rPr lang="en-GB" smtClean="0"/>
-              <a:t>03/12/2019</a:t>
+              <a:t>04/12/2019</a:t>
             </a:fld>
             <a:endParaRPr lang="en-GB"/>
           </a:p>
@@ -1174,7 +1178,7 @@
           <a:p>
             <a:fld id="{AE182ABF-C602-4EB8-A052-2B7C8A1BDF7F}" type="datetimeFigureOut">
               <a:rPr lang="en-GB" smtClean="0"/>
-              <a:t>03/12/2019</a:t>
+              <a:t>04/12/2019</a:t>
             </a:fld>
             <a:endParaRPr lang="en-GB"/>
           </a:p>
@@ -1442,7 +1446,7 @@
           <a:p>
             <a:fld id="{AE182ABF-C602-4EB8-A052-2B7C8A1BDF7F}" type="datetimeFigureOut">
               <a:rPr lang="en-GB" smtClean="0"/>
-              <a:t>03/12/2019</a:t>
+              <a:t>04/12/2019</a:t>
             </a:fld>
             <a:endParaRPr lang="en-GB"/>
           </a:p>
@@ -1857,7 +1861,7 @@
           <a:p>
             <a:fld id="{AE182ABF-C602-4EB8-A052-2B7C8A1BDF7F}" type="datetimeFigureOut">
               <a:rPr lang="en-GB" smtClean="0"/>
-              <a:t>03/12/2019</a:t>
+              <a:t>04/12/2019</a:t>
             </a:fld>
             <a:endParaRPr lang="en-GB"/>
           </a:p>
@@ -1999,7 +2003,7 @@
           <a:p>
             <a:fld id="{AE182ABF-C602-4EB8-A052-2B7C8A1BDF7F}" type="datetimeFigureOut">
               <a:rPr lang="en-GB" smtClean="0"/>
-              <a:t>03/12/2019</a:t>
+              <a:t>04/12/2019</a:t>
             </a:fld>
             <a:endParaRPr lang="en-GB"/>
           </a:p>
@@ -2112,7 +2116,7 @@
           <a:p>
             <a:fld id="{AE182ABF-C602-4EB8-A052-2B7C8A1BDF7F}" type="datetimeFigureOut">
               <a:rPr lang="en-GB" smtClean="0"/>
-              <a:t>03/12/2019</a:t>
+              <a:t>04/12/2019</a:t>
             </a:fld>
             <a:endParaRPr lang="en-GB"/>
           </a:p>
@@ -2425,7 +2429,7 @@
           <a:p>
             <a:fld id="{AE182ABF-C602-4EB8-A052-2B7C8A1BDF7F}" type="datetimeFigureOut">
               <a:rPr lang="en-GB" smtClean="0"/>
-              <a:t>03/12/2019</a:t>
+              <a:t>04/12/2019</a:t>
             </a:fld>
             <a:endParaRPr lang="en-GB"/>
           </a:p>
@@ -2714,7 +2718,7 @@
           <a:p>
             <a:fld id="{AE182ABF-C602-4EB8-A052-2B7C8A1BDF7F}" type="datetimeFigureOut">
               <a:rPr lang="en-GB" smtClean="0"/>
-              <a:t>03/12/2019</a:t>
+              <a:t>04/12/2019</a:t>
             </a:fld>
             <a:endParaRPr lang="en-GB"/>
           </a:p>
@@ -2957,7 +2961,7 @@
           <a:p>
             <a:fld id="{AE182ABF-C602-4EB8-A052-2B7C8A1BDF7F}" type="datetimeFigureOut">
               <a:rPr lang="en-GB" smtClean="0"/>
-              <a:t>03/12/2019</a:t>
+              <a:t>04/12/2019</a:t>
             </a:fld>
             <a:endParaRPr lang="en-GB"/>
           </a:p>
@@ -20514,7 +20518,7 @@
         <p:spPr>
           <a:xfrm>
             <a:off x="942392" y="2043404"/>
-            <a:ext cx="10730204" cy="3416320"/>
+            <a:ext cx="10730204" cy="4524315"/>
           </a:xfrm>
           <a:prstGeom prst="rect">
             <a:avLst/>
@@ -20538,38 +20542,86 @@
           <a:p>
             <a:r>
               <a:rPr lang="en-GB" dirty="0"/>
+              <a:t>Data represents data for Building 0, 1 &amp; 2. Building 1 is therefore in the middle and between 0 &amp; 2</a:t>
+            </a:r>
+          </a:p>
+          <a:p>
+            <a:r>
+              <a:rPr lang="en-GB" dirty="0"/>
               <a:t>In building 1 its difficult to predict the correct floor and its often therefore predicted as a lower floor. </a:t>
             </a:r>
           </a:p>
           <a:p>
+            <a:r>
+              <a:rPr lang="en-GB" dirty="0"/>
+              <a:t>Therefore:</a:t>
+            </a:r>
+          </a:p>
+          <a:p>
+            <a:pPr marL="285750" indent="-285750">
+              <a:buFontTx/>
+              <a:buChar char="-"/>
+            </a:pPr>
+            <a:r>
+              <a:rPr lang="en-GB" dirty="0"/>
+              <a:t>Check distribution of signals</a:t>
+            </a:r>
+          </a:p>
+          <a:p>
+            <a:pPr marL="285750" indent="-285750">
+              <a:buFontTx/>
+              <a:buChar char="-"/>
+            </a:pPr>
+            <a:r>
+              <a:rPr lang="en-GB" dirty="0"/>
+              <a:t>Check signals per user for the building</a:t>
+            </a:r>
+          </a:p>
+          <a:p>
+            <a:pPr marL="285750" indent="-285750">
+              <a:buFontTx/>
+              <a:buChar char="-"/>
+            </a:pPr>
+            <a:r>
+              <a:rPr lang="en-GB" dirty="0"/>
+              <a:t>Check signal per phone for the buildings</a:t>
+            </a:r>
+          </a:p>
+          <a:p>
+            <a:pPr marL="285750" indent="-285750">
+              <a:buFontTx/>
+              <a:buChar char="-"/>
+            </a:pPr>
+            <a:r>
+              <a:rPr lang="en-GB" dirty="0"/>
+              <a:t>Plot signals for the buildings to see coverage and if taken in or outside the room</a:t>
+            </a:r>
+          </a:p>
+          <a:p>
+            <a:pPr marL="285750" indent="-285750">
+              <a:buFontTx/>
+              <a:buChar char="-"/>
+            </a:pPr>
+            <a:r>
+              <a:rPr lang="en-GB" dirty="0"/>
+              <a:t>3d plot signals per floor in the building</a:t>
+            </a:r>
+          </a:p>
+          <a:p>
+            <a:pPr marL="285750" indent="-285750">
+              <a:buFontTx/>
+              <a:buChar char="-"/>
+            </a:pPr>
+            <a:r>
+              <a:rPr lang="en-GB" dirty="0"/>
+              <a:t>Plot signal strength for good, medium and bad for the buildings</a:t>
+            </a:r>
+          </a:p>
+          <a:p>
             <a:endParaRPr lang="en-GB" dirty="0"/>
           </a:p>
           <a:p>
-            <a:r>
-              <a:rPr lang="en-GB" dirty="0"/>
-              <a:t>Plan of attack:</a:t>
-            </a:r>
-          </a:p>
-          <a:p>
             <a:endParaRPr lang="en-GB" dirty="0"/>
-          </a:p>
-          <a:p>
-            <a:r>
-              <a:rPr lang="en-GB" dirty="0"/>
-              <a:t>1. Do user 12 (1.58) &amp; user 7 have relatively bad RSSI’s due to their height</a:t>
-            </a:r>
-          </a:p>
-          <a:p>
-            <a:r>
-              <a:rPr lang="en-GB" dirty="0"/>
-              <a:t>2. Do smartphones have impact on the RSSI’s and therefore predictions</a:t>
-            </a:r>
-          </a:p>
-          <a:p>
-            <a:r>
-              <a:rPr lang="en-GB" dirty="0"/>
-              <a:t>3. What are the relevant RSSI’s for B1 and the different floors…</a:t>
-            </a:r>
           </a:p>
           <a:p>
             <a:endParaRPr lang="en-GB" dirty="0"/>
@@ -20586,6 +20638,236 @@
     <p:extLst>
       <p:ext uri="{BB962C8B-B14F-4D97-AF65-F5344CB8AC3E}">
         <p14:creationId xmlns:p14="http://schemas.microsoft.com/office/powerpoint/2010/main" val="4172570090"/>
+      </p:ext>
+    </p:extLst>
+  </p:cSld>
+  <p:clrMapOvr>
+    <a:masterClrMapping/>
+  </p:clrMapOvr>
+</p:sld>
+</file>
+
+<file path=ppt/slides/slide29.xml><?xml version="1.0" encoding="utf-8"?>
+<p:sld xmlns:a="http://schemas.openxmlformats.org/drawingml/2006/main" xmlns:r="http://schemas.openxmlformats.org/officeDocument/2006/relationships" xmlns:p="http://schemas.openxmlformats.org/presentationml/2006/main">
+  <p:cSld>
+    <p:spTree>
+      <p:nvGrpSpPr>
+        <p:cNvPr id="1" name=""/>
+        <p:cNvGrpSpPr/>
+        <p:nvPr/>
+      </p:nvGrpSpPr>
+      <p:grpSpPr>
+        <a:xfrm>
+          <a:off x="0" y="0"/>
+          <a:ext cx="0" cy="0"/>
+          <a:chOff x="0" y="0"/>
+          <a:chExt cx="0" cy="0"/>
+        </a:xfrm>
+      </p:grpSpPr>
+      <p:sp>
+        <p:nvSpPr>
+          <p:cNvPr id="2" name="Titel 1">
+            <a:extLst>
+              <a:ext uri="{FF2B5EF4-FFF2-40B4-BE49-F238E27FC236}">
+                <a16:creationId xmlns:a16="http://schemas.microsoft.com/office/drawing/2014/main" id="{249BB2D2-3DCB-42B9-B892-12D70F9F8BC1}"/>
+              </a:ext>
+            </a:extLst>
+          </p:cNvPr>
+          <p:cNvSpPr>
+            <a:spLocks noGrp="1"/>
+          </p:cNvSpPr>
+          <p:nvPr>
+            <p:ph type="title"/>
+          </p:nvPr>
+        </p:nvSpPr>
+        <p:spPr>
+          <a:xfrm>
+            <a:off x="728225" y="40743"/>
+            <a:ext cx="10515600" cy="1325563"/>
+          </a:xfrm>
+        </p:spPr>
+        <p:txBody>
+          <a:bodyPr/>
+          <a:lstStyle/>
+          <a:p>
+            <a:r>
+              <a:rPr lang="en-GB" b="1" dirty="0">
+                <a:solidFill>
+                  <a:schemeClr val="accent1"/>
+                </a:solidFill>
+              </a:rPr>
+              <a:t>3</a:t>
+            </a:r>
+            <a:r>
+              <a:rPr lang="en-GB" b="1" baseline="30000" dirty="0">
+                <a:solidFill>
+                  <a:schemeClr val="accent1"/>
+                </a:solidFill>
+              </a:rPr>
+              <a:t>rd</a:t>
+            </a:r>
+            <a:r>
+              <a:rPr lang="en-GB" b="1" dirty="0">
+                <a:solidFill>
+                  <a:schemeClr val="accent1"/>
+                </a:solidFill>
+              </a:rPr>
+              <a:t> </a:t>
+            </a:r>
+            <a:r>
+              <a:rPr lang="en-GB" b="1" dirty="0" err="1">
+                <a:solidFill>
+                  <a:schemeClr val="accent1"/>
+                </a:solidFill>
+              </a:rPr>
+              <a:t>Preprocess</a:t>
+            </a:r>
+            <a:r>
+              <a:rPr lang="en-GB" b="1" dirty="0">
+                <a:solidFill>
+                  <a:schemeClr val="accent1"/>
+                </a:solidFill>
+              </a:rPr>
+              <a:t> data and clean from 100</a:t>
+            </a:r>
+          </a:p>
+        </p:txBody>
+      </p:sp>
+      <p:sp>
+        <p:nvSpPr>
+          <p:cNvPr id="3" name="Tekstvak 2">
+            <a:extLst>
+              <a:ext uri="{FF2B5EF4-FFF2-40B4-BE49-F238E27FC236}">
+                <a16:creationId xmlns:a16="http://schemas.microsoft.com/office/drawing/2014/main" id="{541AA667-CD78-4294-8AD5-C84727B17DBD}"/>
+              </a:ext>
+            </a:extLst>
+          </p:cNvPr>
+          <p:cNvSpPr txBox="1"/>
+          <p:nvPr/>
+        </p:nvSpPr>
+        <p:spPr>
+          <a:xfrm>
+            <a:off x="733571" y="1120676"/>
+            <a:ext cx="10730204" cy="2585323"/>
+          </a:xfrm>
+          <a:prstGeom prst="rect">
+            <a:avLst/>
+          </a:prstGeom>
+          <a:noFill/>
+        </p:spPr>
+        <p:txBody>
+          <a:bodyPr wrap="square" rtlCol="0">
+            <a:spAutoFit/>
+          </a:bodyPr>
+          <a:lstStyle/>
+          <a:p>
+            <a:r>
+              <a:rPr lang="en-GB" dirty="0"/>
+              <a:t>Detected columns with only 100 values and removed them (using function x, select = unique length)</a:t>
+            </a:r>
+          </a:p>
+          <a:p>
+            <a:r>
+              <a:rPr lang="en-GB" dirty="0"/>
+              <a:t>Detected rows with 100 values and removed them (none)</a:t>
+            </a:r>
+          </a:p>
+          <a:p>
+            <a:r>
+              <a:rPr lang="en-GB" dirty="0"/>
+              <a:t>Set Floor, building ID, Relative position, user id &amp; phone id to factor. Left Timestamp as is (before converted)</a:t>
+            </a:r>
+          </a:p>
+          <a:p>
+            <a:r>
+              <a:rPr lang="en-GB" dirty="0"/>
+              <a:t>Changed WAP signals to positives by adding 105 and after converting 100 to -105 and so that no signal is 0 and the highest is 104 </a:t>
+            </a:r>
+          </a:p>
+          <a:p>
+            <a:r>
+              <a:rPr lang="en-GB" dirty="0"/>
+              <a:t>Checked the distribution of WAP signals after this and plotted this (see below)</a:t>
+            </a:r>
+          </a:p>
+          <a:p>
+            <a:endParaRPr lang="en-GB" dirty="0"/>
+          </a:p>
+          <a:p>
+            <a:endParaRPr lang="en-GB" dirty="0"/>
+          </a:p>
+          <a:p>
+            <a:r>
+              <a:rPr lang="en-GB" dirty="0"/>
+              <a:t> </a:t>
+            </a:r>
+          </a:p>
+        </p:txBody>
+      </p:sp>
+      <p:pic>
+        <p:nvPicPr>
+          <p:cNvPr id="4" name="Afbeelding 3">
+            <a:extLst>
+              <a:ext uri="{FF2B5EF4-FFF2-40B4-BE49-F238E27FC236}">
+                <a16:creationId xmlns:a16="http://schemas.microsoft.com/office/drawing/2014/main" id="{4774F541-F418-41CB-817C-94E1845C49CB}"/>
+              </a:ext>
+            </a:extLst>
+          </p:cNvPr>
+          <p:cNvPicPr>
+            <a:picLocks noChangeAspect="1"/>
+          </p:cNvPicPr>
+          <p:nvPr/>
+        </p:nvPicPr>
+        <p:blipFill>
+          <a:blip r:embed="rId2"/>
+          <a:stretch>
+            <a:fillRect/>
+          </a:stretch>
+        </p:blipFill>
+        <p:spPr>
+          <a:xfrm>
+            <a:off x="134857" y="3006411"/>
+            <a:ext cx="5851168" cy="3851589"/>
+          </a:xfrm>
+          <a:prstGeom prst="rect">
+            <a:avLst/>
+          </a:prstGeom>
+        </p:spPr>
+      </p:pic>
+      <p:pic>
+        <p:nvPicPr>
+          <p:cNvPr id="6" name="Afbeelding 5">
+            <a:extLst>
+              <a:ext uri="{FF2B5EF4-FFF2-40B4-BE49-F238E27FC236}">
+                <a16:creationId xmlns:a16="http://schemas.microsoft.com/office/drawing/2014/main" id="{3E9FA30C-B452-4D4A-A9F3-FF3F8FF50305}"/>
+              </a:ext>
+            </a:extLst>
+          </p:cNvPr>
+          <p:cNvPicPr>
+            <a:picLocks noChangeAspect="1"/>
+          </p:cNvPicPr>
+          <p:nvPr/>
+        </p:nvPicPr>
+        <p:blipFill>
+          <a:blip r:embed="rId3"/>
+          <a:stretch>
+            <a:fillRect/>
+          </a:stretch>
+        </p:blipFill>
+        <p:spPr>
+          <a:xfrm>
+            <a:off x="6584739" y="2906855"/>
+            <a:ext cx="5305425" cy="3910402"/>
+          </a:xfrm>
+          <a:prstGeom prst="rect">
+            <a:avLst/>
+          </a:prstGeom>
+        </p:spPr>
+      </p:pic>
+    </p:spTree>
+    <p:extLst>
+      <p:ext uri="{BB962C8B-B14F-4D97-AF65-F5344CB8AC3E}">
+        <p14:creationId xmlns:p14="http://schemas.microsoft.com/office/powerpoint/2010/main" val="3522687496"/>
       </p:ext>
     </p:extLst>
   </p:cSld>
@@ -20725,6 +21007,780 @@
     <p:extLst>
       <p:ext uri="{BB962C8B-B14F-4D97-AF65-F5344CB8AC3E}">
         <p14:creationId xmlns:p14="http://schemas.microsoft.com/office/powerpoint/2010/main" val="3257176218"/>
+      </p:ext>
+    </p:extLst>
+  </p:cSld>
+  <p:clrMapOvr>
+    <a:masterClrMapping/>
+  </p:clrMapOvr>
+</p:sld>
+</file>
+
+<file path=ppt/slides/slide30.xml><?xml version="1.0" encoding="utf-8"?>
+<p:sld xmlns:a="http://schemas.openxmlformats.org/drawingml/2006/main" xmlns:r="http://schemas.openxmlformats.org/officeDocument/2006/relationships" xmlns:p="http://schemas.openxmlformats.org/presentationml/2006/main">
+  <p:cSld>
+    <p:spTree>
+      <p:nvGrpSpPr>
+        <p:cNvPr id="1" name=""/>
+        <p:cNvGrpSpPr/>
+        <p:nvPr/>
+      </p:nvGrpSpPr>
+      <p:grpSpPr>
+        <a:xfrm>
+          <a:off x="0" y="0"/>
+          <a:ext cx="0" cy="0"/>
+          <a:chOff x="0" y="0"/>
+          <a:chExt cx="0" cy="0"/>
+        </a:xfrm>
+      </p:grpSpPr>
+      <p:sp>
+        <p:nvSpPr>
+          <p:cNvPr id="2" name="Titel 1">
+            <a:extLst>
+              <a:ext uri="{FF2B5EF4-FFF2-40B4-BE49-F238E27FC236}">
+                <a16:creationId xmlns:a16="http://schemas.microsoft.com/office/drawing/2014/main" id="{249BB2D2-3DCB-42B9-B892-12D70F9F8BC1}"/>
+              </a:ext>
+            </a:extLst>
+          </p:cNvPr>
+          <p:cNvSpPr>
+            <a:spLocks noGrp="1"/>
+          </p:cNvSpPr>
+          <p:nvPr>
+            <p:ph type="title"/>
+          </p:nvPr>
+        </p:nvSpPr>
+        <p:spPr>
+          <a:xfrm>
+            <a:off x="728225" y="40743"/>
+            <a:ext cx="10515600" cy="1325563"/>
+          </a:xfrm>
+        </p:spPr>
+        <p:txBody>
+          <a:bodyPr/>
+          <a:lstStyle/>
+          <a:p>
+            <a:r>
+              <a:rPr lang="en-GB" b="1" dirty="0">
+                <a:solidFill>
+                  <a:schemeClr val="accent1"/>
+                </a:solidFill>
+              </a:rPr>
+              <a:t>3</a:t>
+            </a:r>
+            <a:r>
+              <a:rPr lang="en-GB" b="1" baseline="30000" dirty="0">
+                <a:solidFill>
+                  <a:schemeClr val="accent1"/>
+                </a:solidFill>
+              </a:rPr>
+              <a:t>rd</a:t>
+            </a:r>
+            <a:r>
+              <a:rPr lang="en-GB" b="1" dirty="0">
+                <a:solidFill>
+                  <a:schemeClr val="accent1"/>
+                </a:solidFill>
+              </a:rPr>
+              <a:t> Check longitude / latitude</a:t>
+            </a:r>
+          </a:p>
+        </p:txBody>
+      </p:sp>
+      <p:sp>
+        <p:nvSpPr>
+          <p:cNvPr id="3" name="Tekstvak 2">
+            <a:extLst>
+              <a:ext uri="{FF2B5EF4-FFF2-40B4-BE49-F238E27FC236}">
+                <a16:creationId xmlns:a16="http://schemas.microsoft.com/office/drawing/2014/main" id="{541AA667-CD78-4294-8AD5-C84727B17DBD}"/>
+              </a:ext>
+            </a:extLst>
+          </p:cNvPr>
+          <p:cNvSpPr txBox="1"/>
+          <p:nvPr/>
+        </p:nvSpPr>
+        <p:spPr>
+          <a:xfrm>
+            <a:off x="733571" y="1120676"/>
+            <a:ext cx="10730204" cy="1477328"/>
+          </a:xfrm>
+          <a:prstGeom prst="rect">
+            <a:avLst/>
+          </a:prstGeom>
+          <a:noFill/>
+        </p:spPr>
+        <p:txBody>
+          <a:bodyPr wrap="square" rtlCol="0">
+            <a:spAutoFit/>
+          </a:bodyPr>
+          <a:lstStyle/>
+          <a:p>
+            <a:r>
+              <a:rPr lang="en-GB" dirty="0"/>
+              <a:t>Converted long/</a:t>
+            </a:r>
+            <a:r>
+              <a:rPr lang="en-GB" dirty="0" err="1"/>
+              <a:t>lat</a:t>
+            </a:r>
+            <a:r>
+              <a:rPr lang="en-GB" dirty="0"/>
+              <a:t> to absolute values</a:t>
+            </a:r>
+          </a:p>
+          <a:p>
+            <a:r>
+              <a:rPr lang="en-GB" dirty="0"/>
+              <a:t>And check the coverage of locations where users logged in</a:t>
+            </a:r>
+          </a:p>
+          <a:p>
+            <a:endParaRPr lang="en-GB" dirty="0"/>
+          </a:p>
+          <a:p>
+            <a:endParaRPr lang="en-GB" dirty="0"/>
+          </a:p>
+          <a:p>
+            <a:r>
+              <a:rPr lang="en-GB" dirty="0"/>
+              <a:t> </a:t>
+            </a:r>
+          </a:p>
+        </p:txBody>
+      </p:sp>
+      <p:pic>
+        <p:nvPicPr>
+          <p:cNvPr id="5" name="Afbeelding 4">
+            <a:extLst>
+              <a:ext uri="{FF2B5EF4-FFF2-40B4-BE49-F238E27FC236}">
+                <a16:creationId xmlns:a16="http://schemas.microsoft.com/office/drawing/2014/main" id="{3CA4B7C7-00BE-4F1B-A51D-D6224AAC9E7D}"/>
+              </a:ext>
+            </a:extLst>
+          </p:cNvPr>
+          <p:cNvPicPr>
+            <a:picLocks noChangeAspect="1"/>
+          </p:cNvPicPr>
+          <p:nvPr/>
+        </p:nvPicPr>
+        <p:blipFill>
+          <a:blip r:embed="rId2"/>
+          <a:stretch>
+            <a:fillRect/>
+          </a:stretch>
+        </p:blipFill>
+        <p:spPr>
+          <a:xfrm>
+            <a:off x="6623961" y="2287330"/>
+            <a:ext cx="5451518" cy="3449994"/>
+          </a:xfrm>
+          <a:prstGeom prst="rect">
+            <a:avLst/>
+          </a:prstGeom>
+        </p:spPr>
+      </p:pic>
+      <p:pic>
+        <p:nvPicPr>
+          <p:cNvPr id="8" name="Afbeelding 7">
+            <a:extLst>
+              <a:ext uri="{FF2B5EF4-FFF2-40B4-BE49-F238E27FC236}">
+                <a16:creationId xmlns:a16="http://schemas.microsoft.com/office/drawing/2014/main" id="{3939B2FA-92DB-44A2-9748-5930359699EA}"/>
+              </a:ext>
+            </a:extLst>
+          </p:cNvPr>
+          <p:cNvPicPr>
+            <a:picLocks noChangeAspect="1"/>
+          </p:cNvPicPr>
+          <p:nvPr/>
+        </p:nvPicPr>
+        <p:blipFill>
+          <a:blip r:embed="rId3"/>
+          <a:stretch>
+            <a:fillRect/>
+          </a:stretch>
+        </p:blipFill>
+        <p:spPr>
+          <a:xfrm>
+            <a:off x="801706" y="2287330"/>
+            <a:ext cx="5657817" cy="3563600"/>
+          </a:xfrm>
+          <a:prstGeom prst="rect">
+            <a:avLst/>
+          </a:prstGeom>
+        </p:spPr>
+      </p:pic>
+    </p:spTree>
+    <p:extLst>
+      <p:ext uri="{BB962C8B-B14F-4D97-AF65-F5344CB8AC3E}">
+        <p14:creationId xmlns:p14="http://schemas.microsoft.com/office/powerpoint/2010/main" val="2115289270"/>
+      </p:ext>
+    </p:extLst>
+  </p:cSld>
+  <p:clrMapOvr>
+    <a:masterClrMapping/>
+  </p:clrMapOvr>
+</p:sld>
+</file>
+
+<file path=ppt/slides/slide31.xml><?xml version="1.0" encoding="utf-8"?>
+<p:sld xmlns:a="http://schemas.openxmlformats.org/drawingml/2006/main" xmlns:r="http://schemas.openxmlformats.org/officeDocument/2006/relationships" xmlns:p="http://schemas.openxmlformats.org/presentationml/2006/main">
+  <p:cSld>
+    <p:spTree>
+      <p:nvGrpSpPr>
+        <p:cNvPr id="1" name=""/>
+        <p:cNvGrpSpPr/>
+        <p:nvPr/>
+      </p:nvGrpSpPr>
+      <p:grpSpPr>
+        <a:xfrm>
+          <a:off x="0" y="0"/>
+          <a:ext cx="0" cy="0"/>
+          <a:chOff x="0" y="0"/>
+          <a:chExt cx="0" cy="0"/>
+        </a:xfrm>
+      </p:grpSpPr>
+      <p:sp>
+        <p:nvSpPr>
+          <p:cNvPr id="2" name="Titel 1">
+            <a:extLst>
+              <a:ext uri="{FF2B5EF4-FFF2-40B4-BE49-F238E27FC236}">
+                <a16:creationId xmlns:a16="http://schemas.microsoft.com/office/drawing/2014/main" id="{249BB2D2-3DCB-42B9-B892-12D70F9F8BC1}"/>
+              </a:ext>
+            </a:extLst>
+          </p:cNvPr>
+          <p:cNvSpPr>
+            <a:spLocks noGrp="1"/>
+          </p:cNvSpPr>
+          <p:nvPr>
+            <p:ph type="title"/>
+          </p:nvPr>
+        </p:nvSpPr>
+        <p:spPr>
+          <a:xfrm>
+            <a:off x="728225" y="40743"/>
+            <a:ext cx="10515600" cy="1325563"/>
+          </a:xfrm>
+        </p:spPr>
+        <p:txBody>
+          <a:bodyPr/>
+          <a:lstStyle/>
+          <a:p>
+            <a:r>
+              <a:rPr lang="en-GB" b="1" dirty="0">
+                <a:solidFill>
+                  <a:schemeClr val="accent1"/>
+                </a:solidFill>
+              </a:rPr>
+              <a:t>3</a:t>
+            </a:r>
+            <a:r>
+              <a:rPr lang="en-GB" b="1" baseline="30000" dirty="0">
+                <a:solidFill>
+                  <a:schemeClr val="accent1"/>
+                </a:solidFill>
+              </a:rPr>
+              <a:t>rd</a:t>
+            </a:r>
+            <a:r>
+              <a:rPr lang="en-GB" b="1" dirty="0">
+                <a:solidFill>
+                  <a:schemeClr val="accent1"/>
+                </a:solidFill>
+              </a:rPr>
+              <a:t> Check coverage per building per floor</a:t>
+            </a:r>
+          </a:p>
+        </p:txBody>
+      </p:sp>
+      <p:sp>
+        <p:nvSpPr>
+          <p:cNvPr id="3" name="Tekstvak 2">
+            <a:extLst>
+              <a:ext uri="{FF2B5EF4-FFF2-40B4-BE49-F238E27FC236}">
+                <a16:creationId xmlns:a16="http://schemas.microsoft.com/office/drawing/2014/main" id="{541AA667-CD78-4294-8AD5-C84727B17DBD}"/>
+              </a:ext>
+            </a:extLst>
+          </p:cNvPr>
+          <p:cNvSpPr txBox="1"/>
+          <p:nvPr/>
+        </p:nvSpPr>
+        <p:spPr>
+          <a:xfrm>
+            <a:off x="733571" y="1120676"/>
+            <a:ext cx="10730204" cy="646331"/>
+          </a:xfrm>
+          <a:prstGeom prst="rect">
+            <a:avLst/>
+          </a:prstGeom>
+          <a:noFill/>
+        </p:spPr>
+        <p:txBody>
+          <a:bodyPr wrap="square" rtlCol="0">
+            <a:spAutoFit/>
+          </a:bodyPr>
+          <a:lstStyle/>
+          <a:p>
+            <a:r>
+              <a:rPr lang="en-GB" dirty="0"/>
+              <a:t>Converted long/</a:t>
+            </a:r>
+            <a:r>
+              <a:rPr lang="en-GB" dirty="0" err="1"/>
+              <a:t>lat</a:t>
+            </a:r>
+            <a:r>
+              <a:rPr lang="en-GB" dirty="0"/>
+              <a:t> to absolute values</a:t>
+            </a:r>
+          </a:p>
+          <a:p>
+            <a:r>
+              <a:rPr lang="en-GB" dirty="0"/>
+              <a:t>And check the coverage of locations where users logged in per building per floor</a:t>
+            </a:r>
+          </a:p>
+        </p:txBody>
+      </p:sp>
+      <p:pic>
+        <p:nvPicPr>
+          <p:cNvPr id="4" name="Afbeelding 3">
+            <a:extLst>
+              <a:ext uri="{FF2B5EF4-FFF2-40B4-BE49-F238E27FC236}">
+                <a16:creationId xmlns:a16="http://schemas.microsoft.com/office/drawing/2014/main" id="{CE1186E0-F3B0-41E0-9D98-0778C1D5C995}"/>
+              </a:ext>
+            </a:extLst>
+          </p:cNvPr>
+          <p:cNvPicPr>
+            <a:picLocks noChangeAspect="1"/>
+          </p:cNvPicPr>
+          <p:nvPr/>
+        </p:nvPicPr>
+        <p:blipFill>
+          <a:blip r:embed="rId2"/>
+          <a:stretch>
+            <a:fillRect/>
+          </a:stretch>
+        </p:blipFill>
+        <p:spPr>
+          <a:xfrm>
+            <a:off x="165244" y="1767007"/>
+            <a:ext cx="4977441" cy="3207684"/>
+          </a:xfrm>
+          <a:prstGeom prst="rect">
+            <a:avLst/>
+          </a:prstGeom>
+        </p:spPr>
+      </p:pic>
+      <p:pic>
+        <p:nvPicPr>
+          <p:cNvPr id="6" name="Afbeelding 5">
+            <a:extLst>
+              <a:ext uri="{FF2B5EF4-FFF2-40B4-BE49-F238E27FC236}">
+                <a16:creationId xmlns:a16="http://schemas.microsoft.com/office/drawing/2014/main" id="{5BD9CB76-A08B-4A9F-9EE6-94C3CDB1B95B}"/>
+              </a:ext>
+            </a:extLst>
+          </p:cNvPr>
+          <p:cNvPicPr>
+            <a:picLocks noChangeAspect="1"/>
+          </p:cNvPicPr>
+          <p:nvPr/>
+        </p:nvPicPr>
+        <p:blipFill>
+          <a:blip r:embed="rId3"/>
+          <a:stretch>
+            <a:fillRect/>
+          </a:stretch>
+        </p:blipFill>
+        <p:spPr>
+          <a:xfrm>
+            <a:off x="3009062" y="4295829"/>
+            <a:ext cx="4691619" cy="2450400"/>
+          </a:xfrm>
+          <a:prstGeom prst="rect">
+            <a:avLst/>
+          </a:prstGeom>
+        </p:spPr>
+      </p:pic>
+      <p:sp>
+        <p:nvSpPr>
+          <p:cNvPr id="7" name="Tekstvak 6">
+            <a:extLst>
+              <a:ext uri="{FF2B5EF4-FFF2-40B4-BE49-F238E27FC236}">
+                <a16:creationId xmlns:a16="http://schemas.microsoft.com/office/drawing/2014/main" id="{EEA0AB34-1271-4E4B-B06E-1E91AD4E2F30}"/>
+              </a:ext>
+            </a:extLst>
+          </p:cNvPr>
+          <p:cNvSpPr txBox="1"/>
+          <p:nvPr/>
+        </p:nvSpPr>
+        <p:spPr>
+          <a:xfrm>
+            <a:off x="4502864" y="4465816"/>
+            <a:ext cx="2743200" cy="276999"/>
+          </a:xfrm>
+          <a:prstGeom prst="rect">
+            <a:avLst/>
+          </a:prstGeom>
+          <a:noFill/>
+        </p:spPr>
+        <p:txBody>
+          <a:bodyPr wrap="square" rtlCol="0">
+            <a:spAutoFit/>
+          </a:bodyPr>
+          <a:lstStyle/>
+          <a:p>
+            <a:r>
+              <a:rPr lang="en-GB" sz="1200" b="1" dirty="0"/>
+              <a:t>Building 1 Log in Points</a:t>
+            </a:r>
+          </a:p>
+        </p:txBody>
+      </p:sp>
+      <p:pic>
+        <p:nvPicPr>
+          <p:cNvPr id="8" name="Afbeelding 7">
+            <a:extLst>
+              <a:ext uri="{FF2B5EF4-FFF2-40B4-BE49-F238E27FC236}">
+                <a16:creationId xmlns:a16="http://schemas.microsoft.com/office/drawing/2014/main" id="{AD109F4F-7162-4D7E-9A64-235044A94157}"/>
+              </a:ext>
+            </a:extLst>
+          </p:cNvPr>
+          <p:cNvPicPr>
+            <a:picLocks noChangeAspect="1"/>
+          </p:cNvPicPr>
+          <p:nvPr/>
+        </p:nvPicPr>
+        <p:blipFill>
+          <a:blip r:embed="rId4"/>
+          <a:stretch>
+            <a:fillRect/>
+          </a:stretch>
+        </p:blipFill>
+        <p:spPr>
+          <a:xfrm>
+            <a:off x="7395536" y="2241176"/>
+            <a:ext cx="4631220" cy="2628530"/>
+          </a:xfrm>
+          <a:prstGeom prst="rect">
+            <a:avLst/>
+          </a:prstGeom>
+        </p:spPr>
+      </p:pic>
+      <p:sp>
+        <p:nvSpPr>
+          <p:cNvPr id="9" name="Tekstvak 8">
+            <a:extLst>
+              <a:ext uri="{FF2B5EF4-FFF2-40B4-BE49-F238E27FC236}">
+                <a16:creationId xmlns:a16="http://schemas.microsoft.com/office/drawing/2014/main" id="{B96E804D-D49F-406A-A9D5-C8205C791256}"/>
+              </a:ext>
+            </a:extLst>
+          </p:cNvPr>
+          <p:cNvSpPr txBox="1"/>
+          <p:nvPr/>
+        </p:nvSpPr>
+        <p:spPr>
+          <a:xfrm>
+            <a:off x="8500625" y="1840475"/>
+            <a:ext cx="2743200" cy="276999"/>
+          </a:xfrm>
+          <a:prstGeom prst="rect">
+            <a:avLst/>
+          </a:prstGeom>
+          <a:noFill/>
+        </p:spPr>
+        <p:txBody>
+          <a:bodyPr wrap="square" rtlCol="0">
+            <a:spAutoFit/>
+          </a:bodyPr>
+          <a:lstStyle/>
+          <a:p>
+            <a:r>
+              <a:rPr lang="en-GB" sz="1200" b="1" dirty="0"/>
+              <a:t>Building 2 Log in Points</a:t>
+            </a:r>
+          </a:p>
+        </p:txBody>
+      </p:sp>
+    </p:spTree>
+    <p:extLst>
+      <p:ext uri="{BB962C8B-B14F-4D97-AF65-F5344CB8AC3E}">
+        <p14:creationId xmlns:p14="http://schemas.microsoft.com/office/powerpoint/2010/main" val="1302246147"/>
+      </p:ext>
+    </p:extLst>
+  </p:cSld>
+  <p:clrMapOvr>
+    <a:masterClrMapping/>
+  </p:clrMapOvr>
+</p:sld>
+</file>
+
+<file path=ppt/slides/slide32.xml><?xml version="1.0" encoding="utf-8"?>
+<p:sld xmlns:a="http://schemas.openxmlformats.org/drawingml/2006/main" xmlns:r="http://schemas.openxmlformats.org/officeDocument/2006/relationships" xmlns:p="http://schemas.openxmlformats.org/presentationml/2006/main">
+  <p:cSld>
+    <p:spTree>
+      <p:nvGrpSpPr>
+        <p:cNvPr id="1" name=""/>
+        <p:cNvGrpSpPr/>
+        <p:nvPr/>
+      </p:nvGrpSpPr>
+      <p:grpSpPr>
+        <a:xfrm>
+          <a:off x="0" y="0"/>
+          <a:ext cx="0" cy="0"/>
+          <a:chOff x="0" y="0"/>
+          <a:chExt cx="0" cy="0"/>
+        </a:xfrm>
+      </p:grpSpPr>
+      <p:sp>
+        <p:nvSpPr>
+          <p:cNvPr id="2" name="Titel 1">
+            <a:extLst>
+              <a:ext uri="{FF2B5EF4-FFF2-40B4-BE49-F238E27FC236}">
+                <a16:creationId xmlns:a16="http://schemas.microsoft.com/office/drawing/2014/main" id="{249BB2D2-3DCB-42B9-B892-12D70F9F8BC1}"/>
+              </a:ext>
+            </a:extLst>
+          </p:cNvPr>
+          <p:cNvSpPr>
+            <a:spLocks noGrp="1"/>
+          </p:cNvSpPr>
+          <p:nvPr>
+            <p:ph type="title"/>
+          </p:nvPr>
+        </p:nvSpPr>
+        <p:spPr>
+          <a:xfrm>
+            <a:off x="728225" y="40743"/>
+            <a:ext cx="10515600" cy="1325563"/>
+          </a:xfrm>
+        </p:spPr>
+        <p:txBody>
+          <a:bodyPr/>
+          <a:lstStyle/>
+          <a:p>
+            <a:r>
+              <a:rPr lang="en-GB" b="1" dirty="0">
+                <a:solidFill>
+                  <a:schemeClr val="accent1"/>
+                </a:solidFill>
+              </a:rPr>
+              <a:t>3</a:t>
+            </a:r>
+            <a:r>
+              <a:rPr lang="en-GB" b="1" baseline="30000" dirty="0">
+                <a:solidFill>
+                  <a:schemeClr val="accent1"/>
+                </a:solidFill>
+              </a:rPr>
+              <a:t>rd</a:t>
+            </a:r>
+            <a:r>
+              <a:rPr lang="en-GB" b="1" dirty="0">
+                <a:solidFill>
+                  <a:schemeClr val="accent1"/>
+                </a:solidFill>
+              </a:rPr>
+              <a:t> Signal check per building</a:t>
+            </a:r>
+          </a:p>
+        </p:txBody>
+      </p:sp>
+      <p:sp>
+        <p:nvSpPr>
+          <p:cNvPr id="3" name="Tekstvak 2">
+            <a:extLst>
+              <a:ext uri="{FF2B5EF4-FFF2-40B4-BE49-F238E27FC236}">
+                <a16:creationId xmlns:a16="http://schemas.microsoft.com/office/drawing/2014/main" id="{541AA667-CD78-4294-8AD5-C84727B17DBD}"/>
+              </a:ext>
+            </a:extLst>
+          </p:cNvPr>
+          <p:cNvSpPr txBox="1"/>
+          <p:nvPr/>
+        </p:nvSpPr>
+        <p:spPr>
+          <a:xfrm>
+            <a:off x="507375" y="1147745"/>
+            <a:ext cx="2673017" cy="369332"/>
+          </a:xfrm>
+          <a:prstGeom prst="rect">
+            <a:avLst/>
+          </a:prstGeom>
+          <a:noFill/>
+        </p:spPr>
+        <p:txBody>
+          <a:bodyPr wrap="square" rtlCol="0">
+            <a:spAutoFit/>
+          </a:bodyPr>
+          <a:lstStyle/>
+          <a:p>
+            <a:r>
+              <a:rPr lang="en-GB" dirty="0"/>
+              <a:t>Good Signal</a:t>
+            </a:r>
+          </a:p>
+        </p:txBody>
+      </p:sp>
+      <p:pic>
+        <p:nvPicPr>
+          <p:cNvPr id="10" name="Afbeelding 9">
+            <a:extLst>
+              <a:ext uri="{FF2B5EF4-FFF2-40B4-BE49-F238E27FC236}">
+                <a16:creationId xmlns:a16="http://schemas.microsoft.com/office/drawing/2014/main" id="{E931D7B3-EAB6-4E44-A253-872B4639B33A}"/>
+              </a:ext>
+            </a:extLst>
+          </p:cNvPr>
+          <p:cNvPicPr>
+            <a:picLocks noChangeAspect="1"/>
+          </p:cNvPicPr>
+          <p:nvPr/>
+        </p:nvPicPr>
+        <p:blipFill>
+          <a:blip r:embed="rId2"/>
+          <a:stretch>
+            <a:fillRect/>
+          </a:stretch>
+        </p:blipFill>
+        <p:spPr>
+          <a:xfrm>
+            <a:off x="4009038" y="1691439"/>
+            <a:ext cx="3917190" cy="2585443"/>
+          </a:xfrm>
+          <a:prstGeom prst="rect">
+            <a:avLst/>
+          </a:prstGeom>
+        </p:spPr>
+      </p:pic>
+      <p:sp>
+        <p:nvSpPr>
+          <p:cNvPr id="11" name="Tekstvak 10">
+            <a:extLst>
+              <a:ext uri="{FF2B5EF4-FFF2-40B4-BE49-F238E27FC236}">
+                <a16:creationId xmlns:a16="http://schemas.microsoft.com/office/drawing/2014/main" id="{7370FF56-A9E3-4DF1-BB3B-1386B5394DE5}"/>
+              </a:ext>
+            </a:extLst>
+          </p:cNvPr>
+          <p:cNvSpPr txBox="1"/>
+          <p:nvPr/>
+        </p:nvSpPr>
+        <p:spPr>
+          <a:xfrm>
+            <a:off x="4178530" y="1214242"/>
+            <a:ext cx="2938250" cy="369332"/>
+          </a:xfrm>
+          <a:prstGeom prst="rect">
+            <a:avLst/>
+          </a:prstGeom>
+          <a:noFill/>
+        </p:spPr>
+        <p:txBody>
+          <a:bodyPr wrap="square" rtlCol="0">
+            <a:spAutoFit/>
+          </a:bodyPr>
+          <a:lstStyle/>
+          <a:p>
+            <a:r>
+              <a:rPr lang="en-GB" dirty="0"/>
+              <a:t>Medium Signal</a:t>
+            </a:r>
+          </a:p>
+        </p:txBody>
+      </p:sp>
+      <p:sp>
+        <p:nvSpPr>
+          <p:cNvPr id="12" name="Tekstvak 11">
+            <a:extLst>
+              <a:ext uri="{FF2B5EF4-FFF2-40B4-BE49-F238E27FC236}">
+                <a16:creationId xmlns:a16="http://schemas.microsoft.com/office/drawing/2014/main" id="{05DD5FE6-B206-478B-86E7-A78D4AD52C1F}"/>
+              </a:ext>
+            </a:extLst>
+          </p:cNvPr>
+          <p:cNvSpPr txBox="1"/>
+          <p:nvPr/>
+        </p:nvSpPr>
+        <p:spPr>
+          <a:xfrm>
+            <a:off x="8114918" y="1194554"/>
+            <a:ext cx="2938250" cy="369332"/>
+          </a:xfrm>
+          <a:prstGeom prst="rect">
+            <a:avLst/>
+          </a:prstGeom>
+          <a:noFill/>
+        </p:spPr>
+        <p:txBody>
+          <a:bodyPr wrap="square" rtlCol="0">
+            <a:spAutoFit/>
+          </a:bodyPr>
+          <a:lstStyle/>
+          <a:p>
+            <a:r>
+              <a:rPr lang="en-GB" dirty="0"/>
+              <a:t>Bad Signal</a:t>
+            </a:r>
+          </a:p>
+        </p:txBody>
+      </p:sp>
+      <p:pic>
+        <p:nvPicPr>
+          <p:cNvPr id="14" name="Afbeelding 13">
+            <a:extLst>
+              <a:ext uri="{FF2B5EF4-FFF2-40B4-BE49-F238E27FC236}">
+                <a16:creationId xmlns:a16="http://schemas.microsoft.com/office/drawing/2014/main" id="{B8462D40-6E63-4153-B119-363FDE74BC88}"/>
+              </a:ext>
+            </a:extLst>
+          </p:cNvPr>
+          <p:cNvPicPr>
+            <a:picLocks noChangeAspect="1"/>
+          </p:cNvPicPr>
+          <p:nvPr/>
+        </p:nvPicPr>
+        <p:blipFill>
+          <a:blip r:embed="rId3"/>
+          <a:stretch>
+            <a:fillRect/>
+          </a:stretch>
+        </p:blipFill>
+        <p:spPr>
+          <a:xfrm>
+            <a:off x="8114917" y="1684110"/>
+            <a:ext cx="3934105" cy="2600099"/>
+          </a:xfrm>
+          <a:prstGeom prst="rect">
+            <a:avLst/>
+          </a:prstGeom>
+        </p:spPr>
+      </p:pic>
+      <p:pic>
+        <p:nvPicPr>
+          <p:cNvPr id="15" name="Afbeelding 14">
+            <a:extLst>
+              <a:ext uri="{FF2B5EF4-FFF2-40B4-BE49-F238E27FC236}">
+                <a16:creationId xmlns:a16="http://schemas.microsoft.com/office/drawing/2014/main" id="{C8C500ED-ED13-4A29-A1A4-14CD2B21D605}"/>
+              </a:ext>
+            </a:extLst>
+          </p:cNvPr>
+          <p:cNvPicPr>
+            <a:picLocks noChangeAspect="1"/>
+          </p:cNvPicPr>
+          <p:nvPr/>
+        </p:nvPicPr>
+        <p:blipFill>
+          <a:blip r:embed="rId4"/>
+          <a:stretch>
+            <a:fillRect/>
+          </a:stretch>
+        </p:blipFill>
+        <p:spPr>
+          <a:xfrm>
+            <a:off x="0" y="1583574"/>
+            <a:ext cx="4105680" cy="2600099"/>
+          </a:xfrm>
+          <a:prstGeom prst="rect">
+            <a:avLst/>
+          </a:prstGeom>
+        </p:spPr>
+      </p:pic>
+    </p:spTree>
+    <p:extLst>
+      <p:ext uri="{BB962C8B-B14F-4D97-AF65-F5344CB8AC3E}">
+        <p14:creationId xmlns:p14="http://schemas.microsoft.com/office/powerpoint/2010/main" val="1698360616"/>
       </p:ext>
     </p:extLst>
   </p:cSld>

--- a/Data etc/Log.pptx
+++ b/Data etc/Log.pptx
@@ -37,6 +37,11 @@
     <p:sldId id="288" r:id="rId31"/>
     <p:sldId id="289" r:id="rId32"/>
     <p:sldId id="290" r:id="rId33"/>
+    <p:sldId id="291" r:id="rId34"/>
+    <p:sldId id="292" r:id="rId35"/>
+    <p:sldId id="293" r:id="rId36"/>
+    <p:sldId id="294" r:id="rId37"/>
+    <p:sldId id="295" r:id="rId38"/>
   </p:sldIdLst>
   <p:sldSz cx="12192000" cy="6858000"/>
   <p:notesSz cx="6858000" cy="9144000"/>
@@ -292,7 +297,7 @@
           <a:p>
             <a:fld id="{AE182ABF-C602-4EB8-A052-2B7C8A1BDF7F}" type="datetimeFigureOut">
               <a:rPr lang="en-GB" smtClean="0"/>
-              <a:t>04/12/2019</a:t>
+              <a:t>05/12/2019</a:t>
             </a:fld>
             <a:endParaRPr lang="en-GB"/>
           </a:p>
@@ -492,7 +497,7 @@
           <a:p>
             <a:fld id="{AE182ABF-C602-4EB8-A052-2B7C8A1BDF7F}" type="datetimeFigureOut">
               <a:rPr lang="en-GB" smtClean="0"/>
-              <a:t>04/12/2019</a:t>
+              <a:t>05/12/2019</a:t>
             </a:fld>
             <a:endParaRPr lang="en-GB"/>
           </a:p>
@@ -702,7 +707,7 @@
           <a:p>
             <a:fld id="{AE182ABF-C602-4EB8-A052-2B7C8A1BDF7F}" type="datetimeFigureOut">
               <a:rPr lang="en-GB" smtClean="0"/>
-              <a:t>04/12/2019</a:t>
+              <a:t>05/12/2019</a:t>
             </a:fld>
             <a:endParaRPr lang="en-GB"/>
           </a:p>
@@ -902,7 +907,7 @@
           <a:p>
             <a:fld id="{AE182ABF-C602-4EB8-A052-2B7C8A1BDF7F}" type="datetimeFigureOut">
               <a:rPr lang="en-GB" smtClean="0"/>
-              <a:t>04/12/2019</a:t>
+              <a:t>05/12/2019</a:t>
             </a:fld>
             <a:endParaRPr lang="en-GB"/>
           </a:p>
@@ -1178,7 +1183,7 @@
           <a:p>
             <a:fld id="{AE182ABF-C602-4EB8-A052-2B7C8A1BDF7F}" type="datetimeFigureOut">
               <a:rPr lang="en-GB" smtClean="0"/>
-              <a:t>04/12/2019</a:t>
+              <a:t>05/12/2019</a:t>
             </a:fld>
             <a:endParaRPr lang="en-GB"/>
           </a:p>
@@ -1446,7 +1451,7 @@
           <a:p>
             <a:fld id="{AE182ABF-C602-4EB8-A052-2B7C8A1BDF7F}" type="datetimeFigureOut">
               <a:rPr lang="en-GB" smtClean="0"/>
-              <a:t>04/12/2019</a:t>
+              <a:t>05/12/2019</a:t>
             </a:fld>
             <a:endParaRPr lang="en-GB"/>
           </a:p>
@@ -1861,7 +1866,7 @@
           <a:p>
             <a:fld id="{AE182ABF-C602-4EB8-A052-2B7C8A1BDF7F}" type="datetimeFigureOut">
               <a:rPr lang="en-GB" smtClean="0"/>
-              <a:t>04/12/2019</a:t>
+              <a:t>05/12/2019</a:t>
             </a:fld>
             <a:endParaRPr lang="en-GB"/>
           </a:p>
@@ -2003,7 +2008,7 @@
           <a:p>
             <a:fld id="{AE182ABF-C602-4EB8-A052-2B7C8A1BDF7F}" type="datetimeFigureOut">
               <a:rPr lang="en-GB" smtClean="0"/>
-              <a:t>04/12/2019</a:t>
+              <a:t>05/12/2019</a:t>
             </a:fld>
             <a:endParaRPr lang="en-GB"/>
           </a:p>
@@ -2116,7 +2121,7 @@
           <a:p>
             <a:fld id="{AE182ABF-C602-4EB8-A052-2B7C8A1BDF7F}" type="datetimeFigureOut">
               <a:rPr lang="en-GB" smtClean="0"/>
-              <a:t>04/12/2019</a:t>
+              <a:t>05/12/2019</a:t>
             </a:fld>
             <a:endParaRPr lang="en-GB"/>
           </a:p>
@@ -2429,7 +2434,7 @@
           <a:p>
             <a:fld id="{AE182ABF-C602-4EB8-A052-2B7C8A1BDF7F}" type="datetimeFigureOut">
               <a:rPr lang="en-GB" smtClean="0"/>
-              <a:t>04/12/2019</a:t>
+              <a:t>05/12/2019</a:t>
             </a:fld>
             <a:endParaRPr lang="en-GB"/>
           </a:p>
@@ -2718,7 +2723,7 @@
           <a:p>
             <a:fld id="{AE182ABF-C602-4EB8-A052-2B7C8A1BDF7F}" type="datetimeFigureOut">
               <a:rPr lang="en-GB" smtClean="0"/>
-              <a:t>04/12/2019</a:t>
+              <a:t>05/12/2019</a:t>
             </a:fld>
             <a:endParaRPr lang="en-GB"/>
           </a:p>
@@ -2961,7 +2966,7 @@
           <a:p>
             <a:fld id="{AE182ABF-C602-4EB8-A052-2B7C8A1BDF7F}" type="datetimeFigureOut">
               <a:rPr lang="en-GB" smtClean="0"/>
-              <a:t>04/12/2019</a:t>
+              <a:t>05/12/2019</a:t>
             </a:fld>
             <a:endParaRPr lang="en-GB"/>
           </a:p>
@@ -21781,6 +21786,491 @@
     <p:extLst>
       <p:ext uri="{BB962C8B-B14F-4D97-AF65-F5344CB8AC3E}">
         <p14:creationId xmlns:p14="http://schemas.microsoft.com/office/powerpoint/2010/main" val="1698360616"/>
+      </p:ext>
+    </p:extLst>
+  </p:cSld>
+  <p:clrMapOvr>
+    <a:masterClrMapping/>
+  </p:clrMapOvr>
+</p:sld>
+</file>
+
+<file path=ppt/slides/slide33.xml><?xml version="1.0" encoding="utf-8"?>
+<p:sld xmlns:a="http://schemas.openxmlformats.org/drawingml/2006/main" xmlns:r="http://schemas.openxmlformats.org/officeDocument/2006/relationships" xmlns:p="http://schemas.openxmlformats.org/presentationml/2006/main">
+  <p:cSld>
+    <p:spTree>
+      <p:nvGrpSpPr>
+        <p:cNvPr id="1" name=""/>
+        <p:cNvGrpSpPr/>
+        <p:nvPr/>
+      </p:nvGrpSpPr>
+      <p:grpSpPr>
+        <a:xfrm>
+          <a:off x="0" y="0"/>
+          <a:ext cx="0" cy="0"/>
+          <a:chOff x="0" y="0"/>
+          <a:chExt cx="0" cy="0"/>
+        </a:xfrm>
+      </p:grpSpPr>
+      <p:sp>
+        <p:nvSpPr>
+          <p:cNvPr id="2" name="Titel 1">
+            <a:extLst>
+              <a:ext uri="{FF2B5EF4-FFF2-40B4-BE49-F238E27FC236}">
+                <a16:creationId xmlns:a16="http://schemas.microsoft.com/office/drawing/2014/main" id="{249BB2D2-3DCB-42B9-B892-12D70F9F8BC1}"/>
+              </a:ext>
+            </a:extLst>
+          </p:cNvPr>
+          <p:cNvSpPr>
+            <a:spLocks noGrp="1"/>
+          </p:cNvSpPr>
+          <p:nvPr>
+            <p:ph type="title"/>
+          </p:nvPr>
+        </p:nvSpPr>
+        <p:spPr>
+          <a:xfrm>
+            <a:off x="728225" y="40743"/>
+            <a:ext cx="10515600" cy="1325563"/>
+          </a:xfrm>
+        </p:spPr>
+        <p:txBody>
+          <a:bodyPr/>
+          <a:lstStyle/>
+          <a:p>
+            <a:r>
+              <a:rPr lang="en-GB" b="1" dirty="0">
+                <a:solidFill>
+                  <a:schemeClr val="accent1"/>
+                </a:solidFill>
+              </a:rPr>
+              <a:t>Users linked to Building 0</a:t>
+            </a:r>
+          </a:p>
+        </p:txBody>
+      </p:sp>
+      <p:pic>
+        <p:nvPicPr>
+          <p:cNvPr id="13" name="Afbeelding 12">
+            <a:extLst>
+              <a:ext uri="{FF2B5EF4-FFF2-40B4-BE49-F238E27FC236}">
+                <a16:creationId xmlns:a16="http://schemas.microsoft.com/office/drawing/2014/main" id="{1C680F10-2E02-4FB5-90F0-3A3D1EB31497}"/>
+              </a:ext>
+            </a:extLst>
+          </p:cNvPr>
+          <p:cNvPicPr>
+            <a:picLocks noChangeAspect="1"/>
+          </p:cNvPicPr>
+          <p:nvPr/>
+        </p:nvPicPr>
+        <p:blipFill>
+          <a:blip r:embed="rId2"/>
+          <a:stretch>
+            <a:fillRect/>
+          </a:stretch>
+        </p:blipFill>
+        <p:spPr>
+          <a:xfrm>
+            <a:off x="2291307" y="1249952"/>
+            <a:ext cx="7800975" cy="5124450"/>
+          </a:xfrm>
+          <a:prstGeom prst="rect">
+            <a:avLst/>
+          </a:prstGeom>
+        </p:spPr>
+      </p:pic>
+    </p:spTree>
+    <p:extLst>
+      <p:ext uri="{BB962C8B-B14F-4D97-AF65-F5344CB8AC3E}">
+        <p14:creationId xmlns:p14="http://schemas.microsoft.com/office/powerpoint/2010/main" val="2446749586"/>
+      </p:ext>
+    </p:extLst>
+  </p:cSld>
+  <p:clrMapOvr>
+    <a:masterClrMapping/>
+  </p:clrMapOvr>
+</p:sld>
+</file>
+
+<file path=ppt/slides/slide34.xml><?xml version="1.0" encoding="utf-8"?>
+<p:sld xmlns:a="http://schemas.openxmlformats.org/drawingml/2006/main" xmlns:r="http://schemas.openxmlformats.org/officeDocument/2006/relationships" xmlns:p="http://schemas.openxmlformats.org/presentationml/2006/main">
+  <p:cSld>
+    <p:spTree>
+      <p:nvGrpSpPr>
+        <p:cNvPr id="1" name=""/>
+        <p:cNvGrpSpPr/>
+        <p:nvPr/>
+      </p:nvGrpSpPr>
+      <p:grpSpPr>
+        <a:xfrm>
+          <a:off x="0" y="0"/>
+          <a:ext cx="0" cy="0"/>
+          <a:chOff x="0" y="0"/>
+          <a:chExt cx="0" cy="0"/>
+        </a:xfrm>
+      </p:grpSpPr>
+      <p:sp>
+        <p:nvSpPr>
+          <p:cNvPr id="2" name="Titel 1">
+            <a:extLst>
+              <a:ext uri="{FF2B5EF4-FFF2-40B4-BE49-F238E27FC236}">
+                <a16:creationId xmlns:a16="http://schemas.microsoft.com/office/drawing/2014/main" id="{249BB2D2-3DCB-42B9-B892-12D70F9F8BC1}"/>
+              </a:ext>
+            </a:extLst>
+          </p:cNvPr>
+          <p:cNvSpPr>
+            <a:spLocks noGrp="1"/>
+          </p:cNvSpPr>
+          <p:nvPr>
+            <p:ph type="title"/>
+          </p:nvPr>
+        </p:nvSpPr>
+        <p:spPr>
+          <a:xfrm>
+            <a:off x="728225" y="40743"/>
+            <a:ext cx="10515600" cy="1325563"/>
+          </a:xfrm>
+        </p:spPr>
+        <p:txBody>
+          <a:bodyPr/>
+          <a:lstStyle/>
+          <a:p>
+            <a:r>
+              <a:rPr lang="en-GB" b="1" dirty="0">
+                <a:solidFill>
+                  <a:schemeClr val="accent1"/>
+                </a:solidFill>
+              </a:rPr>
+              <a:t>Users linked to Building 1</a:t>
+            </a:r>
+          </a:p>
+        </p:txBody>
+      </p:sp>
+      <p:pic>
+        <p:nvPicPr>
+          <p:cNvPr id="4" name="Afbeelding 3">
+            <a:extLst>
+              <a:ext uri="{FF2B5EF4-FFF2-40B4-BE49-F238E27FC236}">
+                <a16:creationId xmlns:a16="http://schemas.microsoft.com/office/drawing/2014/main" id="{F81EBB33-E1C1-438B-816B-F48F2814CF8D}"/>
+              </a:ext>
+            </a:extLst>
+          </p:cNvPr>
+          <p:cNvPicPr>
+            <a:picLocks noChangeAspect="1"/>
+          </p:cNvPicPr>
+          <p:nvPr/>
+        </p:nvPicPr>
+        <p:blipFill>
+          <a:blip r:embed="rId2"/>
+          <a:stretch>
+            <a:fillRect/>
+          </a:stretch>
+        </p:blipFill>
+        <p:spPr>
+          <a:xfrm>
+            <a:off x="2152212" y="1275397"/>
+            <a:ext cx="7667625" cy="5038725"/>
+          </a:xfrm>
+          <a:prstGeom prst="rect">
+            <a:avLst/>
+          </a:prstGeom>
+        </p:spPr>
+      </p:pic>
+    </p:spTree>
+    <p:extLst>
+      <p:ext uri="{BB962C8B-B14F-4D97-AF65-F5344CB8AC3E}">
+        <p14:creationId xmlns:p14="http://schemas.microsoft.com/office/powerpoint/2010/main" val="3695214568"/>
+      </p:ext>
+    </p:extLst>
+  </p:cSld>
+  <p:clrMapOvr>
+    <a:masterClrMapping/>
+  </p:clrMapOvr>
+</p:sld>
+</file>
+
+<file path=ppt/slides/slide35.xml><?xml version="1.0" encoding="utf-8"?>
+<p:sld xmlns:a="http://schemas.openxmlformats.org/drawingml/2006/main" xmlns:r="http://schemas.openxmlformats.org/officeDocument/2006/relationships" xmlns:p="http://schemas.openxmlformats.org/presentationml/2006/main">
+  <p:cSld>
+    <p:spTree>
+      <p:nvGrpSpPr>
+        <p:cNvPr id="1" name=""/>
+        <p:cNvGrpSpPr/>
+        <p:nvPr/>
+      </p:nvGrpSpPr>
+      <p:grpSpPr>
+        <a:xfrm>
+          <a:off x="0" y="0"/>
+          <a:ext cx="0" cy="0"/>
+          <a:chOff x="0" y="0"/>
+          <a:chExt cx="0" cy="0"/>
+        </a:xfrm>
+      </p:grpSpPr>
+      <p:sp>
+        <p:nvSpPr>
+          <p:cNvPr id="2" name="Titel 1">
+            <a:extLst>
+              <a:ext uri="{FF2B5EF4-FFF2-40B4-BE49-F238E27FC236}">
+                <a16:creationId xmlns:a16="http://schemas.microsoft.com/office/drawing/2014/main" id="{249BB2D2-3DCB-42B9-B892-12D70F9F8BC1}"/>
+              </a:ext>
+            </a:extLst>
+          </p:cNvPr>
+          <p:cNvSpPr>
+            <a:spLocks noGrp="1"/>
+          </p:cNvSpPr>
+          <p:nvPr>
+            <p:ph type="title"/>
+          </p:nvPr>
+        </p:nvSpPr>
+        <p:spPr>
+          <a:xfrm>
+            <a:off x="728225" y="40743"/>
+            <a:ext cx="10515600" cy="1325563"/>
+          </a:xfrm>
+        </p:spPr>
+        <p:txBody>
+          <a:bodyPr/>
+          <a:lstStyle/>
+          <a:p>
+            <a:r>
+              <a:rPr lang="en-GB" b="1" dirty="0">
+                <a:solidFill>
+                  <a:schemeClr val="accent1"/>
+                </a:solidFill>
+              </a:rPr>
+              <a:t>Users linked to Building 2</a:t>
+            </a:r>
+          </a:p>
+        </p:txBody>
+      </p:sp>
+      <p:pic>
+        <p:nvPicPr>
+          <p:cNvPr id="3" name="Afbeelding 2">
+            <a:extLst>
+              <a:ext uri="{FF2B5EF4-FFF2-40B4-BE49-F238E27FC236}">
+                <a16:creationId xmlns:a16="http://schemas.microsoft.com/office/drawing/2014/main" id="{CB2AE1EC-5895-497A-8F9A-9C993A9FA5E0}"/>
+              </a:ext>
+            </a:extLst>
+          </p:cNvPr>
+          <p:cNvPicPr>
+            <a:picLocks noChangeAspect="1"/>
+          </p:cNvPicPr>
+          <p:nvPr/>
+        </p:nvPicPr>
+        <p:blipFill>
+          <a:blip r:embed="rId2"/>
+          <a:stretch>
+            <a:fillRect/>
+          </a:stretch>
+        </p:blipFill>
+        <p:spPr>
+          <a:xfrm>
+            <a:off x="2308044" y="1366306"/>
+            <a:ext cx="7715250" cy="4981575"/>
+          </a:xfrm>
+          <a:prstGeom prst="rect">
+            <a:avLst/>
+          </a:prstGeom>
+        </p:spPr>
+      </p:pic>
+    </p:spTree>
+    <p:extLst>
+      <p:ext uri="{BB962C8B-B14F-4D97-AF65-F5344CB8AC3E}">
+        <p14:creationId xmlns:p14="http://schemas.microsoft.com/office/powerpoint/2010/main" val="3425468604"/>
+      </p:ext>
+    </p:extLst>
+  </p:cSld>
+  <p:clrMapOvr>
+    <a:masterClrMapping/>
+  </p:clrMapOvr>
+</p:sld>
+</file>
+
+<file path=ppt/slides/slide36.xml><?xml version="1.0" encoding="utf-8"?>
+<p:sld xmlns:a="http://schemas.openxmlformats.org/drawingml/2006/main" xmlns:r="http://schemas.openxmlformats.org/officeDocument/2006/relationships" xmlns:p="http://schemas.openxmlformats.org/presentationml/2006/main">
+  <p:cSld>
+    <p:spTree>
+      <p:nvGrpSpPr>
+        <p:cNvPr id="1" name=""/>
+        <p:cNvGrpSpPr/>
+        <p:nvPr/>
+      </p:nvGrpSpPr>
+      <p:grpSpPr>
+        <a:xfrm>
+          <a:off x="0" y="0"/>
+          <a:ext cx="0" cy="0"/>
+          <a:chOff x="0" y="0"/>
+          <a:chExt cx="0" cy="0"/>
+        </a:xfrm>
+      </p:grpSpPr>
+      <p:sp>
+        <p:nvSpPr>
+          <p:cNvPr id="2" name="Titel 1">
+            <a:extLst>
+              <a:ext uri="{FF2B5EF4-FFF2-40B4-BE49-F238E27FC236}">
+                <a16:creationId xmlns:a16="http://schemas.microsoft.com/office/drawing/2014/main" id="{249BB2D2-3DCB-42B9-B892-12D70F9F8BC1}"/>
+              </a:ext>
+            </a:extLst>
+          </p:cNvPr>
+          <p:cNvSpPr>
+            <a:spLocks noGrp="1"/>
+          </p:cNvSpPr>
+          <p:nvPr>
+            <p:ph type="title"/>
+          </p:nvPr>
+        </p:nvSpPr>
+        <p:spPr>
+          <a:xfrm>
+            <a:off x="728225" y="40743"/>
+            <a:ext cx="10515600" cy="1325563"/>
+          </a:xfrm>
+        </p:spPr>
+        <p:txBody>
+          <a:bodyPr/>
+          <a:lstStyle/>
+          <a:p>
+            <a:r>
+              <a:rPr lang="en-GB" b="1" dirty="0">
+                <a:solidFill>
+                  <a:schemeClr val="accent1"/>
+                </a:solidFill>
+              </a:rPr>
+              <a:t>How many locations have a user registered</a:t>
+            </a:r>
+          </a:p>
+        </p:txBody>
+      </p:sp>
+      <p:pic>
+        <p:nvPicPr>
+          <p:cNvPr id="4" name="Afbeelding 3">
+            <a:extLst>
+              <a:ext uri="{FF2B5EF4-FFF2-40B4-BE49-F238E27FC236}">
+                <a16:creationId xmlns:a16="http://schemas.microsoft.com/office/drawing/2014/main" id="{E49BA22D-826D-44F6-BE1A-0F01FA42F114}"/>
+              </a:ext>
+            </a:extLst>
+          </p:cNvPr>
+          <p:cNvPicPr>
+            <a:picLocks noChangeAspect="1"/>
+          </p:cNvPicPr>
+          <p:nvPr/>
+        </p:nvPicPr>
+        <p:blipFill>
+          <a:blip r:embed="rId2"/>
+          <a:stretch>
+            <a:fillRect/>
+          </a:stretch>
+        </p:blipFill>
+        <p:spPr>
+          <a:xfrm>
+            <a:off x="1961470" y="1489982"/>
+            <a:ext cx="7572375" cy="5010150"/>
+          </a:xfrm>
+          <a:prstGeom prst="rect">
+            <a:avLst/>
+          </a:prstGeom>
+        </p:spPr>
+      </p:pic>
+    </p:spTree>
+    <p:extLst>
+      <p:ext uri="{BB962C8B-B14F-4D97-AF65-F5344CB8AC3E}">
+        <p14:creationId xmlns:p14="http://schemas.microsoft.com/office/powerpoint/2010/main" val="3809365481"/>
+      </p:ext>
+    </p:extLst>
+  </p:cSld>
+  <p:clrMapOvr>
+    <a:masterClrMapping/>
+  </p:clrMapOvr>
+</p:sld>
+</file>
+
+<file path=ppt/slides/slide37.xml><?xml version="1.0" encoding="utf-8"?>
+<p:sld xmlns:a="http://schemas.openxmlformats.org/drawingml/2006/main" xmlns:r="http://schemas.openxmlformats.org/officeDocument/2006/relationships" xmlns:p="http://schemas.openxmlformats.org/presentationml/2006/main">
+  <p:cSld>
+    <p:spTree>
+      <p:nvGrpSpPr>
+        <p:cNvPr id="1" name=""/>
+        <p:cNvGrpSpPr/>
+        <p:nvPr/>
+      </p:nvGrpSpPr>
+      <p:grpSpPr>
+        <a:xfrm>
+          <a:off x="0" y="0"/>
+          <a:ext cx="0" cy="0"/>
+          <a:chOff x="0" y="0"/>
+          <a:chExt cx="0" cy="0"/>
+        </a:xfrm>
+      </p:grpSpPr>
+      <p:sp>
+        <p:nvSpPr>
+          <p:cNvPr id="2" name="Titel 1">
+            <a:extLst>
+              <a:ext uri="{FF2B5EF4-FFF2-40B4-BE49-F238E27FC236}">
+                <a16:creationId xmlns:a16="http://schemas.microsoft.com/office/drawing/2014/main" id="{249BB2D2-3DCB-42B9-B892-12D70F9F8BC1}"/>
+              </a:ext>
+            </a:extLst>
+          </p:cNvPr>
+          <p:cNvSpPr>
+            <a:spLocks noGrp="1"/>
+          </p:cNvSpPr>
+          <p:nvPr>
+            <p:ph type="title"/>
+          </p:nvPr>
+        </p:nvSpPr>
+        <p:spPr>
+          <a:xfrm>
+            <a:off x="728225" y="40743"/>
+            <a:ext cx="10515600" cy="1325563"/>
+          </a:xfrm>
+        </p:spPr>
+        <p:txBody>
+          <a:bodyPr/>
+          <a:lstStyle/>
+          <a:p>
+            <a:r>
+              <a:rPr lang="en-GB" b="1" dirty="0">
+                <a:solidFill>
+                  <a:schemeClr val="accent1"/>
+                </a:solidFill>
+              </a:rPr>
+              <a:t>Number of locations registered by Phone id</a:t>
+            </a:r>
+          </a:p>
+        </p:txBody>
+      </p:sp>
+      <p:pic>
+        <p:nvPicPr>
+          <p:cNvPr id="3" name="Afbeelding 2">
+            <a:extLst>
+              <a:ext uri="{FF2B5EF4-FFF2-40B4-BE49-F238E27FC236}">
+                <a16:creationId xmlns:a16="http://schemas.microsoft.com/office/drawing/2014/main" id="{F83FD702-09D1-41BB-9BCE-8EDD7906B89F}"/>
+              </a:ext>
+            </a:extLst>
+          </p:cNvPr>
+          <p:cNvPicPr>
+            <a:picLocks noChangeAspect="1"/>
+          </p:cNvPicPr>
+          <p:nvPr/>
+        </p:nvPicPr>
+        <p:blipFill>
+          <a:blip r:embed="rId2"/>
+          <a:stretch>
+            <a:fillRect/>
+          </a:stretch>
+        </p:blipFill>
+        <p:spPr>
+          <a:xfrm>
+            <a:off x="2141971" y="1366306"/>
+            <a:ext cx="7372350" cy="4981575"/>
+          </a:xfrm>
+          <a:prstGeom prst="rect">
+            <a:avLst/>
+          </a:prstGeom>
+        </p:spPr>
+      </p:pic>
+    </p:spTree>
+    <p:extLst>
+      <p:ext uri="{BB962C8B-B14F-4D97-AF65-F5344CB8AC3E}">
+        <p14:creationId xmlns:p14="http://schemas.microsoft.com/office/powerpoint/2010/main" val="3415835340"/>
       </p:ext>
     </p:extLst>
   </p:cSld>

--- a/Data etc/Log.pptx
+++ b/Data etc/Log.pptx
@@ -42,6 +42,18 @@
     <p:sldId id="293" r:id="rId36"/>
     <p:sldId id="294" r:id="rId37"/>
     <p:sldId id="295" r:id="rId38"/>
+    <p:sldId id="296" r:id="rId39"/>
+    <p:sldId id="297" r:id="rId40"/>
+    <p:sldId id="298" r:id="rId41"/>
+    <p:sldId id="299" r:id="rId42"/>
+    <p:sldId id="300" r:id="rId43"/>
+    <p:sldId id="301" r:id="rId44"/>
+    <p:sldId id="302" r:id="rId45"/>
+    <p:sldId id="303" r:id="rId46"/>
+    <p:sldId id="304" r:id="rId47"/>
+    <p:sldId id="305" r:id="rId48"/>
+    <p:sldId id="307" r:id="rId49"/>
+    <p:sldId id="306" r:id="rId50"/>
   </p:sldIdLst>
   <p:sldSz cx="12192000" cy="6858000"/>
   <p:notesSz cx="6858000" cy="9144000"/>
@@ -297,7 +309,7 @@
           <a:p>
             <a:fld id="{AE182ABF-C602-4EB8-A052-2B7C8A1BDF7F}" type="datetimeFigureOut">
               <a:rPr lang="en-GB" smtClean="0"/>
-              <a:t>05/12/2019</a:t>
+              <a:t>09/12/2019</a:t>
             </a:fld>
             <a:endParaRPr lang="en-GB"/>
           </a:p>
@@ -497,7 +509,7 @@
           <a:p>
             <a:fld id="{AE182ABF-C602-4EB8-A052-2B7C8A1BDF7F}" type="datetimeFigureOut">
               <a:rPr lang="en-GB" smtClean="0"/>
-              <a:t>05/12/2019</a:t>
+              <a:t>09/12/2019</a:t>
             </a:fld>
             <a:endParaRPr lang="en-GB"/>
           </a:p>
@@ -707,7 +719,7 @@
           <a:p>
             <a:fld id="{AE182ABF-C602-4EB8-A052-2B7C8A1BDF7F}" type="datetimeFigureOut">
               <a:rPr lang="en-GB" smtClean="0"/>
-              <a:t>05/12/2019</a:t>
+              <a:t>09/12/2019</a:t>
             </a:fld>
             <a:endParaRPr lang="en-GB"/>
           </a:p>
@@ -907,7 +919,7 @@
           <a:p>
             <a:fld id="{AE182ABF-C602-4EB8-A052-2B7C8A1BDF7F}" type="datetimeFigureOut">
               <a:rPr lang="en-GB" smtClean="0"/>
-              <a:t>05/12/2019</a:t>
+              <a:t>09/12/2019</a:t>
             </a:fld>
             <a:endParaRPr lang="en-GB"/>
           </a:p>
@@ -1183,7 +1195,7 @@
           <a:p>
             <a:fld id="{AE182ABF-C602-4EB8-A052-2B7C8A1BDF7F}" type="datetimeFigureOut">
               <a:rPr lang="en-GB" smtClean="0"/>
-              <a:t>05/12/2019</a:t>
+              <a:t>09/12/2019</a:t>
             </a:fld>
             <a:endParaRPr lang="en-GB"/>
           </a:p>
@@ -1451,7 +1463,7 @@
           <a:p>
             <a:fld id="{AE182ABF-C602-4EB8-A052-2B7C8A1BDF7F}" type="datetimeFigureOut">
               <a:rPr lang="en-GB" smtClean="0"/>
-              <a:t>05/12/2019</a:t>
+              <a:t>09/12/2019</a:t>
             </a:fld>
             <a:endParaRPr lang="en-GB"/>
           </a:p>
@@ -1866,7 +1878,7 @@
           <a:p>
             <a:fld id="{AE182ABF-C602-4EB8-A052-2B7C8A1BDF7F}" type="datetimeFigureOut">
               <a:rPr lang="en-GB" smtClean="0"/>
-              <a:t>05/12/2019</a:t>
+              <a:t>09/12/2019</a:t>
             </a:fld>
             <a:endParaRPr lang="en-GB"/>
           </a:p>
@@ -2008,7 +2020,7 @@
           <a:p>
             <a:fld id="{AE182ABF-C602-4EB8-A052-2B7C8A1BDF7F}" type="datetimeFigureOut">
               <a:rPr lang="en-GB" smtClean="0"/>
-              <a:t>05/12/2019</a:t>
+              <a:t>09/12/2019</a:t>
             </a:fld>
             <a:endParaRPr lang="en-GB"/>
           </a:p>
@@ -2121,7 +2133,7 @@
           <a:p>
             <a:fld id="{AE182ABF-C602-4EB8-A052-2B7C8A1BDF7F}" type="datetimeFigureOut">
               <a:rPr lang="en-GB" smtClean="0"/>
-              <a:t>05/12/2019</a:t>
+              <a:t>09/12/2019</a:t>
             </a:fld>
             <a:endParaRPr lang="en-GB"/>
           </a:p>
@@ -2434,7 +2446,7 @@
           <a:p>
             <a:fld id="{AE182ABF-C602-4EB8-A052-2B7C8A1BDF7F}" type="datetimeFigureOut">
               <a:rPr lang="en-GB" smtClean="0"/>
-              <a:t>05/12/2019</a:t>
+              <a:t>09/12/2019</a:t>
             </a:fld>
             <a:endParaRPr lang="en-GB"/>
           </a:p>
@@ -2723,7 +2735,7 @@
           <a:p>
             <a:fld id="{AE182ABF-C602-4EB8-A052-2B7C8A1BDF7F}" type="datetimeFigureOut">
               <a:rPr lang="en-GB" smtClean="0"/>
-              <a:t>05/12/2019</a:t>
+              <a:t>09/12/2019</a:t>
             </a:fld>
             <a:endParaRPr lang="en-GB"/>
           </a:p>
@@ -2966,7 +2978,7 @@
           <a:p>
             <a:fld id="{AE182ABF-C602-4EB8-A052-2B7C8A1BDF7F}" type="datetimeFigureOut">
               <a:rPr lang="en-GB" smtClean="0"/>
-              <a:t>05/12/2019</a:t>
+              <a:t>09/12/2019</a:t>
             </a:fld>
             <a:endParaRPr lang="en-GB"/>
           </a:p>
@@ -22280,6 +22292,812 @@
 </p:sld>
 </file>
 
+<file path=ppt/slides/slide38.xml><?xml version="1.0" encoding="utf-8"?>
+<p:sld xmlns:a="http://schemas.openxmlformats.org/drawingml/2006/main" xmlns:r="http://schemas.openxmlformats.org/officeDocument/2006/relationships" xmlns:p="http://schemas.openxmlformats.org/presentationml/2006/main">
+  <p:cSld>
+    <p:spTree>
+      <p:nvGrpSpPr>
+        <p:cNvPr id="1" name=""/>
+        <p:cNvGrpSpPr/>
+        <p:nvPr/>
+      </p:nvGrpSpPr>
+      <p:grpSpPr>
+        <a:xfrm>
+          <a:off x="0" y="0"/>
+          <a:ext cx="0" cy="0"/>
+          <a:chOff x="0" y="0"/>
+          <a:chExt cx="0" cy="0"/>
+        </a:xfrm>
+      </p:grpSpPr>
+      <p:sp>
+        <p:nvSpPr>
+          <p:cNvPr id="2" name="Titel 1">
+            <a:extLst>
+              <a:ext uri="{FF2B5EF4-FFF2-40B4-BE49-F238E27FC236}">
+                <a16:creationId xmlns:a16="http://schemas.microsoft.com/office/drawing/2014/main" id="{AB69BB55-5DAF-4200-83DB-F83EB75E91E3}"/>
+              </a:ext>
+            </a:extLst>
+          </p:cNvPr>
+          <p:cNvSpPr>
+            <a:spLocks noGrp="1"/>
+          </p:cNvSpPr>
+          <p:nvPr>
+            <p:ph type="title"/>
+          </p:nvPr>
+        </p:nvSpPr>
+        <p:spPr>
+          <a:xfrm>
+            <a:off x="916577" y="2638062"/>
+            <a:ext cx="10515600" cy="1325563"/>
+          </a:xfrm>
+        </p:spPr>
+        <p:txBody>
+          <a:bodyPr>
+            <a:normAutofit fontScale="90000"/>
+          </a:bodyPr>
+          <a:lstStyle/>
+          <a:p>
+            <a:r>
+              <a:rPr lang="en-GB" dirty="0">
+                <a:solidFill>
+                  <a:schemeClr val="bg1"/>
+                </a:solidFill>
+                <a:highlight>
+                  <a:srgbClr val="FF00FF"/>
+                </a:highlight>
+              </a:rPr>
+              <a:t>3</a:t>
+            </a:r>
+            <a:r>
+              <a:rPr lang="en-GB" baseline="30000" dirty="0">
+                <a:solidFill>
+                  <a:schemeClr val="bg1"/>
+                </a:solidFill>
+                <a:highlight>
+                  <a:srgbClr val="FF00FF"/>
+                </a:highlight>
+              </a:rPr>
+              <a:t>rd</a:t>
+            </a:r>
+            <a:r>
+              <a:rPr lang="en-GB" dirty="0">
+                <a:solidFill>
+                  <a:schemeClr val="bg1"/>
+                </a:solidFill>
+                <a:highlight>
+                  <a:srgbClr val="FF00FF"/>
+                </a:highlight>
+              </a:rPr>
+              <a:t> Prediction KPI’s KNN-5 all </a:t>
+            </a:r>
+            <a:r>
+              <a:rPr lang="en-GB" dirty="0" err="1">
+                <a:solidFill>
+                  <a:schemeClr val="bg1"/>
+                </a:solidFill>
+                <a:highlight>
+                  <a:srgbClr val="FF00FF"/>
+                </a:highlight>
+              </a:rPr>
+              <a:t>obs</a:t>
+            </a:r>
+            <a:r>
+              <a:rPr lang="en-GB" dirty="0">
+                <a:solidFill>
+                  <a:schemeClr val="bg1"/>
+                </a:solidFill>
+                <a:highlight>
+                  <a:srgbClr val="FF00FF"/>
+                </a:highlight>
+              </a:rPr>
+              <a:t> per building for </a:t>
+            </a:r>
+            <a:r>
+              <a:rPr lang="en-GB" dirty="0" err="1">
+                <a:solidFill>
+                  <a:schemeClr val="bg1"/>
+                </a:solidFill>
+                <a:highlight>
+                  <a:srgbClr val="FF00FF"/>
+                </a:highlight>
+              </a:rPr>
+              <a:t>lat</a:t>
+            </a:r>
+            <a:r>
+              <a:rPr lang="en-GB" dirty="0">
+                <a:solidFill>
+                  <a:schemeClr val="bg1"/>
+                </a:solidFill>
+                <a:highlight>
+                  <a:srgbClr val="FF00FF"/>
+                </a:highlight>
+              </a:rPr>
+              <a:t>/long/floor</a:t>
+            </a:r>
+            <a:br>
+              <a:rPr lang="en-GB" dirty="0">
+                <a:solidFill>
+                  <a:schemeClr val="bg1"/>
+                </a:solidFill>
+                <a:highlight>
+                  <a:srgbClr val="FF00FF"/>
+                </a:highlight>
+              </a:rPr>
+            </a:br>
+            <a:br>
+              <a:rPr lang="en-GB" dirty="0">
+                <a:solidFill>
+                  <a:schemeClr val="bg1"/>
+                </a:solidFill>
+                <a:highlight>
+                  <a:srgbClr val="FF00FF"/>
+                </a:highlight>
+              </a:rPr>
+            </a:br>
+            <a:r>
+              <a:rPr lang="en-GB" dirty="0">
+                <a:solidFill>
+                  <a:schemeClr val="bg1"/>
+                </a:solidFill>
+                <a:highlight>
+                  <a:srgbClr val="FF00FF"/>
+                </a:highlight>
+              </a:rPr>
+              <a:t>+</a:t>
+            </a:r>
+            <a:br>
+              <a:rPr lang="en-GB" dirty="0">
+                <a:solidFill>
+                  <a:schemeClr val="bg1"/>
+                </a:solidFill>
+                <a:highlight>
+                  <a:srgbClr val="FF00FF"/>
+                </a:highlight>
+              </a:rPr>
+            </a:br>
+            <a:br>
+              <a:rPr lang="en-GB" dirty="0">
+                <a:solidFill>
+                  <a:schemeClr val="bg1"/>
+                </a:solidFill>
+                <a:highlight>
+                  <a:srgbClr val="FF00FF"/>
+                </a:highlight>
+              </a:rPr>
+            </a:br>
+            <a:r>
+              <a:rPr lang="en-GB" dirty="0">
+                <a:solidFill>
+                  <a:schemeClr val="bg1"/>
+                </a:solidFill>
+                <a:highlight>
+                  <a:srgbClr val="FF00FF"/>
+                </a:highlight>
+              </a:rPr>
+              <a:t>Random Forest</a:t>
+            </a:r>
+          </a:p>
+        </p:txBody>
+      </p:sp>
+    </p:spTree>
+    <p:extLst>
+      <p:ext uri="{BB962C8B-B14F-4D97-AF65-F5344CB8AC3E}">
+        <p14:creationId xmlns:p14="http://schemas.microsoft.com/office/powerpoint/2010/main" val="3171975395"/>
+      </p:ext>
+    </p:extLst>
+  </p:cSld>
+  <p:clrMapOvr>
+    <a:masterClrMapping/>
+  </p:clrMapOvr>
+</p:sld>
+</file>
+
+<file path=ppt/slides/slide39.xml><?xml version="1.0" encoding="utf-8"?>
+<p:sld xmlns:a="http://schemas.openxmlformats.org/drawingml/2006/main" xmlns:r="http://schemas.openxmlformats.org/officeDocument/2006/relationships" xmlns:p="http://schemas.openxmlformats.org/presentationml/2006/main">
+  <p:cSld>
+    <p:spTree>
+      <p:nvGrpSpPr>
+        <p:cNvPr id="1" name=""/>
+        <p:cNvGrpSpPr/>
+        <p:nvPr/>
+      </p:nvGrpSpPr>
+      <p:grpSpPr>
+        <a:xfrm>
+          <a:off x="0" y="0"/>
+          <a:ext cx="0" cy="0"/>
+          <a:chOff x="0" y="0"/>
+          <a:chExt cx="0" cy="0"/>
+        </a:xfrm>
+      </p:grpSpPr>
+      <p:pic>
+        <p:nvPicPr>
+          <p:cNvPr id="6" name="Afbeelding 5">
+            <a:extLst>
+              <a:ext uri="{FF2B5EF4-FFF2-40B4-BE49-F238E27FC236}">
+                <a16:creationId xmlns:a16="http://schemas.microsoft.com/office/drawing/2014/main" id="{ADA286A4-A5B1-434B-A62F-4435C1897FD6}"/>
+              </a:ext>
+            </a:extLst>
+          </p:cNvPr>
+          <p:cNvPicPr>
+            <a:picLocks noChangeAspect="1"/>
+          </p:cNvPicPr>
+          <p:nvPr/>
+        </p:nvPicPr>
+        <p:blipFill>
+          <a:blip r:embed="rId2"/>
+          <a:stretch>
+            <a:fillRect/>
+          </a:stretch>
+        </p:blipFill>
+        <p:spPr>
+          <a:xfrm>
+            <a:off x="270721" y="1922100"/>
+            <a:ext cx="6429375" cy="4905375"/>
+          </a:xfrm>
+          <a:prstGeom prst="rect">
+            <a:avLst/>
+          </a:prstGeom>
+        </p:spPr>
+      </p:pic>
+      <p:sp>
+        <p:nvSpPr>
+          <p:cNvPr id="2" name="Titel 1">
+            <a:extLst>
+              <a:ext uri="{FF2B5EF4-FFF2-40B4-BE49-F238E27FC236}">
+                <a16:creationId xmlns:a16="http://schemas.microsoft.com/office/drawing/2014/main" id="{ECE4FA4E-54FC-4D95-B397-36B00736E710}"/>
+              </a:ext>
+            </a:extLst>
+          </p:cNvPr>
+          <p:cNvSpPr>
+            <a:spLocks noGrp="1"/>
+          </p:cNvSpPr>
+          <p:nvPr>
+            <p:ph type="title"/>
+          </p:nvPr>
+        </p:nvSpPr>
+        <p:spPr>
+          <a:xfrm>
+            <a:off x="113345" y="49258"/>
+            <a:ext cx="10515600" cy="842587"/>
+          </a:xfrm>
+        </p:spPr>
+        <p:txBody>
+          <a:bodyPr/>
+          <a:lstStyle/>
+          <a:p>
+            <a:r>
+              <a:rPr lang="en-GB" baseline="30000" dirty="0"/>
+              <a:t>3rd</a:t>
+            </a:r>
+            <a:r>
+              <a:rPr lang="en-GB" dirty="0"/>
+              <a:t> KNN </a:t>
+            </a:r>
+            <a:r>
+              <a:rPr lang="en-GB" b="1" dirty="0">
+                <a:solidFill>
+                  <a:schemeClr val="accent5"/>
+                </a:solidFill>
+              </a:rPr>
+              <a:t>B0</a:t>
+            </a:r>
+            <a:endParaRPr lang="en-GB" dirty="0"/>
+          </a:p>
+        </p:txBody>
+      </p:sp>
+      <p:sp>
+        <p:nvSpPr>
+          <p:cNvPr id="23" name="Tekstvak 22">
+            <a:extLst>
+              <a:ext uri="{FF2B5EF4-FFF2-40B4-BE49-F238E27FC236}">
+                <a16:creationId xmlns:a16="http://schemas.microsoft.com/office/drawing/2014/main" id="{EE488BC6-E3CD-45F6-A406-C75F8C32DD95}"/>
+              </a:ext>
+            </a:extLst>
+          </p:cNvPr>
+          <p:cNvSpPr txBox="1"/>
+          <p:nvPr/>
+        </p:nvSpPr>
+        <p:spPr>
+          <a:xfrm>
+            <a:off x="113345" y="1270037"/>
+            <a:ext cx="1400610" cy="369332"/>
+          </a:xfrm>
+          <a:prstGeom prst="rect">
+            <a:avLst/>
+          </a:prstGeom>
+          <a:noFill/>
+        </p:spPr>
+        <p:txBody>
+          <a:bodyPr wrap="square" rtlCol="0">
+            <a:spAutoFit/>
+          </a:bodyPr>
+          <a:lstStyle/>
+          <a:p>
+            <a:r>
+              <a:rPr lang="en-GB" b="1" dirty="0">
+                <a:solidFill>
+                  <a:schemeClr val="accent6"/>
+                </a:solidFill>
+              </a:rPr>
+              <a:t>FLOOR </a:t>
+            </a:r>
+          </a:p>
+        </p:txBody>
+      </p:sp>
+      <p:sp>
+        <p:nvSpPr>
+          <p:cNvPr id="3" name="Rechthoek 2">
+            <a:extLst>
+              <a:ext uri="{FF2B5EF4-FFF2-40B4-BE49-F238E27FC236}">
+                <a16:creationId xmlns:a16="http://schemas.microsoft.com/office/drawing/2014/main" id="{5551981A-E6D9-4242-B05A-97C437AA168D}"/>
+              </a:ext>
+            </a:extLst>
+          </p:cNvPr>
+          <p:cNvSpPr/>
+          <p:nvPr/>
+        </p:nvSpPr>
+        <p:spPr>
+          <a:xfrm>
+            <a:off x="7738063" y="2558166"/>
+            <a:ext cx="3931423" cy="3416320"/>
+          </a:xfrm>
+          <a:prstGeom prst="rect">
+            <a:avLst/>
+          </a:prstGeom>
+        </p:spPr>
+        <p:txBody>
+          <a:bodyPr wrap="square">
+            <a:spAutoFit/>
+          </a:bodyPr>
+          <a:lstStyle/>
+          <a:p>
+            <a:r>
+              <a:rPr lang="en-GB" sz="1200" dirty="0">
+                <a:solidFill>
+                  <a:schemeClr val="accent1"/>
+                </a:solidFill>
+              </a:rPr>
+              <a:t>KNNB0Floor Model</a:t>
+            </a:r>
+          </a:p>
+          <a:p>
+            <a:r>
+              <a:rPr lang="en-GB" sz="1200" dirty="0"/>
+              <a:t>k-Nearest </a:t>
+            </a:r>
+            <a:r>
+              <a:rPr lang="en-GB" sz="1200" dirty="0" err="1"/>
+              <a:t>Neighbors</a:t>
+            </a:r>
+            <a:r>
+              <a:rPr lang="en-GB" sz="1200" dirty="0"/>
+              <a:t> </a:t>
+            </a:r>
+          </a:p>
+          <a:p>
+            <a:endParaRPr lang="en-GB" sz="1200" dirty="0"/>
+          </a:p>
+          <a:p>
+            <a:r>
+              <a:rPr lang="en-GB" sz="1200" dirty="0"/>
+              <a:t>3939 samples</a:t>
+            </a:r>
+          </a:p>
+          <a:p>
+            <a:r>
+              <a:rPr lang="en-GB" sz="1200" dirty="0"/>
+              <a:t> 520 predictor</a:t>
+            </a:r>
+          </a:p>
+          <a:p>
+            <a:r>
+              <a:rPr lang="en-GB" sz="1200" dirty="0"/>
+              <a:t>   4 classes: '0', '1', '2', '3' </a:t>
+            </a:r>
+          </a:p>
+          <a:p>
+            <a:endParaRPr lang="en-GB" sz="1200" dirty="0"/>
+          </a:p>
+          <a:p>
+            <a:r>
+              <a:rPr lang="en-GB" sz="1200" dirty="0"/>
+              <a:t>Pre-processing: median imputation (196), remove (324) </a:t>
+            </a:r>
+          </a:p>
+          <a:p>
+            <a:r>
+              <a:rPr lang="en-GB" sz="1200" dirty="0"/>
+              <a:t>Resampling: Cross-Validated (5 fold, repeated 1 times) </a:t>
+            </a:r>
+          </a:p>
+          <a:p>
+            <a:r>
+              <a:rPr lang="en-GB" sz="1200" dirty="0"/>
+              <a:t>Summary of sample sizes: 3151, 3151, 3151, 3152, 3151 </a:t>
+            </a:r>
+          </a:p>
+          <a:p>
+            <a:r>
+              <a:rPr lang="en-GB" sz="1200" dirty="0"/>
+              <a:t>Resampling results across tuning parameters:</a:t>
+            </a:r>
+          </a:p>
+          <a:p>
+            <a:endParaRPr lang="en-GB" sz="1200" dirty="0"/>
+          </a:p>
+          <a:p>
+            <a:r>
+              <a:rPr lang="en-GB" sz="1200" dirty="0"/>
+              <a:t>  </a:t>
+            </a:r>
+            <a:r>
+              <a:rPr lang="en-GB" sz="1200" dirty="0" err="1"/>
+              <a:t>kmax</a:t>
+            </a:r>
+            <a:r>
+              <a:rPr lang="en-GB" sz="1200" dirty="0"/>
+              <a:t>  	Accuracy   	Kappa    </a:t>
+            </a:r>
+          </a:p>
+          <a:p>
+            <a:r>
+              <a:rPr lang="en-GB" sz="1200" dirty="0"/>
+              <a:t>   5    	0.9185105 	0.8910259</a:t>
+            </a:r>
+          </a:p>
+          <a:p>
+            <a:r>
+              <a:rPr lang="en-GB" sz="1200" dirty="0"/>
+              <a:t>   7    	0.9207948  	0.8941163</a:t>
+            </a:r>
+          </a:p>
+          <a:p>
+            <a:r>
+              <a:rPr lang="en-GB" sz="1200" dirty="0"/>
+              <a:t>   9    	0.9218100  	0.8954735</a:t>
+            </a:r>
+          </a:p>
+          <a:p>
+            <a:r>
+              <a:rPr lang="en-GB" sz="1200" dirty="0"/>
+              <a:t>  11    	0.9223176  	0.8961545</a:t>
+            </a:r>
+          </a:p>
+          <a:p>
+            <a:r>
+              <a:rPr lang="en-GB" sz="1200" dirty="0"/>
+              <a:t>  13   	0.9223176  	0.8961545</a:t>
+            </a:r>
+          </a:p>
+        </p:txBody>
+      </p:sp>
+      <p:cxnSp>
+        <p:nvCxnSpPr>
+          <p:cNvPr id="12" name="Rechte verbindingslijn 11">
+            <a:extLst>
+              <a:ext uri="{FF2B5EF4-FFF2-40B4-BE49-F238E27FC236}">
+                <a16:creationId xmlns:a16="http://schemas.microsoft.com/office/drawing/2014/main" id="{6C97441E-2D41-490D-85F6-2FC8D758C33A}"/>
+              </a:ext>
+            </a:extLst>
+          </p:cNvPr>
+          <p:cNvCxnSpPr/>
+          <p:nvPr/>
+        </p:nvCxnSpPr>
+        <p:spPr>
+          <a:xfrm>
+            <a:off x="1710613" y="2779787"/>
+            <a:ext cx="4385387" cy="3620278"/>
+          </a:xfrm>
+          <a:prstGeom prst="line">
+            <a:avLst/>
+          </a:prstGeom>
+          <a:ln w="15875">
+            <a:solidFill>
+              <a:schemeClr val="accent6"/>
+            </a:solidFill>
+            <a:prstDash val="lgDashDot"/>
+          </a:ln>
+        </p:spPr>
+        <p:style>
+          <a:lnRef idx="1">
+            <a:schemeClr val="accent1"/>
+          </a:lnRef>
+          <a:fillRef idx="0">
+            <a:schemeClr val="accent1"/>
+          </a:fillRef>
+          <a:effectRef idx="0">
+            <a:schemeClr val="accent1"/>
+          </a:effectRef>
+          <a:fontRef idx="minor">
+            <a:schemeClr val="tx1"/>
+          </a:fontRef>
+        </p:style>
+      </p:cxnSp>
+      <p:cxnSp>
+        <p:nvCxnSpPr>
+          <p:cNvPr id="13" name="Rechte verbindingslijn 12">
+            <a:extLst>
+              <a:ext uri="{FF2B5EF4-FFF2-40B4-BE49-F238E27FC236}">
+                <a16:creationId xmlns:a16="http://schemas.microsoft.com/office/drawing/2014/main" id="{24AB4145-2F5A-471C-9D2E-D2C49EE5C36F}"/>
+              </a:ext>
+            </a:extLst>
+          </p:cNvPr>
+          <p:cNvCxnSpPr>
+            <a:cxnSpLocks/>
+          </p:cNvCxnSpPr>
+          <p:nvPr/>
+        </p:nvCxnSpPr>
+        <p:spPr>
+          <a:xfrm flipV="1">
+            <a:off x="1469705" y="2927777"/>
+            <a:ext cx="4031409" cy="3324297"/>
+          </a:xfrm>
+          <a:prstGeom prst="line">
+            <a:avLst/>
+          </a:prstGeom>
+          <a:ln w="15875">
+            <a:solidFill>
+              <a:srgbClr val="FF0000"/>
+            </a:solidFill>
+            <a:prstDash val="lgDashDot"/>
+          </a:ln>
+        </p:spPr>
+        <p:style>
+          <a:lnRef idx="1">
+            <a:schemeClr val="accent1"/>
+          </a:lnRef>
+          <a:fillRef idx="0">
+            <a:schemeClr val="accent1"/>
+          </a:fillRef>
+          <a:effectRef idx="0">
+            <a:schemeClr val="accent1"/>
+          </a:effectRef>
+          <a:fontRef idx="minor">
+            <a:schemeClr val="tx1"/>
+          </a:fontRef>
+        </p:style>
+      </p:cxnSp>
+      <p:sp>
+        <p:nvSpPr>
+          <p:cNvPr id="7" name="Rechthoek 6">
+            <a:extLst>
+              <a:ext uri="{FF2B5EF4-FFF2-40B4-BE49-F238E27FC236}">
+                <a16:creationId xmlns:a16="http://schemas.microsoft.com/office/drawing/2014/main" id="{0C4FDAB9-CCBC-4FB9-8ACF-16F5B185A424}"/>
+              </a:ext>
+            </a:extLst>
+          </p:cNvPr>
+          <p:cNvSpPr/>
+          <p:nvPr/>
+        </p:nvSpPr>
+        <p:spPr>
+          <a:xfrm>
+            <a:off x="2783144" y="176181"/>
+            <a:ext cx="3574113" cy="1169551"/>
+          </a:xfrm>
+          <a:prstGeom prst="rect">
+            <a:avLst/>
+          </a:prstGeom>
+        </p:spPr>
+        <p:txBody>
+          <a:bodyPr wrap="square">
+            <a:spAutoFit/>
+          </a:bodyPr>
+          <a:lstStyle/>
+          <a:p>
+            <a:r>
+              <a:rPr lang="en-GB" sz="1000" b="1" dirty="0">
+                <a:solidFill>
+                  <a:schemeClr val="accent1"/>
+                </a:solidFill>
+              </a:rPr>
+              <a:t>kappa_KNNB0Floor Confusion Matrix</a:t>
+            </a:r>
+          </a:p>
+          <a:p>
+            <a:r>
+              <a:rPr lang="en-GB" sz="1000" dirty="0"/>
+              <a:t>            	value      	ASE    	 z </a:t>
+            </a:r>
+            <a:r>
+              <a:rPr lang="en-GB" sz="1000" dirty="0" err="1"/>
+              <a:t>Pr</a:t>
+            </a:r>
+            <a:r>
+              <a:rPr lang="en-GB" sz="1000" dirty="0"/>
+              <a:t>(&gt;|z|)</a:t>
+            </a:r>
+          </a:p>
+          <a:p>
+            <a:r>
+              <a:rPr lang="en-GB" sz="1000" dirty="0"/>
+              <a:t>Unweighted 	0.8833 	0.010453  84.5 	0</a:t>
+            </a:r>
+          </a:p>
+          <a:p>
+            <a:r>
+              <a:rPr lang="en-GB" sz="1000" dirty="0"/>
+              <a:t>Weighted   	0.9242 	0.007019 131.7    0</a:t>
+            </a:r>
+          </a:p>
+          <a:p>
+            <a:endParaRPr lang="en-GB" sz="1000" dirty="0"/>
+          </a:p>
+          <a:p>
+            <a:r>
+              <a:rPr lang="en-US" sz="1000" b="1" dirty="0">
+                <a:solidFill>
+                  <a:schemeClr val="accent6"/>
+                </a:solidFill>
+              </a:rPr>
+              <a:t>Accuracy</a:t>
+            </a:r>
+            <a:r>
+              <a:rPr lang="en-US" sz="1000" dirty="0"/>
+              <a:t>	</a:t>
+            </a:r>
+            <a:r>
+              <a:rPr lang="en-US" sz="1000" dirty="0">
+                <a:solidFill>
+                  <a:srgbClr val="FF0000"/>
+                </a:solidFill>
+              </a:rPr>
+              <a:t>32.25558</a:t>
+            </a:r>
+          </a:p>
+          <a:p>
+            <a:endParaRPr lang="en-GB" sz="1000" dirty="0"/>
+          </a:p>
+        </p:txBody>
+      </p:sp>
+      <p:sp>
+        <p:nvSpPr>
+          <p:cNvPr id="22" name="Tekstvak 21">
+            <a:extLst>
+              <a:ext uri="{FF2B5EF4-FFF2-40B4-BE49-F238E27FC236}">
+                <a16:creationId xmlns:a16="http://schemas.microsoft.com/office/drawing/2014/main" id="{10E0DBD8-85A8-4541-B344-F58906144035}"/>
+              </a:ext>
+            </a:extLst>
+          </p:cNvPr>
+          <p:cNvSpPr txBox="1"/>
+          <p:nvPr/>
+        </p:nvSpPr>
+        <p:spPr>
+          <a:xfrm>
+            <a:off x="6256354" y="530124"/>
+            <a:ext cx="5822301" cy="1277273"/>
+          </a:xfrm>
+          <a:prstGeom prst="rect">
+            <a:avLst/>
+          </a:prstGeom>
+          <a:noFill/>
+        </p:spPr>
+        <p:txBody>
+          <a:bodyPr wrap="square" rtlCol="0">
+            <a:spAutoFit/>
+          </a:bodyPr>
+          <a:lstStyle/>
+          <a:p>
+            <a:r>
+              <a:rPr lang="en-GB" sz="1100" b="1" dirty="0">
+                <a:solidFill>
+                  <a:schemeClr val="accent1"/>
+                </a:solidFill>
+              </a:rPr>
+              <a:t>In Building 0</a:t>
+            </a:r>
+          </a:p>
+          <a:p>
+            <a:r>
+              <a:rPr lang="en-GB" sz="1100" b="1" dirty="0">
+                <a:solidFill>
+                  <a:schemeClr val="accent6"/>
+                </a:solidFill>
+              </a:rPr>
+              <a:t>	259 </a:t>
+            </a:r>
+            <a:r>
+              <a:rPr lang="en-GB" sz="1100" dirty="0">
+                <a:solidFill>
+                  <a:schemeClr val="accent6"/>
+                </a:solidFill>
+              </a:rPr>
+              <a:t>predictions for floor 0 were True Positives</a:t>
+            </a:r>
+          </a:p>
+          <a:p>
+            <a:r>
+              <a:rPr lang="en-GB" sz="1100" b="1" dirty="0">
+                <a:solidFill>
+                  <a:schemeClr val="accent6"/>
+                </a:solidFill>
+              </a:rPr>
+              <a:t>	337 </a:t>
+            </a:r>
+            <a:r>
+              <a:rPr lang="en-GB" sz="1100" dirty="0">
+                <a:solidFill>
+                  <a:schemeClr val="accent6"/>
+                </a:solidFill>
+              </a:rPr>
+              <a:t>predictions for floor 1 were True Positives</a:t>
+            </a:r>
+          </a:p>
+          <a:p>
+            <a:r>
+              <a:rPr lang="en-GB" sz="1100" b="1" dirty="0">
+                <a:solidFill>
+                  <a:schemeClr val="accent6"/>
+                </a:solidFill>
+              </a:rPr>
+              <a:t>	348</a:t>
+            </a:r>
+            <a:r>
+              <a:rPr lang="en-GB" sz="1100" dirty="0">
+                <a:solidFill>
+                  <a:schemeClr val="accent6"/>
+                </a:solidFill>
+              </a:rPr>
+              <a:t> predictions for floor 2 were True Positives</a:t>
+            </a:r>
+          </a:p>
+          <a:p>
+            <a:r>
+              <a:rPr lang="en-GB" sz="1100" b="1" dirty="0">
+                <a:solidFill>
+                  <a:schemeClr val="accent6"/>
+                </a:solidFill>
+              </a:rPr>
+              <a:t>	325 </a:t>
+            </a:r>
+            <a:r>
+              <a:rPr lang="en-GB" sz="1100" dirty="0">
+                <a:solidFill>
+                  <a:schemeClr val="accent6"/>
+                </a:solidFill>
+              </a:rPr>
+              <a:t>predictions for floor 3 were True Positives</a:t>
+            </a:r>
+          </a:p>
+          <a:p>
+            <a:endParaRPr lang="en-GB" sz="1100" dirty="0">
+              <a:solidFill>
+                <a:schemeClr val="accent6"/>
+              </a:solidFill>
+            </a:endParaRPr>
+          </a:p>
+          <a:p>
+            <a:r>
+              <a:rPr lang="en-GB" sz="1100" dirty="0">
+                <a:solidFill>
+                  <a:schemeClr val="accent2"/>
+                </a:solidFill>
+              </a:rPr>
+              <a:t>In  </a:t>
+            </a:r>
+            <a:r>
+              <a:rPr lang="en-GB" sz="1100" b="1" u="sng" dirty="0">
+                <a:solidFill>
+                  <a:srgbClr val="FF0000"/>
+                </a:solidFill>
+              </a:rPr>
+              <a:t>9 cases floor 2 was misidentified as 3</a:t>
+            </a:r>
+          </a:p>
+        </p:txBody>
+      </p:sp>
+    </p:spTree>
+    <p:extLst>
+      <p:ext uri="{BB962C8B-B14F-4D97-AF65-F5344CB8AC3E}">
+        <p14:creationId xmlns:p14="http://schemas.microsoft.com/office/powerpoint/2010/main" val="448239436"/>
+      </p:ext>
+    </p:extLst>
+  </p:cSld>
+  <p:clrMapOvr>
+    <a:masterClrMapping/>
+  </p:clrMapOvr>
+</p:sld>
+</file>
+
 <file path=ppt/slides/slide4.xml><?xml version="1.0" encoding="utf-8"?>
 <p:sld xmlns:a="http://schemas.openxmlformats.org/drawingml/2006/main" xmlns:r="http://schemas.openxmlformats.org/officeDocument/2006/relationships" xmlns:p="http://schemas.openxmlformats.org/presentationml/2006/main">
   <p:cSld>
@@ -22758,6 +23576,5010 @@
     <p:extLst>
       <p:ext uri="{BB962C8B-B14F-4D97-AF65-F5344CB8AC3E}">
         <p14:creationId xmlns:p14="http://schemas.microsoft.com/office/powerpoint/2010/main" val="388378272"/>
+      </p:ext>
+    </p:extLst>
+  </p:cSld>
+  <p:clrMapOvr>
+    <a:masterClrMapping/>
+  </p:clrMapOvr>
+</p:sld>
+</file>
+
+<file path=ppt/slides/slide40.xml><?xml version="1.0" encoding="utf-8"?>
+<p:sld xmlns:a="http://schemas.openxmlformats.org/drawingml/2006/main" xmlns:r="http://schemas.openxmlformats.org/officeDocument/2006/relationships" xmlns:p="http://schemas.openxmlformats.org/presentationml/2006/main">
+  <p:cSld>
+    <p:spTree>
+      <p:nvGrpSpPr>
+        <p:cNvPr id="1" name=""/>
+        <p:cNvGrpSpPr/>
+        <p:nvPr/>
+      </p:nvGrpSpPr>
+      <p:grpSpPr>
+        <a:xfrm>
+          <a:off x="0" y="0"/>
+          <a:ext cx="0" cy="0"/>
+          <a:chOff x="0" y="0"/>
+          <a:chExt cx="0" cy="0"/>
+        </a:xfrm>
+      </p:grpSpPr>
+      <p:pic>
+        <p:nvPicPr>
+          <p:cNvPr id="6" name="Afbeelding 5">
+            <a:extLst>
+              <a:ext uri="{FF2B5EF4-FFF2-40B4-BE49-F238E27FC236}">
+                <a16:creationId xmlns:a16="http://schemas.microsoft.com/office/drawing/2014/main" id="{F9761691-0FE2-4201-AE3A-FF677E231DD9}"/>
+              </a:ext>
+            </a:extLst>
+          </p:cNvPr>
+          <p:cNvPicPr>
+            <a:picLocks noChangeAspect="1"/>
+          </p:cNvPicPr>
+          <p:nvPr/>
+        </p:nvPicPr>
+        <p:blipFill>
+          <a:blip r:embed="rId2"/>
+          <a:stretch>
+            <a:fillRect/>
+          </a:stretch>
+        </p:blipFill>
+        <p:spPr>
+          <a:xfrm>
+            <a:off x="401592" y="1962150"/>
+            <a:ext cx="6238875" cy="4895850"/>
+          </a:xfrm>
+          <a:prstGeom prst="rect">
+            <a:avLst/>
+          </a:prstGeom>
+        </p:spPr>
+      </p:pic>
+      <p:sp>
+        <p:nvSpPr>
+          <p:cNvPr id="2" name="Titel 1">
+            <a:extLst>
+              <a:ext uri="{FF2B5EF4-FFF2-40B4-BE49-F238E27FC236}">
+                <a16:creationId xmlns:a16="http://schemas.microsoft.com/office/drawing/2014/main" id="{ECE4FA4E-54FC-4D95-B397-36B00736E710}"/>
+              </a:ext>
+            </a:extLst>
+          </p:cNvPr>
+          <p:cNvSpPr>
+            <a:spLocks noGrp="1"/>
+          </p:cNvSpPr>
+          <p:nvPr>
+            <p:ph type="title"/>
+          </p:nvPr>
+        </p:nvSpPr>
+        <p:spPr>
+          <a:xfrm>
+            <a:off x="140983" y="82432"/>
+            <a:ext cx="10515600" cy="842587"/>
+          </a:xfrm>
+        </p:spPr>
+        <p:txBody>
+          <a:bodyPr/>
+          <a:lstStyle/>
+          <a:p>
+            <a:r>
+              <a:rPr lang="en-GB" baseline="30000" dirty="0"/>
+              <a:t>3rd</a:t>
+            </a:r>
+            <a:r>
+              <a:rPr lang="en-GB" dirty="0"/>
+              <a:t> KNN </a:t>
+            </a:r>
+            <a:r>
+              <a:rPr lang="en-GB" b="1" dirty="0">
+                <a:solidFill>
+                  <a:schemeClr val="accent5"/>
+                </a:solidFill>
+              </a:rPr>
+              <a:t>B1</a:t>
+            </a:r>
+            <a:endParaRPr lang="en-GB" dirty="0"/>
+          </a:p>
+        </p:txBody>
+      </p:sp>
+      <p:sp>
+        <p:nvSpPr>
+          <p:cNvPr id="22" name="Tekstvak 21">
+            <a:extLst>
+              <a:ext uri="{FF2B5EF4-FFF2-40B4-BE49-F238E27FC236}">
+                <a16:creationId xmlns:a16="http://schemas.microsoft.com/office/drawing/2014/main" id="{10E0DBD8-85A8-4541-B344-F58906144035}"/>
+              </a:ext>
+            </a:extLst>
+          </p:cNvPr>
+          <p:cNvSpPr txBox="1"/>
+          <p:nvPr/>
+        </p:nvSpPr>
+        <p:spPr>
+          <a:xfrm>
+            <a:off x="6433903" y="115338"/>
+            <a:ext cx="5758096" cy="938719"/>
+          </a:xfrm>
+          <a:prstGeom prst="rect">
+            <a:avLst/>
+          </a:prstGeom>
+          <a:noFill/>
+        </p:spPr>
+        <p:txBody>
+          <a:bodyPr wrap="square" rtlCol="0">
+            <a:spAutoFit/>
+          </a:bodyPr>
+          <a:lstStyle/>
+          <a:p>
+            <a:r>
+              <a:rPr lang="en-GB" sz="1100" b="1" dirty="0">
+                <a:solidFill>
+                  <a:schemeClr val="accent1"/>
+                </a:solidFill>
+              </a:rPr>
+              <a:t>In Building 1</a:t>
+            </a:r>
+          </a:p>
+          <a:p>
+            <a:r>
+              <a:rPr lang="en-GB" sz="1100" b="1" dirty="0">
+                <a:solidFill>
+                  <a:schemeClr val="accent6"/>
+                </a:solidFill>
+              </a:rPr>
+              <a:t>	338 </a:t>
+            </a:r>
+            <a:r>
+              <a:rPr lang="en-GB" sz="1100" dirty="0">
+                <a:solidFill>
+                  <a:schemeClr val="accent6"/>
+                </a:solidFill>
+              </a:rPr>
+              <a:t>predictions for floor 0 were True Positives</a:t>
+            </a:r>
+          </a:p>
+          <a:p>
+            <a:r>
+              <a:rPr lang="en-GB" sz="1100" b="1" dirty="0">
+                <a:solidFill>
+                  <a:schemeClr val="accent6"/>
+                </a:solidFill>
+              </a:rPr>
+              <a:t>	369</a:t>
+            </a:r>
+            <a:r>
+              <a:rPr lang="en-GB" sz="1100" dirty="0">
+                <a:solidFill>
+                  <a:schemeClr val="accent6"/>
+                </a:solidFill>
+              </a:rPr>
+              <a:t>predictions for floor 1 were True Positives</a:t>
+            </a:r>
+          </a:p>
+          <a:p>
+            <a:r>
+              <a:rPr lang="en-GB" sz="1100" b="1" dirty="0">
+                <a:solidFill>
+                  <a:schemeClr val="accent6"/>
+                </a:solidFill>
+              </a:rPr>
+              <a:t>	346</a:t>
+            </a:r>
+            <a:r>
+              <a:rPr lang="en-GB" sz="1100" dirty="0">
+                <a:solidFill>
+                  <a:schemeClr val="accent6"/>
+                </a:solidFill>
+              </a:rPr>
+              <a:t> predictions for floor 2 were True Positives</a:t>
+            </a:r>
+          </a:p>
+          <a:p>
+            <a:r>
+              <a:rPr lang="en-GB" sz="1100" b="1">
+                <a:solidFill>
+                  <a:schemeClr val="accent6"/>
+                </a:solidFill>
+              </a:rPr>
+              <a:t>	223 </a:t>
+            </a:r>
+            <a:r>
+              <a:rPr lang="en-GB" sz="1100" dirty="0">
+                <a:solidFill>
+                  <a:schemeClr val="accent6"/>
+                </a:solidFill>
+              </a:rPr>
+              <a:t>predictions for floor 3 were True Positives</a:t>
+            </a:r>
+          </a:p>
+        </p:txBody>
+      </p:sp>
+      <p:sp>
+        <p:nvSpPr>
+          <p:cNvPr id="20" name="Tekstvak 19">
+            <a:extLst>
+              <a:ext uri="{FF2B5EF4-FFF2-40B4-BE49-F238E27FC236}">
+                <a16:creationId xmlns:a16="http://schemas.microsoft.com/office/drawing/2014/main" id="{55836D54-2DA1-4B42-BA0C-82E4964DE566}"/>
+              </a:ext>
+            </a:extLst>
+          </p:cNvPr>
+          <p:cNvSpPr txBox="1"/>
+          <p:nvPr/>
+        </p:nvSpPr>
+        <p:spPr>
+          <a:xfrm>
+            <a:off x="88500" y="925019"/>
+            <a:ext cx="1400610" cy="369332"/>
+          </a:xfrm>
+          <a:prstGeom prst="rect">
+            <a:avLst/>
+          </a:prstGeom>
+          <a:noFill/>
+        </p:spPr>
+        <p:txBody>
+          <a:bodyPr wrap="square" rtlCol="0">
+            <a:spAutoFit/>
+          </a:bodyPr>
+          <a:lstStyle/>
+          <a:p>
+            <a:r>
+              <a:rPr lang="en-GB" b="1" dirty="0">
+                <a:solidFill>
+                  <a:schemeClr val="accent6"/>
+                </a:solidFill>
+              </a:rPr>
+              <a:t>FLOOR </a:t>
+            </a:r>
+          </a:p>
+        </p:txBody>
+      </p:sp>
+      <p:cxnSp>
+        <p:nvCxnSpPr>
+          <p:cNvPr id="12" name="Rechte verbindingslijn 11">
+            <a:extLst>
+              <a:ext uri="{FF2B5EF4-FFF2-40B4-BE49-F238E27FC236}">
+                <a16:creationId xmlns:a16="http://schemas.microsoft.com/office/drawing/2014/main" id="{6C97441E-2D41-490D-85F6-2FC8D758C33A}"/>
+              </a:ext>
+            </a:extLst>
+          </p:cNvPr>
+          <p:cNvCxnSpPr/>
+          <p:nvPr/>
+        </p:nvCxnSpPr>
+        <p:spPr>
+          <a:xfrm>
+            <a:off x="1795167" y="2842993"/>
+            <a:ext cx="4385387" cy="3620278"/>
+          </a:xfrm>
+          <a:prstGeom prst="line">
+            <a:avLst/>
+          </a:prstGeom>
+          <a:ln w="15875">
+            <a:solidFill>
+              <a:schemeClr val="accent6"/>
+            </a:solidFill>
+            <a:prstDash val="lgDashDot"/>
+          </a:ln>
+        </p:spPr>
+        <p:style>
+          <a:lnRef idx="1">
+            <a:schemeClr val="accent1"/>
+          </a:lnRef>
+          <a:fillRef idx="0">
+            <a:schemeClr val="accent1"/>
+          </a:fillRef>
+          <a:effectRef idx="0">
+            <a:schemeClr val="accent1"/>
+          </a:effectRef>
+          <a:fontRef idx="minor">
+            <a:schemeClr val="tx1"/>
+          </a:fontRef>
+        </p:style>
+      </p:cxnSp>
+      <p:cxnSp>
+        <p:nvCxnSpPr>
+          <p:cNvPr id="13" name="Rechte verbindingslijn 12">
+            <a:extLst>
+              <a:ext uri="{FF2B5EF4-FFF2-40B4-BE49-F238E27FC236}">
+                <a16:creationId xmlns:a16="http://schemas.microsoft.com/office/drawing/2014/main" id="{24AB4145-2F5A-471C-9D2E-D2C49EE5C36F}"/>
+              </a:ext>
+            </a:extLst>
+          </p:cNvPr>
+          <p:cNvCxnSpPr>
+            <a:cxnSpLocks/>
+          </p:cNvCxnSpPr>
+          <p:nvPr/>
+        </p:nvCxnSpPr>
+        <p:spPr>
+          <a:xfrm flipV="1">
+            <a:off x="1644211" y="2990984"/>
+            <a:ext cx="4031409" cy="3324297"/>
+          </a:xfrm>
+          <a:prstGeom prst="line">
+            <a:avLst/>
+          </a:prstGeom>
+          <a:ln w="15875">
+            <a:solidFill>
+              <a:srgbClr val="FF0000"/>
+            </a:solidFill>
+            <a:prstDash val="lgDashDot"/>
+          </a:ln>
+        </p:spPr>
+        <p:style>
+          <a:lnRef idx="1">
+            <a:schemeClr val="accent1"/>
+          </a:lnRef>
+          <a:fillRef idx="0">
+            <a:schemeClr val="accent1"/>
+          </a:fillRef>
+          <a:effectRef idx="0">
+            <a:schemeClr val="accent1"/>
+          </a:effectRef>
+          <a:fontRef idx="minor">
+            <a:schemeClr val="tx1"/>
+          </a:fontRef>
+        </p:style>
+      </p:cxnSp>
+      <p:sp>
+        <p:nvSpPr>
+          <p:cNvPr id="25" name="Rechthoek 24">
+            <a:extLst>
+              <a:ext uri="{FF2B5EF4-FFF2-40B4-BE49-F238E27FC236}">
+                <a16:creationId xmlns:a16="http://schemas.microsoft.com/office/drawing/2014/main" id="{8D2E6E0B-588B-4B6C-96A0-DB74001F4882}"/>
+              </a:ext>
+            </a:extLst>
+          </p:cNvPr>
+          <p:cNvSpPr/>
+          <p:nvPr/>
+        </p:nvSpPr>
+        <p:spPr>
+          <a:xfrm>
+            <a:off x="2713343" y="115338"/>
+            <a:ext cx="3574113" cy="1015663"/>
+          </a:xfrm>
+          <a:prstGeom prst="rect">
+            <a:avLst/>
+          </a:prstGeom>
+        </p:spPr>
+        <p:txBody>
+          <a:bodyPr wrap="square">
+            <a:spAutoFit/>
+          </a:bodyPr>
+          <a:lstStyle/>
+          <a:p>
+            <a:r>
+              <a:rPr lang="en-GB" sz="1000" b="1" dirty="0">
+                <a:solidFill>
+                  <a:schemeClr val="accent1"/>
+                </a:solidFill>
+              </a:rPr>
+              <a:t>kappa_KNNB1Floor Confusion Matrix</a:t>
+            </a:r>
+          </a:p>
+          <a:p>
+            <a:pPr lvl="2"/>
+            <a:r>
+              <a:rPr lang="en-US" sz="1000" dirty="0"/>
+              <a:t> value     	ASE     	 z  </a:t>
+            </a:r>
+            <a:r>
+              <a:rPr lang="en-US" sz="1000" dirty="0" err="1"/>
+              <a:t>Pr</a:t>
+            </a:r>
+            <a:r>
+              <a:rPr lang="en-US" sz="1000" dirty="0"/>
+              <a:t>(&gt;|z|)</a:t>
+            </a:r>
+          </a:p>
+          <a:p>
+            <a:r>
+              <a:rPr lang="en-US" sz="1000" dirty="0"/>
+              <a:t>Unweighted 	0.08894	0.01225  7.258 	3.915e-13</a:t>
+            </a:r>
+          </a:p>
+          <a:p>
+            <a:r>
+              <a:rPr lang="en-US" sz="1000" dirty="0"/>
+              <a:t>Weighted   	0.15751 	0.01364 11.548 	7.518e-31</a:t>
+            </a:r>
+          </a:p>
+          <a:p>
+            <a:endParaRPr lang="en-US" sz="1000" dirty="0"/>
+          </a:p>
+          <a:p>
+            <a:r>
+              <a:rPr lang="en-US" sz="1000" b="1" dirty="0">
+                <a:solidFill>
+                  <a:schemeClr val="accent6"/>
+                </a:solidFill>
+              </a:rPr>
+              <a:t>Accuracy	</a:t>
+            </a:r>
+            <a:endParaRPr lang="en-GB" sz="1000" b="1" dirty="0">
+              <a:solidFill>
+                <a:schemeClr val="accent6"/>
+              </a:solidFill>
+            </a:endParaRPr>
+          </a:p>
+        </p:txBody>
+      </p:sp>
+      <p:pic>
+        <p:nvPicPr>
+          <p:cNvPr id="3" name="Afbeelding 2">
+            <a:extLst>
+              <a:ext uri="{FF2B5EF4-FFF2-40B4-BE49-F238E27FC236}">
+                <a16:creationId xmlns:a16="http://schemas.microsoft.com/office/drawing/2014/main" id="{25A48F5A-D10E-49DA-A766-C1CFA2CB85C2}"/>
+              </a:ext>
+            </a:extLst>
+          </p:cNvPr>
+          <p:cNvPicPr>
+            <a:picLocks noChangeAspect="1"/>
+          </p:cNvPicPr>
+          <p:nvPr/>
+        </p:nvPicPr>
+        <p:blipFill>
+          <a:blip r:embed="rId3"/>
+          <a:stretch>
+            <a:fillRect/>
+          </a:stretch>
+        </p:blipFill>
+        <p:spPr>
+          <a:xfrm>
+            <a:off x="7422238" y="3448256"/>
+            <a:ext cx="3781425" cy="2867025"/>
+          </a:xfrm>
+          <a:prstGeom prst="rect">
+            <a:avLst/>
+          </a:prstGeom>
+        </p:spPr>
+      </p:pic>
+    </p:spTree>
+    <p:extLst>
+      <p:ext uri="{BB962C8B-B14F-4D97-AF65-F5344CB8AC3E}">
+        <p14:creationId xmlns:p14="http://schemas.microsoft.com/office/powerpoint/2010/main" val="2565620882"/>
+      </p:ext>
+    </p:extLst>
+  </p:cSld>
+  <p:clrMapOvr>
+    <a:masterClrMapping/>
+  </p:clrMapOvr>
+</p:sld>
+</file>
+
+<file path=ppt/slides/slide41.xml><?xml version="1.0" encoding="utf-8"?>
+<p:sld xmlns:a="http://schemas.openxmlformats.org/drawingml/2006/main" xmlns:r="http://schemas.openxmlformats.org/officeDocument/2006/relationships" xmlns:p="http://schemas.openxmlformats.org/presentationml/2006/main">
+  <p:cSld>
+    <p:spTree>
+      <p:nvGrpSpPr>
+        <p:cNvPr id="1" name=""/>
+        <p:cNvGrpSpPr/>
+        <p:nvPr/>
+      </p:nvGrpSpPr>
+      <p:grpSpPr>
+        <a:xfrm>
+          <a:off x="0" y="0"/>
+          <a:ext cx="0" cy="0"/>
+          <a:chOff x="0" y="0"/>
+          <a:chExt cx="0" cy="0"/>
+        </a:xfrm>
+      </p:grpSpPr>
+      <p:pic>
+        <p:nvPicPr>
+          <p:cNvPr id="5" name="Afbeelding 4">
+            <a:extLst>
+              <a:ext uri="{FF2B5EF4-FFF2-40B4-BE49-F238E27FC236}">
+                <a16:creationId xmlns:a16="http://schemas.microsoft.com/office/drawing/2014/main" id="{32A30E58-95AF-407A-A7E2-2F3A905B636E}"/>
+              </a:ext>
+            </a:extLst>
+          </p:cNvPr>
+          <p:cNvPicPr>
+            <a:picLocks noChangeAspect="1"/>
+          </p:cNvPicPr>
+          <p:nvPr/>
+        </p:nvPicPr>
+        <p:blipFill>
+          <a:blip r:embed="rId2"/>
+          <a:stretch>
+            <a:fillRect/>
+          </a:stretch>
+        </p:blipFill>
+        <p:spPr>
+          <a:xfrm>
+            <a:off x="144668" y="1815604"/>
+            <a:ext cx="6155463" cy="4776065"/>
+          </a:xfrm>
+          <a:prstGeom prst="rect">
+            <a:avLst/>
+          </a:prstGeom>
+        </p:spPr>
+      </p:pic>
+      <p:sp>
+        <p:nvSpPr>
+          <p:cNvPr id="2" name="Titel 1">
+            <a:extLst>
+              <a:ext uri="{FF2B5EF4-FFF2-40B4-BE49-F238E27FC236}">
+                <a16:creationId xmlns:a16="http://schemas.microsoft.com/office/drawing/2014/main" id="{ECE4FA4E-54FC-4D95-B397-36B00736E710}"/>
+              </a:ext>
+            </a:extLst>
+          </p:cNvPr>
+          <p:cNvSpPr>
+            <a:spLocks noGrp="1"/>
+          </p:cNvSpPr>
+          <p:nvPr>
+            <p:ph type="title"/>
+          </p:nvPr>
+        </p:nvSpPr>
+        <p:spPr>
+          <a:xfrm>
+            <a:off x="140983" y="82432"/>
+            <a:ext cx="10515600" cy="842587"/>
+          </a:xfrm>
+        </p:spPr>
+        <p:txBody>
+          <a:bodyPr/>
+          <a:lstStyle/>
+          <a:p>
+            <a:r>
+              <a:rPr lang="en-GB" baseline="30000" dirty="0"/>
+              <a:t>3rd</a:t>
+            </a:r>
+            <a:r>
+              <a:rPr lang="en-GB" dirty="0"/>
+              <a:t> KNN </a:t>
+            </a:r>
+            <a:r>
+              <a:rPr lang="en-GB" b="1" dirty="0">
+                <a:solidFill>
+                  <a:schemeClr val="accent5"/>
+                </a:solidFill>
+              </a:rPr>
+              <a:t>B2</a:t>
+            </a:r>
+            <a:endParaRPr lang="en-GB" dirty="0"/>
+          </a:p>
+        </p:txBody>
+      </p:sp>
+      <p:sp>
+        <p:nvSpPr>
+          <p:cNvPr id="20" name="Tekstvak 19">
+            <a:extLst>
+              <a:ext uri="{FF2B5EF4-FFF2-40B4-BE49-F238E27FC236}">
+                <a16:creationId xmlns:a16="http://schemas.microsoft.com/office/drawing/2014/main" id="{57E3EC66-A77E-45AD-B891-1BBE670BFBEF}"/>
+              </a:ext>
+            </a:extLst>
+          </p:cNvPr>
+          <p:cNvSpPr txBox="1"/>
+          <p:nvPr/>
+        </p:nvSpPr>
+        <p:spPr>
+          <a:xfrm>
+            <a:off x="88500" y="925019"/>
+            <a:ext cx="1400610" cy="369332"/>
+          </a:xfrm>
+          <a:prstGeom prst="rect">
+            <a:avLst/>
+          </a:prstGeom>
+          <a:noFill/>
+        </p:spPr>
+        <p:txBody>
+          <a:bodyPr wrap="square" rtlCol="0">
+            <a:spAutoFit/>
+          </a:bodyPr>
+          <a:lstStyle/>
+          <a:p>
+            <a:r>
+              <a:rPr lang="en-GB" b="1" dirty="0">
+                <a:solidFill>
+                  <a:schemeClr val="accent6"/>
+                </a:solidFill>
+              </a:rPr>
+              <a:t>FLOOR </a:t>
+            </a:r>
+          </a:p>
+        </p:txBody>
+      </p:sp>
+      <p:cxnSp>
+        <p:nvCxnSpPr>
+          <p:cNvPr id="12" name="Rechte verbindingslijn 11">
+            <a:extLst>
+              <a:ext uri="{FF2B5EF4-FFF2-40B4-BE49-F238E27FC236}">
+                <a16:creationId xmlns:a16="http://schemas.microsoft.com/office/drawing/2014/main" id="{6C97441E-2D41-490D-85F6-2FC8D758C33A}"/>
+              </a:ext>
+            </a:extLst>
+          </p:cNvPr>
+          <p:cNvCxnSpPr/>
+          <p:nvPr/>
+        </p:nvCxnSpPr>
+        <p:spPr>
+          <a:xfrm>
+            <a:off x="1193911" y="2434960"/>
+            <a:ext cx="4385387" cy="3620278"/>
+          </a:xfrm>
+          <a:prstGeom prst="line">
+            <a:avLst/>
+          </a:prstGeom>
+          <a:ln w="15875">
+            <a:solidFill>
+              <a:schemeClr val="accent6"/>
+            </a:solidFill>
+            <a:prstDash val="lgDashDot"/>
+          </a:ln>
+        </p:spPr>
+        <p:style>
+          <a:lnRef idx="1">
+            <a:schemeClr val="accent1"/>
+          </a:lnRef>
+          <a:fillRef idx="0">
+            <a:schemeClr val="accent1"/>
+          </a:fillRef>
+          <a:effectRef idx="0">
+            <a:schemeClr val="accent1"/>
+          </a:effectRef>
+          <a:fontRef idx="minor">
+            <a:schemeClr val="tx1"/>
+          </a:fontRef>
+        </p:style>
+      </p:cxnSp>
+      <p:cxnSp>
+        <p:nvCxnSpPr>
+          <p:cNvPr id="13" name="Rechte verbindingslijn 12">
+            <a:extLst>
+              <a:ext uri="{FF2B5EF4-FFF2-40B4-BE49-F238E27FC236}">
+                <a16:creationId xmlns:a16="http://schemas.microsoft.com/office/drawing/2014/main" id="{24AB4145-2F5A-471C-9D2E-D2C49EE5C36F}"/>
+              </a:ext>
+            </a:extLst>
+          </p:cNvPr>
+          <p:cNvCxnSpPr>
+            <a:cxnSpLocks/>
+          </p:cNvCxnSpPr>
+          <p:nvPr/>
+        </p:nvCxnSpPr>
+        <p:spPr>
+          <a:xfrm flipV="1">
+            <a:off x="1367374" y="2708175"/>
+            <a:ext cx="4031409" cy="3324297"/>
+          </a:xfrm>
+          <a:prstGeom prst="line">
+            <a:avLst/>
+          </a:prstGeom>
+          <a:ln w="15875">
+            <a:solidFill>
+              <a:srgbClr val="FF0000"/>
+            </a:solidFill>
+            <a:prstDash val="lgDashDot"/>
+          </a:ln>
+        </p:spPr>
+        <p:style>
+          <a:lnRef idx="1">
+            <a:schemeClr val="accent1"/>
+          </a:lnRef>
+          <a:fillRef idx="0">
+            <a:schemeClr val="accent1"/>
+          </a:fillRef>
+          <a:effectRef idx="0">
+            <a:schemeClr val="accent1"/>
+          </a:effectRef>
+          <a:fontRef idx="minor">
+            <a:schemeClr val="tx1"/>
+          </a:fontRef>
+        </p:style>
+      </p:cxnSp>
+      <p:sp>
+        <p:nvSpPr>
+          <p:cNvPr id="6" name="Rechthoek 5">
+            <a:extLst>
+              <a:ext uri="{FF2B5EF4-FFF2-40B4-BE49-F238E27FC236}">
+                <a16:creationId xmlns:a16="http://schemas.microsoft.com/office/drawing/2014/main" id="{FD5A9D77-5CC7-47E5-B4B5-ECBCE4404D66}"/>
+              </a:ext>
+            </a:extLst>
+          </p:cNvPr>
+          <p:cNvSpPr/>
+          <p:nvPr/>
+        </p:nvSpPr>
+        <p:spPr>
+          <a:xfrm>
+            <a:off x="7326855" y="2662164"/>
+            <a:ext cx="4443383" cy="3416320"/>
+          </a:xfrm>
+          <a:prstGeom prst="rect">
+            <a:avLst/>
+          </a:prstGeom>
+        </p:spPr>
+        <p:txBody>
+          <a:bodyPr wrap="square">
+            <a:spAutoFit/>
+          </a:bodyPr>
+          <a:lstStyle/>
+          <a:p>
+            <a:r>
+              <a:rPr lang="en-GB" sz="1200" dirty="0">
+                <a:solidFill>
+                  <a:schemeClr val="accent1"/>
+                </a:solidFill>
+              </a:rPr>
+              <a:t>KNNB2Floor Model</a:t>
+            </a:r>
+          </a:p>
+          <a:p>
+            <a:r>
+              <a:rPr lang="en-GB" sz="1200" dirty="0"/>
+              <a:t>k-Nearest </a:t>
+            </a:r>
+            <a:r>
+              <a:rPr lang="en-GB" sz="1200" dirty="0" err="1"/>
+              <a:t>Neighbors</a:t>
+            </a:r>
+            <a:r>
+              <a:rPr lang="en-GB" sz="1200" dirty="0"/>
+              <a:t> </a:t>
+            </a:r>
+          </a:p>
+          <a:p>
+            <a:endParaRPr lang="en-GB" sz="1200" dirty="0"/>
+          </a:p>
+          <a:p>
+            <a:r>
+              <a:rPr lang="en-GB" sz="1200" dirty="0"/>
+              <a:t>7120 samples</a:t>
+            </a:r>
+          </a:p>
+          <a:p>
+            <a:r>
+              <a:rPr lang="en-GB" sz="1200" dirty="0"/>
+              <a:t> 520 predictor</a:t>
+            </a:r>
+          </a:p>
+          <a:p>
+            <a:r>
+              <a:rPr lang="en-GB" sz="1200" dirty="0"/>
+              <a:t>   5 classes: '0', '1', '2', '3', '4' </a:t>
+            </a:r>
+          </a:p>
+          <a:p>
+            <a:endParaRPr lang="en-GB" sz="1200" dirty="0"/>
+          </a:p>
+          <a:p>
+            <a:r>
+              <a:rPr lang="en-GB" sz="1200" dirty="0"/>
+              <a:t>Pre-processing: median imputation (201), remove (319) </a:t>
+            </a:r>
+          </a:p>
+          <a:p>
+            <a:r>
+              <a:rPr lang="en-GB" sz="1200" dirty="0"/>
+              <a:t>Resampling: Cross-Validated (5 fold, repeated 1 times) </a:t>
+            </a:r>
+          </a:p>
+          <a:p>
+            <a:r>
+              <a:rPr lang="en-GB" sz="1200" dirty="0"/>
+              <a:t>Summary of sample sizes: 5695, 5697, 5697, 5696, 5695 </a:t>
+            </a:r>
+          </a:p>
+          <a:p>
+            <a:r>
+              <a:rPr lang="en-GB" sz="1200" dirty="0"/>
+              <a:t>Resampling results across tuning parameters:</a:t>
+            </a:r>
+          </a:p>
+          <a:p>
+            <a:endParaRPr lang="en-GB" sz="1200" dirty="0"/>
+          </a:p>
+          <a:p>
+            <a:r>
+              <a:rPr lang="en-GB" sz="1200" dirty="0"/>
+              <a:t>  </a:t>
+            </a:r>
+            <a:r>
+              <a:rPr lang="en-GB" sz="1200" dirty="0" err="1"/>
+              <a:t>kmax</a:t>
+            </a:r>
+            <a:r>
+              <a:rPr lang="en-GB" sz="1200" dirty="0"/>
+              <a:t>  	Accuracy   	Kappa    </a:t>
+            </a:r>
+          </a:p>
+          <a:p>
+            <a:r>
+              <a:rPr lang="en-GB" sz="1200" dirty="0"/>
+              <a:t>   5    	0.9588484  	0.9474698</a:t>
+            </a:r>
+          </a:p>
+          <a:p>
+            <a:r>
+              <a:rPr lang="en-GB" sz="1200" dirty="0"/>
+              <a:t>   7    	0.9603923  	0.9494419</a:t>
+            </a:r>
+          </a:p>
+          <a:p>
+            <a:r>
+              <a:rPr lang="en-GB" sz="1200" dirty="0"/>
+              <a:t>   9   	0.9601116  	0.9490859</a:t>
+            </a:r>
+          </a:p>
+          <a:p>
+            <a:r>
+              <a:rPr lang="en-GB" sz="1200" dirty="0"/>
+              <a:t>  11    	0.9601116 	0.9490859</a:t>
+            </a:r>
+          </a:p>
+          <a:p>
+            <a:r>
+              <a:rPr lang="en-GB" sz="1200" dirty="0"/>
+              <a:t>  13    	0.9601116  	0.9490859</a:t>
+            </a:r>
+          </a:p>
+        </p:txBody>
+      </p:sp>
+      <p:sp>
+        <p:nvSpPr>
+          <p:cNvPr id="10" name="Rechthoek 9">
+            <a:extLst>
+              <a:ext uri="{FF2B5EF4-FFF2-40B4-BE49-F238E27FC236}">
+                <a16:creationId xmlns:a16="http://schemas.microsoft.com/office/drawing/2014/main" id="{7315F953-C0AA-4170-B70C-D881824612D6}"/>
+              </a:ext>
+            </a:extLst>
+          </p:cNvPr>
+          <p:cNvSpPr/>
+          <p:nvPr/>
+        </p:nvSpPr>
+        <p:spPr>
+          <a:xfrm>
+            <a:off x="2797937" y="82432"/>
+            <a:ext cx="3724783" cy="1169551"/>
+          </a:xfrm>
+          <a:prstGeom prst="rect">
+            <a:avLst/>
+          </a:prstGeom>
+        </p:spPr>
+        <p:txBody>
+          <a:bodyPr wrap="square">
+            <a:spAutoFit/>
+          </a:bodyPr>
+          <a:lstStyle/>
+          <a:p>
+            <a:r>
+              <a:rPr lang="en-GB" sz="1000" b="1" dirty="0">
+                <a:solidFill>
+                  <a:schemeClr val="accent1"/>
+                </a:solidFill>
+              </a:rPr>
+              <a:t>kappa_KNNB2Floor Confusion Matrix</a:t>
+            </a:r>
+          </a:p>
+          <a:p>
+            <a:r>
+              <a:rPr lang="en-GB" sz="1000" dirty="0"/>
+              <a:t>           	value      	ASE     	z </a:t>
+            </a:r>
+            <a:r>
+              <a:rPr lang="en-GB" sz="1000" dirty="0" err="1"/>
+              <a:t>Pr</a:t>
+            </a:r>
+            <a:r>
+              <a:rPr lang="en-GB" sz="1000" dirty="0"/>
+              <a:t>(&gt;|z|)</a:t>
+            </a:r>
+          </a:p>
+          <a:p>
+            <a:r>
+              <a:rPr lang="en-GB" sz="1000" dirty="0"/>
+              <a:t>Unweighted 	0.9607 	0.004529 212.1    0</a:t>
+            </a:r>
+          </a:p>
+          <a:p>
+            <a:r>
+              <a:rPr lang="en-GB" sz="1000" dirty="0"/>
+              <a:t>Weighted   	0.9759 	0.002948 331.0    0</a:t>
+            </a:r>
+          </a:p>
+          <a:p>
+            <a:endParaRPr lang="en-GB" sz="1000" dirty="0"/>
+          </a:p>
+          <a:p>
+            <a:r>
+              <a:rPr lang="en-GB" sz="1000" b="1" dirty="0">
+                <a:solidFill>
+                  <a:schemeClr val="accent6"/>
+                </a:solidFill>
+              </a:rPr>
+              <a:t>Accuracy</a:t>
+            </a:r>
+            <a:r>
+              <a:rPr lang="en-GB" sz="1000" dirty="0"/>
+              <a:t>	</a:t>
+            </a:r>
+            <a:r>
+              <a:rPr lang="en-US" sz="1000" dirty="0"/>
+              <a:t>96.92243</a:t>
+            </a:r>
+            <a:endParaRPr lang="en-GB" sz="1000" dirty="0"/>
+          </a:p>
+          <a:p>
+            <a:endParaRPr lang="en-GB" sz="1000" dirty="0"/>
+          </a:p>
+        </p:txBody>
+      </p:sp>
+      <p:sp>
+        <p:nvSpPr>
+          <p:cNvPr id="22" name="Tekstvak 21">
+            <a:extLst>
+              <a:ext uri="{FF2B5EF4-FFF2-40B4-BE49-F238E27FC236}">
+                <a16:creationId xmlns:a16="http://schemas.microsoft.com/office/drawing/2014/main" id="{10E0DBD8-85A8-4541-B344-F58906144035}"/>
+              </a:ext>
+            </a:extLst>
+          </p:cNvPr>
+          <p:cNvSpPr txBox="1"/>
+          <p:nvPr/>
+        </p:nvSpPr>
+        <p:spPr>
+          <a:xfrm>
+            <a:off x="6371400" y="472240"/>
+            <a:ext cx="5822301" cy="2292935"/>
+          </a:xfrm>
+          <a:prstGeom prst="rect">
+            <a:avLst/>
+          </a:prstGeom>
+          <a:noFill/>
+        </p:spPr>
+        <p:txBody>
+          <a:bodyPr wrap="square" rtlCol="0">
+            <a:spAutoFit/>
+          </a:bodyPr>
+          <a:lstStyle/>
+          <a:p>
+            <a:r>
+              <a:rPr lang="en-GB" sz="1100" b="1" dirty="0">
+                <a:solidFill>
+                  <a:schemeClr val="accent1"/>
+                </a:solidFill>
+              </a:rPr>
+              <a:t>In Building 2</a:t>
+            </a:r>
+          </a:p>
+          <a:p>
+            <a:r>
+              <a:rPr lang="en-GB" sz="1100" b="1" dirty="0">
+                <a:solidFill>
+                  <a:schemeClr val="accent6"/>
+                </a:solidFill>
+              </a:rPr>
+              <a:t>	477</a:t>
+            </a:r>
+            <a:r>
+              <a:rPr lang="en-GB" sz="1100" dirty="0">
+                <a:solidFill>
+                  <a:schemeClr val="accent6"/>
+                </a:solidFill>
+              </a:rPr>
+              <a:t>predictions for floor 0 were True Positives</a:t>
+            </a:r>
+          </a:p>
+          <a:p>
+            <a:r>
+              <a:rPr lang="en-GB" sz="1100" b="1" dirty="0">
+                <a:solidFill>
+                  <a:schemeClr val="accent6"/>
+                </a:solidFill>
+              </a:rPr>
+              <a:t>	533</a:t>
+            </a:r>
+            <a:r>
+              <a:rPr lang="en-GB" sz="1100" dirty="0">
+                <a:solidFill>
+                  <a:schemeClr val="accent6"/>
+                </a:solidFill>
+              </a:rPr>
+              <a:t> predictions for floor 1 were True Positives</a:t>
+            </a:r>
+          </a:p>
+          <a:p>
+            <a:r>
+              <a:rPr lang="en-GB" sz="1100" b="1" dirty="0">
+                <a:solidFill>
+                  <a:schemeClr val="accent6"/>
+                </a:solidFill>
+              </a:rPr>
+              <a:t>	385</a:t>
+            </a:r>
+            <a:r>
+              <a:rPr lang="en-GB" sz="1100" dirty="0">
+                <a:solidFill>
+                  <a:schemeClr val="accent6"/>
+                </a:solidFill>
+              </a:rPr>
+              <a:t>predictions for floor 2 were True Positives</a:t>
+            </a:r>
+          </a:p>
+          <a:p>
+            <a:r>
+              <a:rPr lang="en-GB" sz="1100" b="1" dirty="0">
+                <a:solidFill>
+                  <a:schemeClr val="accent6"/>
+                </a:solidFill>
+              </a:rPr>
+              <a:t>	667 </a:t>
+            </a:r>
+            <a:r>
+              <a:rPr lang="en-GB" sz="1100" dirty="0">
+                <a:solidFill>
+                  <a:schemeClr val="accent6"/>
+                </a:solidFill>
+              </a:rPr>
+              <a:t>predictions for floor 3 were True Positives</a:t>
+            </a:r>
+          </a:p>
+          <a:p>
+            <a:r>
+              <a:rPr lang="en-GB" sz="1100" dirty="0">
+                <a:solidFill>
+                  <a:schemeClr val="accent6"/>
+                </a:solidFill>
+              </a:rPr>
+              <a:t>	</a:t>
+            </a:r>
+            <a:r>
+              <a:rPr lang="en-GB" sz="1100" b="1" dirty="0">
+                <a:solidFill>
+                  <a:schemeClr val="accent6"/>
+                </a:solidFill>
+              </a:rPr>
+              <a:t>275</a:t>
+            </a:r>
+            <a:r>
+              <a:rPr lang="en-GB" sz="1100" dirty="0">
+                <a:solidFill>
+                  <a:schemeClr val="accent6"/>
+                </a:solidFill>
+              </a:rPr>
+              <a:t> predictions for floor 4 were True Positives</a:t>
+            </a:r>
+          </a:p>
+          <a:p>
+            <a:endParaRPr lang="en-GB" sz="1100" dirty="0">
+              <a:solidFill>
+                <a:schemeClr val="accent6"/>
+              </a:solidFill>
+            </a:endParaRPr>
+          </a:p>
+          <a:p>
+            <a:r>
+              <a:rPr lang="en-GB" sz="1100" dirty="0">
+                <a:solidFill>
+                  <a:schemeClr val="accent2"/>
+                </a:solidFill>
+              </a:rPr>
+              <a:t>In </a:t>
+            </a:r>
+            <a:r>
+              <a:rPr lang="en-GB" sz="1100" b="1" u="sng" dirty="0">
+                <a:solidFill>
+                  <a:srgbClr val="FF0000"/>
+                </a:solidFill>
+              </a:rPr>
+              <a:t>17 cases floor 1 was misidentified as 0 </a:t>
+            </a:r>
+            <a:r>
+              <a:rPr lang="en-GB" sz="1100" dirty="0">
+                <a:solidFill>
+                  <a:schemeClr val="accent2"/>
+                </a:solidFill>
+              </a:rPr>
+              <a:t>&amp; 3 times floor 2 was misidentified as 0</a:t>
+            </a:r>
+          </a:p>
+          <a:p>
+            <a:r>
+              <a:rPr lang="en-GB" sz="1100" dirty="0">
+                <a:solidFill>
+                  <a:schemeClr val="accent2"/>
+                </a:solidFill>
+              </a:rPr>
+              <a:t>In 5 cases floor 0 was misidentified as being floor 1 &amp; in 18 cases floor 2 was misidentified as 1</a:t>
+            </a:r>
+          </a:p>
+          <a:p>
+            <a:r>
+              <a:rPr lang="en-GB" sz="1100" dirty="0">
+                <a:solidFill>
+                  <a:schemeClr val="accent2"/>
+                </a:solidFill>
+              </a:rPr>
+              <a:t>In 4 cases floor 1 was misidentified as being floor 2 &amp; in </a:t>
+            </a:r>
+            <a:r>
+              <a:rPr lang="en-GB" sz="1100" b="1" u="sng" dirty="0">
+                <a:solidFill>
+                  <a:srgbClr val="FF0000"/>
+                </a:solidFill>
+              </a:rPr>
+              <a:t>9 cases floor 3 was misidentified as 2</a:t>
+            </a:r>
+          </a:p>
+          <a:p>
+            <a:r>
+              <a:rPr lang="en-GB" sz="1100" dirty="0">
+                <a:solidFill>
+                  <a:schemeClr val="accent2"/>
+                </a:solidFill>
+              </a:rPr>
+              <a:t>In 5 case floor 1 was misidentified as being floor 3 &amp; in </a:t>
+            </a:r>
+            <a:r>
+              <a:rPr lang="en-GB" sz="1100" b="1" u="sng" dirty="0">
+                <a:solidFill>
+                  <a:srgbClr val="FF0000"/>
+                </a:solidFill>
+              </a:rPr>
+              <a:t>15 cases floor 2 was misidentified as 3</a:t>
+            </a:r>
+          </a:p>
+          <a:p>
+            <a:r>
+              <a:rPr lang="en-GB" sz="1100" dirty="0">
+                <a:solidFill>
+                  <a:schemeClr val="accent2"/>
+                </a:solidFill>
+              </a:rPr>
+              <a:t>In 2 case floor 2 was misidentified as being floor 4 &amp; in 1 case floor 3 was misidentified as 4 </a:t>
+            </a:r>
+            <a:endParaRPr lang="en-GB" sz="1100" b="1" u="sng" dirty="0">
+              <a:solidFill>
+                <a:srgbClr val="FF0000"/>
+              </a:solidFill>
+            </a:endParaRPr>
+          </a:p>
+          <a:p>
+            <a:endParaRPr lang="en-GB" sz="1100" b="1" u="sng" dirty="0">
+              <a:solidFill>
+                <a:srgbClr val="FF0000"/>
+              </a:solidFill>
+            </a:endParaRPr>
+          </a:p>
+        </p:txBody>
+      </p:sp>
+    </p:spTree>
+    <p:extLst>
+      <p:ext uri="{BB962C8B-B14F-4D97-AF65-F5344CB8AC3E}">
+        <p14:creationId xmlns:p14="http://schemas.microsoft.com/office/powerpoint/2010/main" val="1775050450"/>
+      </p:ext>
+    </p:extLst>
+  </p:cSld>
+  <p:clrMapOvr>
+    <a:masterClrMapping/>
+  </p:clrMapOvr>
+</p:sld>
+</file>
+
+<file path=ppt/slides/slide42.xml><?xml version="1.0" encoding="utf-8"?>
+<p:sld xmlns:a="http://schemas.openxmlformats.org/drawingml/2006/main" xmlns:r="http://schemas.openxmlformats.org/officeDocument/2006/relationships" xmlns:p="http://schemas.openxmlformats.org/presentationml/2006/main">
+  <p:cSld>
+    <p:spTree>
+      <p:nvGrpSpPr>
+        <p:cNvPr id="1" name=""/>
+        <p:cNvGrpSpPr/>
+        <p:nvPr/>
+      </p:nvGrpSpPr>
+      <p:grpSpPr>
+        <a:xfrm>
+          <a:off x="0" y="0"/>
+          <a:ext cx="0" cy="0"/>
+          <a:chOff x="0" y="0"/>
+          <a:chExt cx="0" cy="0"/>
+        </a:xfrm>
+      </p:grpSpPr>
+      <p:sp>
+        <p:nvSpPr>
+          <p:cNvPr id="2" name="Titel 1">
+            <a:extLst>
+              <a:ext uri="{FF2B5EF4-FFF2-40B4-BE49-F238E27FC236}">
+                <a16:creationId xmlns:a16="http://schemas.microsoft.com/office/drawing/2014/main" id="{ECE4FA4E-54FC-4D95-B397-36B00736E710}"/>
+              </a:ext>
+            </a:extLst>
+          </p:cNvPr>
+          <p:cNvSpPr>
+            <a:spLocks noGrp="1"/>
+          </p:cNvSpPr>
+          <p:nvPr>
+            <p:ph type="title"/>
+          </p:nvPr>
+        </p:nvSpPr>
+        <p:spPr>
+          <a:xfrm>
+            <a:off x="189100" y="137352"/>
+            <a:ext cx="11969309" cy="427977"/>
+          </a:xfrm>
+        </p:spPr>
+        <p:txBody>
+          <a:bodyPr>
+            <a:normAutofit fontScale="90000"/>
+          </a:bodyPr>
+          <a:lstStyle/>
+          <a:p>
+            <a:r>
+              <a:rPr lang="en-GB" dirty="0"/>
+              <a:t>3rd KNN-model Lat/Long/Floor KPI summary </a:t>
+            </a:r>
+          </a:p>
+        </p:txBody>
+      </p:sp>
+      <p:cxnSp>
+        <p:nvCxnSpPr>
+          <p:cNvPr id="13" name="Rechte verbindingslijn 12">
+            <a:extLst>
+              <a:ext uri="{FF2B5EF4-FFF2-40B4-BE49-F238E27FC236}">
+                <a16:creationId xmlns:a16="http://schemas.microsoft.com/office/drawing/2014/main" id="{DC7BECF7-49D2-487B-BEA4-9286713797E9}"/>
+              </a:ext>
+            </a:extLst>
+          </p:cNvPr>
+          <p:cNvCxnSpPr>
+            <a:cxnSpLocks/>
+          </p:cNvCxnSpPr>
+          <p:nvPr/>
+        </p:nvCxnSpPr>
+        <p:spPr>
+          <a:xfrm>
+            <a:off x="6000829" y="909593"/>
+            <a:ext cx="0" cy="2710219"/>
+          </a:xfrm>
+          <a:prstGeom prst="line">
+            <a:avLst/>
+          </a:prstGeom>
+        </p:spPr>
+        <p:style>
+          <a:lnRef idx="1">
+            <a:schemeClr val="accent1"/>
+          </a:lnRef>
+          <a:fillRef idx="0">
+            <a:schemeClr val="accent1"/>
+          </a:fillRef>
+          <a:effectRef idx="0">
+            <a:schemeClr val="accent1"/>
+          </a:effectRef>
+          <a:fontRef idx="minor">
+            <a:schemeClr val="tx1"/>
+          </a:fontRef>
+        </p:style>
+      </p:cxnSp>
+      <p:sp>
+        <p:nvSpPr>
+          <p:cNvPr id="3" name="Rechthoek 2">
+            <a:extLst>
+              <a:ext uri="{FF2B5EF4-FFF2-40B4-BE49-F238E27FC236}">
+                <a16:creationId xmlns:a16="http://schemas.microsoft.com/office/drawing/2014/main" id="{932839B7-4A2B-4995-9D1B-3CA974B9A17F}"/>
+              </a:ext>
+            </a:extLst>
+          </p:cNvPr>
+          <p:cNvSpPr/>
+          <p:nvPr/>
+        </p:nvSpPr>
+        <p:spPr>
+          <a:xfrm>
+            <a:off x="152405" y="1372622"/>
+            <a:ext cx="6021350" cy="1477328"/>
+          </a:xfrm>
+          <a:prstGeom prst="rect">
+            <a:avLst/>
+          </a:prstGeom>
+        </p:spPr>
+        <p:txBody>
+          <a:bodyPr wrap="square">
+            <a:spAutoFit/>
+          </a:bodyPr>
+          <a:lstStyle/>
+          <a:p>
+            <a:r>
+              <a:rPr lang="en-GB" dirty="0" err="1"/>
+              <a:t>Combi_StatSum_</a:t>
+            </a:r>
+            <a:r>
+              <a:rPr lang="en-GB" dirty="0" err="1">
+                <a:solidFill>
+                  <a:schemeClr val="accent1"/>
+                </a:solidFill>
+              </a:rPr>
+              <a:t>Lat</a:t>
+            </a:r>
+            <a:endParaRPr lang="en-GB" dirty="0">
+              <a:solidFill>
+                <a:schemeClr val="accent1"/>
+              </a:solidFill>
+            </a:endParaRPr>
+          </a:p>
+          <a:p>
+            <a:r>
+              <a:rPr lang="en-GB" dirty="0"/>
+              <a:t>#	RMSE         	RSQ      		MAE</a:t>
+            </a:r>
+          </a:p>
+          <a:p>
+            <a:r>
+              <a:rPr lang="en-GB" dirty="0"/>
+              <a:t>B0 	4.200349 	98.38193 	2.067570</a:t>
+            </a:r>
+          </a:p>
+          <a:p>
+            <a:r>
+              <a:rPr lang="en-GB" dirty="0"/>
+              <a:t>B1 	4.200349 	98.62613 	1.977748</a:t>
+            </a:r>
+          </a:p>
+          <a:p>
+            <a:r>
+              <a:rPr lang="en-GB" dirty="0"/>
+              <a:t>B2 	3.650701 	98.32693 	1.846340</a:t>
+            </a:r>
+          </a:p>
+        </p:txBody>
+      </p:sp>
+      <p:sp>
+        <p:nvSpPr>
+          <p:cNvPr id="10" name="Rechthoek 9">
+            <a:extLst>
+              <a:ext uri="{FF2B5EF4-FFF2-40B4-BE49-F238E27FC236}">
+                <a16:creationId xmlns:a16="http://schemas.microsoft.com/office/drawing/2014/main" id="{194A4916-831E-4E52-A1FD-D923DB7228D8}"/>
+              </a:ext>
+            </a:extLst>
+          </p:cNvPr>
+          <p:cNvSpPr/>
+          <p:nvPr/>
+        </p:nvSpPr>
+        <p:spPr>
+          <a:xfrm>
+            <a:off x="6095999" y="1450799"/>
+            <a:ext cx="5943593" cy="1477328"/>
+          </a:xfrm>
+          <a:prstGeom prst="rect">
+            <a:avLst/>
+          </a:prstGeom>
+        </p:spPr>
+        <p:txBody>
+          <a:bodyPr wrap="square">
+            <a:spAutoFit/>
+          </a:bodyPr>
+          <a:lstStyle/>
+          <a:p>
+            <a:r>
+              <a:rPr lang="en-GB" dirty="0" err="1"/>
+              <a:t>Combi_StatSum_</a:t>
+            </a:r>
+            <a:r>
+              <a:rPr lang="en-GB" dirty="0" err="1">
+                <a:solidFill>
+                  <a:schemeClr val="accent1"/>
+                </a:solidFill>
+              </a:rPr>
+              <a:t>Long</a:t>
+            </a:r>
+            <a:endParaRPr lang="en-GB" dirty="0">
+              <a:solidFill>
+                <a:schemeClr val="accent1"/>
+              </a:solidFill>
+            </a:endParaRPr>
+          </a:p>
+          <a:p>
+            <a:r>
+              <a:rPr lang="en-GB" dirty="0"/>
+              <a:t>#	RMSE         	RSQ      		MAE</a:t>
+            </a:r>
+          </a:p>
+          <a:p>
+            <a:r>
+              <a:rPr lang="en-GB" dirty="0"/>
+              <a:t>B0 	3.245267 	98.27749 	1.613786</a:t>
+            </a:r>
+          </a:p>
+          <a:p>
+            <a:r>
+              <a:rPr lang="en-GB" dirty="0"/>
+              <a:t>B1 	3.746984 	99.42940 	1.248799</a:t>
+            </a:r>
+          </a:p>
+          <a:p>
+            <a:r>
+              <a:rPr lang="en-GB" dirty="0"/>
+              <a:t>B2	 4.269281 	97.96087 	1.841995</a:t>
+            </a:r>
+            <a:endParaRPr lang="en-GB" dirty="0">
+              <a:solidFill>
+                <a:srgbClr val="C00000"/>
+              </a:solidFill>
+            </a:endParaRPr>
+          </a:p>
+        </p:txBody>
+      </p:sp>
+      <p:sp>
+        <p:nvSpPr>
+          <p:cNvPr id="8" name="Rechthoek 7">
+            <a:extLst>
+              <a:ext uri="{FF2B5EF4-FFF2-40B4-BE49-F238E27FC236}">
+                <a16:creationId xmlns:a16="http://schemas.microsoft.com/office/drawing/2014/main" id="{BE83E06C-FCC3-4233-83ED-1E821AC5E2D7}"/>
+              </a:ext>
+            </a:extLst>
+          </p:cNvPr>
+          <p:cNvSpPr/>
+          <p:nvPr/>
+        </p:nvSpPr>
+        <p:spPr>
+          <a:xfrm>
+            <a:off x="471328" y="4139820"/>
+            <a:ext cx="1942005" cy="2031325"/>
+          </a:xfrm>
+          <a:prstGeom prst="rect">
+            <a:avLst/>
+          </a:prstGeom>
+        </p:spPr>
+        <p:txBody>
+          <a:bodyPr wrap="square">
+            <a:spAutoFit/>
+          </a:bodyPr>
+          <a:lstStyle/>
+          <a:p>
+            <a:r>
+              <a:rPr lang="en-US" dirty="0">
+                <a:solidFill>
+                  <a:schemeClr val="accent1"/>
+                </a:solidFill>
+              </a:rPr>
+              <a:t>FLOOR</a:t>
+            </a:r>
+            <a:r>
+              <a:rPr lang="en-US" dirty="0"/>
+              <a:t> </a:t>
+            </a:r>
+          </a:p>
+          <a:p>
+            <a:endParaRPr lang="en-US" dirty="0"/>
+          </a:p>
+          <a:p>
+            <a:r>
+              <a:rPr lang="en-US" dirty="0"/>
+              <a:t>Acc	</a:t>
+            </a:r>
+          </a:p>
+          <a:p>
+            <a:endParaRPr lang="en-US" dirty="0"/>
+          </a:p>
+          <a:p>
+            <a:r>
+              <a:rPr lang="en-US" dirty="0"/>
+              <a:t>B0 98.09160</a:t>
+            </a:r>
+          </a:p>
+          <a:p>
+            <a:r>
+              <a:rPr lang="en-US" dirty="0"/>
+              <a:t>B1 </a:t>
+            </a:r>
+            <a:r>
+              <a:rPr lang="en-US" dirty="0">
+                <a:solidFill>
+                  <a:srgbClr val="FF0000"/>
+                </a:solidFill>
+              </a:rPr>
+              <a:t>36.22964</a:t>
+            </a:r>
+          </a:p>
+          <a:p>
+            <a:r>
+              <a:rPr lang="en-US" dirty="0"/>
+              <a:t>B2 98.94157</a:t>
+            </a:r>
+            <a:endParaRPr lang="en-GB" dirty="0"/>
+          </a:p>
+        </p:txBody>
+      </p:sp>
+      <p:sp>
+        <p:nvSpPr>
+          <p:cNvPr id="11" name="Rechthoek 10">
+            <a:extLst>
+              <a:ext uri="{FF2B5EF4-FFF2-40B4-BE49-F238E27FC236}">
+                <a16:creationId xmlns:a16="http://schemas.microsoft.com/office/drawing/2014/main" id="{BBAD08FE-6709-4652-818E-9E4A94EE94DD}"/>
+              </a:ext>
+            </a:extLst>
+          </p:cNvPr>
+          <p:cNvSpPr/>
+          <p:nvPr/>
+        </p:nvSpPr>
+        <p:spPr>
+          <a:xfrm>
+            <a:off x="6087131" y="3301083"/>
+            <a:ext cx="6096000" cy="646331"/>
+          </a:xfrm>
+          <a:prstGeom prst="rect">
+            <a:avLst/>
+          </a:prstGeom>
+        </p:spPr>
+        <p:txBody>
+          <a:bodyPr>
+            <a:spAutoFit/>
+          </a:bodyPr>
+          <a:lstStyle/>
+          <a:p>
+            <a:r>
+              <a:rPr lang="en-GB" dirty="0"/>
+              <a:t>#kappa B0</a:t>
+            </a:r>
+          </a:p>
+          <a:p>
+            <a:endParaRPr lang="en-GB" dirty="0"/>
+          </a:p>
+        </p:txBody>
+      </p:sp>
+      <p:sp>
+        <p:nvSpPr>
+          <p:cNvPr id="12" name="Rechthoek 11">
+            <a:extLst>
+              <a:ext uri="{FF2B5EF4-FFF2-40B4-BE49-F238E27FC236}">
+                <a16:creationId xmlns:a16="http://schemas.microsoft.com/office/drawing/2014/main" id="{444EA292-A2F5-40A8-9853-25184D0F51CA}"/>
+              </a:ext>
+            </a:extLst>
+          </p:cNvPr>
+          <p:cNvSpPr/>
+          <p:nvPr/>
+        </p:nvSpPr>
+        <p:spPr>
+          <a:xfrm>
+            <a:off x="2534729" y="3820429"/>
+            <a:ext cx="1942005" cy="2862322"/>
+          </a:xfrm>
+          <a:prstGeom prst="rect">
+            <a:avLst/>
+          </a:prstGeom>
+        </p:spPr>
+        <p:txBody>
+          <a:bodyPr wrap="square">
+            <a:spAutoFit/>
+          </a:bodyPr>
+          <a:lstStyle/>
+          <a:p>
+            <a:r>
+              <a:rPr lang="en-US" dirty="0">
+                <a:solidFill>
+                  <a:schemeClr val="accent1"/>
+                </a:solidFill>
+              </a:rPr>
+              <a:t>FLOOR</a:t>
+            </a:r>
+            <a:r>
+              <a:rPr lang="en-US" dirty="0"/>
+              <a:t> </a:t>
+            </a:r>
+          </a:p>
+          <a:p>
+            <a:endParaRPr lang="en-US" dirty="0"/>
+          </a:p>
+          <a:p>
+            <a:r>
+              <a:rPr lang="en-US" dirty="0"/>
+              <a:t>Kappa	</a:t>
+            </a:r>
+          </a:p>
+          <a:p>
+            <a:r>
+              <a:rPr lang="sv-SE" dirty="0"/>
+              <a:t> kappa</a:t>
+            </a:r>
+          </a:p>
+          <a:p>
+            <a:r>
+              <a:rPr lang="sv-SE" dirty="0"/>
+              <a:t>1  0.9969313489</a:t>
+            </a:r>
+          </a:p>
+          <a:p>
+            <a:r>
+              <a:rPr lang="sv-SE" dirty="0"/>
+              <a:t>2  0.0017695433</a:t>
+            </a:r>
+          </a:p>
+          <a:p>
+            <a:r>
+              <a:rPr lang="sv-SE" dirty="0"/>
+              <a:t>3 -0.0029030734</a:t>
+            </a:r>
+          </a:p>
+          <a:p>
+            <a:r>
+              <a:rPr lang="sv-SE" dirty="0"/>
+              <a:t>4  0.0016738360</a:t>
+            </a:r>
+          </a:p>
+          <a:p>
+            <a:r>
+              <a:rPr lang="sv-SE" dirty="0"/>
+              <a:t>5  0.9994596997</a:t>
+            </a:r>
+          </a:p>
+          <a:p>
+            <a:r>
+              <a:rPr lang="sv-SE" dirty="0"/>
+              <a:t>6  0.0005401941</a:t>
+            </a:r>
+            <a:endParaRPr lang="en-GB" dirty="0"/>
+          </a:p>
+        </p:txBody>
+      </p:sp>
+      <p:pic>
+        <p:nvPicPr>
+          <p:cNvPr id="14" name="Afbeelding 13">
+            <a:extLst>
+              <a:ext uri="{FF2B5EF4-FFF2-40B4-BE49-F238E27FC236}">
+                <a16:creationId xmlns:a16="http://schemas.microsoft.com/office/drawing/2014/main" id="{1B3868BF-814E-46C0-BFA4-71C6DD7BCFB8}"/>
+              </a:ext>
+            </a:extLst>
+          </p:cNvPr>
+          <p:cNvPicPr>
+            <a:picLocks noChangeAspect="1"/>
+          </p:cNvPicPr>
+          <p:nvPr/>
+        </p:nvPicPr>
+        <p:blipFill>
+          <a:blip r:embed="rId2"/>
+          <a:stretch>
+            <a:fillRect/>
+          </a:stretch>
+        </p:blipFill>
+        <p:spPr>
+          <a:xfrm>
+            <a:off x="6226596" y="3624248"/>
+            <a:ext cx="3648075" cy="495300"/>
+          </a:xfrm>
+          <a:prstGeom prst="rect">
+            <a:avLst/>
+          </a:prstGeom>
+        </p:spPr>
+      </p:pic>
+      <p:sp>
+        <p:nvSpPr>
+          <p:cNvPr id="15" name="Rechthoek 14">
+            <a:extLst>
+              <a:ext uri="{FF2B5EF4-FFF2-40B4-BE49-F238E27FC236}">
+                <a16:creationId xmlns:a16="http://schemas.microsoft.com/office/drawing/2014/main" id="{A47B58C5-B33F-4AC0-BFE7-C4E7D08BF68F}"/>
+              </a:ext>
+            </a:extLst>
+          </p:cNvPr>
+          <p:cNvSpPr/>
+          <p:nvPr/>
+        </p:nvSpPr>
+        <p:spPr>
+          <a:xfrm>
+            <a:off x="6062409" y="4343108"/>
+            <a:ext cx="6096000" cy="646331"/>
+          </a:xfrm>
+          <a:prstGeom prst="rect">
+            <a:avLst/>
+          </a:prstGeom>
+        </p:spPr>
+        <p:txBody>
+          <a:bodyPr>
+            <a:spAutoFit/>
+          </a:bodyPr>
+          <a:lstStyle/>
+          <a:p>
+            <a:r>
+              <a:rPr lang="en-GB" dirty="0"/>
+              <a:t>#kappa B1</a:t>
+            </a:r>
+          </a:p>
+          <a:p>
+            <a:endParaRPr lang="en-GB" dirty="0"/>
+          </a:p>
+        </p:txBody>
+      </p:sp>
+      <p:pic>
+        <p:nvPicPr>
+          <p:cNvPr id="17" name="Afbeelding 16">
+            <a:extLst>
+              <a:ext uri="{FF2B5EF4-FFF2-40B4-BE49-F238E27FC236}">
+                <a16:creationId xmlns:a16="http://schemas.microsoft.com/office/drawing/2014/main" id="{38FB8A13-F7E3-49C6-B8F8-C3D64A0599A9}"/>
+              </a:ext>
+            </a:extLst>
+          </p:cNvPr>
+          <p:cNvPicPr>
+            <a:picLocks noChangeAspect="1"/>
+          </p:cNvPicPr>
+          <p:nvPr/>
+        </p:nvPicPr>
+        <p:blipFill>
+          <a:blip r:embed="rId3"/>
+          <a:stretch>
+            <a:fillRect/>
+          </a:stretch>
+        </p:blipFill>
+        <p:spPr>
+          <a:xfrm>
+            <a:off x="6226596" y="4795264"/>
+            <a:ext cx="3724275" cy="552450"/>
+          </a:xfrm>
+          <a:prstGeom prst="rect">
+            <a:avLst/>
+          </a:prstGeom>
+        </p:spPr>
+      </p:pic>
+      <p:pic>
+        <p:nvPicPr>
+          <p:cNvPr id="18" name="Afbeelding 17">
+            <a:extLst>
+              <a:ext uri="{FF2B5EF4-FFF2-40B4-BE49-F238E27FC236}">
+                <a16:creationId xmlns:a16="http://schemas.microsoft.com/office/drawing/2014/main" id="{71BBD793-B953-4AC2-B15D-4F74F158A27C}"/>
+              </a:ext>
+            </a:extLst>
+          </p:cNvPr>
+          <p:cNvPicPr>
+            <a:picLocks noChangeAspect="1"/>
+          </p:cNvPicPr>
+          <p:nvPr/>
+        </p:nvPicPr>
+        <p:blipFill>
+          <a:blip r:embed="rId4"/>
+          <a:stretch>
+            <a:fillRect/>
+          </a:stretch>
+        </p:blipFill>
+        <p:spPr>
+          <a:xfrm>
+            <a:off x="6288508" y="5987117"/>
+            <a:ext cx="3600450" cy="571500"/>
+          </a:xfrm>
+          <a:prstGeom prst="rect">
+            <a:avLst/>
+          </a:prstGeom>
+        </p:spPr>
+      </p:pic>
+      <p:sp>
+        <p:nvSpPr>
+          <p:cNvPr id="19" name="Rechthoek 18">
+            <a:extLst>
+              <a:ext uri="{FF2B5EF4-FFF2-40B4-BE49-F238E27FC236}">
+                <a16:creationId xmlns:a16="http://schemas.microsoft.com/office/drawing/2014/main" id="{323B5FAB-563C-4DA3-8BAF-9DF2D2B43C7C}"/>
+              </a:ext>
+            </a:extLst>
+          </p:cNvPr>
+          <p:cNvSpPr/>
+          <p:nvPr/>
+        </p:nvSpPr>
+        <p:spPr>
+          <a:xfrm>
+            <a:off x="6118563" y="5524814"/>
+            <a:ext cx="6096000" cy="646331"/>
+          </a:xfrm>
+          <a:prstGeom prst="rect">
+            <a:avLst/>
+          </a:prstGeom>
+        </p:spPr>
+        <p:txBody>
+          <a:bodyPr>
+            <a:spAutoFit/>
+          </a:bodyPr>
+          <a:lstStyle/>
+          <a:p>
+            <a:r>
+              <a:rPr lang="en-GB" dirty="0"/>
+              <a:t>#kappa B2</a:t>
+            </a:r>
+          </a:p>
+          <a:p>
+            <a:endParaRPr lang="en-GB" dirty="0"/>
+          </a:p>
+        </p:txBody>
+      </p:sp>
+    </p:spTree>
+    <p:extLst>
+      <p:ext uri="{BB962C8B-B14F-4D97-AF65-F5344CB8AC3E}">
+        <p14:creationId xmlns:p14="http://schemas.microsoft.com/office/powerpoint/2010/main" val="864635553"/>
+      </p:ext>
+    </p:extLst>
+  </p:cSld>
+  <p:clrMapOvr>
+    <a:masterClrMapping/>
+  </p:clrMapOvr>
+</p:sld>
+</file>
+
+<file path=ppt/slides/slide43.xml><?xml version="1.0" encoding="utf-8"?>
+<p:sld xmlns:a="http://schemas.openxmlformats.org/drawingml/2006/main" xmlns:r="http://schemas.openxmlformats.org/officeDocument/2006/relationships" xmlns:p="http://schemas.openxmlformats.org/presentationml/2006/main">
+  <p:cSld>
+    <p:spTree>
+      <p:nvGrpSpPr>
+        <p:cNvPr id="1" name=""/>
+        <p:cNvGrpSpPr/>
+        <p:nvPr/>
+      </p:nvGrpSpPr>
+      <p:grpSpPr>
+        <a:xfrm>
+          <a:off x="0" y="0"/>
+          <a:ext cx="0" cy="0"/>
+          <a:chOff x="0" y="0"/>
+          <a:chExt cx="0" cy="0"/>
+        </a:xfrm>
+      </p:grpSpPr>
+      <p:sp>
+        <p:nvSpPr>
+          <p:cNvPr id="2" name="Titel 1">
+            <a:extLst>
+              <a:ext uri="{FF2B5EF4-FFF2-40B4-BE49-F238E27FC236}">
+                <a16:creationId xmlns:a16="http://schemas.microsoft.com/office/drawing/2014/main" id="{249BB2D2-3DCB-42B9-B892-12D70F9F8BC1}"/>
+              </a:ext>
+            </a:extLst>
+          </p:cNvPr>
+          <p:cNvSpPr>
+            <a:spLocks noGrp="1"/>
+          </p:cNvSpPr>
+          <p:nvPr>
+            <p:ph type="title"/>
+          </p:nvPr>
+        </p:nvSpPr>
+        <p:spPr/>
+        <p:txBody>
+          <a:bodyPr/>
+          <a:lstStyle/>
+          <a:p>
+            <a:r>
+              <a:rPr lang="en-GB" b="1" dirty="0">
+                <a:solidFill>
+                  <a:schemeClr val="accent1"/>
+                </a:solidFill>
+              </a:rPr>
+              <a:t>Conclusions of 3</a:t>
+            </a:r>
+            <a:r>
+              <a:rPr lang="en-GB" b="1" baseline="30000" dirty="0">
+                <a:solidFill>
+                  <a:schemeClr val="accent1"/>
+                </a:solidFill>
+              </a:rPr>
+              <a:t>rd</a:t>
+            </a:r>
+            <a:r>
+              <a:rPr lang="en-GB" b="1" dirty="0">
+                <a:solidFill>
+                  <a:schemeClr val="accent1"/>
+                </a:solidFill>
+              </a:rPr>
+              <a:t> KNN predictions</a:t>
+            </a:r>
+          </a:p>
+        </p:txBody>
+      </p:sp>
+      <p:sp>
+        <p:nvSpPr>
+          <p:cNvPr id="3" name="Tekstvak 2">
+            <a:extLst>
+              <a:ext uri="{FF2B5EF4-FFF2-40B4-BE49-F238E27FC236}">
+                <a16:creationId xmlns:a16="http://schemas.microsoft.com/office/drawing/2014/main" id="{541AA667-CD78-4294-8AD5-C84727B17DBD}"/>
+              </a:ext>
+            </a:extLst>
+          </p:cNvPr>
+          <p:cNvSpPr txBox="1"/>
+          <p:nvPr/>
+        </p:nvSpPr>
+        <p:spPr>
+          <a:xfrm>
+            <a:off x="942392" y="2043404"/>
+            <a:ext cx="10730204" cy="923330"/>
+          </a:xfrm>
+          <a:prstGeom prst="rect">
+            <a:avLst/>
+          </a:prstGeom>
+          <a:noFill/>
+        </p:spPr>
+        <p:txBody>
+          <a:bodyPr wrap="square" rtlCol="0">
+            <a:spAutoFit/>
+          </a:bodyPr>
+          <a:lstStyle/>
+          <a:p>
+            <a:r>
+              <a:rPr lang="en-GB" dirty="0"/>
+              <a:t>- </a:t>
+            </a:r>
+            <a:r>
+              <a:rPr lang="en-GB" dirty="0" err="1"/>
+              <a:t>fffg</a:t>
+            </a:r>
+            <a:endParaRPr lang="en-GB" dirty="0"/>
+          </a:p>
+          <a:p>
+            <a:endParaRPr lang="en-GB" dirty="0"/>
+          </a:p>
+          <a:p>
+            <a:r>
+              <a:rPr lang="en-GB" dirty="0"/>
+              <a:t> </a:t>
+            </a:r>
+          </a:p>
+        </p:txBody>
+      </p:sp>
+    </p:spTree>
+    <p:extLst>
+      <p:ext uri="{BB962C8B-B14F-4D97-AF65-F5344CB8AC3E}">
+        <p14:creationId xmlns:p14="http://schemas.microsoft.com/office/powerpoint/2010/main" val="152062746"/>
+      </p:ext>
+    </p:extLst>
+  </p:cSld>
+  <p:clrMapOvr>
+    <a:masterClrMapping/>
+  </p:clrMapOvr>
+</p:sld>
+</file>
+
+<file path=ppt/slides/slide44.xml><?xml version="1.0" encoding="utf-8"?>
+<p:sld xmlns:a="http://schemas.openxmlformats.org/drawingml/2006/main" xmlns:r="http://schemas.openxmlformats.org/officeDocument/2006/relationships" xmlns:p="http://schemas.openxmlformats.org/presentationml/2006/main">
+  <p:cSld>
+    <p:spTree>
+      <p:nvGrpSpPr>
+        <p:cNvPr id="1" name=""/>
+        <p:cNvGrpSpPr/>
+        <p:nvPr/>
+      </p:nvGrpSpPr>
+      <p:grpSpPr>
+        <a:xfrm>
+          <a:off x="0" y="0"/>
+          <a:ext cx="0" cy="0"/>
+          <a:chOff x="0" y="0"/>
+          <a:chExt cx="0" cy="0"/>
+        </a:xfrm>
+      </p:grpSpPr>
+      <p:pic>
+        <p:nvPicPr>
+          <p:cNvPr id="5" name="Afbeelding 4">
+            <a:extLst>
+              <a:ext uri="{FF2B5EF4-FFF2-40B4-BE49-F238E27FC236}">
+                <a16:creationId xmlns:a16="http://schemas.microsoft.com/office/drawing/2014/main" id="{4338B8EE-C874-4124-AD87-74A31A3683E8}"/>
+              </a:ext>
+            </a:extLst>
+          </p:cNvPr>
+          <p:cNvPicPr>
+            <a:picLocks noChangeAspect="1"/>
+          </p:cNvPicPr>
+          <p:nvPr/>
+        </p:nvPicPr>
+        <p:blipFill>
+          <a:blip r:embed="rId2"/>
+          <a:stretch>
+            <a:fillRect/>
+          </a:stretch>
+        </p:blipFill>
+        <p:spPr>
+          <a:xfrm>
+            <a:off x="232837" y="1950992"/>
+            <a:ext cx="6810375" cy="4857750"/>
+          </a:xfrm>
+          <a:prstGeom prst="rect">
+            <a:avLst/>
+          </a:prstGeom>
+        </p:spPr>
+      </p:pic>
+      <p:sp>
+        <p:nvSpPr>
+          <p:cNvPr id="2" name="Titel 1">
+            <a:extLst>
+              <a:ext uri="{FF2B5EF4-FFF2-40B4-BE49-F238E27FC236}">
+                <a16:creationId xmlns:a16="http://schemas.microsoft.com/office/drawing/2014/main" id="{ECE4FA4E-54FC-4D95-B397-36B00736E710}"/>
+              </a:ext>
+            </a:extLst>
+          </p:cNvPr>
+          <p:cNvSpPr>
+            <a:spLocks noGrp="1"/>
+          </p:cNvSpPr>
+          <p:nvPr>
+            <p:ph type="title"/>
+          </p:nvPr>
+        </p:nvSpPr>
+        <p:spPr>
+          <a:xfrm>
+            <a:off x="113345" y="49258"/>
+            <a:ext cx="10515600" cy="842587"/>
+          </a:xfrm>
+        </p:spPr>
+        <p:txBody>
+          <a:bodyPr/>
+          <a:lstStyle/>
+          <a:p>
+            <a:r>
+              <a:rPr lang="en-GB" baseline="30000" dirty="0"/>
+              <a:t>1st</a:t>
+            </a:r>
+            <a:r>
+              <a:rPr lang="en-GB" dirty="0"/>
+              <a:t> RF </a:t>
+            </a:r>
+            <a:r>
+              <a:rPr lang="en-GB" b="1" dirty="0">
+                <a:solidFill>
+                  <a:schemeClr val="accent5"/>
+                </a:solidFill>
+              </a:rPr>
+              <a:t>B0</a:t>
+            </a:r>
+            <a:endParaRPr lang="en-GB" dirty="0"/>
+          </a:p>
+        </p:txBody>
+      </p:sp>
+      <p:sp>
+        <p:nvSpPr>
+          <p:cNvPr id="23" name="Tekstvak 22">
+            <a:extLst>
+              <a:ext uri="{FF2B5EF4-FFF2-40B4-BE49-F238E27FC236}">
+                <a16:creationId xmlns:a16="http://schemas.microsoft.com/office/drawing/2014/main" id="{EE488BC6-E3CD-45F6-A406-C75F8C32DD95}"/>
+              </a:ext>
+            </a:extLst>
+          </p:cNvPr>
+          <p:cNvSpPr txBox="1"/>
+          <p:nvPr/>
+        </p:nvSpPr>
+        <p:spPr>
+          <a:xfrm>
+            <a:off x="113345" y="1270037"/>
+            <a:ext cx="1400610" cy="369332"/>
+          </a:xfrm>
+          <a:prstGeom prst="rect">
+            <a:avLst/>
+          </a:prstGeom>
+          <a:noFill/>
+        </p:spPr>
+        <p:txBody>
+          <a:bodyPr wrap="square" rtlCol="0">
+            <a:spAutoFit/>
+          </a:bodyPr>
+          <a:lstStyle/>
+          <a:p>
+            <a:r>
+              <a:rPr lang="en-GB" b="1" dirty="0">
+                <a:solidFill>
+                  <a:schemeClr val="accent6"/>
+                </a:solidFill>
+              </a:rPr>
+              <a:t>FLOOR </a:t>
+            </a:r>
+          </a:p>
+        </p:txBody>
+      </p:sp>
+      <p:sp>
+        <p:nvSpPr>
+          <p:cNvPr id="3" name="Rechthoek 2">
+            <a:extLst>
+              <a:ext uri="{FF2B5EF4-FFF2-40B4-BE49-F238E27FC236}">
+                <a16:creationId xmlns:a16="http://schemas.microsoft.com/office/drawing/2014/main" id="{5551981A-E6D9-4242-B05A-97C437AA168D}"/>
+              </a:ext>
+            </a:extLst>
+          </p:cNvPr>
+          <p:cNvSpPr/>
+          <p:nvPr/>
+        </p:nvSpPr>
+        <p:spPr>
+          <a:xfrm>
+            <a:off x="7738063" y="2558166"/>
+            <a:ext cx="3931423" cy="3231654"/>
+          </a:xfrm>
+          <a:prstGeom prst="rect">
+            <a:avLst/>
+          </a:prstGeom>
+        </p:spPr>
+        <p:txBody>
+          <a:bodyPr wrap="square">
+            <a:spAutoFit/>
+          </a:bodyPr>
+          <a:lstStyle/>
+          <a:p>
+            <a:r>
+              <a:rPr lang="en-GB" sz="1200" dirty="0">
+                <a:solidFill>
+                  <a:schemeClr val="accent1"/>
+                </a:solidFill>
+              </a:rPr>
+              <a:t>RFB0Floor Model</a:t>
+            </a:r>
+          </a:p>
+          <a:p>
+            <a:r>
+              <a:rPr lang="en-GB" sz="1200" dirty="0"/>
+              <a:t>Confusion Matrix and Statistics</a:t>
+            </a:r>
+          </a:p>
+          <a:p>
+            <a:r>
+              <a:rPr lang="en-GB" sz="1200" dirty="0"/>
+              <a:t>                     </a:t>
+            </a:r>
+          </a:p>
+          <a:p>
+            <a:r>
+              <a:rPr lang="en-GB" sz="1200" dirty="0"/>
+              <a:t>predictions_RFB0Floor   	      0   1   2   3</a:t>
+            </a:r>
+          </a:p>
+          <a:p>
+            <a:r>
+              <a:rPr lang="en-GB" sz="1200" dirty="0"/>
+              <a:t>                    		0 258   0   0   0</a:t>
+            </a:r>
+          </a:p>
+          <a:p>
+            <a:r>
+              <a:rPr lang="en-GB" sz="1200" dirty="0"/>
+              <a:t>                    		1   2 343   1   0</a:t>
+            </a:r>
+          </a:p>
+          <a:p>
+            <a:r>
+              <a:rPr lang="en-GB" sz="1200" dirty="0"/>
+              <a:t>                    		2   0   0 359   0</a:t>
+            </a:r>
+          </a:p>
+          <a:p>
+            <a:r>
+              <a:rPr lang="en-GB" sz="1200" dirty="0"/>
+              <a:t>                    		3   0   0   0 347</a:t>
+            </a:r>
+          </a:p>
+          <a:p>
+            <a:endParaRPr lang="en-GB" sz="1200" dirty="0"/>
+          </a:p>
+          <a:p>
+            <a:r>
+              <a:rPr lang="en-GB" sz="1200" dirty="0"/>
+              <a:t>Overall Statistics</a:t>
+            </a:r>
+          </a:p>
+          <a:p>
+            <a:r>
+              <a:rPr lang="en-GB" sz="1200" dirty="0"/>
+              <a:t>                                          </a:t>
+            </a:r>
+          </a:p>
+          <a:p>
+            <a:r>
+              <a:rPr lang="en-GB" sz="1200" dirty="0"/>
+              <a:t>               Accuracy : 0.9977          </a:t>
+            </a:r>
+          </a:p>
+          <a:p>
+            <a:r>
+              <a:rPr lang="en-GB" sz="1200" dirty="0"/>
+              <a:t>                 95% CI : (0.9933, 0.9995)</a:t>
+            </a:r>
+          </a:p>
+          <a:p>
+            <a:r>
+              <a:rPr lang="en-GB" sz="1200" dirty="0"/>
+              <a:t>    No Information Rate : 0.2748          </a:t>
+            </a:r>
+          </a:p>
+          <a:p>
+            <a:r>
+              <a:rPr lang="en-GB" sz="1200" dirty="0"/>
+              <a:t>    P-Value [</a:t>
+            </a:r>
+            <a:r>
+              <a:rPr lang="en-GB" sz="1200" dirty="0" err="1"/>
+              <a:t>Acc</a:t>
+            </a:r>
+            <a:r>
+              <a:rPr lang="en-GB" sz="1200" dirty="0"/>
+              <a:t> &gt; NIR] : &lt; 2.2e-16       </a:t>
+            </a:r>
+          </a:p>
+          <a:p>
+            <a:r>
+              <a:rPr lang="en-GB" sz="1200" dirty="0"/>
+              <a:t>                                          </a:t>
+            </a:r>
+          </a:p>
+          <a:p>
+            <a:r>
+              <a:rPr lang="en-GB" sz="1200" dirty="0"/>
+              <a:t>                  Kappa : 0.9969 </a:t>
+            </a:r>
+          </a:p>
+        </p:txBody>
+      </p:sp>
+      <p:cxnSp>
+        <p:nvCxnSpPr>
+          <p:cNvPr id="12" name="Rechte verbindingslijn 11">
+            <a:extLst>
+              <a:ext uri="{FF2B5EF4-FFF2-40B4-BE49-F238E27FC236}">
+                <a16:creationId xmlns:a16="http://schemas.microsoft.com/office/drawing/2014/main" id="{6C97441E-2D41-490D-85F6-2FC8D758C33A}"/>
+              </a:ext>
+            </a:extLst>
+          </p:cNvPr>
+          <p:cNvCxnSpPr/>
+          <p:nvPr/>
+        </p:nvCxnSpPr>
+        <p:spPr>
+          <a:xfrm>
+            <a:off x="1710613" y="2779787"/>
+            <a:ext cx="4385387" cy="3620278"/>
+          </a:xfrm>
+          <a:prstGeom prst="line">
+            <a:avLst/>
+          </a:prstGeom>
+          <a:ln w="15875">
+            <a:solidFill>
+              <a:schemeClr val="accent6"/>
+            </a:solidFill>
+            <a:prstDash val="lgDashDot"/>
+          </a:ln>
+        </p:spPr>
+        <p:style>
+          <a:lnRef idx="1">
+            <a:schemeClr val="accent1"/>
+          </a:lnRef>
+          <a:fillRef idx="0">
+            <a:schemeClr val="accent1"/>
+          </a:fillRef>
+          <a:effectRef idx="0">
+            <a:schemeClr val="accent1"/>
+          </a:effectRef>
+          <a:fontRef idx="minor">
+            <a:schemeClr val="tx1"/>
+          </a:fontRef>
+        </p:style>
+      </p:cxnSp>
+      <p:cxnSp>
+        <p:nvCxnSpPr>
+          <p:cNvPr id="13" name="Rechte verbindingslijn 12">
+            <a:extLst>
+              <a:ext uri="{FF2B5EF4-FFF2-40B4-BE49-F238E27FC236}">
+                <a16:creationId xmlns:a16="http://schemas.microsoft.com/office/drawing/2014/main" id="{24AB4145-2F5A-471C-9D2E-D2C49EE5C36F}"/>
+              </a:ext>
+            </a:extLst>
+          </p:cNvPr>
+          <p:cNvCxnSpPr>
+            <a:cxnSpLocks/>
+          </p:cNvCxnSpPr>
+          <p:nvPr/>
+        </p:nvCxnSpPr>
+        <p:spPr>
+          <a:xfrm flipV="1">
+            <a:off x="1469705" y="2927777"/>
+            <a:ext cx="4031409" cy="3324297"/>
+          </a:xfrm>
+          <a:prstGeom prst="line">
+            <a:avLst/>
+          </a:prstGeom>
+          <a:ln w="15875">
+            <a:solidFill>
+              <a:srgbClr val="FF0000"/>
+            </a:solidFill>
+            <a:prstDash val="lgDashDot"/>
+          </a:ln>
+        </p:spPr>
+        <p:style>
+          <a:lnRef idx="1">
+            <a:schemeClr val="accent1"/>
+          </a:lnRef>
+          <a:fillRef idx="0">
+            <a:schemeClr val="accent1"/>
+          </a:fillRef>
+          <a:effectRef idx="0">
+            <a:schemeClr val="accent1"/>
+          </a:effectRef>
+          <a:fontRef idx="minor">
+            <a:schemeClr val="tx1"/>
+          </a:fontRef>
+        </p:style>
+      </p:cxnSp>
+      <p:sp>
+        <p:nvSpPr>
+          <p:cNvPr id="7" name="Rechthoek 6">
+            <a:extLst>
+              <a:ext uri="{FF2B5EF4-FFF2-40B4-BE49-F238E27FC236}">
+                <a16:creationId xmlns:a16="http://schemas.microsoft.com/office/drawing/2014/main" id="{0C4FDAB9-CCBC-4FB9-8ACF-16F5B185A424}"/>
+              </a:ext>
+            </a:extLst>
+          </p:cNvPr>
+          <p:cNvSpPr/>
+          <p:nvPr/>
+        </p:nvSpPr>
+        <p:spPr>
+          <a:xfrm>
+            <a:off x="2783144" y="176181"/>
+            <a:ext cx="3574113" cy="861774"/>
+          </a:xfrm>
+          <a:prstGeom prst="rect">
+            <a:avLst/>
+          </a:prstGeom>
+        </p:spPr>
+        <p:txBody>
+          <a:bodyPr wrap="square">
+            <a:spAutoFit/>
+          </a:bodyPr>
+          <a:lstStyle/>
+          <a:p>
+            <a:r>
+              <a:rPr lang="en-GB" sz="1000" b="1" dirty="0">
+                <a:solidFill>
+                  <a:schemeClr val="accent1"/>
+                </a:solidFill>
+              </a:rPr>
+              <a:t>kappa_RFB0Floor Confusion Matrix</a:t>
+            </a:r>
+          </a:p>
+          <a:p>
+            <a:r>
+              <a:rPr lang="en-US" sz="1000" dirty="0"/>
+              <a:t>	value      ASE     		z </a:t>
+            </a:r>
+            <a:r>
+              <a:rPr lang="en-US" sz="1000" dirty="0" err="1"/>
+              <a:t>Pr</a:t>
+            </a:r>
+            <a:r>
+              <a:rPr lang="en-US" sz="1000" dirty="0"/>
+              <a:t>(&gt;|z|)</a:t>
+            </a:r>
+          </a:p>
+          <a:p>
+            <a:r>
+              <a:rPr lang="en-US" sz="1000" dirty="0"/>
+              <a:t>Unweighted 	0.9969   0.001770 563.4     	 0</a:t>
+            </a:r>
+          </a:p>
+          <a:p>
+            <a:r>
+              <a:rPr lang="en-US" sz="1000" dirty="0"/>
+              <a:t>Weighted   	0.9981   0.001098 909.4       	 0</a:t>
+            </a:r>
+            <a:endParaRPr lang="en-GB" sz="1000" dirty="0"/>
+          </a:p>
+          <a:p>
+            <a:endParaRPr lang="en-GB" sz="1000" dirty="0"/>
+          </a:p>
+        </p:txBody>
+      </p:sp>
+      <p:sp>
+        <p:nvSpPr>
+          <p:cNvPr id="22" name="Tekstvak 21">
+            <a:extLst>
+              <a:ext uri="{FF2B5EF4-FFF2-40B4-BE49-F238E27FC236}">
+                <a16:creationId xmlns:a16="http://schemas.microsoft.com/office/drawing/2014/main" id="{10E0DBD8-85A8-4541-B344-F58906144035}"/>
+              </a:ext>
+            </a:extLst>
+          </p:cNvPr>
+          <p:cNvSpPr txBox="1"/>
+          <p:nvPr/>
+        </p:nvSpPr>
+        <p:spPr>
+          <a:xfrm>
+            <a:off x="6659026" y="160239"/>
+            <a:ext cx="5822301" cy="1446550"/>
+          </a:xfrm>
+          <a:prstGeom prst="rect">
+            <a:avLst/>
+          </a:prstGeom>
+          <a:noFill/>
+        </p:spPr>
+        <p:txBody>
+          <a:bodyPr wrap="square" rtlCol="0">
+            <a:spAutoFit/>
+          </a:bodyPr>
+          <a:lstStyle/>
+          <a:p>
+            <a:r>
+              <a:rPr lang="en-GB" sz="1100" b="1" dirty="0">
+                <a:solidFill>
+                  <a:schemeClr val="accent1"/>
+                </a:solidFill>
+              </a:rPr>
+              <a:t>In Building 0</a:t>
+            </a:r>
+          </a:p>
+          <a:p>
+            <a:r>
+              <a:rPr lang="en-GB" sz="1100" b="1" dirty="0">
+                <a:solidFill>
+                  <a:schemeClr val="accent6"/>
+                </a:solidFill>
+              </a:rPr>
+              <a:t>	258 </a:t>
+            </a:r>
+            <a:r>
+              <a:rPr lang="en-GB" sz="1100" dirty="0">
+                <a:solidFill>
+                  <a:schemeClr val="accent6"/>
+                </a:solidFill>
+              </a:rPr>
+              <a:t>predictions for floor 0 were True Positives</a:t>
+            </a:r>
+          </a:p>
+          <a:p>
+            <a:r>
+              <a:rPr lang="en-GB" sz="1100" b="1" dirty="0">
+                <a:solidFill>
+                  <a:schemeClr val="accent6"/>
+                </a:solidFill>
+              </a:rPr>
+              <a:t>	343</a:t>
+            </a:r>
+            <a:r>
+              <a:rPr lang="en-GB" sz="1100" dirty="0">
+                <a:solidFill>
+                  <a:schemeClr val="accent6"/>
+                </a:solidFill>
+              </a:rPr>
+              <a:t>predictions for floor 1 were True Positives</a:t>
+            </a:r>
+          </a:p>
+          <a:p>
+            <a:r>
+              <a:rPr lang="en-GB" sz="1100" b="1" dirty="0">
+                <a:solidFill>
+                  <a:schemeClr val="accent6"/>
+                </a:solidFill>
+              </a:rPr>
+              <a:t>	359</a:t>
+            </a:r>
+            <a:r>
+              <a:rPr lang="en-GB" sz="1100" dirty="0">
+                <a:solidFill>
+                  <a:schemeClr val="accent6"/>
+                </a:solidFill>
+              </a:rPr>
+              <a:t> predictions for floor 2 were True Positives</a:t>
+            </a:r>
+          </a:p>
+          <a:p>
+            <a:r>
+              <a:rPr lang="en-GB" sz="1100" b="1" dirty="0">
+                <a:solidFill>
+                  <a:schemeClr val="accent6"/>
+                </a:solidFill>
+              </a:rPr>
+              <a:t>	347 </a:t>
+            </a:r>
+            <a:r>
+              <a:rPr lang="en-GB" sz="1100" dirty="0">
+                <a:solidFill>
+                  <a:schemeClr val="accent6"/>
+                </a:solidFill>
+              </a:rPr>
+              <a:t>predictions for floor 3 were True Positives</a:t>
+            </a:r>
+          </a:p>
+          <a:p>
+            <a:endParaRPr lang="en-GB" sz="1100" dirty="0">
+              <a:solidFill>
+                <a:schemeClr val="accent6"/>
+              </a:solidFill>
+            </a:endParaRPr>
+          </a:p>
+          <a:p>
+            <a:r>
+              <a:rPr lang="en-GB" sz="1100" dirty="0">
+                <a:solidFill>
+                  <a:schemeClr val="accent2"/>
+                </a:solidFill>
+              </a:rPr>
+              <a:t>In </a:t>
+            </a:r>
+            <a:r>
+              <a:rPr lang="en-GB" sz="1100" b="1" u="sng" dirty="0">
+                <a:solidFill>
+                  <a:srgbClr val="FF0000"/>
+                </a:solidFill>
+              </a:rPr>
+              <a:t>26 cases floor 1 was misidentified as 0 </a:t>
+            </a:r>
+            <a:r>
+              <a:rPr lang="en-GB" sz="1100" dirty="0">
+                <a:solidFill>
+                  <a:schemeClr val="accent2"/>
+                </a:solidFill>
+              </a:rPr>
+              <a:t>&amp; 1 times floor 2 was misidentified as 0</a:t>
+            </a:r>
+          </a:p>
+          <a:p>
+            <a:r>
+              <a:rPr lang="en-GB" sz="1100" dirty="0">
+                <a:solidFill>
+                  <a:schemeClr val="accent2"/>
+                </a:solidFill>
+              </a:rPr>
+              <a:t>In 2 cases floor 0 was misidentified as being floor 1 &amp; in 1 case floor 2 was misidentified as 1</a:t>
+            </a:r>
+          </a:p>
+        </p:txBody>
+      </p:sp>
+    </p:spTree>
+    <p:extLst>
+      <p:ext uri="{BB962C8B-B14F-4D97-AF65-F5344CB8AC3E}">
+        <p14:creationId xmlns:p14="http://schemas.microsoft.com/office/powerpoint/2010/main" val="2865460308"/>
+      </p:ext>
+    </p:extLst>
+  </p:cSld>
+  <p:clrMapOvr>
+    <a:masterClrMapping/>
+  </p:clrMapOvr>
+</p:sld>
+</file>
+
+<file path=ppt/slides/slide45.xml><?xml version="1.0" encoding="utf-8"?>
+<p:sld xmlns:a="http://schemas.openxmlformats.org/drawingml/2006/main" xmlns:r="http://schemas.openxmlformats.org/officeDocument/2006/relationships" xmlns:p="http://schemas.openxmlformats.org/presentationml/2006/main">
+  <p:cSld>
+    <p:spTree>
+      <p:nvGrpSpPr>
+        <p:cNvPr id="1" name=""/>
+        <p:cNvGrpSpPr/>
+        <p:nvPr/>
+      </p:nvGrpSpPr>
+      <p:grpSpPr>
+        <a:xfrm>
+          <a:off x="0" y="0"/>
+          <a:ext cx="0" cy="0"/>
+          <a:chOff x="0" y="0"/>
+          <a:chExt cx="0" cy="0"/>
+        </a:xfrm>
+      </p:grpSpPr>
+      <p:pic>
+        <p:nvPicPr>
+          <p:cNvPr id="3" name="Afbeelding 2">
+            <a:extLst>
+              <a:ext uri="{FF2B5EF4-FFF2-40B4-BE49-F238E27FC236}">
+                <a16:creationId xmlns:a16="http://schemas.microsoft.com/office/drawing/2014/main" id="{0F9E280B-2CAF-44CC-8708-4A1DDDA77552}"/>
+              </a:ext>
+            </a:extLst>
+          </p:cNvPr>
+          <p:cNvPicPr>
+            <a:picLocks noChangeAspect="1"/>
+          </p:cNvPicPr>
+          <p:nvPr/>
+        </p:nvPicPr>
+        <p:blipFill>
+          <a:blip r:embed="rId2"/>
+          <a:stretch>
+            <a:fillRect/>
+          </a:stretch>
+        </p:blipFill>
+        <p:spPr>
+          <a:xfrm>
+            <a:off x="140983" y="2136938"/>
+            <a:ext cx="6442383" cy="4721974"/>
+          </a:xfrm>
+          <a:prstGeom prst="rect">
+            <a:avLst/>
+          </a:prstGeom>
+        </p:spPr>
+      </p:pic>
+      <p:sp>
+        <p:nvSpPr>
+          <p:cNvPr id="2" name="Titel 1">
+            <a:extLst>
+              <a:ext uri="{FF2B5EF4-FFF2-40B4-BE49-F238E27FC236}">
+                <a16:creationId xmlns:a16="http://schemas.microsoft.com/office/drawing/2014/main" id="{ECE4FA4E-54FC-4D95-B397-36B00736E710}"/>
+              </a:ext>
+            </a:extLst>
+          </p:cNvPr>
+          <p:cNvSpPr>
+            <a:spLocks noGrp="1"/>
+          </p:cNvSpPr>
+          <p:nvPr>
+            <p:ph type="title"/>
+          </p:nvPr>
+        </p:nvSpPr>
+        <p:spPr>
+          <a:xfrm>
+            <a:off x="140983" y="82432"/>
+            <a:ext cx="10515600" cy="842587"/>
+          </a:xfrm>
+        </p:spPr>
+        <p:txBody>
+          <a:bodyPr/>
+          <a:lstStyle/>
+          <a:p>
+            <a:r>
+              <a:rPr lang="en-GB" baseline="30000" dirty="0"/>
+              <a:t>1st</a:t>
+            </a:r>
+            <a:r>
+              <a:rPr lang="en-GB" dirty="0"/>
+              <a:t> RF</a:t>
+            </a:r>
+            <a:r>
+              <a:rPr lang="en-GB" b="1" dirty="0">
+                <a:solidFill>
+                  <a:schemeClr val="accent5"/>
+                </a:solidFill>
+              </a:rPr>
+              <a:t>B1</a:t>
+            </a:r>
+            <a:endParaRPr lang="en-GB" dirty="0"/>
+          </a:p>
+        </p:txBody>
+      </p:sp>
+      <p:sp>
+        <p:nvSpPr>
+          <p:cNvPr id="22" name="Tekstvak 21">
+            <a:extLst>
+              <a:ext uri="{FF2B5EF4-FFF2-40B4-BE49-F238E27FC236}">
+                <a16:creationId xmlns:a16="http://schemas.microsoft.com/office/drawing/2014/main" id="{10E0DBD8-85A8-4541-B344-F58906144035}"/>
+              </a:ext>
+            </a:extLst>
+          </p:cNvPr>
+          <p:cNvSpPr txBox="1"/>
+          <p:nvPr/>
+        </p:nvSpPr>
+        <p:spPr>
+          <a:xfrm>
+            <a:off x="6433904" y="654303"/>
+            <a:ext cx="5758096" cy="1785104"/>
+          </a:xfrm>
+          <a:prstGeom prst="rect">
+            <a:avLst/>
+          </a:prstGeom>
+          <a:noFill/>
+        </p:spPr>
+        <p:txBody>
+          <a:bodyPr wrap="square" rtlCol="0">
+            <a:spAutoFit/>
+          </a:bodyPr>
+          <a:lstStyle/>
+          <a:p>
+            <a:r>
+              <a:rPr lang="en-GB" sz="1100" b="1" dirty="0">
+                <a:solidFill>
+                  <a:schemeClr val="accent1"/>
+                </a:solidFill>
+              </a:rPr>
+              <a:t>In Building 1</a:t>
+            </a:r>
+          </a:p>
+          <a:p>
+            <a:r>
+              <a:rPr lang="en-GB" sz="1100" b="1" dirty="0">
+                <a:solidFill>
+                  <a:schemeClr val="accent6"/>
+                </a:solidFill>
+              </a:rPr>
+              <a:t>	0 </a:t>
+            </a:r>
+            <a:r>
+              <a:rPr lang="en-GB" sz="1100" dirty="0">
+                <a:solidFill>
+                  <a:schemeClr val="accent6"/>
+                </a:solidFill>
+              </a:rPr>
+              <a:t>predictions for floor 0 were True Positives</a:t>
+            </a:r>
+          </a:p>
+          <a:p>
+            <a:r>
+              <a:rPr lang="en-GB" sz="1100" b="1" dirty="0">
+                <a:solidFill>
+                  <a:schemeClr val="accent6"/>
+                </a:solidFill>
+              </a:rPr>
+              <a:t>	370 </a:t>
+            </a:r>
+            <a:r>
+              <a:rPr lang="en-GB" sz="1100" dirty="0">
+                <a:solidFill>
+                  <a:schemeClr val="accent6"/>
+                </a:solidFill>
+              </a:rPr>
+              <a:t>predictions for floor 1 were True Positives</a:t>
+            </a:r>
+          </a:p>
+          <a:p>
+            <a:r>
+              <a:rPr lang="en-GB" sz="1100" b="1" dirty="0">
+                <a:solidFill>
+                  <a:schemeClr val="accent6"/>
+                </a:solidFill>
+              </a:rPr>
+              <a:t>	0</a:t>
+            </a:r>
+            <a:r>
+              <a:rPr lang="en-GB" sz="1100" dirty="0">
+                <a:solidFill>
+                  <a:schemeClr val="accent6"/>
+                </a:solidFill>
+              </a:rPr>
+              <a:t> predictions for floor 2 were True Positives</a:t>
+            </a:r>
+          </a:p>
+          <a:p>
+            <a:r>
+              <a:rPr lang="en-GB" sz="1100" b="1" dirty="0">
+                <a:solidFill>
+                  <a:schemeClr val="accent6"/>
+                </a:solidFill>
+              </a:rPr>
+              <a:t>	0 </a:t>
+            </a:r>
+            <a:r>
+              <a:rPr lang="en-GB" sz="1100" dirty="0">
+                <a:solidFill>
+                  <a:schemeClr val="accent6"/>
+                </a:solidFill>
+              </a:rPr>
+              <a:t>predictions for floor 3 were True Positives</a:t>
+            </a:r>
+          </a:p>
+          <a:p>
+            <a:endParaRPr lang="en-GB" sz="1100" dirty="0">
+              <a:solidFill>
+                <a:schemeClr val="accent6"/>
+              </a:solidFill>
+            </a:endParaRPr>
+          </a:p>
+          <a:p>
+            <a:r>
+              <a:rPr lang="en-GB" sz="1100" dirty="0">
+                <a:solidFill>
+                  <a:schemeClr val="accent2"/>
+                </a:solidFill>
+              </a:rPr>
+              <a:t>In </a:t>
+            </a:r>
+            <a:r>
+              <a:rPr lang="en-GB" sz="1100" b="1" u="sng" dirty="0">
+                <a:solidFill>
+                  <a:srgbClr val="FF0000"/>
+                </a:solidFill>
+              </a:rPr>
+              <a:t>340 cases floor 1 was misidentified as 0 &amp; 349 times floor 2  + 227 times floor 3 was misidentified as 0</a:t>
+            </a:r>
+          </a:p>
+          <a:p>
+            <a:endParaRPr lang="en-GB" sz="1100" b="1" u="sng" dirty="0">
+              <a:solidFill>
+                <a:srgbClr val="FF0000"/>
+              </a:solidFill>
+            </a:endParaRPr>
+          </a:p>
+          <a:p>
+            <a:r>
+              <a:rPr lang="en-GB" sz="1100" dirty="0">
+                <a:solidFill>
+                  <a:schemeClr val="accent2"/>
+                </a:solidFill>
+              </a:rPr>
+              <a:t>Other floors could hardly be predicted</a:t>
+            </a:r>
+            <a:endParaRPr lang="en-GB" sz="1100" b="1" u="sng" dirty="0">
+              <a:solidFill>
+                <a:srgbClr val="FF0000"/>
+              </a:solidFill>
+            </a:endParaRPr>
+          </a:p>
+        </p:txBody>
+      </p:sp>
+      <p:sp>
+        <p:nvSpPr>
+          <p:cNvPr id="24" name="Tekstvak 23">
+            <a:extLst>
+              <a:ext uri="{FF2B5EF4-FFF2-40B4-BE49-F238E27FC236}">
+                <a16:creationId xmlns:a16="http://schemas.microsoft.com/office/drawing/2014/main" id="{F577DA5A-702E-4033-8425-6CF68E6FAFA5}"/>
+              </a:ext>
+            </a:extLst>
+          </p:cNvPr>
+          <p:cNvSpPr txBox="1"/>
+          <p:nvPr/>
+        </p:nvSpPr>
+        <p:spPr>
+          <a:xfrm>
+            <a:off x="6625236" y="71558"/>
+            <a:ext cx="5915609" cy="369332"/>
+          </a:xfrm>
+          <a:prstGeom prst="rect">
+            <a:avLst/>
+          </a:prstGeom>
+          <a:noFill/>
+        </p:spPr>
+        <p:txBody>
+          <a:bodyPr wrap="square" rtlCol="0">
+            <a:spAutoFit/>
+          </a:bodyPr>
+          <a:lstStyle/>
+          <a:p>
+            <a:r>
+              <a:rPr lang="en-GB" dirty="0">
+                <a:solidFill>
+                  <a:schemeClr val="accent2"/>
+                </a:solidFill>
+              </a:rPr>
+              <a:t>Often floors are identified as 0, while being 1, 2 or 3</a:t>
+            </a:r>
+          </a:p>
+        </p:txBody>
+      </p:sp>
+      <p:sp>
+        <p:nvSpPr>
+          <p:cNvPr id="20" name="Tekstvak 19">
+            <a:extLst>
+              <a:ext uri="{FF2B5EF4-FFF2-40B4-BE49-F238E27FC236}">
+                <a16:creationId xmlns:a16="http://schemas.microsoft.com/office/drawing/2014/main" id="{55836D54-2DA1-4B42-BA0C-82E4964DE566}"/>
+              </a:ext>
+            </a:extLst>
+          </p:cNvPr>
+          <p:cNvSpPr txBox="1"/>
+          <p:nvPr/>
+        </p:nvSpPr>
+        <p:spPr>
+          <a:xfrm>
+            <a:off x="88500" y="925019"/>
+            <a:ext cx="1400610" cy="369332"/>
+          </a:xfrm>
+          <a:prstGeom prst="rect">
+            <a:avLst/>
+          </a:prstGeom>
+          <a:noFill/>
+        </p:spPr>
+        <p:txBody>
+          <a:bodyPr wrap="square" rtlCol="0">
+            <a:spAutoFit/>
+          </a:bodyPr>
+          <a:lstStyle/>
+          <a:p>
+            <a:r>
+              <a:rPr lang="en-GB" b="1" dirty="0">
+                <a:solidFill>
+                  <a:schemeClr val="accent6"/>
+                </a:solidFill>
+              </a:rPr>
+              <a:t>FLOOR </a:t>
+            </a:r>
+          </a:p>
+        </p:txBody>
+      </p:sp>
+      <p:sp>
+        <p:nvSpPr>
+          <p:cNvPr id="4" name="Rechthoek 3">
+            <a:extLst>
+              <a:ext uri="{FF2B5EF4-FFF2-40B4-BE49-F238E27FC236}">
+                <a16:creationId xmlns:a16="http://schemas.microsoft.com/office/drawing/2014/main" id="{2BEACF82-45EA-4FDD-BCFF-8630047D7338}"/>
+              </a:ext>
+            </a:extLst>
+          </p:cNvPr>
+          <p:cNvSpPr/>
+          <p:nvPr/>
+        </p:nvSpPr>
+        <p:spPr>
+          <a:xfrm>
+            <a:off x="7086085" y="2966073"/>
+            <a:ext cx="5105915" cy="3416320"/>
+          </a:xfrm>
+          <a:prstGeom prst="rect">
+            <a:avLst/>
+          </a:prstGeom>
+        </p:spPr>
+        <p:txBody>
+          <a:bodyPr wrap="square">
+            <a:spAutoFit/>
+          </a:bodyPr>
+          <a:lstStyle/>
+          <a:p>
+            <a:r>
+              <a:rPr lang="en-US" sz="1200" dirty="0">
+                <a:solidFill>
+                  <a:schemeClr val="accent1"/>
+                </a:solidFill>
+              </a:rPr>
+              <a:t>KNNB1Floor Model</a:t>
+            </a:r>
+          </a:p>
+          <a:p>
+            <a:r>
+              <a:rPr lang="en-US" sz="1200" dirty="0"/>
+              <a:t>Confusion Matrix and Statistics</a:t>
+            </a:r>
+          </a:p>
+          <a:p>
+            <a:endParaRPr lang="en-US" sz="1200" dirty="0"/>
+          </a:p>
+          <a:p>
+            <a:r>
+              <a:rPr lang="en-US" sz="1200" dirty="0"/>
+              <a:t>                     </a:t>
+            </a:r>
+          </a:p>
+          <a:p>
+            <a:r>
+              <a:rPr lang="en-US" sz="1200" dirty="0"/>
+              <a:t>predictions_RFB1Floor   0   1   2   3</a:t>
+            </a:r>
+          </a:p>
+          <a:p>
+            <a:r>
+              <a:rPr lang="en-US" sz="1200" dirty="0"/>
+              <a:t>                    0   0   0   0   0</a:t>
+            </a:r>
+          </a:p>
+          <a:p>
+            <a:r>
+              <a:rPr lang="en-US" sz="1200" dirty="0"/>
+              <a:t>                    1 340 370 349 227</a:t>
+            </a:r>
+          </a:p>
+          <a:p>
+            <a:r>
+              <a:rPr lang="en-US" sz="1200" dirty="0"/>
+              <a:t>                    2   0   0   0   0</a:t>
+            </a:r>
+          </a:p>
+          <a:p>
+            <a:r>
+              <a:rPr lang="en-US" sz="1200" dirty="0"/>
+              <a:t>                    3   0   3   0   0</a:t>
+            </a:r>
+          </a:p>
+          <a:p>
+            <a:endParaRPr lang="en-US" sz="1200" dirty="0"/>
+          </a:p>
+          <a:p>
+            <a:r>
+              <a:rPr lang="en-US" sz="1200" dirty="0"/>
+              <a:t>Overall Statistics</a:t>
+            </a:r>
+          </a:p>
+          <a:p>
+            <a:r>
+              <a:rPr lang="en-US" sz="1200" dirty="0"/>
+              <a:t>                                          </a:t>
+            </a:r>
+          </a:p>
+          <a:p>
+            <a:r>
+              <a:rPr lang="en-US" sz="1200" dirty="0"/>
+              <a:t>               Accuracy : 0.287           </a:t>
+            </a:r>
+          </a:p>
+          <a:p>
+            <a:r>
+              <a:rPr lang="en-US" sz="1200" dirty="0"/>
+              <a:t>                 95% CI : (0.2625, 0.3126)</a:t>
+            </a:r>
+          </a:p>
+          <a:p>
+            <a:r>
+              <a:rPr lang="en-US" sz="1200" dirty="0"/>
+              <a:t>    No Information Rate : 0.2894          </a:t>
+            </a:r>
+          </a:p>
+          <a:p>
+            <a:r>
+              <a:rPr lang="en-US" sz="1200" dirty="0"/>
+              <a:t>    P-Value [Acc &gt; NIR] : 0.5835          </a:t>
+            </a:r>
+          </a:p>
+          <a:p>
+            <a:r>
+              <a:rPr lang="en-US" sz="1200" dirty="0"/>
+              <a:t>                                          </a:t>
+            </a:r>
+          </a:p>
+          <a:p>
+            <a:r>
+              <a:rPr lang="en-US" sz="1200" dirty="0"/>
+              <a:t>                  Kappa : -0.0029</a:t>
+            </a:r>
+          </a:p>
+        </p:txBody>
+      </p:sp>
+      <p:cxnSp>
+        <p:nvCxnSpPr>
+          <p:cNvPr id="12" name="Rechte verbindingslijn 11">
+            <a:extLst>
+              <a:ext uri="{FF2B5EF4-FFF2-40B4-BE49-F238E27FC236}">
+                <a16:creationId xmlns:a16="http://schemas.microsoft.com/office/drawing/2014/main" id="{6C97441E-2D41-490D-85F6-2FC8D758C33A}"/>
+              </a:ext>
+            </a:extLst>
+          </p:cNvPr>
+          <p:cNvCxnSpPr/>
+          <p:nvPr/>
+        </p:nvCxnSpPr>
+        <p:spPr>
+          <a:xfrm>
+            <a:off x="1393419" y="2910105"/>
+            <a:ext cx="4385387" cy="3620278"/>
+          </a:xfrm>
+          <a:prstGeom prst="line">
+            <a:avLst/>
+          </a:prstGeom>
+          <a:ln w="15875">
+            <a:solidFill>
+              <a:schemeClr val="accent6"/>
+            </a:solidFill>
+            <a:prstDash val="lgDashDot"/>
+          </a:ln>
+        </p:spPr>
+        <p:style>
+          <a:lnRef idx="1">
+            <a:schemeClr val="accent1"/>
+          </a:lnRef>
+          <a:fillRef idx="0">
+            <a:schemeClr val="accent1"/>
+          </a:fillRef>
+          <a:effectRef idx="0">
+            <a:schemeClr val="accent1"/>
+          </a:effectRef>
+          <a:fontRef idx="minor">
+            <a:schemeClr val="tx1"/>
+          </a:fontRef>
+        </p:style>
+      </p:cxnSp>
+      <p:cxnSp>
+        <p:nvCxnSpPr>
+          <p:cNvPr id="13" name="Rechte verbindingslijn 12">
+            <a:extLst>
+              <a:ext uri="{FF2B5EF4-FFF2-40B4-BE49-F238E27FC236}">
+                <a16:creationId xmlns:a16="http://schemas.microsoft.com/office/drawing/2014/main" id="{24AB4145-2F5A-471C-9D2E-D2C49EE5C36F}"/>
+              </a:ext>
+            </a:extLst>
+          </p:cNvPr>
+          <p:cNvCxnSpPr>
+            <a:cxnSpLocks/>
+          </p:cNvCxnSpPr>
+          <p:nvPr/>
+        </p:nvCxnSpPr>
+        <p:spPr>
+          <a:xfrm flipV="1">
+            <a:off x="1285712" y="3058096"/>
+            <a:ext cx="4031409" cy="3324297"/>
+          </a:xfrm>
+          <a:prstGeom prst="line">
+            <a:avLst/>
+          </a:prstGeom>
+          <a:ln w="15875">
+            <a:solidFill>
+              <a:srgbClr val="FF0000"/>
+            </a:solidFill>
+            <a:prstDash val="lgDashDot"/>
+          </a:ln>
+        </p:spPr>
+        <p:style>
+          <a:lnRef idx="1">
+            <a:schemeClr val="accent1"/>
+          </a:lnRef>
+          <a:fillRef idx="0">
+            <a:schemeClr val="accent1"/>
+          </a:fillRef>
+          <a:effectRef idx="0">
+            <a:schemeClr val="accent1"/>
+          </a:effectRef>
+          <a:fontRef idx="minor">
+            <a:schemeClr val="tx1"/>
+          </a:fontRef>
+        </p:style>
+      </p:cxnSp>
+      <p:sp>
+        <p:nvSpPr>
+          <p:cNvPr id="25" name="Rechthoek 24">
+            <a:extLst>
+              <a:ext uri="{FF2B5EF4-FFF2-40B4-BE49-F238E27FC236}">
+                <a16:creationId xmlns:a16="http://schemas.microsoft.com/office/drawing/2014/main" id="{8D2E6E0B-588B-4B6C-96A0-DB74001F4882}"/>
+              </a:ext>
+            </a:extLst>
+          </p:cNvPr>
+          <p:cNvSpPr/>
+          <p:nvPr/>
+        </p:nvSpPr>
+        <p:spPr>
+          <a:xfrm>
+            <a:off x="1285712" y="50619"/>
+            <a:ext cx="5981350" cy="861774"/>
+          </a:xfrm>
+          <a:prstGeom prst="rect">
+            <a:avLst/>
+          </a:prstGeom>
+        </p:spPr>
+        <p:txBody>
+          <a:bodyPr wrap="square">
+            <a:spAutoFit/>
+          </a:bodyPr>
+          <a:lstStyle/>
+          <a:p>
+            <a:r>
+              <a:rPr lang="en-GB" sz="1000" b="1" dirty="0">
+                <a:solidFill>
+                  <a:schemeClr val="accent1"/>
+                </a:solidFill>
+              </a:rPr>
+              <a:t>	kappa_RFNB1Floor Confusion Matrix</a:t>
+            </a:r>
+          </a:p>
+          <a:p>
+            <a:pPr lvl="2"/>
+            <a:r>
+              <a:rPr lang="en-US" sz="1000" dirty="0"/>
+              <a:t> 	value      	ASE      	z </a:t>
+            </a:r>
+            <a:r>
+              <a:rPr lang="en-US" sz="1000" dirty="0" err="1"/>
+              <a:t>Pr</a:t>
+            </a:r>
+            <a:r>
+              <a:rPr lang="en-US" sz="1000" dirty="0"/>
+              <a:t>(&gt;|z|)</a:t>
+            </a:r>
+          </a:p>
+          <a:p>
+            <a:pPr lvl="2"/>
+            <a:r>
+              <a:rPr lang="en-US" sz="1000" dirty="0"/>
+              <a:t>Unweighted 	-0.002903 	0.001674	 -1.734  0.08285</a:t>
+            </a:r>
+          </a:p>
+          <a:p>
+            <a:pPr lvl="2"/>
+            <a:r>
+              <a:rPr lang="en-US" sz="1000" dirty="0"/>
+              <a:t>Weighted   	-0.003264 	0.001880 	-1.736  0.0825031</a:t>
+            </a:r>
+          </a:p>
+          <a:p>
+            <a:endParaRPr lang="en-US" sz="1000" dirty="0"/>
+          </a:p>
+        </p:txBody>
+      </p:sp>
+    </p:spTree>
+    <p:extLst>
+      <p:ext uri="{BB962C8B-B14F-4D97-AF65-F5344CB8AC3E}">
+        <p14:creationId xmlns:p14="http://schemas.microsoft.com/office/powerpoint/2010/main" val="241323827"/>
+      </p:ext>
+    </p:extLst>
+  </p:cSld>
+  <p:clrMapOvr>
+    <a:masterClrMapping/>
+  </p:clrMapOvr>
+</p:sld>
+</file>
+
+<file path=ppt/slides/slide46.xml><?xml version="1.0" encoding="utf-8"?>
+<p:sld xmlns:a="http://schemas.openxmlformats.org/drawingml/2006/main" xmlns:r="http://schemas.openxmlformats.org/officeDocument/2006/relationships" xmlns:p="http://schemas.openxmlformats.org/presentationml/2006/main">
+  <p:cSld>
+    <p:spTree>
+      <p:nvGrpSpPr>
+        <p:cNvPr id="1" name=""/>
+        <p:cNvGrpSpPr/>
+        <p:nvPr/>
+      </p:nvGrpSpPr>
+      <p:grpSpPr>
+        <a:xfrm>
+          <a:off x="0" y="0"/>
+          <a:ext cx="0" cy="0"/>
+          <a:chOff x="0" y="0"/>
+          <a:chExt cx="0" cy="0"/>
+        </a:xfrm>
+      </p:grpSpPr>
+      <p:pic>
+        <p:nvPicPr>
+          <p:cNvPr id="4" name="Afbeelding 3">
+            <a:extLst>
+              <a:ext uri="{FF2B5EF4-FFF2-40B4-BE49-F238E27FC236}">
+                <a16:creationId xmlns:a16="http://schemas.microsoft.com/office/drawing/2014/main" id="{6F6B659C-E3D5-4B08-A03E-06F44E750733}"/>
+              </a:ext>
+            </a:extLst>
+          </p:cNvPr>
+          <p:cNvPicPr>
+            <a:picLocks noChangeAspect="1"/>
+          </p:cNvPicPr>
+          <p:nvPr/>
+        </p:nvPicPr>
+        <p:blipFill>
+          <a:blip r:embed="rId2"/>
+          <a:stretch>
+            <a:fillRect/>
+          </a:stretch>
+        </p:blipFill>
+        <p:spPr>
+          <a:xfrm>
+            <a:off x="197479" y="1920831"/>
+            <a:ext cx="6395997" cy="5001998"/>
+          </a:xfrm>
+          <a:prstGeom prst="rect">
+            <a:avLst/>
+          </a:prstGeom>
+        </p:spPr>
+      </p:pic>
+      <p:sp>
+        <p:nvSpPr>
+          <p:cNvPr id="2" name="Titel 1">
+            <a:extLst>
+              <a:ext uri="{FF2B5EF4-FFF2-40B4-BE49-F238E27FC236}">
+                <a16:creationId xmlns:a16="http://schemas.microsoft.com/office/drawing/2014/main" id="{ECE4FA4E-54FC-4D95-B397-36B00736E710}"/>
+              </a:ext>
+            </a:extLst>
+          </p:cNvPr>
+          <p:cNvSpPr>
+            <a:spLocks noGrp="1"/>
+          </p:cNvSpPr>
+          <p:nvPr>
+            <p:ph type="title"/>
+          </p:nvPr>
+        </p:nvSpPr>
+        <p:spPr>
+          <a:xfrm>
+            <a:off x="140983" y="82432"/>
+            <a:ext cx="10515600" cy="842587"/>
+          </a:xfrm>
+        </p:spPr>
+        <p:txBody>
+          <a:bodyPr/>
+          <a:lstStyle/>
+          <a:p>
+            <a:r>
+              <a:rPr lang="en-GB" baseline="30000" dirty="0"/>
+              <a:t>1st</a:t>
+            </a:r>
+            <a:r>
+              <a:rPr lang="en-GB" dirty="0"/>
+              <a:t> RF </a:t>
+            </a:r>
+            <a:r>
+              <a:rPr lang="en-GB" b="1" dirty="0">
+                <a:solidFill>
+                  <a:schemeClr val="accent5"/>
+                </a:solidFill>
+              </a:rPr>
+              <a:t>B2</a:t>
+            </a:r>
+            <a:endParaRPr lang="en-GB" dirty="0"/>
+          </a:p>
+        </p:txBody>
+      </p:sp>
+      <p:sp>
+        <p:nvSpPr>
+          <p:cNvPr id="20" name="Tekstvak 19">
+            <a:extLst>
+              <a:ext uri="{FF2B5EF4-FFF2-40B4-BE49-F238E27FC236}">
+                <a16:creationId xmlns:a16="http://schemas.microsoft.com/office/drawing/2014/main" id="{57E3EC66-A77E-45AD-B891-1BBE670BFBEF}"/>
+              </a:ext>
+            </a:extLst>
+          </p:cNvPr>
+          <p:cNvSpPr txBox="1"/>
+          <p:nvPr/>
+        </p:nvSpPr>
+        <p:spPr>
+          <a:xfrm>
+            <a:off x="88500" y="925019"/>
+            <a:ext cx="1400610" cy="369332"/>
+          </a:xfrm>
+          <a:prstGeom prst="rect">
+            <a:avLst/>
+          </a:prstGeom>
+          <a:noFill/>
+        </p:spPr>
+        <p:txBody>
+          <a:bodyPr wrap="square" rtlCol="0">
+            <a:spAutoFit/>
+          </a:bodyPr>
+          <a:lstStyle/>
+          <a:p>
+            <a:r>
+              <a:rPr lang="en-GB" b="1" dirty="0">
+                <a:solidFill>
+                  <a:schemeClr val="accent6"/>
+                </a:solidFill>
+              </a:rPr>
+              <a:t>FLOOR </a:t>
+            </a:r>
+          </a:p>
+        </p:txBody>
+      </p:sp>
+      <p:cxnSp>
+        <p:nvCxnSpPr>
+          <p:cNvPr id="12" name="Rechte verbindingslijn 11">
+            <a:extLst>
+              <a:ext uri="{FF2B5EF4-FFF2-40B4-BE49-F238E27FC236}">
+                <a16:creationId xmlns:a16="http://schemas.microsoft.com/office/drawing/2014/main" id="{6C97441E-2D41-490D-85F6-2FC8D758C33A}"/>
+              </a:ext>
+            </a:extLst>
+          </p:cNvPr>
+          <p:cNvCxnSpPr/>
+          <p:nvPr/>
+        </p:nvCxnSpPr>
+        <p:spPr>
+          <a:xfrm>
+            <a:off x="1252634" y="2458206"/>
+            <a:ext cx="4385387" cy="3620278"/>
+          </a:xfrm>
+          <a:prstGeom prst="line">
+            <a:avLst/>
+          </a:prstGeom>
+          <a:ln w="15875">
+            <a:solidFill>
+              <a:schemeClr val="accent6"/>
+            </a:solidFill>
+            <a:prstDash val="lgDashDot"/>
+          </a:ln>
+        </p:spPr>
+        <p:style>
+          <a:lnRef idx="1">
+            <a:schemeClr val="accent1"/>
+          </a:lnRef>
+          <a:fillRef idx="0">
+            <a:schemeClr val="accent1"/>
+          </a:fillRef>
+          <a:effectRef idx="0">
+            <a:schemeClr val="accent1"/>
+          </a:effectRef>
+          <a:fontRef idx="minor">
+            <a:schemeClr val="tx1"/>
+          </a:fontRef>
+        </p:style>
+      </p:cxnSp>
+      <p:cxnSp>
+        <p:nvCxnSpPr>
+          <p:cNvPr id="13" name="Rechte verbindingslijn 12">
+            <a:extLst>
+              <a:ext uri="{FF2B5EF4-FFF2-40B4-BE49-F238E27FC236}">
+                <a16:creationId xmlns:a16="http://schemas.microsoft.com/office/drawing/2014/main" id="{24AB4145-2F5A-471C-9D2E-D2C49EE5C36F}"/>
+              </a:ext>
+            </a:extLst>
+          </p:cNvPr>
+          <p:cNvCxnSpPr>
+            <a:cxnSpLocks/>
+          </p:cNvCxnSpPr>
+          <p:nvPr/>
+        </p:nvCxnSpPr>
+        <p:spPr>
+          <a:xfrm flipV="1">
+            <a:off x="1489110" y="2851166"/>
+            <a:ext cx="4031409" cy="3324297"/>
+          </a:xfrm>
+          <a:prstGeom prst="line">
+            <a:avLst/>
+          </a:prstGeom>
+          <a:ln w="15875">
+            <a:solidFill>
+              <a:srgbClr val="FF0000"/>
+            </a:solidFill>
+            <a:prstDash val="lgDashDot"/>
+          </a:ln>
+        </p:spPr>
+        <p:style>
+          <a:lnRef idx="1">
+            <a:schemeClr val="accent1"/>
+          </a:lnRef>
+          <a:fillRef idx="0">
+            <a:schemeClr val="accent1"/>
+          </a:fillRef>
+          <a:effectRef idx="0">
+            <a:schemeClr val="accent1"/>
+          </a:effectRef>
+          <a:fontRef idx="minor">
+            <a:schemeClr val="tx1"/>
+          </a:fontRef>
+        </p:style>
+      </p:cxnSp>
+      <p:sp>
+        <p:nvSpPr>
+          <p:cNvPr id="6" name="Rechthoek 5">
+            <a:extLst>
+              <a:ext uri="{FF2B5EF4-FFF2-40B4-BE49-F238E27FC236}">
+                <a16:creationId xmlns:a16="http://schemas.microsoft.com/office/drawing/2014/main" id="{FD5A9D77-5CC7-47E5-B4B5-ECBCE4404D66}"/>
+              </a:ext>
+            </a:extLst>
+          </p:cNvPr>
+          <p:cNvSpPr/>
+          <p:nvPr/>
+        </p:nvSpPr>
+        <p:spPr>
+          <a:xfrm>
+            <a:off x="7968851" y="2458206"/>
+            <a:ext cx="4443383" cy="3416320"/>
+          </a:xfrm>
+          <a:prstGeom prst="rect">
+            <a:avLst/>
+          </a:prstGeom>
+        </p:spPr>
+        <p:txBody>
+          <a:bodyPr wrap="square">
+            <a:spAutoFit/>
+          </a:bodyPr>
+          <a:lstStyle/>
+          <a:p>
+            <a:r>
+              <a:rPr lang="en-GB" sz="1200" dirty="0">
+                <a:solidFill>
+                  <a:schemeClr val="accent1"/>
+                </a:solidFill>
+              </a:rPr>
+              <a:t>RFB2Floor Model</a:t>
+            </a:r>
+          </a:p>
+          <a:p>
+            <a:r>
+              <a:rPr lang="en-GB" sz="1200" dirty="0"/>
+              <a:t>Confusion Matrix and Statistics</a:t>
+            </a:r>
+          </a:p>
+          <a:p>
+            <a:r>
+              <a:rPr lang="en-GB" sz="1200" dirty="0"/>
+              <a:t>                     </a:t>
+            </a:r>
+          </a:p>
+          <a:p>
+            <a:r>
+              <a:rPr lang="en-GB" sz="1200" dirty="0"/>
+              <a:t>predictions_RFB2Floor   	       0   1   2   3   4</a:t>
+            </a:r>
+          </a:p>
+          <a:p>
+            <a:r>
+              <a:rPr lang="en-GB" sz="1200" dirty="0"/>
+              <a:t>                    		0 478   0   0   0   0</a:t>
+            </a:r>
+          </a:p>
+          <a:p>
+            <a:r>
+              <a:rPr lang="en-GB" sz="1200" dirty="0"/>
+              <a:t>                    		1   0 538   0   0   0</a:t>
+            </a:r>
+          </a:p>
+          <a:p>
+            <a:r>
+              <a:rPr lang="en-GB" sz="1200" dirty="0"/>
+              <a:t>                    		2   0   0 393   0   0</a:t>
+            </a:r>
+          </a:p>
+          <a:p>
+            <a:r>
+              <a:rPr lang="en-GB" sz="1200" dirty="0"/>
+              <a:t>                    		3   0   0   1 677   0</a:t>
+            </a:r>
+          </a:p>
+          <a:p>
+            <a:r>
+              <a:rPr lang="en-GB" sz="1200" dirty="0"/>
+              <a:t>                    		4   0   0   0   0 275</a:t>
+            </a:r>
+          </a:p>
+          <a:p>
+            <a:endParaRPr lang="en-GB" sz="1200" dirty="0"/>
+          </a:p>
+          <a:p>
+            <a:r>
+              <a:rPr lang="en-GB" sz="1200" dirty="0"/>
+              <a:t>Overall Statistics</a:t>
+            </a:r>
+          </a:p>
+          <a:p>
+            <a:r>
+              <a:rPr lang="en-GB" sz="1200" dirty="0"/>
+              <a:t>                                     </a:t>
+            </a:r>
+          </a:p>
+          <a:p>
+            <a:r>
+              <a:rPr lang="en-GB" sz="1200" dirty="0"/>
+              <a:t>               Accuracy : 0.9996     </a:t>
+            </a:r>
+          </a:p>
+          <a:p>
+            <a:r>
+              <a:rPr lang="en-GB" sz="1200" dirty="0"/>
+              <a:t>                 95% CI : (0.9976, 1)</a:t>
+            </a:r>
+          </a:p>
+          <a:p>
+            <a:r>
+              <a:rPr lang="en-GB" sz="1200" dirty="0"/>
+              <a:t>    No Information Rate : 0.2866     </a:t>
+            </a:r>
+          </a:p>
+          <a:p>
+            <a:r>
+              <a:rPr lang="en-GB" sz="1200" dirty="0"/>
+              <a:t>    P-Value [</a:t>
+            </a:r>
+            <a:r>
+              <a:rPr lang="en-GB" sz="1200" dirty="0" err="1"/>
+              <a:t>Acc</a:t>
+            </a:r>
+            <a:r>
+              <a:rPr lang="en-GB" sz="1200" dirty="0"/>
+              <a:t> &gt; NIR] : &lt; 2.2e-16  </a:t>
+            </a:r>
+          </a:p>
+          <a:p>
+            <a:r>
+              <a:rPr lang="en-GB" sz="1200" dirty="0"/>
+              <a:t>                                     </a:t>
+            </a:r>
+          </a:p>
+          <a:p>
+            <a:r>
+              <a:rPr lang="en-GB" sz="1200" dirty="0"/>
+              <a:t>                  Kappa : 0.9995 </a:t>
+            </a:r>
+          </a:p>
+        </p:txBody>
+      </p:sp>
+      <p:sp>
+        <p:nvSpPr>
+          <p:cNvPr id="10" name="Rechthoek 9">
+            <a:extLst>
+              <a:ext uri="{FF2B5EF4-FFF2-40B4-BE49-F238E27FC236}">
+                <a16:creationId xmlns:a16="http://schemas.microsoft.com/office/drawing/2014/main" id="{7315F953-C0AA-4170-B70C-D881824612D6}"/>
+              </a:ext>
+            </a:extLst>
+          </p:cNvPr>
+          <p:cNvSpPr/>
+          <p:nvPr/>
+        </p:nvSpPr>
+        <p:spPr>
+          <a:xfrm>
+            <a:off x="2797937" y="82432"/>
+            <a:ext cx="3724783" cy="707886"/>
+          </a:xfrm>
+          <a:prstGeom prst="rect">
+            <a:avLst/>
+          </a:prstGeom>
+        </p:spPr>
+        <p:txBody>
+          <a:bodyPr wrap="square">
+            <a:spAutoFit/>
+          </a:bodyPr>
+          <a:lstStyle/>
+          <a:p>
+            <a:r>
+              <a:rPr lang="en-GB" sz="1000" b="1" dirty="0">
+                <a:solidFill>
+                  <a:schemeClr val="accent1"/>
+                </a:solidFill>
+              </a:rPr>
+              <a:t>kappa_RFB2Floor Confusion Matrix</a:t>
+            </a:r>
+          </a:p>
+          <a:p>
+            <a:r>
+              <a:rPr lang="en-US" sz="1000" dirty="0"/>
+              <a:t> 	value       ASE    		z </a:t>
+            </a:r>
+            <a:r>
+              <a:rPr lang="en-US" sz="1000" dirty="0" err="1"/>
+              <a:t>Pr</a:t>
+            </a:r>
+            <a:r>
+              <a:rPr lang="en-US" sz="1000" dirty="0"/>
+              <a:t>(&gt;|z|)</a:t>
+            </a:r>
+          </a:p>
+          <a:p>
+            <a:r>
+              <a:rPr lang="en-US" sz="1000" dirty="0"/>
+              <a:t>Unweighted 	0.9995 `  0.0005402 1850        	0</a:t>
+            </a:r>
+          </a:p>
+          <a:p>
+            <a:r>
+              <a:rPr lang="en-US" sz="1000" dirty="0"/>
+              <a:t>Weighted   	0.9997    0.0002822 3542        	0</a:t>
+            </a:r>
+            <a:endParaRPr lang="en-GB" sz="1000" dirty="0"/>
+          </a:p>
+        </p:txBody>
+      </p:sp>
+      <p:sp>
+        <p:nvSpPr>
+          <p:cNvPr id="22" name="Tekstvak 21">
+            <a:extLst>
+              <a:ext uri="{FF2B5EF4-FFF2-40B4-BE49-F238E27FC236}">
+                <a16:creationId xmlns:a16="http://schemas.microsoft.com/office/drawing/2014/main" id="{10E0DBD8-85A8-4541-B344-F58906144035}"/>
+              </a:ext>
+            </a:extLst>
+          </p:cNvPr>
+          <p:cNvSpPr txBox="1"/>
+          <p:nvPr/>
+        </p:nvSpPr>
+        <p:spPr>
+          <a:xfrm>
+            <a:off x="6909325" y="19772"/>
+            <a:ext cx="4540697" cy="1107996"/>
+          </a:xfrm>
+          <a:prstGeom prst="rect">
+            <a:avLst/>
+          </a:prstGeom>
+          <a:noFill/>
+        </p:spPr>
+        <p:txBody>
+          <a:bodyPr wrap="square" rtlCol="0">
+            <a:spAutoFit/>
+          </a:bodyPr>
+          <a:lstStyle/>
+          <a:p>
+            <a:r>
+              <a:rPr lang="en-GB" sz="1100" b="1" dirty="0">
+                <a:solidFill>
+                  <a:schemeClr val="accent1"/>
+                </a:solidFill>
+              </a:rPr>
+              <a:t>In Building 2</a:t>
+            </a:r>
+          </a:p>
+          <a:p>
+            <a:r>
+              <a:rPr lang="en-GB" sz="1100" b="1" dirty="0">
+                <a:solidFill>
+                  <a:schemeClr val="accent6"/>
+                </a:solidFill>
+              </a:rPr>
+              <a:t>	478 </a:t>
+            </a:r>
+            <a:r>
+              <a:rPr lang="en-GB" sz="1100" dirty="0">
+                <a:solidFill>
+                  <a:schemeClr val="accent6"/>
+                </a:solidFill>
+              </a:rPr>
+              <a:t>predictions for floor 0 were True Positives</a:t>
+            </a:r>
+          </a:p>
+          <a:p>
+            <a:r>
+              <a:rPr lang="en-GB" sz="1100" b="1" dirty="0">
+                <a:solidFill>
+                  <a:schemeClr val="accent6"/>
+                </a:solidFill>
+              </a:rPr>
+              <a:t>	538</a:t>
+            </a:r>
+            <a:r>
+              <a:rPr lang="en-GB" sz="1100" dirty="0">
+                <a:solidFill>
+                  <a:schemeClr val="accent6"/>
+                </a:solidFill>
+              </a:rPr>
+              <a:t> predictions for floor 1 were True Positives</a:t>
+            </a:r>
+          </a:p>
+          <a:p>
+            <a:r>
+              <a:rPr lang="en-GB" sz="1100" b="1" dirty="0">
+                <a:solidFill>
+                  <a:schemeClr val="accent6"/>
+                </a:solidFill>
+              </a:rPr>
+              <a:t>	393</a:t>
+            </a:r>
+            <a:r>
+              <a:rPr lang="en-GB" sz="1100" dirty="0">
+                <a:solidFill>
+                  <a:schemeClr val="accent6"/>
+                </a:solidFill>
+              </a:rPr>
+              <a:t> predictions for floor 2 were True Positives</a:t>
+            </a:r>
+          </a:p>
+          <a:p>
+            <a:r>
+              <a:rPr lang="en-GB" sz="1100" b="1" dirty="0">
+                <a:solidFill>
+                  <a:schemeClr val="accent6"/>
+                </a:solidFill>
+              </a:rPr>
+              <a:t>	677 </a:t>
+            </a:r>
+            <a:r>
+              <a:rPr lang="en-GB" sz="1100" dirty="0">
+                <a:solidFill>
+                  <a:schemeClr val="accent6"/>
+                </a:solidFill>
+              </a:rPr>
+              <a:t>predictions for floor 3 were True Positives</a:t>
+            </a:r>
+          </a:p>
+          <a:p>
+            <a:r>
+              <a:rPr lang="en-GB" sz="1100" dirty="0">
+                <a:solidFill>
+                  <a:schemeClr val="accent6"/>
+                </a:solidFill>
+              </a:rPr>
+              <a:t>	275 predictions for floor 4 were True Positives</a:t>
+            </a:r>
+          </a:p>
+        </p:txBody>
+      </p:sp>
+    </p:spTree>
+    <p:extLst>
+      <p:ext uri="{BB962C8B-B14F-4D97-AF65-F5344CB8AC3E}">
+        <p14:creationId xmlns:p14="http://schemas.microsoft.com/office/powerpoint/2010/main" val="3748801356"/>
+      </p:ext>
+    </p:extLst>
+  </p:cSld>
+  <p:clrMapOvr>
+    <a:masterClrMapping/>
+  </p:clrMapOvr>
+</p:sld>
+</file>
+
+<file path=ppt/slides/slide47.xml><?xml version="1.0" encoding="utf-8"?>
+<p:sld xmlns:a="http://schemas.openxmlformats.org/drawingml/2006/main" xmlns:r="http://schemas.openxmlformats.org/officeDocument/2006/relationships" xmlns:p="http://schemas.openxmlformats.org/presentationml/2006/main">
+  <p:cSld>
+    <p:spTree>
+      <p:nvGrpSpPr>
+        <p:cNvPr id="1" name=""/>
+        <p:cNvGrpSpPr/>
+        <p:nvPr/>
+      </p:nvGrpSpPr>
+      <p:grpSpPr>
+        <a:xfrm>
+          <a:off x="0" y="0"/>
+          <a:ext cx="0" cy="0"/>
+          <a:chOff x="0" y="0"/>
+          <a:chExt cx="0" cy="0"/>
+        </a:xfrm>
+      </p:grpSpPr>
+      <p:sp>
+        <p:nvSpPr>
+          <p:cNvPr id="2" name="Titel 1">
+            <a:extLst>
+              <a:ext uri="{FF2B5EF4-FFF2-40B4-BE49-F238E27FC236}">
+                <a16:creationId xmlns:a16="http://schemas.microsoft.com/office/drawing/2014/main" id="{ECE4FA4E-54FC-4D95-B397-36B00736E710}"/>
+              </a:ext>
+            </a:extLst>
+          </p:cNvPr>
+          <p:cNvSpPr>
+            <a:spLocks noGrp="1"/>
+          </p:cNvSpPr>
+          <p:nvPr>
+            <p:ph type="title"/>
+          </p:nvPr>
+        </p:nvSpPr>
+        <p:spPr>
+          <a:xfrm>
+            <a:off x="189100" y="137352"/>
+            <a:ext cx="11969309" cy="427977"/>
+          </a:xfrm>
+        </p:spPr>
+        <p:txBody>
+          <a:bodyPr>
+            <a:normAutofit fontScale="90000"/>
+          </a:bodyPr>
+          <a:lstStyle/>
+          <a:p>
+            <a:r>
+              <a:rPr lang="en-GB" dirty="0"/>
+              <a:t>1st RF-model Lat/Long/Floor KPI summary </a:t>
+            </a:r>
+          </a:p>
+        </p:txBody>
+      </p:sp>
+      <p:cxnSp>
+        <p:nvCxnSpPr>
+          <p:cNvPr id="13" name="Rechte verbindingslijn 12">
+            <a:extLst>
+              <a:ext uri="{FF2B5EF4-FFF2-40B4-BE49-F238E27FC236}">
+                <a16:creationId xmlns:a16="http://schemas.microsoft.com/office/drawing/2014/main" id="{DC7BECF7-49D2-487B-BEA4-9286713797E9}"/>
+              </a:ext>
+            </a:extLst>
+          </p:cNvPr>
+          <p:cNvCxnSpPr>
+            <a:cxnSpLocks/>
+          </p:cNvCxnSpPr>
+          <p:nvPr/>
+        </p:nvCxnSpPr>
+        <p:spPr>
+          <a:xfrm>
+            <a:off x="5916940" y="934760"/>
+            <a:ext cx="0" cy="2710219"/>
+          </a:xfrm>
+          <a:prstGeom prst="line">
+            <a:avLst/>
+          </a:prstGeom>
+        </p:spPr>
+        <p:style>
+          <a:lnRef idx="1">
+            <a:schemeClr val="accent1"/>
+          </a:lnRef>
+          <a:fillRef idx="0">
+            <a:schemeClr val="accent1"/>
+          </a:fillRef>
+          <a:effectRef idx="0">
+            <a:schemeClr val="accent1"/>
+          </a:effectRef>
+          <a:fontRef idx="minor">
+            <a:schemeClr val="tx1"/>
+          </a:fontRef>
+        </p:style>
+      </p:cxnSp>
+      <p:sp>
+        <p:nvSpPr>
+          <p:cNvPr id="3" name="Rechthoek 2">
+            <a:extLst>
+              <a:ext uri="{FF2B5EF4-FFF2-40B4-BE49-F238E27FC236}">
+                <a16:creationId xmlns:a16="http://schemas.microsoft.com/office/drawing/2014/main" id="{932839B7-4A2B-4995-9D1B-3CA974B9A17F}"/>
+              </a:ext>
+            </a:extLst>
+          </p:cNvPr>
+          <p:cNvSpPr/>
+          <p:nvPr/>
+        </p:nvSpPr>
+        <p:spPr>
+          <a:xfrm>
+            <a:off x="152405" y="1432109"/>
+            <a:ext cx="6021350" cy="1477328"/>
+          </a:xfrm>
+          <a:prstGeom prst="rect">
+            <a:avLst/>
+          </a:prstGeom>
+        </p:spPr>
+        <p:txBody>
+          <a:bodyPr wrap="square">
+            <a:spAutoFit/>
+          </a:bodyPr>
+          <a:lstStyle/>
+          <a:p>
+            <a:r>
+              <a:rPr lang="en-GB" dirty="0" err="1"/>
+              <a:t>Combi_StatSum_</a:t>
+            </a:r>
+            <a:r>
+              <a:rPr lang="en-GB" dirty="0" err="1">
+                <a:solidFill>
+                  <a:schemeClr val="accent1"/>
+                </a:solidFill>
+              </a:rPr>
+              <a:t>Lat</a:t>
+            </a:r>
+            <a:endParaRPr lang="en-GB" dirty="0">
+              <a:solidFill>
+                <a:schemeClr val="accent1"/>
+              </a:solidFill>
+            </a:endParaRPr>
+          </a:p>
+          <a:p>
+            <a:r>
+              <a:rPr lang="en-GB" dirty="0"/>
+              <a:t>#	RMSE         	RSQ      		MAE</a:t>
+            </a:r>
+          </a:p>
+          <a:p>
+            <a:r>
+              <a:rPr lang="en-GB" dirty="0"/>
+              <a:t>B0 	4.200349 	98.38193 	2.067570</a:t>
+            </a:r>
+          </a:p>
+          <a:p>
+            <a:r>
+              <a:rPr lang="en-GB" dirty="0"/>
+              <a:t>B1 	4.200349 	98.62613 	1.977748</a:t>
+            </a:r>
+          </a:p>
+          <a:p>
+            <a:r>
+              <a:rPr lang="en-GB" dirty="0"/>
+              <a:t>B2 	3.650701 	98.32693 	1.846340</a:t>
+            </a:r>
+          </a:p>
+        </p:txBody>
+      </p:sp>
+      <p:sp>
+        <p:nvSpPr>
+          <p:cNvPr id="10" name="Rechthoek 9">
+            <a:extLst>
+              <a:ext uri="{FF2B5EF4-FFF2-40B4-BE49-F238E27FC236}">
+                <a16:creationId xmlns:a16="http://schemas.microsoft.com/office/drawing/2014/main" id="{194A4916-831E-4E52-A1FD-D923DB7228D8}"/>
+              </a:ext>
+            </a:extLst>
+          </p:cNvPr>
+          <p:cNvSpPr/>
+          <p:nvPr/>
+        </p:nvSpPr>
+        <p:spPr>
+          <a:xfrm>
+            <a:off x="6096000" y="1510286"/>
+            <a:ext cx="5654348" cy="1477328"/>
+          </a:xfrm>
+          <a:prstGeom prst="rect">
+            <a:avLst/>
+          </a:prstGeom>
+        </p:spPr>
+        <p:txBody>
+          <a:bodyPr wrap="square">
+            <a:spAutoFit/>
+          </a:bodyPr>
+          <a:lstStyle/>
+          <a:p>
+            <a:r>
+              <a:rPr lang="en-GB" dirty="0" err="1"/>
+              <a:t>Combi_StatSum_</a:t>
+            </a:r>
+            <a:r>
+              <a:rPr lang="en-GB" dirty="0" err="1">
+                <a:solidFill>
+                  <a:schemeClr val="accent1"/>
+                </a:solidFill>
+              </a:rPr>
+              <a:t>Long</a:t>
+            </a:r>
+            <a:endParaRPr lang="en-GB" dirty="0">
+              <a:solidFill>
+                <a:schemeClr val="accent1"/>
+              </a:solidFill>
+            </a:endParaRPr>
+          </a:p>
+          <a:p>
+            <a:r>
+              <a:rPr lang="en-GB" dirty="0"/>
+              <a:t>#	RMSE         	RSQ      		MAE</a:t>
+            </a:r>
+          </a:p>
+          <a:p>
+            <a:r>
+              <a:rPr lang="en-GB" dirty="0"/>
+              <a:t>B0 	3.245267 	98.82977 	1.739514</a:t>
+            </a:r>
+          </a:p>
+          <a:p>
+            <a:r>
+              <a:rPr lang="en-GB" dirty="0"/>
+              <a:t>B1 	4.346220 	99.23230 	2.420201</a:t>
+            </a:r>
+          </a:p>
+          <a:p>
+            <a:r>
+              <a:rPr lang="en-GB" dirty="0"/>
+              <a:t>B2 	4.437505 	97.79701 	2.424726</a:t>
+            </a:r>
+          </a:p>
+        </p:txBody>
+      </p:sp>
+      <p:sp>
+        <p:nvSpPr>
+          <p:cNvPr id="8" name="Rechthoek 7">
+            <a:extLst>
+              <a:ext uri="{FF2B5EF4-FFF2-40B4-BE49-F238E27FC236}">
+                <a16:creationId xmlns:a16="http://schemas.microsoft.com/office/drawing/2014/main" id="{BE83E06C-FCC3-4233-83ED-1E821AC5E2D7}"/>
+              </a:ext>
+            </a:extLst>
+          </p:cNvPr>
+          <p:cNvSpPr/>
+          <p:nvPr/>
+        </p:nvSpPr>
+        <p:spPr>
+          <a:xfrm>
+            <a:off x="471328" y="4139820"/>
+            <a:ext cx="1942005" cy="2031325"/>
+          </a:xfrm>
+          <a:prstGeom prst="rect">
+            <a:avLst/>
+          </a:prstGeom>
+        </p:spPr>
+        <p:txBody>
+          <a:bodyPr wrap="square">
+            <a:spAutoFit/>
+          </a:bodyPr>
+          <a:lstStyle/>
+          <a:p>
+            <a:r>
+              <a:rPr lang="en-US" dirty="0">
+                <a:solidFill>
+                  <a:schemeClr val="accent1"/>
+                </a:solidFill>
+              </a:rPr>
+              <a:t>FLOOR</a:t>
+            </a:r>
+            <a:r>
+              <a:rPr lang="en-US" dirty="0"/>
+              <a:t> </a:t>
+            </a:r>
+          </a:p>
+          <a:p>
+            <a:endParaRPr lang="en-US" dirty="0"/>
+          </a:p>
+          <a:p>
+            <a:r>
+              <a:rPr lang="en-US" dirty="0"/>
+              <a:t>Acc	</a:t>
+            </a:r>
+          </a:p>
+          <a:p>
+            <a:endParaRPr lang="en-US" dirty="0"/>
+          </a:p>
+          <a:p>
+            <a:r>
+              <a:rPr lang="en-US" dirty="0"/>
+              <a:t>B0   99.77099</a:t>
+            </a:r>
+          </a:p>
+          <a:p>
+            <a:r>
+              <a:rPr lang="en-US" dirty="0">
+                <a:solidFill>
+                  <a:srgbClr val="FF0000"/>
+                </a:solidFill>
+              </a:rPr>
+              <a:t>B1   28.70442</a:t>
+            </a:r>
+          </a:p>
+          <a:p>
+            <a:r>
+              <a:rPr lang="en-US" dirty="0"/>
+              <a:t>B2 9894.15749</a:t>
+            </a:r>
+            <a:endParaRPr lang="en-GB" dirty="0"/>
+          </a:p>
+        </p:txBody>
+      </p:sp>
+      <p:sp>
+        <p:nvSpPr>
+          <p:cNvPr id="11" name="Rechthoek 10">
+            <a:extLst>
+              <a:ext uri="{FF2B5EF4-FFF2-40B4-BE49-F238E27FC236}">
+                <a16:creationId xmlns:a16="http://schemas.microsoft.com/office/drawing/2014/main" id="{BBAD08FE-6709-4652-818E-9E4A94EE94DD}"/>
+              </a:ext>
+            </a:extLst>
+          </p:cNvPr>
+          <p:cNvSpPr/>
+          <p:nvPr/>
+        </p:nvSpPr>
+        <p:spPr>
+          <a:xfrm>
+            <a:off x="6313634" y="3510809"/>
+            <a:ext cx="6096000" cy="3416320"/>
+          </a:xfrm>
+          <a:prstGeom prst="rect">
+            <a:avLst/>
+          </a:prstGeom>
+        </p:spPr>
+        <p:txBody>
+          <a:bodyPr>
+            <a:spAutoFit/>
+          </a:bodyPr>
+          <a:lstStyle/>
+          <a:p>
+            <a:r>
+              <a:rPr lang="en-GB" dirty="0"/>
+              <a:t>#kappa</a:t>
+            </a:r>
+          </a:p>
+          <a:p>
+            <a:r>
+              <a:rPr lang="en-GB" dirty="0"/>
+              <a:t>#B0 </a:t>
+            </a:r>
+            <a:r>
+              <a:rPr lang="en-US" dirty="0"/>
+              <a:t> value      		ASE		</a:t>
+            </a:r>
+          </a:p>
+          <a:p>
+            <a:r>
+              <a:rPr lang="en-US" dirty="0"/>
+              <a:t>Unweighted 0.9969 	0.001770 563.4     </a:t>
+            </a:r>
+          </a:p>
+          <a:p>
+            <a:r>
+              <a:rPr lang="en-US" dirty="0"/>
+              <a:t>Weighted   0.9981 		0.001098 909.4        </a:t>
+            </a:r>
+          </a:p>
+          <a:p>
+            <a:endParaRPr lang="en-US" dirty="0"/>
+          </a:p>
+          <a:p>
+            <a:r>
+              <a:rPr lang="en-GB" dirty="0"/>
+              <a:t>#B1 </a:t>
+            </a:r>
+          </a:p>
+          <a:p>
+            <a:r>
+              <a:rPr lang="en-US" dirty="0"/>
+              <a:t>Unweighted -0.002903 	0.001674</a:t>
+            </a:r>
+          </a:p>
+          <a:p>
+            <a:r>
+              <a:rPr lang="en-US" dirty="0"/>
+              <a:t>Weighted   -0.003264 	0.001880</a:t>
+            </a:r>
+          </a:p>
+          <a:p>
+            <a:endParaRPr lang="en-US" dirty="0"/>
+          </a:p>
+          <a:p>
+            <a:r>
+              <a:rPr lang="en-GB" dirty="0"/>
+              <a:t>#B2 </a:t>
+            </a:r>
+          </a:p>
+          <a:p>
+            <a:r>
+              <a:rPr lang="en-GB" dirty="0"/>
+              <a:t>Unweighted  </a:t>
+            </a:r>
+            <a:r>
+              <a:rPr lang="en-US" dirty="0"/>
+              <a:t>0.9995 	0.0005402</a:t>
+            </a:r>
+          </a:p>
+          <a:p>
+            <a:r>
+              <a:rPr lang="en-US" dirty="0"/>
+              <a:t>Weighted      0.9997 	0.0002822</a:t>
+            </a:r>
+            <a:endParaRPr lang="en-GB" dirty="0"/>
+          </a:p>
+        </p:txBody>
+      </p:sp>
+      <p:sp>
+        <p:nvSpPr>
+          <p:cNvPr id="12" name="Rechthoek 11">
+            <a:extLst>
+              <a:ext uri="{FF2B5EF4-FFF2-40B4-BE49-F238E27FC236}">
+                <a16:creationId xmlns:a16="http://schemas.microsoft.com/office/drawing/2014/main" id="{444EA292-A2F5-40A8-9853-25184D0F51CA}"/>
+              </a:ext>
+            </a:extLst>
+          </p:cNvPr>
+          <p:cNvSpPr/>
+          <p:nvPr/>
+        </p:nvSpPr>
+        <p:spPr>
+          <a:xfrm>
+            <a:off x="2954178" y="4139820"/>
+            <a:ext cx="1942005" cy="2585323"/>
+          </a:xfrm>
+          <a:prstGeom prst="rect">
+            <a:avLst/>
+          </a:prstGeom>
+        </p:spPr>
+        <p:txBody>
+          <a:bodyPr wrap="square">
+            <a:spAutoFit/>
+          </a:bodyPr>
+          <a:lstStyle/>
+          <a:p>
+            <a:r>
+              <a:rPr lang="en-US" dirty="0">
+                <a:solidFill>
+                  <a:schemeClr val="accent1"/>
+                </a:solidFill>
+              </a:rPr>
+              <a:t>FLOOR</a:t>
+            </a:r>
+            <a:r>
+              <a:rPr lang="en-US" dirty="0"/>
+              <a:t> </a:t>
+            </a:r>
+          </a:p>
+          <a:p>
+            <a:endParaRPr lang="en-US" dirty="0"/>
+          </a:p>
+          <a:p>
+            <a:r>
+              <a:rPr lang="en-US" dirty="0"/>
+              <a:t>Kappa	</a:t>
+            </a:r>
+          </a:p>
+          <a:p>
+            <a:r>
+              <a:rPr lang="sv-SE" dirty="0"/>
+              <a:t>1  0.9969313489</a:t>
+            </a:r>
+          </a:p>
+          <a:p>
+            <a:r>
+              <a:rPr lang="sv-SE" dirty="0"/>
+              <a:t>2  0.0017695433</a:t>
+            </a:r>
+          </a:p>
+          <a:p>
+            <a:r>
+              <a:rPr lang="sv-SE" dirty="0"/>
+              <a:t>3 -0.0029030734</a:t>
+            </a:r>
+          </a:p>
+          <a:p>
+            <a:r>
+              <a:rPr lang="sv-SE" dirty="0"/>
+              <a:t>4  0.0016738360</a:t>
+            </a:r>
+          </a:p>
+          <a:p>
+            <a:r>
+              <a:rPr lang="sv-SE" dirty="0"/>
+              <a:t>5  0.9994596997</a:t>
+            </a:r>
+          </a:p>
+          <a:p>
+            <a:r>
+              <a:rPr lang="sv-SE" dirty="0"/>
+              <a:t>6  0.0005401941</a:t>
+            </a:r>
+            <a:endParaRPr lang="en-GB" dirty="0"/>
+          </a:p>
+        </p:txBody>
+      </p:sp>
+    </p:spTree>
+    <p:extLst>
+      <p:ext uri="{BB962C8B-B14F-4D97-AF65-F5344CB8AC3E}">
+        <p14:creationId xmlns:p14="http://schemas.microsoft.com/office/powerpoint/2010/main" val="611978356"/>
+      </p:ext>
+    </p:extLst>
+  </p:cSld>
+  <p:clrMapOvr>
+    <a:masterClrMapping/>
+  </p:clrMapOvr>
+</p:sld>
+</file>
+
+<file path=ppt/slides/slide48.xml><?xml version="1.0" encoding="utf-8"?>
+<p:sld xmlns:a="http://schemas.openxmlformats.org/drawingml/2006/main" xmlns:r="http://schemas.openxmlformats.org/officeDocument/2006/relationships" xmlns:p="http://schemas.openxmlformats.org/presentationml/2006/main">
+  <p:cSld>
+    <p:spTree>
+      <p:nvGrpSpPr>
+        <p:cNvPr id="1" name=""/>
+        <p:cNvGrpSpPr/>
+        <p:nvPr/>
+      </p:nvGrpSpPr>
+      <p:grpSpPr>
+        <a:xfrm>
+          <a:off x="0" y="0"/>
+          <a:ext cx="0" cy="0"/>
+          <a:chOff x="0" y="0"/>
+          <a:chExt cx="0" cy="0"/>
+        </a:xfrm>
+      </p:grpSpPr>
+      <p:sp>
+        <p:nvSpPr>
+          <p:cNvPr id="2" name="Titel 1">
+            <a:extLst>
+              <a:ext uri="{FF2B5EF4-FFF2-40B4-BE49-F238E27FC236}">
+                <a16:creationId xmlns:a16="http://schemas.microsoft.com/office/drawing/2014/main" id="{8C7EB85D-15AB-417D-8400-23D8053E1F67}"/>
+              </a:ext>
+            </a:extLst>
+          </p:cNvPr>
+          <p:cNvSpPr>
+            <a:spLocks noGrp="1"/>
+          </p:cNvSpPr>
+          <p:nvPr>
+            <p:ph type="title"/>
+          </p:nvPr>
+        </p:nvSpPr>
+        <p:spPr>
+          <a:xfrm>
+            <a:off x="-65709" y="-11782"/>
+            <a:ext cx="10515600" cy="853420"/>
+          </a:xfrm>
+        </p:spPr>
+        <p:txBody>
+          <a:bodyPr/>
+          <a:lstStyle/>
+          <a:p>
+            <a:r>
+              <a:rPr lang="en-GB" dirty="0">
+                <a:solidFill>
+                  <a:schemeClr val="accent1"/>
+                </a:solidFill>
+              </a:rPr>
+              <a:t>3</a:t>
+            </a:r>
+            <a:r>
+              <a:rPr lang="en-GB" baseline="30000" dirty="0">
+                <a:solidFill>
+                  <a:schemeClr val="accent1"/>
+                </a:solidFill>
+              </a:rPr>
+              <a:t>rd KNN model compared to RF 1st model</a:t>
+            </a:r>
+            <a:endParaRPr lang="en-GB" dirty="0">
+              <a:solidFill>
+                <a:schemeClr val="accent1"/>
+              </a:solidFill>
+            </a:endParaRPr>
+          </a:p>
+        </p:txBody>
+      </p:sp>
+      <p:sp>
+        <p:nvSpPr>
+          <p:cNvPr id="3" name="Rechthoek 2">
+            <a:extLst>
+              <a:ext uri="{FF2B5EF4-FFF2-40B4-BE49-F238E27FC236}">
+                <a16:creationId xmlns:a16="http://schemas.microsoft.com/office/drawing/2014/main" id="{3D5ED4A9-1D6D-4726-999E-C31A0200D659}"/>
+              </a:ext>
+            </a:extLst>
+          </p:cNvPr>
+          <p:cNvSpPr/>
+          <p:nvPr/>
+        </p:nvSpPr>
+        <p:spPr>
+          <a:xfrm>
+            <a:off x="180906" y="953172"/>
+            <a:ext cx="6021350" cy="1477328"/>
+          </a:xfrm>
+          <a:prstGeom prst="rect">
+            <a:avLst/>
+          </a:prstGeom>
+        </p:spPr>
+        <p:txBody>
+          <a:bodyPr wrap="square">
+            <a:spAutoFit/>
+          </a:bodyPr>
+          <a:lstStyle/>
+          <a:p>
+            <a:r>
+              <a:rPr lang="en-GB" dirty="0" err="1"/>
+              <a:t>Combi_StatSum_</a:t>
+            </a:r>
+            <a:r>
+              <a:rPr lang="en-GB" dirty="0" err="1">
+                <a:solidFill>
+                  <a:schemeClr val="accent1"/>
+                </a:solidFill>
+              </a:rPr>
+              <a:t>Lat</a:t>
+            </a:r>
+            <a:endParaRPr lang="en-GB" dirty="0">
+              <a:solidFill>
+                <a:schemeClr val="accent1"/>
+              </a:solidFill>
+            </a:endParaRPr>
+          </a:p>
+          <a:p>
+            <a:r>
+              <a:rPr lang="en-GB" dirty="0"/>
+              <a:t>#	RMSE         	RSQ      		MAE</a:t>
+            </a:r>
+          </a:p>
+          <a:p>
+            <a:r>
+              <a:rPr lang="en-GB" dirty="0"/>
+              <a:t>B0 	4.200349 	98.38193 	2.067570</a:t>
+            </a:r>
+          </a:p>
+          <a:p>
+            <a:r>
+              <a:rPr lang="en-GB" dirty="0"/>
+              <a:t>B1 	4.200349 	98.62613 	1.977748</a:t>
+            </a:r>
+          </a:p>
+          <a:p>
+            <a:r>
+              <a:rPr lang="en-GB" dirty="0"/>
+              <a:t>B2 	3.650701 	98.32693 	1.846340</a:t>
+            </a:r>
+          </a:p>
+        </p:txBody>
+      </p:sp>
+      <p:sp>
+        <p:nvSpPr>
+          <p:cNvPr id="4" name="Rechthoek 3">
+            <a:extLst>
+              <a:ext uri="{FF2B5EF4-FFF2-40B4-BE49-F238E27FC236}">
+                <a16:creationId xmlns:a16="http://schemas.microsoft.com/office/drawing/2014/main" id="{CFBB3533-5B86-4F9C-9C3F-37308080C02A}"/>
+              </a:ext>
+            </a:extLst>
+          </p:cNvPr>
+          <p:cNvSpPr/>
+          <p:nvPr/>
+        </p:nvSpPr>
+        <p:spPr>
+          <a:xfrm>
+            <a:off x="6124500" y="964237"/>
+            <a:ext cx="5943593" cy="1477328"/>
+          </a:xfrm>
+          <a:prstGeom prst="rect">
+            <a:avLst/>
+          </a:prstGeom>
+        </p:spPr>
+        <p:txBody>
+          <a:bodyPr wrap="square">
+            <a:spAutoFit/>
+          </a:bodyPr>
+          <a:lstStyle/>
+          <a:p>
+            <a:r>
+              <a:rPr lang="en-GB" dirty="0" err="1"/>
+              <a:t>Combi_StatSum_</a:t>
+            </a:r>
+            <a:r>
+              <a:rPr lang="en-GB" dirty="0" err="1">
+                <a:solidFill>
+                  <a:schemeClr val="accent1"/>
+                </a:solidFill>
+              </a:rPr>
+              <a:t>Long</a:t>
+            </a:r>
+            <a:endParaRPr lang="en-GB" dirty="0">
+              <a:solidFill>
+                <a:schemeClr val="accent1"/>
+              </a:solidFill>
+            </a:endParaRPr>
+          </a:p>
+          <a:p>
+            <a:r>
+              <a:rPr lang="en-GB" dirty="0"/>
+              <a:t>#	RMSE         	RSQ      		MAE</a:t>
+            </a:r>
+          </a:p>
+          <a:p>
+            <a:r>
+              <a:rPr lang="en-GB" dirty="0"/>
+              <a:t>B0 	3.245267 	98.27749 	1.613786</a:t>
+            </a:r>
+          </a:p>
+          <a:p>
+            <a:r>
+              <a:rPr lang="en-GB" dirty="0"/>
+              <a:t>B1 	3.746984 	99.42940 	1.248799</a:t>
+            </a:r>
+          </a:p>
+          <a:p>
+            <a:r>
+              <a:rPr lang="en-GB" dirty="0"/>
+              <a:t>B2	 4.269281 	97.96087 	1.841995</a:t>
+            </a:r>
+            <a:endParaRPr lang="en-GB" dirty="0">
+              <a:solidFill>
+                <a:srgbClr val="C00000"/>
+              </a:solidFill>
+            </a:endParaRPr>
+          </a:p>
+        </p:txBody>
+      </p:sp>
+      <p:sp>
+        <p:nvSpPr>
+          <p:cNvPr id="5" name="Tekstvak 4">
+            <a:extLst>
+              <a:ext uri="{FF2B5EF4-FFF2-40B4-BE49-F238E27FC236}">
+                <a16:creationId xmlns:a16="http://schemas.microsoft.com/office/drawing/2014/main" id="{CE21FFC8-077F-44B5-85EA-4CD0C4175C20}"/>
+              </a:ext>
+            </a:extLst>
+          </p:cNvPr>
+          <p:cNvSpPr txBox="1"/>
+          <p:nvPr/>
+        </p:nvSpPr>
+        <p:spPr>
+          <a:xfrm>
+            <a:off x="180906" y="530830"/>
+            <a:ext cx="11023134" cy="369332"/>
+          </a:xfrm>
+          <a:prstGeom prst="rect">
+            <a:avLst/>
+          </a:prstGeom>
+          <a:noFill/>
+        </p:spPr>
+        <p:txBody>
+          <a:bodyPr wrap="square" rtlCol="0">
+            <a:spAutoFit/>
+          </a:bodyPr>
+          <a:lstStyle/>
+          <a:p>
+            <a:r>
+              <a:rPr lang="en-GB" b="1" dirty="0">
+                <a:solidFill>
+                  <a:schemeClr val="accent2"/>
+                </a:solidFill>
+              </a:rPr>
+              <a:t>Latitude / longitude KPI’s KNN</a:t>
+            </a:r>
+          </a:p>
+        </p:txBody>
+      </p:sp>
+      <p:sp>
+        <p:nvSpPr>
+          <p:cNvPr id="6" name="Tekstvak 5">
+            <a:extLst>
+              <a:ext uri="{FF2B5EF4-FFF2-40B4-BE49-F238E27FC236}">
+                <a16:creationId xmlns:a16="http://schemas.microsoft.com/office/drawing/2014/main" id="{D7767118-9468-4684-9315-CFCC89B96638}"/>
+              </a:ext>
+            </a:extLst>
+          </p:cNvPr>
+          <p:cNvSpPr txBox="1"/>
+          <p:nvPr/>
+        </p:nvSpPr>
+        <p:spPr>
+          <a:xfrm>
+            <a:off x="177136" y="2523693"/>
+            <a:ext cx="11023134" cy="369332"/>
+          </a:xfrm>
+          <a:prstGeom prst="rect">
+            <a:avLst/>
+          </a:prstGeom>
+          <a:noFill/>
+        </p:spPr>
+        <p:txBody>
+          <a:bodyPr wrap="square" rtlCol="0">
+            <a:spAutoFit/>
+          </a:bodyPr>
+          <a:lstStyle/>
+          <a:p>
+            <a:r>
+              <a:rPr lang="en-GB" b="1" dirty="0">
+                <a:solidFill>
+                  <a:schemeClr val="accent2"/>
+                </a:solidFill>
+              </a:rPr>
+              <a:t>Latitude / longitude KPI’s Random Forest</a:t>
+            </a:r>
+          </a:p>
+        </p:txBody>
+      </p:sp>
+      <p:sp>
+        <p:nvSpPr>
+          <p:cNvPr id="7" name="Rechthoek 6">
+            <a:extLst>
+              <a:ext uri="{FF2B5EF4-FFF2-40B4-BE49-F238E27FC236}">
+                <a16:creationId xmlns:a16="http://schemas.microsoft.com/office/drawing/2014/main" id="{0D450883-28C6-4553-9181-72D2C7389672}"/>
+              </a:ext>
+            </a:extLst>
+          </p:cNvPr>
+          <p:cNvSpPr/>
+          <p:nvPr/>
+        </p:nvSpPr>
+        <p:spPr>
+          <a:xfrm>
+            <a:off x="180906" y="2995836"/>
+            <a:ext cx="6021350" cy="1477328"/>
+          </a:xfrm>
+          <a:prstGeom prst="rect">
+            <a:avLst/>
+          </a:prstGeom>
+        </p:spPr>
+        <p:txBody>
+          <a:bodyPr wrap="square">
+            <a:spAutoFit/>
+          </a:bodyPr>
+          <a:lstStyle/>
+          <a:p>
+            <a:r>
+              <a:rPr lang="en-GB" dirty="0" err="1"/>
+              <a:t>Combi_StatSum_</a:t>
+            </a:r>
+            <a:r>
+              <a:rPr lang="en-GB" dirty="0" err="1">
+                <a:solidFill>
+                  <a:schemeClr val="accent1"/>
+                </a:solidFill>
+              </a:rPr>
+              <a:t>Lat</a:t>
+            </a:r>
+            <a:endParaRPr lang="en-GB" dirty="0">
+              <a:solidFill>
+                <a:schemeClr val="accent1"/>
+              </a:solidFill>
+            </a:endParaRPr>
+          </a:p>
+          <a:p>
+            <a:r>
+              <a:rPr lang="en-GB" dirty="0"/>
+              <a:t>#	RMSE         	RSQ      		MAE</a:t>
+            </a:r>
+          </a:p>
+          <a:p>
+            <a:r>
+              <a:rPr lang="en-GB" dirty="0"/>
+              <a:t>B0 	2.277268 	99.52439 	1.314716</a:t>
+            </a:r>
+          </a:p>
+          <a:p>
+            <a:r>
+              <a:rPr lang="en-GB" dirty="0"/>
+              <a:t>B1 	2.277268 	99.59617 	2.151043</a:t>
+            </a:r>
+          </a:p>
+          <a:p>
+            <a:r>
+              <a:rPr lang="en-GB" dirty="0"/>
+              <a:t>B2	3.325760 	98.61151 	1.990321</a:t>
+            </a:r>
+          </a:p>
+        </p:txBody>
+      </p:sp>
+      <p:sp>
+        <p:nvSpPr>
+          <p:cNvPr id="8" name="Rechthoek 7">
+            <a:extLst>
+              <a:ext uri="{FF2B5EF4-FFF2-40B4-BE49-F238E27FC236}">
+                <a16:creationId xmlns:a16="http://schemas.microsoft.com/office/drawing/2014/main" id="{32A095D9-8704-4B51-8C3E-386675C27E0E}"/>
+              </a:ext>
+            </a:extLst>
+          </p:cNvPr>
+          <p:cNvSpPr/>
+          <p:nvPr/>
+        </p:nvSpPr>
+        <p:spPr>
+          <a:xfrm>
+            <a:off x="6012110" y="3006901"/>
+            <a:ext cx="5654348" cy="1477328"/>
+          </a:xfrm>
+          <a:prstGeom prst="rect">
+            <a:avLst/>
+          </a:prstGeom>
+        </p:spPr>
+        <p:txBody>
+          <a:bodyPr wrap="square">
+            <a:spAutoFit/>
+          </a:bodyPr>
+          <a:lstStyle/>
+          <a:p>
+            <a:r>
+              <a:rPr lang="en-GB" dirty="0" err="1"/>
+              <a:t>Combi_StatSum_</a:t>
+            </a:r>
+            <a:r>
+              <a:rPr lang="en-GB" dirty="0" err="1">
+                <a:solidFill>
+                  <a:schemeClr val="accent1"/>
+                </a:solidFill>
+              </a:rPr>
+              <a:t>Long</a:t>
+            </a:r>
+            <a:endParaRPr lang="en-GB" dirty="0">
+              <a:solidFill>
+                <a:schemeClr val="accent1"/>
+              </a:solidFill>
+            </a:endParaRPr>
+          </a:p>
+          <a:p>
+            <a:r>
+              <a:rPr lang="en-GB" dirty="0"/>
+              <a:t>#	RMSE         	RSQ      		MAE</a:t>
+            </a:r>
+          </a:p>
+          <a:p>
+            <a:r>
+              <a:rPr lang="en-GB" dirty="0"/>
+              <a:t>B0 	3.245267 	98.82977 	1.739514</a:t>
+            </a:r>
+          </a:p>
+          <a:p>
+            <a:r>
+              <a:rPr lang="en-GB" dirty="0"/>
+              <a:t>B1 	4.346220 	99.23230 	2.420201</a:t>
+            </a:r>
+          </a:p>
+          <a:p>
+            <a:r>
+              <a:rPr lang="en-GB" dirty="0"/>
+              <a:t>B2 	4.437505 	97.79701 	2.424726</a:t>
+            </a:r>
+          </a:p>
+        </p:txBody>
+      </p:sp>
+      <p:sp>
+        <p:nvSpPr>
+          <p:cNvPr id="10" name="Rechthoek 9">
+            <a:extLst>
+              <a:ext uri="{FF2B5EF4-FFF2-40B4-BE49-F238E27FC236}">
+                <a16:creationId xmlns:a16="http://schemas.microsoft.com/office/drawing/2014/main" id="{0189CC79-BC18-4523-8E91-0AF40C519874}"/>
+              </a:ext>
+            </a:extLst>
+          </p:cNvPr>
+          <p:cNvSpPr/>
+          <p:nvPr/>
+        </p:nvSpPr>
+        <p:spPr>
+          <a:xfrm>
+            <a:off x="6416691" y="4666644"/>
+            <a:ext cx="1942005" cy="2031325"/>
+          </a:xfrm>
+          <a:prstGeom prst="rect">
+            <a:avLst/>
+          </a:prstGeom>
+        </p:spPr>
+        <p:txBody>
+          <a:bodyPr wrap="square">
+            <a:spAutoFit/>
+          </a:bodyPr>
+          <a:lstStyle/>
+          <a:p>
+            <a:r>
+              <a:rPr lang="en-US" dirty="0">
+                <a:solidFill>
+                  <a:schemeClr val="accent1"/>
+                </a:solidFill>
+              </a:rPr>
+              <a:t>FLOOR</a:t>
+            </a:r>
+            <a:r>
+              <a:rPr lang="en-US" dirty="0"/>
+              <a:t>  RF</a:t>
+            </a:r>
+          </a:p>
+          <a:p>
+            <a:endParaRPr lang="en-US" dirty="0"/>
+          </a:p>
+          <a:p>
+            <a:r>
+              <a:rPr lang="en-US" dirty="0"/>
+              <a:t>Acc	</a:t>
+            </a:r>
+          </a:p>
+          <a:p>
+            <a:endParaRPr lang="en-US" dirty="0"/>
+          </a:p>
+          <a:p>
+            <a:r>
+              <a:rPr lang="en-US" dirty="0"/>
+              <a:t>B0   99.77099</a:t>
+            </a:r>
+          </a:p>
+          <a:p>
+            <a:r>
+              <a:rPr lang="en-US" dirty="0">
+                <a:solidFill>
+                  <a:srgbClr val="FF0000"/>
+                </a:solidFill>
+              </a:rPr>
+              <a:t>B1   28.70442</a:t>
+            </a:r>
+          </a:p>
+          <a:p>
+            <a:r>
+              <a:rPr lang="en-US" dirty="0"/>
+              <a:t>B2 9894.15749</a:t>
+            </a:r>
+            <a:endParaRPr lang="en-GB" dirty="0"/>
+          </a:p>
+        </p:txBody>
+      </p:sp>
+      <p:sp>
+        <p:nvSpPr>
+          <p:cNvPr id="11" name="Rechthoek 10">
+            <a:extLst>
+              <a:ext uri="{FF2B5EF4-FFF2-40B4-BE49-F238E27FC236}">
+                <a16:creationId xmlns:a16="http://schemas.microsoft.com/office/drawing/2014/main" id="{6429817F-C06E-4D0A-95F5-3773D1C50A0B}"/>
+              </a:ext>
+            </a:extLst>
+          </p:cNvPr>
+          <p:cNvSpPr/>
+          <p:nvPr/>
+        </p:nvSpPr>
+        <p:spPr>
+          <a:xfrm>
+            <a:off x="219658" y="4718149"/>
+            <a:ext cx="1942005" cy="2031325"/>
+          </a:xfrm>
+          <a:prstGeom prst="rect">
+            <a:avLst/>
+          </a:prstGeom>
+        </p:spPr>
+        <p:txBody>
+          <a:bodyPr wrap="square">
+            <a:spAutoFit/>
+          </a:bodyPr>
+          <a:lstStyle/>
+          <a:p>
+            <a:r>
+              <a:rPr lang="en-US" dirty="0">
+                <a:solidFill>
+                  <a:schemeClr val="accent1"/>
+                </a:solidFill>
+              </a:rPr>
+              <a:t>FLOOR</a:t>
+            </a:r>
+            <a:r>
+              <a:rPr lang="en-US" dirty="0"/>
+              <a:t> KNN</a:t>
+            </a:r>
+          </a:p>
+          <a:p>
+            <a:endParaRPr lang="en-US" dirty="0"/>
+          </a:p>
+          <a:p>
+            <a:r>
+              <a:rPr lang="en-US" dirty="0"/>
+              <a:t>Acc	</a:t>
+            </a:r>
+          </a:p>
+          <a:p>
+            <a:endParaRPr lang="en-US" dirty="0"/>
+          </a:p>
+          <a:p>
+            <a:r>
+              <a:rPr lang="en-US" dirty="0"/>
+              <a:t>B0 98.09160</a:t>
+            </a:r>
+          </a:p>
+          <a:p>
+            <a:r>
+              <a:rPr lang="en-US" dirty="0"/>
+              <a:t>B1 </a:t>
+            </a:r>
+            <a:r>
+              <a:rPr lang="en-US" dirty="0">
+                <a:solidFill>
+                  <a:srgbClr val="FF0000"/>
+                </a:solidFill>
+              </a:rPr>
+              <a:t>36.22964</a:t>
+            </a:r>
+          </a:p>
+          <a:p>
+            <a:r>
+              <a:rPr lang="en-US" dirty="0"/>
+              <a:t>B2 98.94157</a:t>
+            </a:r>
+            <a:endParaRPr lang="en-GB" dirty="0"/>
+          </a:p>
+        </p:txBody>
+      </p:sp>
+      <p:pic>
+        <p:nvPicPr>
+          <p:cNvPr id="12" name="Afbeelding 11">
+            <a:extLst>
+              <a:ext uri="{FF2B5EF4-FFF2-40B4-BE49-F238E27FC236}">
+                <a16:creationId xmlns:a16="http://schemas.microsoft.com/office/drawing/2014/main" id="{2071455B-C731-4D72-B88D-E831989D0E64}"/>
+              </a:ext>
+            </a:extLst>
+          </p:cNvPr>
+          <p:cNvPicPr>
+            <a:picLocks noChangeAspect="1"/>
+          </p:cNvPicPr>
+          <p:nvPr/>
+        </p:nvPicPr>
+        <p:blipFill>
+          <a:blip r:embed="rId2"/>
+          <a:stretch>
+            <a:fillRect/>
+          </a:stretch>
+        </p:blipFill>
+        <p:spPr>
+          <a:xfrm>
+            <a:off x="8650887" y="4615140"/>
+            <a:ext cx="2884087" cy="2134334"/>
+          </a:xfrm>
+          <a:prstGeom prst="rect">
+            <a:avLst/>
+          </a:prstGeom>
+        </p:spPr>
+      </p:pic>
+      <p:pic>
+        <p:nvPicPr>
+          <p:cNvPr id="13" name="Afbeelding 12">
+            <a:extLst>
+              <a:ext uri="{FF2B5EF4-FFF2-40B4-BE49-F238E27FC236}">
+                <a16:creationId xmlns:a16="http://schemas.microsoft.com/office/drawing/2014/main" id="{568A3F7D-334C-4511-BE0A-F6A6120CA3B6}"/>
+              </a:ext>
+            </a:extLst>
+          </p:cNvPr>
+          <p:cNvPicPr>
+            <a:picLocks noChangeAspect="1"/>
+          </p:cNvPicPr>
+          <p:nvPr/>
+        </p:nvPicPr>
+        <p:blipFill>
+          <a:blip r:embed="rId3"/>
+          <a:stretch>
+            <a:fillRect/>
+          </a:stretch>
+        </p:blipFill>
+        <p:spPr>
+          <a:xfrm>
+            <a:off x="2023368" y="4467855"/>
+            <a:ext cx="1785771" cy="2372874"/>
+          </a:xfrm>
+          <a:prstGeom prst="rect">
+            <a:avLst/>
+          </a:prstGeom>
+        </p:spPr>
+      </p:pic>
+    </p:spTree>
+    <p:extLst>
+      <p:ext uri="{BB962C8B-B14F-4D97-AF65-F5344CB8AC3E}">
+        <p14:creationId xmlns:p14="http://schemas.microsoft.com/office/powerpoint/2010/main" val="896672921"/>
+      </p:ext>
+    </p:extLst>
+  </p:cSld>
+  <p:clrMapOvr>
+    <a:masterClrMapping/>
+  </p:clrMapOvr>
+</p:sld>
+</file>
+
+<file path=ppt/slides/slide49.xml><?xml version="1.0" encoding="utf-8"?>
+<p:sld xmlns:a="http://schemas.openxmlformats.org/drawingml/2006/main" xmlns:r="http://schemas.openxmlformats.org/officeDocument/2006/relationships" xmlns:p="http://schemas.openxmlformats.org/presentationml/2006/main">
+  <p:cSld>
+    <p:spTree>
+      <p:nvGrpSpPr>
+        <p:cNvPr id="1" name=""/>
+        <p:cNvGrpSpPr/>
+        <p:nvPr/>
+      </p:nvGrpSpPr>
+      <p:grpSpPr>
+        <a:xfrm>
+          <a:off x="0" y="0"/>
+          <a:ext cx="0" cy="0"/>
+          <a:chOff x="0" y="0"/>
+          <a:chExt cx="0" cy="0"/>
+        </a:xfrm>
+      </p:grpSpPr>
+      <p:sp>
+        <p:nvSpPr>
+          <p:cNvPr id="2" name="Titel 1">
+            <a:extLst>
+              <a:ext uri="{FF2B5EF4-FFF2-40B4-BE49-F238E27FC236}">
+                <a16:creationId xmlns:a16="http://schemas.microsoft.com/office/drawing/2014/main" id="{249BB2D2-3DCB-42B9-B892-12D70F9F8BC1}"/>
+              </a:ext>
+            </a:extLst>
+          </p:cNvPr>
+          <p:cNvSpPr>
+            <a:spLocks noGrp="1"/>
+          </p:cNvSpPr>
+          <p:nvPr>
+            <p:ph type="title"/>
+          </p:nvPr>
+        </p:nvSpPr>
+        <p:spPr/>
+        <p:txBody>
+          <a:bodyPr/>
+          <a:lstStyle/>
+          <a:p>
+            <a:r>
+              <a:rPr lang="en-GB" b="1" dirty="0">
+                <a:solidFill>
+                  <a:schemeClr val="accent1"/>
+                </a:solidFill>
+              </a:rPr>
+              <a:t>Conclusions of 1</a:t>
+            </a:r>
+            <a:r>
+              <a:rPr lang="en-GB" b="1" baseline="30000" dirty="0">
+                <a:solidFill>
+                  <a:schemeClr val="accent1"/>
+                </a:solidFill>
+              </a:rPr>
+              <a:t>st</a:t>
+            </a:r>
+            <a:r>
+              <a:rPr lang="en-GB" b="1" dirty="0">
+                <a:solidFill>
+                  <a:schemeClr val="accent1"/>
+                </a:solidFill>
+              </a:rPr>
+              <a:t> RF predictions</a:t>
+            </a:r>
+          </a:p>
+        </p:txBody>
+      </p:sp>
+      <p:sp>
+        <p:nvSpPr>
+          <p:cNvPr id="3" name="Tekstvak 2">
+            <a:extLst>
+              <a:ext uri="{FF2B5EF4-FFF2-40B4-BE49-F238E27FC236}">
+                <a16:creationId xmlns:a16="http://schemas.microsoft.com/office/drawing/2014/main" id="{541AA667-CD78-4294-8AD5-C84727B17DBD}"/>
+              </a:ext>
+            </a:extLst>
+          </p:cNvPr>
+          <p:cNvSpPr txBox="1"/>
+          <p:nvPr/>
+        </p:nvSpPr>
+        <p:spPr>
+          <a:xfrm>
+            <a:off x="942392" y="2043404"/>
+            <a:ext cx="10730204" cy="923330"/>
+          </a:xfrm>
+          <a:prstGeom prst="rect">
+            <a:avLst/>
+          </a:prstGeom>
+          <a:noFill/>
+        </p:spPr>
+        <p:txBody>
+          <a:bodyPr wrap="square" rtlCol="0">
+            <a:spAutoFit/>
+          </a:bodyPr>
+          <a:lstStyle/>
+          <a:p>
+            <a:r>
+              <a:rPr lang="en-GB" dirty="0"/>
+              <a:t>- </a:t>
+            </a:r>
+            <a:r>
+              <a:rPr lang="en-GB" dirty="0" err="1"/>
+              <a:t>fffg</a:t>
+            </a:r>
+            <a:endParaRPr lang="en-GB" dirty="0"/>
+          </a:p>
+          <a:p>
+            <a:endParaRPr lang="en-GB" dirty="0"/>
+          </a:p>
+          <a:p>
+            <a:r>
+              <a:rPr lang="en-GB" dirty="0"/>
+              <a:t> </a:t>
+            </a:r>
+          </a:p>
+        </p:txBody>
+      </p:sp>
+    </p:spTree>
+    <p:extLst>
+      <p:ext uri="{BB962C8B-B14F-4D97-AF65-F5344CB8AC3E}">
+        <p14:creationId xmlns:p14="http://schemas.microsoft.com/office/powerpoint/2010/main" val="2794592186"/>
       </p:ext>
     </p:extLst>
   </p:cSld>

--- a/Data etc/Log.pptx
+++ b/Data etc/Log.pptx
@@ -54,6 +54,7 @@
     <p:sldId id="305" r:id="rId48"/>
     <p:sldId id="307" r:id="rId49"/>
     <p:sldId id="306" r:id="rId50"/>
+    <p:sldId id="308" r:id="rId51"/>
   </p:sldIdLst>
   <p:sldSz cx="12192000" cy="6858000"/>
   <p:notesSz cx="6858000" cy="9144000"/>
@@ -309,7 +310,7 @@
           <a:p>
             <a:fld id="{AE182ABF-C602-4EB8-A052-2B7C8A1BDF7F}" type="datetimeFigureOut">
               <a:rPr lang="en-GB" smtClean="0"/>
-              <a:t>09/12/2019</a:t>
+              <a:t>10/12/2019</a:t>
             </a:fld>
             <a:endParaRPr lang="en-GB"/>
           </a:p>
@@ -509,7 +510,7 @@
           <a:p>
             <a:fld id="{AE182ABF-C602-4EB8-A052-2B7C8A1BDF7F}" type="datetimeFigureOut">
               <a:rPr lang="en-GB" smtClean="0"/>
-              <a:t>09/12/2019</a:t>
+              <a:t>10/12/2019</a:t>
             </a:fld>
             <a:endParaRPr lang="en-GB"/>
           </a:p>
@@ -719,7 +720,7 @@
           <a:p>
             <a:fld id="{AE182ABF-C602-4EB8-A052-2B7C8A1BDF7F}" type="datetimeFigureOut">
               <a:rPr lang="en-GB" smtClean="0"/>
-              <a:t>09/12/2019</a:t>
+              <a:t>10/12/2019</a:t>
             </a:fld>
             <a:endParaRPr lang="en-GB"/>
           </a:p>
@@ -919,7 +920,7 @@
           <a:p>
             <a:fld id="{AE182ABF-C602-4EB8-A052-2B7C8A1BDF7F}" type="datetimeFigureOut">
               <a:rPr lang="en-GB" smtClean="0"/>
-              <a:t>09/12/2019</a:t>
+              <a:t>10/12/2019</a:t>
             </a:fld>
             <a:endParaRPr lang="en-GB"/>
           </a:p>
@@ -1195,7 +1196,7 @@
           <a:p>
             <a:fld id="{AE182ABF-C602-4EB8-A052-2B7C8A1BDF7F}" type="datetimeFigureOut">
               <a:rPr lang="en-GB" smtClean="0"/>
-              <a:t>09/12/2019</a:t>
+              <a:t>10/12/2019</a:t>
             </a:fld>
             <a:endParaRPr lang="en-GB"/>
           </a:p>
@@ -1463,7 +1464,7 @@
           <a:p>
             <a:fld id="{AE182ABF-C602-4EB8-A052-2B7C8A1BDF7F}" type="datetimeFigureOut">
               <a:rPr lang="en-GB" smtClean="0"/>
-              <a:t>09/12/2019</a:t>
+              <a:t>10/12/2019</a:t>
             </a:fld>
             <a:endParaRPr lang="en-GB"/>
           </a:p>
@@ -1878,7 +1879,7 @@
           <a:p>
             <a:fld id="{AE182ABF-C602-4EB8-A052-2B7C8A1BDF7F}" type="datetimeFigureOut">
               <a:rPr lang="en-GB" smtClean="0"/>
-              <a:t>09/12/2019</a:t>
+              <a:t>10/12/2019</a:t>
             </a:fld>
             <a:endParaRPr lang="en-GB"/>
           </a:p>
@@ -2020,7 +2021,7 @@
           <a:p>
             <a:fld id="{AE182ABF-C602-4EB8-A052-2B7C8A1BDF7F}" type="datetimeFigureOut">
               <a:rPr lang="en-GB" smtClean="0"/>
-              <a:t>09/12/2019</a:t>
+              <a:t>10/12/2019</a:t>
             </a:fld>
             <a:endParaRPr lang="en-GB"/>
           </a:p>
@@ -2133,7 +2134,7 @@
           <a:p>
             <a:fld id="{AE182ABF-C602-4EB8-A052-2B7C8A1BDF7F}" type="datetimeFigureOut">
               <a:rPr lang="en-GB" smtClean="0"/>
-              <a:t>09/12/2019</a:t>
+              <a:t>10/12/2019</a:t>
             </a:fld>
             <a:endParaRPr lang="en-GB"/>
           </a:p>
@@ -2446,7 +2447,7 @@
           <a:p>
             <a:fld id="{AE182ABF-C602-4EB8-A052-2B7C8A1BDF7F}" type="datetimeFigureOut">
               <a:rPr lang="en-GB" smtClean="0"/>
-              <a:t>09/12/2019</a:t>
+              <a:t>10/12/2019</a:t>
             </a:fld>
             <a:endParaRPr lang="en-GB"/>
           </a:p>
@@ -2735,7 +2736,7 @@
           <a:p>
             <a:fld id="{AE182ABF-C602-4EB8-A052-2B7C8A1BDF7F}" type="datetimeFigureOut">
               <a:rPr lang="en-GB" smtClean="0"/>
-              <a:t>09/12/2019</a:t>
+              <a:t>10/12/2019</a:t>
             </a:fld>
             <a:endParaRPr lang="en-GB"/>
           </a:p>
@@ -2978,7 +2979,7 @@
           <a:p>
             <a:fld id="{AE182ABF-C602-4EB8-A052-2B7C8A1BDF7F}" type="datetimeFigureOut">
               <a:rPr lang="en-GB" smtClean="0"/>
-              <a:t>09/12/2019</a:t>
+              <a:t>10/12/2019</a:t>
             </a:fld>
             <a:endParaRPr lang="en-GB"/>
           </a:p>
@@ -28495,7 +28496,12 @@
             <p:ph type="title"/>
           </p:nvPr>
         </p:nvSpPr>
-        <p:spPr/>
+        <p:spPr>
+          <a:xfrm>
+            <a:off x="670420" y="163789"/>
+            <a:ext cx="10515600" cy="951947"/>
+          </a:xfrm>
+        </p:spPr>
         <p:txBody>
           <a:bodyPr/>
           <a:lstStyle/>
@@ -28506,7 +28512,7 @@
                   <a:schemeClr val="accent1"/>
                 </a:solidFill>
               </a:rPr>
-              <a:t>Conclusions of 1</a:t>
+              <a:t>KPI’s 1</a:t>
             </a:r>
             <a:r>
               <a:rPr lang="en-GB" b="1" baseline="30000" dirty="0">
@@ -28522,60 +28528,130 @@
                   <a:schemeClr val="accent1"/>
                 </a:solidFill>
               </a:rPr>
-              <a:t> RF predictions</a:t>
+              <a:t> prediction based on KNN model</a:t>
             </a:r>
           </a:p>
         </p:txBody>
       </p:sp>
-      <p:sp>
-        <p:nvSpPr>
-          <p:cNvPr id="3" name="Tekstvak 2">
-            <a:extLst>
-              <a:ext uri="{FF2B5EF4-FFF2-40B4-BE49-F238E27FC236}">
-                <a16:creationId xmlns:a16="http://schemas.microsoft.com/office/drawing/2014/main" id="{541AA667-CD78-4294-8AD5-C84727B17DBD}"/>
-              </a:ext>
-            </a:extLst>
-          </p:cNvPr>
-          <p:cNvSpPr txBox="1"/>
+      <p:pic>
+        <p:nvPicPr>
+          <p:cNvPr id="5" name="Afbeelding 4">
+            <a:extLst>
+              <a:ext uri="{FF2B5EF4-FFF2-40B4-BE49-F238E27FC236}">
+                <a16:creationId xmlns:a16="http://schemas.microsoft.com/office/drawing/2014/main" id="{20CFD75A-EB82-4DE7-AE83-7798DC7CD0B2}"/>
+              </a:ext>
+            </a:extLst>
+          </p:cNvPr>
+          <p:cNvPicPr>
+            <a:picLocks noChangeAspect="1"/>
+          </p:cNvPicPr>
           <p:nvPr/>
-        </p:nvSpPr>
+        </p:nvPicPr>
+        <p:blipFill rotWithShape="1">
+          <a:blip r:embed="rId2"/>
+          <a:srcRect l="9843" r="4820"/>
+          <a:stretch/>
+        </p:blipFill>
         <p:spPr>
           <a:xfrm>
-            <a:off x="942392" y="2043404"/>
-            <a:ext cx="10730204" cy="923330"/>
+            <a:off x="4573304" y="1531711"/>
+            <a:ext cx="2021746" cy="1271239"/>
           </a:xfrm>
           <a:prstGeom prst="rect">
             <a:avLst/>
           </a:prstGeom>
-          <a:noFill/>
         </p:spPr>
-        <p:txBody>
-          <a:bodyPr wrap="square" rtlCol="0">
-            <a:spAutoFit/>
-          </a:bodyPr>
-          <a:lstStyle/>
-          <a:p>
-            <a:r>
-              <a:rPr lang="en-GB" dirty="0"/>
-              <a:t>- </a:t>
-            </a:r>
-            <a:r>
-              <a:rPr lang="en-GB" dirty="0" err="1"/>
-              <a:t>fffg</a:t>
-            </a:r>
-            <a:endParaRPr lang="en-GB" dirty="0"/>
-          </a:p>
-          <a:p>
-            <a:endParaRPr lang="en-GB" dirty="0"/>
-          </a:p>
-          <a:p>
-            <a:r>
-              <a:rPr lang="en-GB" dirty="0"/>
-              <a:t> </a:t>
-            </a:r>
-          </a:p>
-        </p:txBody>
-      </p:sp>
+      </p:pic>
+      <p:pic>
+        <p:nvPicPr>
+          <p:cNvPr id="6" name="Afbeelding 5">
+            <a:extLst>
+              <a:ext uri="{FF2B5EF4-FFF2-40B4-BE49-F238E27FC236}">
+                <a16:creationId xmlns:a16="http://schemas.microsoft.com/office/drawing/2014/main" id="{9F957972-66DF-4D62-90CC-36A29BF69CB2}"/>
+              </a:ext>
+            </a:extLst>
+          </p:cNvPr>
+          <p:cNvPicPr>
+            <a:picLocks noChangeAspect="1"/>
+          </p:cNvPicPr>
+          <p:nvPr/>
+        </p:nvPicPr>
+        <p:blipFill>
+          <a:blip r:embed="rId3"/>
+          <a:stretch>
+            <a:fillRect/>
+          </a:stretch>
+        </p:blipFill>
+        <p:spPr>
+          <a:xfrm>
+            <a:off x="8122668" y="3614169"/>
+            <a:ext cx="3848100" cy="1781175"/>
+          </a:xfrm>
+          <a:prstGeom prst="rect">
+            <a:avLst/>
+          </a:prstGeom>
+        </p:spPr>
+      </p:pic>
+      <p:pic>
+        <p:nvPicPr>
+          <p:cNvPr id="7" name="Afbeelding 6">
+            <a:extLst>
+              <a:ext uri="{FF2B5EF4-FFF2-40B4-BE49-F238E27FC236}">
+                <a16:creationId xmlns:a16="http://schemas.microsoft.com/office/drawing/2014/main" id="{3E816649-A558-4D5E-B7F3-5ACF6D6B9F29}"/>
+              </a:ext>
+            </a:extLst>
+          </p:cNvPr>
+          <p:cNvPicPr>
+            <a:picLocks noChangeAspect="1"/>
+          </p:cNvPicPr>
+          <p:nvPr/>
+        </p:nvPicPr>
+        <p:blipFill>
+          <a:blip r:embed="rId4"/>
+          <a:stretch>
+            <a:fillRect/>
+          </a:stretch>
+        </p:blipFill>
+        <p:spPr>
+          <a:xfrm>
+            <a:off x="4153854" y="3683226"/>
+            <a:ext cx="3733289" cy="1643063"/>
+          </a:xfrm>
+          <a:prstGeom prst="rect">
+            <a:avLst/>
+          </a:prstGeom>
+        </p:spPr>
+      </p:pic>
+      <p:pic>
+        <p:nvPicPr>
+          <p:cNvPr id="8" name="Afbeelding 7">
+            <a:extLst>
+              <a:ext uri="{FF2B5EF4-FFF2-40B4-BE49-F238E27FC236}">
+                <a16:creationId xmlns:a16="http://schemas.microsoft.com/office/drawing/2014/main" id="{7FFE7550-3701-4C85-97D7-7EF969BB0D0C}"/>
+              </a:ext>
+            </a:extLst>
+          </p:cNvPr>
+          <p:cNvPicPr>
+            <a:picLocks noChangeAspect="1"/>
+          </p:cNvPicPr>
+          <p:nvPr/>
+        </p:nvPicPr>
+        <p:blipFill>
+          <a:blip r:embed="rId5"/>
+          <a:stretch>
+            <a:fillRect/>
+          </a:stretch>
+        </p:blipFill>
+        <p:spPr>
+          <a:xfrm>
+            <a:off x="317879" y="3802289"/>
+            <a:ext cx="3600450" cy="1524000"/>
+          </a:xfrm>
+          <a:prstGeom prst="rect">
+            <a:avLst/>
+          </a:prstGeom>
+        </p:spPr>
+      </p:pic>
     </p:spTree>
     <p:extLst>
       <p:ext uri="{BB962C8B-B14F-4D97-AF65-F5344CB8AC3E}">
@@ -28764,6 +28840,312 @@
     <p:extLst>
       <p:ext uri="{BB962C8B-B14F-4D97-AF65-F5344CB8AC3E}">
         <p14:creationId xmlns:p14="http://schemas.microsoft.com/office/powerpoint/2010/main" val="161022816"/>
+      </p:ext>
+    </p:extLst>
+  </p:cSld>
+  <p:clrMapOvr>
+    <a:masterClrMapping/>
+  </p:clrMapOvr>
+</p:sld>
+</file>
+
+<file path=ppt/slides/slide50.xml><?xml version="1.0" encoding="utf-8"?>
+<p:sld xmlns:a="http://schemas.openxmlformats.org/drawingml/2006/main" xmlns:r="http://schemas.openxmlformats.org/officeDocument/2006/relationships" xmlns:p="http://schemas.openxmlformats.org/presentationml/2006/main">
+  <p:cSld>
+    <p:spTree>
+      <p:nvGrpSpPr>
+        <p:cNvPr id="1" name=""/>
+        <p:cNvGrpSpPr/>
+        <p:nvPr/>
+      </p:nvGrpSpPr>
+      <p:grpSpPr>
+        <a:xfrm>
+          <a:off x="0" y="0"/>
+          <a:ext cx="0" cy="0"/>
+          <a:chOff x="0" y="0"/>
+          <a:chExt cx="0" cy="0"/>
+        </a:xfrm>
+      </p:grpSpPr>
+      <p:pic>
+        <p:nvPicPr>
+          <p:cNvPr id="3" name="Afbeelding 2">
+            <a:extLst>
+              <a:ext uri="{FF2B5EF4-FFF2-40B4-BE49-F238E27FC236}">
+                <a16:creationId xmlns:a16="http://schemas.microsoft.com/office/drawing/2014/main" id="{BC0CE493-8BC5-42AA-AE31-3A8DA2DEF78D}"/>
+              </a:ext>
+            </a:extLst>
+          </p:cNvPr>
+          <p:cNvPicPr>
+            <a:picLocks noChangeAspect="1"/>
+          </p:cNvPicPr>
+          <p:nvPr/>
+        </p:nvPicPr>
+        <p:blipFill>
+          <a:blip r:embed="rId2"/>
+          <a:stretch>
+            <a:fillRect/>
+          </a:stretch>
+        </p:blipFill>
+        <p:spPr>
+          <a:xfrm>
+            <a:off x="92217" y="859739"/>
+            <a:ext cx="4744834" cy="3636759"/>
+          </a:xfrm>
+          <a:prstGeom prst="rect">
+            <a:avLst/>
+          </a:prstGeom>
+        </p:spPr>
+      </p:pic>
+      <p:pic>
+        <p:nvPicPr>
+          <p:cNvPr id="9" name="Afbeelding 8">
+            <a:extLst>
+              <a:ext uri="{FF2B5EF4-FFF2-40B4-BE49-F238E27FC236}">
+                <a16:creationId xmlns:a16="http://schemas.microsoft.com/office/drawing/2014/main" id="{4D652742-E4AC-4729-AD83-D23FD1C4B18B}"/>
+              </a:ext>
+            </a:extLst>
+          </p:cNvPr>
+          <p:cNvPicPr>
+            <a:picLocks noChangeAspect="1"/>
+          </p:cNvPicPr>
+          <p:nvPr/>
+        </p:nvPicPr>
+        <p:blipFill>
+          <a:blip r:embed="rId3"/>
+          <a:stretch>
+            <a:fillRect/>
+          </a:stretch>
+        </p:blipFill>
+        <p:spPr>
+          <a:xfrm>
+            <a:off x="4837051" y="3429000"/>
+            <a:ext cx="4497373" cy="3316647"/>
+          </a:xfrm>
+          <a:prstGeom prst="rect">
+            <a:avLst/>
+          </a:prstGeom>
+        </p:spPr>
+      </p:pic>
+      <p:sp>
+        <p:nvSpPr>
+          <p:cNvPr id="2" name="Titel 1">
+            <a:extLst>
+              <a:ext uri="{FF2B5EF4-FFF2-40B4-BE49-F238E27FC236}">
+                <a16:creationId xmlns:a16="http://schemas.microsoft.com/office/drawing/2014/main" id="{249BB2D2-3DCB-42B9-B892-12D70F9F8BC1}"/>
+              </a:ext>
+            </a:extLst>
+          </p:cNvPr>
+          <p:cNvSpPr>
+            <a:spLocks noGrp="1"/>
+          </p:cNvSpPr>
+          <p:nvPr>
+            <p:ph type="title"/>
+          </p:nvPr>
+        </p:nvSpPr>
+        <p:spPr>
+          <a:xfrm>
+            <a:off x="0" y="-23526"/>
+            <a:ext cx="7558481" cy="943631"/>
+          </a:xfrm>
+        </p:spPr>
+        <p:txBody>
+          <a:bodyPr/>
+          <a:lstStyle/>
+          <a:p>
+            <a:r>
+              <a:rPr lang="en-GB" b="1" dirty="0">
+                <a:solidFill>
+                  <a:schemeClr val="accent1"/>
+                </a:solidFill>
+              </a:rPr>
+              <a:t>CF for Floor 1</a:t>
+            </a:r>
+            <a:r>
+              <a:rPr lang="en-GB" b="1" baseline="30000" dirty="0">
+                <a:solidFill>
+                  <a:schemeClr val="accent1"/>
+                </a:solidFill>
+              </a:rPr>
+              <a:t>st</a:t>
+            </a:r>
+            <a:r>
+              <a:rPr lang="en-GB" b="1" dirty="0">
+                <a:solidFill>
+                  <a:schemeClr val="accent1"/>
+                </a:solidFill>
+              </a:rPr>
+              <a:t> </a:t>
+            </a:r>
+            <a:r>
+              <a:rPr lang="en-GB" b="1" dirty="0" err="1">
+                <a:solidFill>
+                  <a:schemeClr val="accent1"/>
+                </a:solidFill>
+              </a:rPr>
+              <a:t>pred_KNN</a:t>
+            </a:r>
+            <a:r>
+              <a:rPr lang="en-GB" b="1" dirty="0">
+                <a:solidFill>
+                  <a:schemeClr val="accent1"/>
+                </a:solidFill>
+              </a:rPr>
+              <a:t> model</a:t>
+            </a:r>
+          </a:p>
+        </p:txBody>
+      </p:sp>
+      <p:sp>
+        <p:nvSpPr>
+          <p:cNvPr id="4" name="Tekstvak 3">
+            <a:extLst>
+              <a:ext uri="{FF2B5EF4-FFF2-40B4-BE49-F238E27FC236}">
+                <a16:creationId xmlns:a16="http://schemas.microsoft.com/office/drawing/2014/main" id="{D36FF0F0-7B3C-477E-93D0-E0CC54110E1A}"/>
+              </a:ext>
+            </a:extLst>
+          </p:cNvPr>
+          <p:cNvSpPr txBox="1"/>
+          <p:nvPr/>
+        </p:nvSpPr>
+        <p:spPr>
+          <a:xfrm>
+            <a:off x="6786694" y="3291216"/>
+            <a:ext cx="855677" cy="369332"/>
+          </a:xfrm>
+          <a:prstGeom prst="rect">
+            <a:avLst/>
+          </a:prstGeom>
+          <a:noFill/>
+        </p:spPr>
+        <p:txBody>
+          <a:bodyPr wrap="square" rtlCol="0">
+            <a:spAutoFit/>
+          </a:bodyPr>
+          <a:lstStyle/>
+          <a:p>
+            <a:r>
+              <a:rPr lang="en-GB" b="1" dirty="0">
+                <a:solidFill>
+                  <a:schemeClr val="accent2"/>
+                </a:solidFill>
+              </a:rPr>
+              <a:t>B1</a:t>
+            </a:r>
+          </a:p>
+        </p:txBody>
+      </p:sp>
+      <p:sp>
+        <p:nvSpPr>
+          <p:cNvPr id="10" name="Tekstvak 9">
+            <a:extLst>
+              <a:ext uri="{FF2B5EF4-FFF2-40B4-BE49-F238E27FC236}">
+                <a16:creationId xmlns:a16="http://schemas.microsoft.com/office/drawing/2014/main" id="{2A725208-C8DC-44F8-B5C7-C7ADA3518D18}"/>
+              </a:ext>
+            </a:extLst>
+          </p:cNvPr>
+          <p:cNvSpPr txBox="1"/>
+          <p:nvPr/>
+        </p:nvSpPr>
+        <p:spPr>
+          <a:xfrm>
+            <a:off x="2187552" y="735439"/>
+            <a:ext cx="855677" cy="369332"/>
+          </a:xfrm>
+          <a:prstGeom prst="rect">
+            <a:avLst/>
+          </a:prstGeom>
+          <a:noFill/>
+        </p:spPr>
+        <p:txBody>
+          <a:bodyPr wrap="square" rtlCol="0">
+            <a:spAutoFit/>
+          </a:bodyPr>
+          <a:lstStyle/>
+          <a:p>
+            <a:r>
+              <a:rPr lang="en-GB" b="1" dirty="0">
+                <a:solidFill>
+                  <a:schemeClr val="accent2"/>
+                </a:solidFill>
+              </a:rPr>
+              <a:t>B0</a:t>
+            </a:r>
+          </a:p>
+        </p:txBody>
+      </p:sp>
+      <p:pic>
+        <p:nvPicPr>
+          <p:cNvPr id="11" name="Afbeelding 10">
+            <a:extLst>
+              <a:ext uri="{FF2B5EF4-FFF2-40B4-BE49-F238E27FC236}">
+                <a16:creationId xmlns:a16="http://schemas.microsoft.com/office/drawing/2014/main" id="{B75DA947-CCB5-4DED-B00D-55B3A79A5872}"/>
+              </a:ext>
+            </a:extLst>
+          </p:cNvPr>
+          <p:cNvPicPr>
+            <a:picLocks noChangeAspect="1"/>
+          </p:cNvPicPr>
+          <p:nvPr/>
+        </p:nvPicPr>
+        <p:blipFill>
+          <a:blip r:embed="rId4"/>
+          <a:stretch>
+            <a:fillRect/>
+          </a:stretch>
+        </p:blipFill>
+        <p:spPr>
+          <a:xfrm>
+            <a:off x="7290276" y="62228"/>
+            <a:ext cx="4809507" cy="3636760"/>
+          </a:xfrm>
+          <a:prstGeom prst="rect">
+            <a:avLst/>
+          </a:prstGeom>
+        </p:spPr>
+      </p:pic>
+      <p:sp>
+        <p:nvSpPr>
+          <p:cNvPr id="12" name="Tekstvak 11">
+            <a:extLst>
+              <a:ext uri="{FF2B5EF4-FFF2-40B4-BE49-F238E27FC236}">
+                <a16:creationId xmlns:a16="http://schemas.microsoft.com/office/drawing/2014/main" id="{5B967DF7-40A3-43B7-9376-4671A9C795A9}"/>
+              </a:ext>
+            </a:extLst>
+          </p:cNvPr>
+          <p:cNvSpPr txBox="1"/>
+          <p:nvPr/>
+        </p:nvSpPr>
+        <p:spPr>
+          <a:xfrm>
+            <a:off x="9156029" y="-72313"/>
+            <a:ext cx="855677" cy="369332"/>
+          </a:xfrm>
+          <a:prstGeom prst="rect">
+            <a:avLst/>
+          </a:prstGeom>
+          <a:noFill/>
+        </p:spPr>
+        <p:txBody>
+          <a:bodyPr wrap="square" rtlCol="0">
+            <a:spAutoFit/>
+          </a:bodyPr>
+          <a:lstStyle/>
+          <a:p>
+            <a:r>
+              <a:rPr lang="en-GB" b="1" dirty="0">
+                <a:solidFill>
+                  <a:schemeClr val="accent2"/>
+                </a:solidFill>
+              </a:rPr>
+              <a:t>B2</a:t>
+            </a:r>
+          </a:p>
+        </p:txBody>
+      </p:sp>
+    </p:spTree>
+    <p:extLst>
+      <p:ext uri="{BB962C8B-B14F-4D97-AF65-F5344CB8AC3E}">
+        <p14:creationId xmlns:p14="http://schemas.microsoft.com/office/powerpoint/2010/main" val="2205621699"/>
       </p:ext>
     </p:extLst>
   </p:cSld>

--- a/Data etc/Log.pptx
+++ b/Data etc/Log.pptx
@@ -55,6 +55,10 @@
     <p:sldId id="307" r:id="rId49"/>
     <p:sldId id="306" r:id="rId50"/>
     <p:sldId id="308" r:id="rId51"/>
+    <p:sldId id="312" r:id="rId52"/>
+    <p:sldId id="309" r:id="rId53"/>
+    <p:sldId id="311" r:id="rId54"/>
+    <p:sldId id="310" r:id="rId55"/>
   </p:sldIdLst>
   <p:sldSz cx="12192000" cy="6858000"/>
   <p:notesSz cx="6858000" cy="9144000"/>
@@ -310,7 +314,7 @@
           <a:p>
             <a:fld id="{AE182ABF-C602-4EB8-A052-2B7C8A1BDF7F}" type="datetimeFigureOut">
               <a:rPr lang="en-GB" smtClean="0"/>
-              <a:t>10/12/2019</a:t>
+              <a:t>11/12/2019</a:t>
             </a:fld>
             <a:endParaRPr lang="en-GB"/>
           </a:p>
@@ -510,7 +514,7 @@
           <a:p>
             <a:fld id="{AE182ABF-C602-4EB8-A052-2B7C8A1BDF7F}" type="datetimeFigureOut">
               <a:rPr lang="en-GB" smtClean="0"/>
-              <a:t>10/12/2019</a:t>
+              <a:t>11/12/2019</a:t>
             </a:fld>
             <a:endParaRPr lang="en-GB"/>
           </a:p>
@@ -720,7 +724,7 @@
           <a:p>
             <a:fld id="{AE182ABF-C602-4EB8-A052-2B7C8A1BDF7F}" type="datetimeFigureOut">
               <a:rPr lang="en-GB" smtClean="0"/>
-              <a:t>10/12/2019</a:t>
+              <a:t>11/12/2019</a:t>
             </a:fld>
             <a:endParaRPr lang="en-GB"/>
           </a:p>
@@ -920,7 +924,7 @@
           <a:p>
             <a:fld id="{AE182ABF-C602-4EB8-A052-2B7C8A1BDF7F}" type="datetimeFigureOut">
               <a:rPr lang="en-GB" smtClean="0"/>
-              <a:t>10/12/2019</a:t>
+              <a:t>11/12/2019</a:t>
             </a:fld>
             <a:endParaRPr lang="en-GB"/>
           </a:p>
@@ -1196,7 +1200,7 @@
           <a:p>
             <a:fld id="{AE182ABF-C602-4EB8-A052-2B7C8A1BDF7F}" type="datetimeFigureOut">
               <a:rPr lang="en-GB" smtClean="0"/>
-              <a:t>10/12/2019</a:t>
+              <a:t>11/12/2019</a:t>
             </a:fld>
             <a:endParaRPr lang="en-GB"/>
           </a:p>
@@ -1464,7 +1468,7 @@
           <a:p>
             <a:fld id="{AE182ABF-C602-4EB8-A052-2B7C8A1BDF7F}" type="datetimeFigureOut">
               <a:rPr lang="en-GB" smtClean="0"/>
-              <a:t>10/12/2019</a:t>
+              <a:t>11/12/2019</a:t>
             </a:fld>
             <a:endParaRPr lang="en-GB"/>
           </a:p>
@@ -1879,7 +1883,7 @@
           <a:p>
             <a:fld id="{AE182ABF-C602-4EB8-A052-2B7C8A1BDF7F}" type="datetimeFigureOut">
               <a:rPr lang="en-GB" smtClean="0"/>
-              <a:t>10/12/2019</a:t>
+              <a:t>11/12/2019</a:t>
             </a:fld>
             <a:endParaRPr lang="en-GB"/>
           </a:p>
@@ -2021,7 +2025,7 @@
           <a:p>
             <a:fld id="{AE182ABF-C602-4EB8-A052-2B7C8A1BDF7F}" type="datetimeFigureOut">
               <a:rPr lang="en-GB" smtClean="0"/>
-              <a:t>10/12/2019</a:t>
+              <a:t>11/12/2019</a:t>
             </a:fld>
             <a:endParaRPr lang="en-GB"/>
           </a:p>
@@ -2134,7 +2138,7 @@
           <a:p>
             <a:fld id="{AE182ABF-C602-4EB8-A052-2B7C8A1BDF7F}" type="datetimeFigureOut">
               <a:rPr lang="en-GB" smtClean="0"/>
-              <a:t>10/12/2019</a:t>
+              <a:t>11/12/2019</a:t>
             </a:fld>
             <a:endParaRPr lang="en-GB"/>
           </a:p>
@@ -2447,7 +2451,7 @@
           <a:p>
             <a:fld id="{AE182ABF-C602-4EB8-A052-2B7C8A1BDF7F}" type="datetimeFigureOut">
               <a:rPr lang="en-GB" smtClean="0"/>
-              <a:t>10/12/2019</a:t>
+              <a:t>11/12/2019</a:t>
             </a:fld>
             <a:endParaRPr lang="en-GB"/>
           </a:p>
@@ -2736,7 +2740,7 @@
           <a:p>
             <a:fld id="{AE182ABF-C602-4EB8-A052-2B7C8A1BDF7F}" type="datetimeFigureOut">
               <a:rPr lang="en-GB" smtClean="0"/>
-              <a:t>10/12/2019</a:t>
+              <a:t>11/12/2019</a:t>
             </a:fld>
             <a:endParaRPr lang="en-GB"/>
           </a:p>
@@ -2979,7 +2983,7 @@
           <a:p>
             <a:fld id="{AE182ABF-C602-4EB8-A052-2B7C8A1BDF7F}" type="datetimeFigureOut">
               <a:rPr lang="en-GB" smtClean="0"/>
-              <a:t>10/12/2019</a:t>
+              <a:t>11/12/2019</a:t>
             </a:fld>
             <a:endParaRPr lang="en-GB"/>
           </a:p>
@@ -29146,6 +29150,782 @@
     <p:extLst>
       <p:ext uri="{BB962C8B-B14F-4D97-AF65-F5344CB8AC3E}">
         <p14:creationId xmlns:p14="http://schemas.microsoft.com/office/powerpoint/2010/main" val="2205621699"/>
+      </p:ext>
+    </p:extLst>
+  </p:cSld>
+  <p:clrMapOvr>
+    <a:masterClrMapping/>
+  </p:clrMapOvr>
+</p:sld>
+</file>
+
+<file path=ppt/slides/slide51.xml><?xml version="1.0" encoding="utf-8"?>
+<p:sld xmlns:a="http://schemas.openxmlformats.org/drawingml/2006/main" xmlns:r="http://schemas.openxmlformats.org/officeDocument/2006/relationships" xmlns:p="http://schemas.openxmlformats.org/presentationml/2006/main">
+  <p:cSld>
+    <p:spTree>
+      <p:nvGrpSpPr>
+        <p:cNvPr id="1" name=""/>
+        <p:cNvGrpSpPr/>
+        <p:nvPr/>
+      </p:nvGrpSpPr>
+      <p:grpSpPr>
+        <a:xfrm>
+          <a:off x="0" y="0"/>
+          <a:ext cx="0" cy="0"/>
+          <a:chOff x="0" y="0"/>
+          <a:chExt cx="0" cy="0"/>
+        </a:xfrm>
+      </p:grpSpPr>
+      <p:sp>
+        <p:nvSpPr>
+          <p:cNvPr id="2" name="Titel 1">
+            <a:extLst>
+              <a:ext uri="{FF2B5EF4-FFF2-40B4-BE49-F238E27FC236}">
+                <a16:creationId xmlns:a16="http://schemas.microsoft.com/office/drawing/2014/main" id="{249BB2D2-3DCB-42B9-B892-12D70F9F8BC1}"/>
+              </a:ext>
+            </a:extLst>
+          </p:cNvPr>
+          <p:cNvSpPr>
+            <a:spLocks noGrp="1"/>
+          </p:cNvSpPr>
+          <p:nvPr>
+            <p:ph type="title"/>
+          </p:nvPr>
+        </p:nvSpPr>
+        <p:spPr>
+          <a:xfrm>
+            <a:off x="0" y="40743"/>
+            <a:ext cx="5229421" cy="1325563"/>
+          </a:xfrm>
+        </p:spPr>
+        <p:txBody>
+          <a:bodyPr/>
+          <a:lstStyle/>
+          <a:p>
+            <a:r>
+              <a:rPr lang="en-GB" b="1" dirty="0">
+                <a:solidFill>
+                  <a:schemeClr val="accent1"/>
+                </a:solidFill>
+              </a:rPr>
+              <a:t>1</a:t>
+            </a:r>
+            <a:r>
+              <a:rPr lang="en-GB" b="1" baseline="30000" dirty="0">
+                <a:solidFill>
+                  <a:schemeClr val="accent1"/>
+                </a:solidFill>
+              </a:rPr>
+              <a:t>st</a:t>
+            </a:r>
+            <a:r>
+              <a:rPr lang="en-GB" b="1" dirty="0">
+                <a:solidFill>
+                  <a:schemeClr val="accent1"/>
+                </a:solidFill>
+              </a:rPr>
+              <a:t> </a:t>
+            </a:r>
+            <a:r>
+              <a:rPr lang="en-GB" b="1" dirty="0" err="1">
+                <a:solidFill>
+                  <a:schemeClr val="accent1"/>
+                </a:solidFill>
+              </a:rPr>
+              <a:t>Pred</a:t>
+            </a:r>
+            <a:r>
+              <a:rPr lang="en-GB" b="1" dirty="0">
+                <a:solidFill>
+                  <a:schemeClr val="accent1"/>
+                </a:solidFill>
+              </a:rPr>
+              <a:t> Check long/</a:t>
+            </a:r>
+            <a:r>
+              <a:rPr lang="en-GB" b="1" dirty="0" err="1">
+                <a:solidFill>
+                  <a:schemeClr val="accent1"/>
+                </a:solidFill>
+              </a:rPr>
+              <a:t>lat</a:t>
+            </a:r>
+            <a:endParaRPr lang="en-GB" b="1" dirty="0">
+              <a:solidFill>
+                <a:schemeClr val="accent1"/>
+              </a:solidFill>
+            </a:endParaRPr>
+          </a:p>
+        </p:txBody>
+      </p:sp>
+      <p:pic>
+        <p:nvPicPr>
+          <p:cNvPr id="5" name="Afbeelding 4">
+            <a:extLst>
+              <a:ext uri="{FF2B5EF4-FFF2-40B4-BE49-F238E27FC236}">
+                <a16:creationId xmlns:a16="http://schemas.microsoft.com/office/drawing/2014/main" id="{3CA4B7C7-00BE-4F1B-A51D-D6224AAC9E7D}"/>
+              </a:ext>
+            </a:extLst>
+          </p:cNvPr>
+          <p:cNvPicPr>
+            <a:picLocks noChangeAspect="1"/>
+          </p:cNvPicPr>
+          <p:nvPr/>
+        </p:nvPicPr>
+        <p:blipFill>
+          <a:blip r:embed="rId2"/>
+          <a:stretch>
+            <a:fillRect/>
+          </a:stretch>
+        </p:blipFill>
+        <p:spPr>
+          <a:xfrm>
+            <a:off x="0" y="1242608"/>
+            <a:ext cx="5451518" cy="3449994"/>
+          </a:xfrm>
+          <a:prstGeom prst="rect">
+            <a:avLst/>
+          </a:prstGeom>
+        </p:spPr>
+      </p:pic>
+      <p:pic>
+        <p:nvPicPr>
+          <p:cNvPr id="4" name="Afbeelding 3">
+            <a:extLst>
+              <a:ext uri="{FF2B5EF4-FFF2-40B4-BE49-F238E27FC236}">
+                <a16:creationId xmlns:a16="http://schemas.microsoft.com/office/drawing/2014/main" id="{07D2D639-F6F3-437C-BB76-7E59968F6478}"/>
+              </a:ext>
+            </a:extLst>
+          </p:cNvPr>
+          <p:cNvPicPr>
+            <a:picLocks noChangeAspect="1"/>
+          </p:cNvPicPr>
+          <p:nvPr/>
+        </p:nvPicPr>
+        <p:blipFill>
+          <a:blip r:embed="rId3"/>
+          <a:stretch>
+            <a:fillRect/>
+          </a:stretch>
+        </p:blipFill>
+        <p:spPr>
+          <a:xfrm>
+            <a:off x="7117585" y="65020"/>
+            <a:ext cx="3948453" cy="2502695"/>
+          </a:xfrm>
+          <a:prstGeom prst="rect">
+            <a:avLst/>
+          </a:prstGeom>
+        </p:spPr>
+      </p:pic>
+      <p:pic>
+        <p:nvPicPr>
+          <p:cNvPr id="6" name="Afbeelding 5">
+            <a:extLst>
+              <a:ext uri="{FF2B5EF4-FFF2-40B4-BE49-F238E27FC236}">
+                <a16:creationId xmlns:a16="http://schemas.microsoft.com/office/drawing/2014/main" id="{F0BE6475-07F7-469C-A3AC-2F2B9471E926}"/>
+              </a:ext>
+            </a:extLst>
+          </p:cNvPr>
+          <p:cNvPicPr>
+            <a:picLocks noChangeAspect="1"/>
+          </p:cNvPicPr>
+          <p:nvPr/>
+        </p:nvPicPr>
+        <p:blipFill>
+          <a:blip r:embed="rId4"/>
+          <a:stretch>
+            <a:fillRect/>
+          </a:stretch>
+        </p:blipFill>
+        <p:spPr>
+          <a:xfrm>
+            <a:off x="4535880" y="2509448"/>
+            <a:ext cx="3980316" cy="2511585"/>
+          </a:xfrm>
+          <a:prstGeom prst="rect">
+            <a:avLst/>
+          </a:prstGeom>
+        </p:spPr>
+      </p:pic>
+      <p:pic>
+        <p:nvPicPr>
+          <p:cNvPr id="7" name="Afbeelding 6">
+            <a:extLst>
+              <a:ext uri="{FF2B5EF4-FFF2-40B4-BE49-F238E27FC236}">
+                <a16:creationId xmlns:a16="http://schemas.microsoft.com/office/drawing/2014/main" id="{B257F0B8-EB0B-4DB1-8E28-F96820F99A55}"/>
+              </a:ext>
+            </a:extLst>
+          </p:cNvPr>
+          <p:cNvPicPr>
+            <a:picLocks noChangeAspect="1"/>
+          </p:cNvPicPr>
+          <p:nvPr/>
+        </p:nvPicPr>
+        <p:blipFill>
+          <a:blip r:embed="rId5"/>
+          <a:stretch>
+            <a:fillRect/>
+          </a:stretch>
+        </p:blipFill>
+        <p:spPr>
+          <a:xfrm>
+            <a:off x="8444219" y="4481229"/>
+            <a:ext cx="3747781" cy="2376771"/>
+          </a:xfrm>
+          <a:prstGeom prst="rect">
+            <a:avLst/>
+          </a:prstGeom>
+        </p:spPr>
+      </p:pic>
+    </p:spTree>
+    <p:extLst>
+      <p:ext uri="{BB962C8B-B14F-4D97-AF65-F5344CB8AC3E}">
+        <p14:creationId xmlns:p14="http://schemas.microsoft.com/office/powerpoint/2010/main" val="1612012091"/>
+      </p:ext>
+    </p:extLst>
+  </p:cSld>
+  <p:clrMapOvr>
+    <a:masterClrMapping/>
+  </p:clrMapOvr>
+</p:sld>
+</file>
+
+<file path=ppt/slides/slide52.xml><?xml version="1.0" encoding="utf-8"?>
+<p:sld xmlns:a="http://schemas.openxmlformats.org/drawingml/2006/main" xmlns:r="http://schemas.openxmlformats.org/officeDocument/2006/relationships" xmlns:p="http://schemas.openxmlformats.org/presentationml/2006/main">
+  <p:cSld>
+    <p:spTree>
+      <p:nvGrpSpPr>
+        <p:cNvPr id="1" name=""/>
+        <p:cNvGrpSpPr/>
+        <p:nvPr/>
+      </p:nvGrpSpPr>
+      <p:grpSpPr>
+        <a:xfrm>
+          <a:off x="0" y="0"/>
+          <a:ext cx="0" cy="0"/>
+          <a:chOff x="0" y="0"/>
+          <a:chExt cx="0" cy="0"/>
+        </a:xfrm>
+      </p:grpSpPr>
+      <p:sp>
+        <p:nvSpPr>
+          <p:cNvPr id="2" name="Titel 1">
+            <a:extLst>
+              <a:ext uri="{FF2B5EF4-FFF2-40B4-BE49-F238E27FC236}">
+                <a16:creationId xmlns:a16="http://schemas.microsoft.com/office/drawing/2014/main" id="{249BB2D2-3DCB-42B9-B892-12D70F9F8BC1}"/>
+              </a:ext>
+            </a:extLst>
+          </p:cNvPr>
+          <p:cNvSpPr>
+            <a:spLocks noGrp="1"/>
+          </p:cNvSpPr>
+          <p:nvPr>
+            <p:ph type="title"/>
+          </p:nvPr>
+        </p:nvSpPr>
+        <p:spPr>
+          <a:xfrm>
+            <a:off x="728225" y="40743"/>
+            <a:ext cx="10515600" cy="1325563"/>
+          </a:xfrm>
+        </p:spPr>
+        <p:txBody>
+          <a:bodyPr/>
+          <a:lstStyle/>
+          <a:p>
+            <a:r>
+              <a:rPr lang="en-GB" b="1" dirty="0">
+                <a:solidFill>
+                  <a:schemeClr val="accent1"/>
+                </a:solidFill>
+              </a:rPr>
+              <a:t>1</a:t>
+            </a:r>
+            <a:r>
+              <a:rPr lang="en-GB" b="1" baseline="30000" dirty="0">
+                <a:solidFill>
+                  <a:schemeClr val="accent1"/>
+                </a:solidFill>
+              </a:rPr>
+              <a:t>st</a:t>
+            </a:r>
+            <a:r>
+              <a:rPr lang="en-GB" b="1" dirty="0">
+                <a:solidFill>
+                  <a:schemeClr val="accent1"/>
+                </a:solidFill>
+              </a:rPr>
+              <a:t> </a:t>
+            </a:r>
+            <a:r>
+              <a:rPr lang="en-GB" b="1" dirty="0" err="1">
+                <a:solidFill>
+                  <a:schemeClr val="accent1"/>
+                </a:solidFill>
+              </a:rPr>
+              <a:t>Pred</a:t>
+            </a:r>
+            <a:r>
+              <a:rPr lang="en-GB" b="1" dirty="0">
+                <a:solidFill>
+                  <a:schemeClr val="accent1"/>
+                </a:solidFill>
+              </a:rPr>
+              <a:t> check coverage per floor B0</a:t>
+            </a:r>
+          </a:p>
+        </p:txBody>
+      </p:sp>
+      <p:pic>
+        <p:nvPicPr>
+          <p:cNvPr id="4" name="Afbeelding 3">
+            <a:extLst>
+              <a:ext uri="{FF2B5EF4-FFF2-40B4-BE49-F238E27FC236}">
+                <a16:creationId xmlns:a16="http://schemas.microsoft.com/office/drawing/2014/main" id="{CE1186E0-F3B0-41E0-9D98-0778C1D5C995}"/>
+              </a:ext>
+            </a:extLst>
+          </p:cNvPr>
+          <p:cNvPicPr>
+            <a:picLocks noChangeAspect="1"/>
+          </p:cNvPicPr>
+          <p:nvPr/>
+        </p:nvPicPr>
+        <p:blipFill rotWithShape="1">
+          <a:blip r:embed="rId2"/>
+          <a:srcRect t="2548" r="2102" b="7638"/>
+          <a:stretch/>
+        </p:blipFill>
+        <p:spPr>
+          <a:xfrm>
+            <a:off x="165570" y="2130804"/>
+            <a:ext cx="5505388" cy="3254928"/>
+          </a:xfrm>
+          <a:prstGeom prst="rect">
+            <a:avLst/>
+          </a:prstGeom>
+        </p:spPr>
+      </p:pic>
+      <p:pic>
+        <p:nvPicPr>
+          <p:cNvPr id="10" name="Afbeelding 9">
+            <a:extLst>
+              <a:ext uri="{FF2B5EF4-FFF2-40B4-BE49-F238E27FC236}">
+                <a16:creationId xmlns:a16="http://schemas.microsoft.com/office/drawing/2014/main" id="{52A5C522-EC7B-4EE8-ABB6-564A7D81CCE3}"/>
+              </a:ext>
+            </a:extLst>
+          </p:cNvPr>
+          <p:cNvPicPr>
+            <a:picLocks noChangeAspect="1"/>
+          </p:cNvPicPr>
+          <p:nvPr/>
+        </p:nvPicPr>
+        <p:blipFill>
+          <a:blip r:embed="rId3"/>
+          <a:stretch>
+            <a:fillRect/>
+          </a:stretch>
+        </p:blipFill>
+        <p:spPr>
+          <a:xfrm>
+            <a:off x="5775569" y="1623269"/>
+            <a:ext cx="6416431" cy="4176057"/>
+          </a:xfrm>
+          <a:prstGeom prst="rect">
+            <a:avLst/>
+          </a:prstGeom>
+        </p:spPr>
+      </p:pic>
+    </p:spTree>
+    <p:extLst>
+      <p:ext uri="{BB962C8B-B14F-4D97-AF65-F5344CB8AC3E}">
+        <p14:creationId xmlns:p14="http://schemas.microsoft.com/office/powerpoint/2010/main" val="250875069"/>
+      </p:ext>
+    </p:extLst>
+  </p:cSld>
+  <p:clrMapOvr>
+    <a:masterClrMapping/>
+  </p:clrMapOvr>
+</p:sld>
+</file>
+
+<file path=ppt/slides/slide53.xml><?xml version="1.0" encoding="utf-8"?>
+<p:sld xmlns:a="http://schemas.openxmlformats.org/drawingml/2006/main" xmlns:r="http://schemas.openxmlformats.org/officeDocument/2006/relationships" xmlns:p="http://schemas.openxmlformats.org/presentationml/2006/main">
+  <p:cSld>
+    <p:spTree>
+      <p:nvGrpSpPr>
+        <p:cNvPr id="1" name=""/>
+        <p:cNvGrpSpPr/>
+        <p:nvPr/>
+      </p:nvGrpSpPr>
+      <p:grpSpPr>
+        <a:xfrm>
+          <a:off x="0" y="0"/>
+          <a:ext cx="0" cy="0"/>
+          <a:chOff x="0" y="0"/>
+          <a:chExt cx="0" cy="0"/>
+        </a:xfrm>
+      </p:grpSpPr>
+      <p:sp>
+        <p:nvSpPr>
+          <p:cNvPr id="2" name="Titel 1">
+            <a:extLst>
+              <a:ext uri="{FF2B5EF4-FFF2-40B4-BE49-F238E27FC236}">
+                <a16:creationId xmlns:a16="http://schemas.microsoft.com/office/drawing/2014/main" id="{249BB2D2-3DCB-42B9-B892-12D70F9F8BC1}"/>
+              </a:ext>
+            </a:extLst>
+          </p:cNvPr>
+          <p:cNvSpPr>
+            <a:spLocks noGrp="1"/>
+          </p:cNvSpPr>
+          <p:nvPr>
+            <p:ph type="title"/>
+          </p:nvPr>
+        </p:nvSpPr>
+        <p:spPr>
+          <a:xfrm>
+            <a:off x="728225" y="40743"/>
+            <a:ext cx="10515600" cy="1325563"/>
+          </a:xfrm>
+        </p:spPr>
+        <p:txBody>
+          <a:bodyPr/>
+          <a:lstStyle/>
+          <a:p>
+            <a:r>
+              <a:rPr lang="en-GB" b="1" dirty="0">
+                <a:solidFill>
+                  <a:schemeClr val="accent1"/>
+                </a:solidFill>
+              </a:rPr>
+              <a:t>1</a:t>
+            </a:r>
+            <a:r>
+              <a:rPr lang="en-GB" b="1" baseline="30000" dirty="0">
+                <a:solidFill>
+                  <a:schemeClr val="accent1"/>
+                </a:solidFill>
+              </a:rPr>
+              <a:t>st</a:t>
+            </a:r>
+            <a:r>
+              <a:rPr lang="en-GB" b="1" dirty="0">
+                <a:solidFill>
+                  <a:schemeClr val="accent1"/>
+                </a:solidFill>
+              </a:rPr>
+              <a:t> </a:t>
+            </a:r>
+            <a:r>
+              <a:rPr lang="en-GB" b="1" dirty="0" err="1">
+                <a:solidFill>
+                  <a:schemeClr val="accent1"/>
+                </a:solidFill>
+              </a:rPr>
+              <a:t>Pred</a:t>
+            </a:r>
+            <a:r>
+              <a:rPr lang="en-GB" b="1" dirty="0">
+                <a:solidFill>
+                  <a:schemeClr val="accent1"/>
+                </a:solidFill>
+              </a:rPr>
+              <a:t> check coverage per floor B1</a:t>
+            </a:r>
+          </a:p>
+        </p:txBody>
+      </p:sp>
+      <p:pic>
+        <p:nvPicPr>
+          <p:cNvPr id="6" name="Afbeelding 5">
+            <a:extLst>
+              <a:ext uri="{FF2B5EF4-FFF2-40B4-BE49-F238E27FC236}">
+                <a16:creationId xmlns:a16="http://schemas.microsoft.com/office/drawing/2014/main" id="{5BD9CB76-A08B-4A9F-9EE6-94C3CDB1B95B}"/>
+              </a:ext>
+            </a:extLst>
+          </p:cNvPr>
+          <p:cNvPicPr>
+            <a:picLocks noChangeAspect="1"/>
+          </p:cNvPicPr>
+          <p:nvPr/>
+        </p:nvPicPr>
+        <p:blipFill>
+          <a:blip r:embed="rId2"/>
+          <a:stretch>
+            <a:fillRect/>
+          </a:stretch>
+        </p:blipFill>
+        <p:spPr>
+          <a:xfrm>
+            <a:off x="0" y="2294618"/>
+            <a:ext cx="5829176" cy="3644787"/>
+          </a:xfrm>
+          <a:prstGeom prst="rect">
+            <a:avLst/>
+          </a:prstGeom>
+        </p:spPr>
+      </p:pic>
+      <p:sp>
+        <p:nvSpPr>
+          <p:cNvPr id="7" name="Tekstvak 6">
+            <a:extLst>
+              <a:ext uri="{FF2B5EF4-FFF2-40B4-BE49-F238E27FC236}">
+                <a16:creationId xmlns:a16="http://schemas.microsoft.com/office/drawing/2014/main" id="{EEA0AB34-1271-4E4B-B06E-1E91AD4E2F30}"/>
+              </a:ext>
+            </a:extLst>
+          </p:cNvPr>
+          <p:cNvSpPr txBox="1"/>
+          <p:nvPr/>
+        </p:nvSpPr>
+        <p:spPr>
+          <a:xfrm>
+            <a:off x="895598" y="1411286"/>
+            <a:ext cx="2743200" cy="276999"/>
+          </a:xfrm>
+          <a:prstGeom prst="rect">
+            <a:avLst/>
+          </a:prstGeom>
+          <a:noFill/>
+        </p:spPr>
+        <p:txBody>
+          <a:bodyPr wrap="square" rtlCol="0">
+            <a:spAutoFit/>
+          </a:bodyPr>
+          <a:lstStyle/>
+          <a:p>
+            <a:r>
+              <a:rPr lang="en-GB" sz="1200" b="1" dirty="0"/>
+              <a:t>Building 1 Log in Points</a:t>
+            </a:r>
+          </a:p>
+        </p:txBody>
+      </p:sp>
+      <p:pic>
+        <p:nvPicPr>
+          <p:cNvPr id="3" name="Afbeelding 2">
+            <a:extLst>
+              <a:ext uri="{FF2B5EF4-FFF2-40B4-BE49-F238E27FC236}">
+                <a16:creationId xmlns:a16="http://schemas.microsoft.com/office/drawing/2014/main" id="{956B991E-E03D-4966-B24B-4D0EF1D29E79}"/>
+              </a:ext>
+            </a:extLst>
+          </p:cNvPr>
+          <p:cNvPicPr>
+            <a:picLocks noChangeAspect="1"/>
+          </p:cNvPicPr>
+          <p:nvPr/>
+        </p:nvPicPr>
+        <p:blipFill rotWithShape="1">
+          <a:blip r:embed="rId3"/>
+          <a:srcRect t="3575" r="2781"/>
+          <a:stretch/>
+        </p:blipFill>
+        <p:spPr>
+          <a:xfrm>
+            <a:off x="5400456" y="1688285"/>
+            <a:ext cx="6620967" cy="4472831"/>
+          </a:xfrm>
+          <a:prstGeom prst="rect">
+            <a:avLst/>
+          </a:prstGeom>
+        </p:spPr>
+      </p:pic>
+    </p:spTree>
+    <p:extLst>
+      <p:ext uri="{BB962C8B-B14F-4D97-AF65-F5344CB8AC3E}">
+        <p14:creationId xmlns:p14="http://schemas.microsoft.com/office/powerpoint/2010/main" val="1061232493"/>
+      </p:ext>
+    </p:extLst>
+  </p:cSld>
+  <p:clrMapOvr>
+    <a:masterClrMapping/>
+  </p:clrMapOvr>
+</p:sld>
+</file>
+
+<file path=ppt/slides/slide54.xml><?xml version="1.0" encoding="utf-8"?>
+<p:sld xmlns:a="http://schemas.openxmlformats.org/drawingml/2006/main" xmlns:r="http://schemas.openxmlformats.org/officeDocument/2006/relationships" xmlns:p="http://schemas.openxmlformats.org/presentationml/2006/main">
+  <p:cSld>
+    <p:spTree>
+      <p:nvGrpSpPr>
+        <p:cNvPr id="1" name=""/>
+        <p:cNvGrpSpPr/>
+        <p:nvPr/>
+      </p:nvGrpSpPr>
+      <p:grpSpPr>
+        <a:xfrm>
+          <a:off x="0" y="0"/>
+          <a:ext cx="0" cy="0"/>
+          <a:chOff x="0" y="0"/>
+          <a:chExt cx="0" cy="0"/>
+        </a:xfrm>
+      </p:grpSpPr>
+      <p:sp>
+        <p:nvSpPr>
+          <p:cNvPr id="2" name="Titel 1">
+            <a:extLst>
+              <a:ext uri="{FF2B5EF4-FFF2-40B4-BE49-F238E27FC236}">
+                <a16:creationId xmlns:a16="http://schemas.microsoft.com/office/drawing/2014/main" id="{249BB2D2-3DCB-42B9-B892-12D70F9F8BC1}"/>
+              </a:ext>
+            </a:extLst>
+          </p:cNvPr>
+          <p:cNvSpPr>
+            <a:spLocks noGrp="1"/>
+          </p:cNvSpPr>
+          <p:nvPr>
+            <p:ph type="title"/>
+          </p:nvPr>
+        </p:nvSpPr>
+        <p:spPr>
+          <a:xfrm>
+            <a:off x="728225" y="40743"/>
+            <a:ext cx="10515600" cy="1325563"/>
+          </a:xfrm>
+        </p:spPr>
+        <p:txBody>
+          <a:bodyPr/>
+          <a:lstStyle/>
+          <a:p>
+            <a:r>
+              <a:rPr lang="en-GB" b="1" dirty="0">
+                <a:solidFill>
+                  <a:schemeClr val="accent1"/>
+                </a:solidFill>
+              </a:rPr>
+              <a:t>1</a:t>
+            </a:r>
+            <a:r>
+              <a:rPr lang="en-GB" b="1" baseline="30000" dirty="0">
+                <a:solidFill>
+                  <a:schemeClr val="accent1"/>
+                </a:solidFill>
+              </a:rPr>
+              <a:t>st</a:t>
+            </a:r>
+            <a:r>
+              <a:rPr lang="en-GB" b="1" dirty="0">
+                <a:solidFill>
+                  <a:schemeClr val="accent1"/>
+                </a:solidFill>
+              </a:rPr>
+              <a:t> </a:t>
+            </a:r>
+            <a:r>
+              <a:rPr lang="en-GB" b="1" dirty="0" err="1">
+                <a:solidFill>
+                  <a:schemeClr val="accent1"/>
+                </a:solidFill>
+              </a:rPr>
+              <a:t>Pred</a:t>
+            </a:r>
+            <a:r>
+              <a:rPr lang="en-GB" b="1" dirty="0">
+                <a:solidFill>
+                  <a:schemeClr val="accent1"/>
+                </a:solidFill>
+              </a:rPr>
+              <a:t> check coverage per floor B2</a:t>
+            </a:r>
+          </a:p>
+        </p:txBody>
+      </p:sp>
+      <p:pic>
+        <p:nvPicPr>
+          <p:cNvPr id="8" name="Afbeelding 7">
+            <a:extLst>
+              <a:ext uri="{FF2B5EF4-FFF2-40B4-BE49-F238E27FC236}">
+                <a16:creationId xmlns:a16="http://schemas.microsoft.com/office/drawing/2014/main" id="{AD109F4F-7162-4D7E-9A64-235044A94157}"/>
+              </a:ext>
+            </a:extLst>
+          </p:cNvPr>
+          <p:cNvPicPr>
+            <a:picLocks noChangeAspect="1"/>
+          </p:cNvPicPr>
+          <p:nvPr/>
+        </p:nvPicPr>
+        <p:blipFill>
+          <a:blip r:embed="rId2"/>
+          <a:stretch>
+            <a:fillRect/>
+          </a:stretch>
+        </p:blipFill>
+        <p:spPr>
+          <a:xfrm>
+            <a:off x="128412" y="1855283"/>
+            <a:ext cx="5333480" cy="3027110"/>
+          </a:xfrm>
+          <a:prstGeom prst="rect">
+            <a:avLst/>
+          </a:prstGeom>
+        </p:spPr>
+      </p:pic>
+      <p:sp>
+        <p:nvSpPr>
+          <p:cNvPr id="9" name="Tekstvak 8">
+            <a:extLst>
+              <a:ext uri="{FF2B5EF4-FFF2-40B4-BE49-F238E27FC236}">
+                <a16:creationId xmlns:a16="http://schemas.microsoft.com/office/drawing/2014/main" id="{B96E804D-D49F-406A-A9D5-C8205C791256}"/>
+              </a:ext>
+            </a:extLst>
+          </p:cNvPr>
+          <p:cNvSpPr txBox="1"/>
+          <p:nvPr/>
+        </p:nvSpPr>
+        <p:spPr>
+          <a:xfrm>
+            <a:off x="128412" y="1366306"/>
+            <a:ext cx="2743200" cy="276999"/>
+          </a:xfrm>
+          <a:prstGeom prst="rect">
+            <a:avLst/>
+          </a:prstGeom>
+          <a:noFill/>
+        </p:spPr>
+        <p:txBody>
+          <a:bodyPr wrap="square" rtlCol="0">
+            <a:spAutoFit/>
+          </a:bodyPr>
+          <a:lstStyle/>
+          <a:p>
+            <a:r>
+              <a:rPr lang="en-GB" sz="1200" b="1" dirty="0"/>
+              <a:t>Building 2 Log in Points</a:t>
+            </a:r>
+          </a:p>
+        </p:txBody>
+      </p:sp>
+      <p:pic>
+        <p:nvPicPr>
+          <p:cNvPr id="3" name="Afbeelding 2">
+            <a:extLst>
+              <a:ext uri="{FF2B5EF4-FFF2-40B4-BE49-F238E27FC236}">
+                <a16:creationId xmlns:a16="http://schemas.microsoft.com/office/drawing/2014/main" id="{6362DF51-CD8C-47CB-9AAE-5E3342416DB3}"/>
+              </a:ext>
+            </a:extLst>
+          </p:cNvPr>
+          <p:cNvPicPr>
+            <a:picLocks noChangeAspect="1"/>
+          </p:cNvPicPr>
+          <p:nvPr/>
+        </p:nvPicPr>
+        <p:blipFill rotWithShape="1">
+          <a:blip r:embed="rId3"/>
+          <a:srcRect t="2566" r="3203" b="6437"/>
+          <a:stretch/>
+        </p:blipFill>
+        <p:spPr>
+          <a:xfrm>
+            <a:off x="5461892" y="1504805"/>
+            <a:ext cx="6647575" cy="4437776"/>
+          </a:xfrm>
+          <a:prstGeom prst="rect">
+            <a:avLst/>
+          </a:prstGeom>
+        </p:spPr>
+      </p:pic>
+    </p:spTree>
+    <p:extLst>
+      <p:ext uri="{BB962C8B-B14F-4D97-AF65-F5344CB8AC3E}">
+        <p14:creationId xmlns:p14="http://schemas.microsoft.com/office/powerpoint/2010/main" val="169473387"/>
       </p:ext>
     </p:extLst>
   </p:cSld>

--- a/Data etc/Log.pptx
+++ b/Data etc/Log.pptx
@@ -59,6 +59,7 @@
     <p:sldId id="309" r:id="rId53"/>
     <p:sldId id="311" r:id="rId54"/>
     <p:sldId id="310" r:id="rId55"/>
+    <p:sldId id="313" r:id="rId56"/>
   </p:sldIdLst>
   <p:sldSz cx="12192000" cy="6858000"/>
   <p:notesSz cx="6858000" cy="9144000"/>
@@ -314,7 +315,7 @@
           <a:p>
             <a:fld id="{AE182ABF-C602-4EB8-A052-2B7C8A1BDF7F}" type="datetimeFigureOut">
               <a:rPr lang="en-GB" smtClean="0"/>
-              <a:t>11/12/2019</a:t>
+              <a:t>12/12/2019</a:t>
             </a:fld>
             <a:endParaRPr lang="en-GB"/>
           </a:p>
@@ -514,7 +515,7 @@
           <a:p>
             <a:fld id="{AE182ABF-C602-4EB8-A052-2B7C8A1BDF7F}" type="datetimeFigureOut">
               <a:rPr lang="en-GB" smtClean="0"/>
-              <a:t>11/12/2019</a:t>
+              <a:t>12/12/2019</a:t>
             </a:fld>
             <a:endParaRPr lang="en-GB"/>
           </a:p>
@@ -724,7 +725,7 @@
           <a:p>
             <a:fld id="{AE182ABF-C602-4EB8-A052-2B7C8A1BDF7F}" type="datetimeFigureOut">
               <a:rPr lang="en-GB" smtClean="0"/>
-              <a:t>11/12/2019</a:t>
+              <a:t>12/12/2019</a:t>
             </a:fld>
             <a:endParaRPr lang="en-GB"/>
           </a:p>
@@ -924,7 +925,7 @@
           <a:p>
             <a:fld id="{AE182ABF-C602-4EB8-A052-2B7C8A1BDF7F}" type="datetimeFigureOut">
               <a:rPr lang="en-GB" smtClean="0"/>
-              <a:t>11/12/2019</a:t>
+              <a:t>12/12/2019</a:t>
             </a:fld>
             <a:endParaRPr lang="en-GB"/>
           </a:p>
@@ -1200,7 +1201,7 @@
           <a:p>
             <a:fld id="{AE182ABF-C602-4EB8-A052-2B7C8A1BDF7F}" type="datetimeFigureOut">
               <a:rPr lang="en-GB" smtClean="0"/>
-              <a:t>11/12/2019</a:t>
+              <a:t>12/12/2019</a:t>
             </a:fld>
             <a:endParaRPr lang="en-GB"/>
           </a:p>
@@ -1468,7 +1469,7 @@
           <a:p>
             <a:fld id="{AE182ABF-C602-4EB8-A052-2B7C8A1BDF7F}" type="datetimeFigureOut">
               <a:rPr lang="en-GB" smtClean="0"/>
-              <a:t>11/12/2019</a:t>
+              <a:t>12/12/2019</a:t>
             </a:fld>
             <a:endParaRPr lang="en-GB"/>
           </a:p>
@@ -1883,7 +1884,7 @@
           <a:p>
             <a:fld id="{AE182ABF-C602-4EB8-A052-2B7C8A1BDF7F}" type="datetimeFigureOut">
               <a:rPr lang="en-GB" smtClean="0"/>
-              <a:t>11/12/2019</a:t>
+              <a:t>12/12/2019</a:t>
             </a:fld>
             <a:endParaRPr lang="en-GB"/>
           </a:p>
@@ -2025,7 +2026,7 @@
           <a:p>
             <a:fld id="{AE182ABF-C602-4EB8-A052-2B7C8A1BDF7F}" type="datetimeFigureOut">
               <a:rPr lang="en-GB" smtClean="0"/>
-              <a:t>11/12/2019</a:t>
+              <a:t>12/12/2019</a:t>
             </a:fld>
             <a:endParaRPr lang="en-GB"/>
           </a:p>
@@ -2138,7 +2139,7 @@
           <a:p>
             <a:fld id="{AE182ABF-C602-4EB8-A052-2B7C8A1BDF7F}" type="datetimeFigureOut">
               <a:rPr lang="en-GB" smtClean="0"/>
-              <a:t>11/12/2019</a:t>
+              <a:t>12/12/2019</a:t>
             </a:fld>
             <a:endParaRPr lang="en-GB"/>
           </a:p>
@@ -2451,7 +2452,7 @@
           <a:p>
             <a:fld id="{AE182ABF-C602-4EB8-A052-2B7C8A1BDF7F}" type="datetimeFigureOut">
               <a:rPr lang="en-GB" smtClean="0"/>
-              <a:t>11/12/2019</a:t>
+              <a:t>12/12/2019</a:t>
             </a:fld>
             <a:endParaRPr lang="en-GB"/>
           </a:p>
@@ -2740,7 +2741,7 @@
           <a:p>
             <a:fld id="{AE182ABF-C602-4EB8-A052-2B7C8A1BDF7F}" type="datetimeFigureOut">
               <a:rPr lang="en-GB" smtClean="0"/>
-              <a:t>11/12/2019</a:t>
+              <a:t>12/12/2019</a:t>
             </a:fld>
             <a:endParaRPr lang="en-GB"/>
           </a:p>
@@ -2983,7 +2984,7 @@
           <a:p>
             <a:fld id="{AE182ABF-C602-4EB8-A052-2B7C8A1BDF7F}" type="datetimeFigureOut">
               <a:rPr lang="en-GB" smtClean="0"/>
-              <a:t>11/12/2019</a:t>
+              <a:t>12/12/2019</a:t>
             </a:fld>
             <a:endParaRPr lang="en-GB"/>
           </a:p>
@@ -29926,6 +29927,385 @@
     <p:extLst>
       <p:ext uri="{BB962C8B-B14F-4D97-AF65-F5344CB8AC3E}">
         <p14:creationId xmlns:p14="http://schemas.microsoft.com/office/powerpoint/2010/main" val="169473387"/>
+      </p:ext>
+    </p:extLst>
+  </p:cSld>
+  <p:clrMapOvr>
+    <a:masterClrMapping/>
+  </p:clrMapOvr>
+</p:sld>
+</file>
+
+<file path=ppt/slides/slide55.xml><?xml version="1.0" encoding="utf-8"?>
+<p:sld xmlns:a="http://schemas.openxmlformats.org/drawingml/2006/main" xmlns:r="http://schemas.openxmlformats.org/officeDocument/2006/relationships" xmlns:p="http://schemas.openxmlformats.org/presentationml/2006/main">
+  <p:cSld>
+    <p:spTree>
+      <p:nvGrpSpPr>
+        <p:cNvPr id="1" name=""/>
+        <p:cNvGrpSpPr/>
+        <p:nvPr/>
+      </p:nvGrpSpPr>
+      <p:grpSpPr>
+        <a:xfrm>
+          <a:off x="0" y="0"/>
+          <a:ext cx="0" cy="0"/>
+          <a:chOff x="0" y="0"/>
+          <a:chExt cx="0" cy="0"/>
+        </a:xfrm>
+      </p:grpSpPr>
+      <p:sp>
+        <p:nvSpPr>
+          <p:cNvPr id="2" name="Titel 1">
+            <a:extLst>
+              <a:ext uri="{FF2B5EF4-FFF2-40B4-BE49-F238E27FC236}">
+                <a16:creationId xmlns:a16="http://schemas.microsoft.com/office/drawing/2014/main" id="{D87F7452-903D-4699-8E7F-995D3A16A9FC}"/>
+              </a:ext>
+            </a:extLst>
+          </p:cNvPr>
+          <p:cNvSpPr>
+            <a:spLocks noGrp="1"/>
+          </p:cNvSpPr>
+          <p:nvPr>
+            <p:ph type="title"/>
+          </p:nvPr>
+        </p:nvSpPr>
+        <p:spPr/>
+        <p:txBody>
+          <a:bodyPr/>
+          <a:lstStyle/>
+          <a:p>
+            <a:r>
+              <a:rPr lang="en-GB" dirty="0"/>
+              <a:t>2</a:t>
+            </a:r>
+            <a:r>
+              <a:rPr lang="en-GB" baseline="30000" dirty="0"/>
+              <a:t>nd</a:t>
+            </a:r>
+            <a:r>
+              <a:rPr lang="en-GB" dirty="0"/>
+              <a:t> prediction with KNN – 11</a:t>
+            </a:r>
+          </a:p>
+        </p:txBody>
+      </p:sp>
+      <p:sp>
+        <p:nvSpPr>
+          <p:cNvPr id="4" name="Tekstvak 3">
+            <a:extLst>
+              <a:ext uri="{FF2B5EF4-FFF2-40B4-BE49-F238E27FC236}">
+                <a16:creationId xmlns:a16="http://schemas.microsoft.com/office/drawing/2014/main" id="{C7612A2E-42E0-4676-A87C-F88379C6483D}"/>
+              </a:ext>
+            </a:extLst>
+          </p:cNvPr>
+          <p:cNvSpPr txBox="1"/>
+          <p:nvPr/>
+        </p:nvSpPr>
+        <p:spPr>
+          <a:xfrm>
+            <a:off x="1100356" y="1777172"/>
+            <a:ext cx="4110606" cy="2031325"/>
+          </a:xfrm>
+          <a:prstGeom prst="rect">
+            <a:avLst/>
+          </a:prstGeom>
+          <a:noFill/>
+        </p:spPr>
+        <p:txBody>
+          <a:bodyPr wrap="square" rtlCol="0">
+            <a:spAutoFit/>
+          </a:bodyPr>
+          <a:lstStyle/>
+          <a:p>
+            <a:r>
+              <a:rPr lang="en-GB" dirty="0"/>
+              <a:t>Fit_lat_B0 &lt;- train(LATITUDE ~., </a:t>
+            </a:r>
+          </a:p>
+          <a:p>
+            <a:r>
+              <a:rPr lang="en-GB" dirty="0"/>
+              <a:t>                    data = training_B0_lat, </a:t>
+            </a:r>
+          </a:p>
+          <a:p>
+            <a:r>
+              <a:rPr lang="en-GB" dirty="0"/>
+              <a:t>                    method = "</a:t>
+            </a:r>
+            <a:r>
+              <a:rPr lang="en-GB" dirty="0" err="1"/>
+              <a:t>kknn</a:t>
+            </a:r>
+            <a:r>
+              <a:rPr lang="en-GB" dirty="0"/>
+              <a:t>", </a:t>
+            </a:r>
+          </a:p>
+          <a:p>
+            <a:r>
+              <a:rPr lang="en-GB" dirty="0"/>
+              <a:t>                    </a:t>
+            </a:r>
+            <a:r>
+              <a:rPr lang="en-GB" dirty="0" err="1"/>
+              <a:t>trControl</a:t>
+            </a:r>
+            <a:r>
+              <a:rPr lang="en-GB" dirty="0"/>
+              <a:t>=</a:t>
+            </a:r>
+            <a:r>
+              <a:rPr lang="en-GB" dirty="0" err="1"/>
+              <a:t>fitControl</a:t>
+            </a:r>
+            <a:r>
+              <a:rPr lang="en-GB" dirty="0"/>
+              <a:t>, </a:t>
+            </a:r>
+          </a:p>
+          <a:p>
+            <a:r>
+              <a:rPr lang="en-GB" dirty="0"/>
+              <a:t>                    </a:t>
+            </a:r>
+            <a:r>
+              <a:rPr lang="en-GB" dirty="0" err="1"/>
+              <a:t>tuneLength</a:t>
+            </a:r>
+            <a:r>
+              <a:rPr lang="en-GB" dirty="0"/>
+              <a:t> = </a:t>
+            </a:r>
+            <a:r>
+              <a:rPr lang="en-GB" dirty="0">
+                <a:solidFill>
+                  <a:srgbClr val="FF0000"/>
+                </a:solidFill>
+              </a:rPr>
+              <a:t>11</a:t>
+            </a:r>
+            <a:r>
+              <a:rPr lang="en-GB" dirty="0"/>
+              <a:t>,</a:t>
+            </a:r>
+          </a:p>
+          <a:p>
+            <a:r>
+              <a:rPr lang="en-GB" dirty="0"/>
+              <a:t>                    </a:t>
+            </a:r>
+            <a:r>
+              <a:rPr lang="en-GB" dirty="0" err="1"/>
+              <a:t>verboseIter</a:t>
+            </a:r>
+            <a:r>
+              <a:rPr lang="en-GB" dirty="0"/>
+              <a:t> = TRUE,</a:t>
+            </a:r>
+          </a:p>
+          <a:p>
+            <a:r>
+              <a:rPr lang="en-GB" dirty="0"/>
+              <a:t>                    </a:t>
+            </a:r>
+            <a:r>
+              <a:rPr lang="en-GB" dirty="0" err="1"/>
+              <a:t>preProcess</a:t>
+            </a:r>
+            <a:r>
+              <a:rPr lang="en-GB" dirty="0"/>
+              <a:t> = c("</a:t>
+            </a:r>
+            <a:r>
+              <a:rPr lang="en-GB" dirty="0" err="1"/>
+              <a:t>zv</a:t>
+            </a:r>
+            <a:r>
+              <a:rPr lang="en-GB" dirty="0"/>
+              <a:t>"))</a:t>
+            </a:r>
+          </a:p>
+        </p:txBody>
+      </p:sp>
+      <p:sp>
+        <p:nvSpPr>
+          <p:cNvPr id="5" name="Rechthoek 4">
+            <a:extLst>
+              <a:ext uri="{FF2B5EF4-FFF2-40B4-BE49-F238E27FC236}">
+                <a16:creationId xmlns:a16="http://schemas.microsoft.com/office/drawing/2014/main" id="{5A8AF3AC-8018-4A5F-BB8E-1C45C62D013B}"/>
+              </a:ext>
+            </a:extLst>
+          </p:cNvPr>
+          <p:cNvSpPr/>
+          <p:nvPr/>
+        </p:nvSpPr>
+        <p:spPr>
+          <a:xfrm>
+            <a:off x="1409350" y="4406708"/>
+            <a:ext cx="9373299" cy="1477328"/>
+          </a:xfrm>
+          <a:prstGeom prst="rect">
+            <a:avLst/>
+          </a:prstGeom>
+        </p:spPr>
+        <p:txBody>
+          <a:bodyPr wrap="square">
+            <a:spAutoFit/>
+          </a:bodyPr>
+          <a:lstStyle/>
+          <a:p>
+            <a:r>
+              <a:rPr lang="en-US" dirty="0"/>
+              <a:t>Removed the parameter “</a:t>
+            </a:r>
+            <a:r>
+              <a:rPr lang="en-US" dirty="0" err="1"/>
+              <a:t>medianImpute</a:t>
+            </a:r>
+            <a:r>
+              <a:rPr lang="en-US" dirty="0"/>
+              <a:t>” from </a:t>
+            </a:r>
+            <a:r>
+              <a:rPr lang="en-US" dirty="0" err="1"/>
+              <a:t>preProcess</a:t>
+            </a:r>
+            <a:endParaRPr lang="en-US" dirty="0"/>
+          </a:p>
+          <a:p>
+            <a:endParaRPr lang="en-US" dirty="0"/>
+          </a:p>
+          <a:p>
+            <a:r>
+              <a:rPr lang="en-US" dirty="0"/>
+              <a:t>10 fold cross validation, folds is 10, repeats 10----</a:t>
+            </a:r>
+          </a:p>
+          <a:p>
+            <a:endParaRPr lang="en-US" dirty="0"/>
+          </a:p>
+          <a:p>
+            <a:r>
+              <a:rPr lang="en-US" dirty="0" err="1"/>
+              <a:t>fitControl</a:t>
+            </a:r>
+            <a:r>
+              <a:rPr lang="en-US" dirty="0"/>
+              <a:t> &lt;- </a:t>
+            </a:r>
+            <a:r>
+              <a:rPr lang="en-US" dirty="0" err="1"/>
+              <a:t>trainControl</a:t>
+            </a:r>
+            <a:r>
+              <a:rPr lang="en-US" dirty="0"/>
+              <a:t>(method = "</a:t>
+            </a:r>
+            <a:r>
+              <a:rPr lang="en-US" dirty="0" err="1"/>
+              <a:t>repeatedcv</a:t>
+            </a:r>
+            <a:r>
+              <a:rPr lang="en-US" dirty="0"/>
+              <a:t>", number = 10, repeats = 10)</a:t>
+            </a:r>
+            <a:endParaRPr lang="en-GB" dirty="0"/>
+          </a:p>
+        </p:txBody>
+      </p:sp>
+      <p:sp>
+        <p:nvSpPr>
+          <p:cNvPr id="6" name="Tekstvak 5">
+            <a:extLst>
+              <a:ext uri="{FF2B5EF4-FFF2-40B4-BE49-F238E27FC236}">
+                <a16:creationId xmlns:a16="http://schemas.microsoft.com/office/drawing/2014/main" id="{2F5BB882-A7DC-4A14-87A0-F75EC2B89C20}"/>
+              </a:ext>
+            </a:extLst>
+          </p:cNvPr>
+          <p:cNvSpPr txBox="1"/>
+          <p:nvPr/>
+        </p:nvSpPr>
+        <p:spPr>
+          <a:xfrm>
+            <a:off x="6912528" y="1378451"/>
+            <a:ext cx="4995646" cy="2862322"/>
+          </a:xfrm>
+          <a:prstGeom prst="rect">
+            <a:avLst/>
+          </a:prstGeom>
+          <a:noFill/>
+        </p:spPr>
+        <p:txBody>
+          <a:bodyPr wrap="square" rtlCol="0">
+            <a:spAutoFit/>
+          </a:bodyPr>
+          <a:lstStyle/>
+          <a:p>
+            <a:r>
+              <a:rPr lang="en-GB" dirty="0"/>
+              <a:t>Rule for k-NN is to use a k equal to the square root of the number of training examples.</a:t>
+            </a:r>
+          </a:p>
+          <a:p>
+            <a:endParaRPr lang="en-GB" dirty="0"/>
+          </a:p>
+          <a:p>
+            <a:r>
+              <a:rPr lang="en-GB" dirty="0"/>
+              <a:t>	</a:t>
+            </a:r>
+            <a:r>
+              <a:rPr lang="en-GB" b="1" dirty="0">
+                <a:solidFill>
+                  <a:schemeClr val="accent1"/>
+                </a:solidFill>
+              </a:rPr>
+              <a:t>training examples		square root</a:t>
+            </a:r>
+          </a:p>
+          <a:p>
+            <a:r>
+              <a:rPr lang="en-GB" dirty="0"/>
+              <a:t>B0 Lat/long 	3938 	- 	√ 62,75</a:t>
+            </a:r>
+          </a:p>
+          <a:p>
+            <a:r>
+              <a:rPr lang="en-GB" dirty="0"/>
+              <a:t>B0 Floor 		3870 	- 	√ 62,21</a:t>
+            </a:r>
+          </a:p>
+          <a:p>
+            <a:r>
+              <a:rPr lang="en-GB" dirty="0"/>
+              <a:t>B1 Lat/Long 	3871 	- 	√ 62,22</a:t>
+            </a:r>
+          </a:p>
+          <a:p>
+            <a:r>
+              <a:rPr lang="en-GB" dirty="0"/>
+              <a:t>B1 Floor 		3870 	- 	√ 62,21</a:t>
+            </a:r>
+          </a:p>
+          <a:p>
+            <a:r>
+              <a:rPr lang="en-GB" dirty="0"/>
+              <a:t>B2 Long/Lat  	7093 	- 	√ 84,22</a:t>
+            </a:r>
+          </a:p>
+          <a:p>
+            <a:r>
+              <a:rPr lang="en-GB" dirty="0"/>
+              <a:t>B2 Floor 	 	7092 	- 	√ 84,21</a:t>
+            </a:r>
+          </a:p>
+        </p:txBody>
+      </p:sp>
+    </p:spTree>
+    <p:extLst>
+      <p:ext uri="{BB962C8B-B14F-4D97-AF65-F5344CB8AC3E}">
+        <p14:creationId xmlns:p14="http://schemas.microsoft.com/office/powerpoint/2010/main" val="2589638218"/>
       </p:ext>
     </p:extLst>
   </p:cSld>
